--- a/Presentation.pptx
+++ b/Presentation.pptx
@@ -9,8 +9,8 @@
   </p:notesMasterIdLst>
   <p:sldIdLst>
     <p:sldId id="256" r:id="rId2"/>
-    <p:sldId id="264" r:id="rId3"/>
-    <p:sldId id="257" r:id="rId4"/>
+    <p:sldId id="257" r:id="rId3"/>
+    <p:sldId id="264" r:id="rId4"/>
     <p:sldId id="259" r:id="rId5"/>
     <p:sldId id="260" r:id="rId6"/>
     <p:sldId id="261" r:id="rId7"/>
@@ -122,6 +122,4117 @@
 </p:presentation>
 </file>
 
+<file path=ppt/charts/chart1.xml><?xml version="1.0" encoding="utf-8"?>
+<c:chartSpace xmlns:c="http://schemas.openxmlformats.org/drawingml/2006/chart" xmlns:a="http://schemas.openxmlformats.org/drawingml/2006/main" xmlns:r="http://schemas.openxmlformats.org/officeDocument/2006/relationships">
+  <c:date1904 val="0"/>
+  <c:lang val="ru-RU"/>
+  <c:roundedCorners val="0"/>
+  <mc:AlternateContent xmlns:mc="http://schemas.openxmlformats.org/markup-compatibility/2006">
+    <mc:Choice xmlns:c14="http://schemas.microsoft.com/office/drawing/2007/8/2/chart" Requires="c14">
+      <c14:style val="104"/>
+    </mc:Choice>
+    <mc:Fallback>
+      <c:style val="4"/>
+    </mc:Fallback>
+  </mc:AlternateContent>
+  <c:chart>
+    <c:title>
+      <c:tx>
+        <c:rich>
+          <a:bodyPr rot="0" spcFirstLastPara="1" vertOverflow="ellipsis" vert="horz" wrap="square" anchor="ctr" anchorCtr="1"/>
+          <a:lstStyle/>
+          <a:p>
+            <a:pPr>
+              <a:defRPr sz="1400" b="0" i="0" u="none" strike="noStrike" kern="1200" spc="0" baseline="0">
+                <a:solidFill>
+                  <a:schemeClr val="tx1">
+                    <a:lumMod val="65000"/>
+                    <a:lumOff val="35000"/>
+                  </a:schemeClr>
+                </a:solidFill>
+                <a:latin typeface="+mn-lt"/>
+                <a:ea typeface="+mn-ea"/>
+                <a:cs typeface="+mn-cs"/>
+              </a:defRPr>
+            </a:pPr>
+            <a:r>
+              <a:rPr lang="en-US"/>
+              <a:t>U(x,y)</a:t>
+            </a:r>
+            <a:endParaRPr lang="ru-RU"/>
+          </a:p>
+        </c:rich>
+      </c:tx>
+      <c:layout/>
+      <c:overlay val="0"/>
+      <c:spPr>
+        <a:noFill/>
+        <a:ln>
+          <a:noFill/>
+        </a:ln>
+        <a:effectLst/>
+      </c:spPr>
+    </c:title>
+    <c:autoTitleDeleted val="0"/>
+    <c:view3D>
+      <c:rotX val="20"/>
+      <c:rotY val="50"/>
+      <c:rAngAx val="0"/>
+    </c:view3D>
+    <c:floor>
+      <c:thickness val="0"/>
+      <c:spPr>
+        <a:noFill/>
+        <a:ln w="6350" cap="flat" cmpd="sng" algn="ctr">
+          <a:noFill/>
+          <a:prstDash val="solid"/>
+          <a:round/>
+        </a:ln>
+        <a:effectLst/>
+        <a:sp3d/>
+      </c:spPr>
+    </c:floor>
+    <c:sideWall>
+      <c:thickness val="0"/>
+      <c:spPr>
+        <a:noFill/>
+        <a:ln>
+          <a:noFill/>
+        </a:ln>
+        <a:effectLst/>
+        <a:sp3d/>
+      </c:spPr>
+    </c:sideWall>
+    <c:backWall>
+      <c:thickness val="0"/>
+      <c:spPr>
+        <a:noFill/>
+        <a:ln>
+          <a:noFill/>
+        </a:ln>
+        <a:effectLst/>
+        <a:sp3d/>
+      </c:spPr>
+    </c:backWall>
+    <c:plotArea>
+      <c:layout/>
+      <c:surface3DChart>
+        <c:wireframe val="0"/>
+        <c:ser>
+          <c:idx val="0"/>
+          <c:order val="0"/>
+          <c:tx>
+            <c:strRef>
+              <c:f>ImplicitGridMethodResult!$B$1</c:f>
+              <c:strCache>
+                <c:ptCount val="1"/>
+                <c:pt idx="0">
+                  <c:v>0</c:v>
+                </c:pt>
+              </c:strCache>
+            </c:strRef>
+          </c:tx>
+          <c:spPr>
+            <a:solidFill>
+              <a:schemeClr val="accent2">
+                <a:tint val="43000"/>
+              </a:schemeClr>
+            </a:solidFill>
+            <a:ln/>
+            <a:effectLst/>
+            <a:sp3d/>
+          </c:spPr>
+          <c:cat>
+            <c:numRef>
+              <c:f>ImplicitGridMethodResult!$A$2:$A$51</c:f>
+              <c:numCache>
+                <c:formatCode>General</c:formatCode>
+                <c:ptCount val="50"/>
+                <c:pt idx="0">
+                  <c:v>0</c:v>
+                </c:pt>
+                <c:pt idx="1">
+                  <c:v>1E-3</c:v>
+                </c:pt>
+                <c:pt idx="2">
+                  <c:v>2E-3</c:v>
+                </c:pt>
+                <c:pt idx="3">
+                  <c:v>3.0000000000000001E-3</c:v>
+                </c:pt>
+                <c:pt idx="4">
+                  <c:v>4.0000000000000001E-3</c:v>
+                </c:pt>
+                <c:pt idx="5">
+                  <c:v>5.0000000000000001E-3</c:v>
+                </c:pt>
+                <c:pt idx="6">
+                  <c:v>6.0000000000000001E-3</c:v>
+                </c:pt>
+                <c:pt idx="7">
+                  <c:v>7.0000000000000001E-3</c:v>
+                </c:pt>
+                <c:pt idx="8">
+                  <c:v>8.0000000000000002E-3</c:v>
+                </c:pt>
+                <c:pt idx="9">
+                  <c:v>9.0000000000000011E-3</c:v>
+                </c:pt>
+                <c:pt idx="10">
+                  <c:v>0.01</c:v>
+                </c:pt>
+                <c:pt idx="11">
+                  <c:v>1.0999999999999999E-2</c:v>
+                </c:pt>
+                <c:pt idx="12">
+                  <c:v>1.2E-2</c:v>
+                </c:pt>
+                <c:pt idx="13">
+                  <c:v>1.3000000000000001E-2</c:v>
+                </c:pt>
+                <c:pt idx="14">
+                  <c:v>1.4E-2</c:v>
+                </c:pt>
+                <c:pt idx="15">
+                  <c:v>1.4999999999999999E-2</c:v>
+                </c:pt>
+                <c:pt idx="16">
+                  <c:v>1.6E-2</c:v>
+                </c:pt>
+                <c:pt idx="17">
+                  <c:v>1.7000000000000001E-2</c:v>
+                </c:pt>
+                <c:pt idx="18">
+                  <c:v>1.8000000000000002E-2</c:v>
+                </c:pt>
+                <c:pt idx="19">
+                  <c:v>1.9E-2</c:v>
+                </c:pt>
+                <c:pt idx="20">
+                  <c:v>0.02</c:v>
+                </c:pt>
+                <c:pt idx="21">
+                  <c:v>2.1000000000000001E-2</c:v>
+                </c:pt>
+                <c:pt idx="22">
+                  <c:v>2.1999999999999999E-2</c:v>
+                </c:pt>
+                <c:pt idx="23">
+                  <c:v>2.3E-2</c:v>
+                </c:pt>
+                <c:pt idx="24">
+                  <c:v>2.4E-2</c:v>
+                </c:pt>
+                <c:pt idx="25">
+                  <c:v>2.5000000000000001E-2</c:v>
+                </c:pt>
+                <c:pt idx="26">
+                  <c:v>2.6000000000000002E-2</c:v>
+                </c:pt>
+                <c:pt idx="27">
+                  <c:v>2.7E-2</c:v>
+                </c:pt>
+                <c:pt idx="28">
+                  <c:v>2.8000000000000001E-2</c:v>
+                </c:pt>
+                <c:pt idx="29">
+                  <c:v>2.9000000000000001E-2</c:v>
+                </c:pt>
+                <c:pt idx="30">
+                  <c:v>0.03</c:v>
+                </c:pt>
+                <c:pt idx="31">
+                  <c:v>3.1E-2</c:v>
+                </c:pt>
+                <c:pt idx="32">
+                  <c:v>3.2000000000000001E-2</c:v>
+                </c:pt>
+                <c:pt idx="33">
+                  <c:v>3.3000000000000002E-2</c:v>
+                </c:pt>
+                <c:pt idx="34">
+                  <c:v>3.4000000000000002E-2</c:v>
+                </c:pt>
+                <c:pt idx="35">
+                  <c:v>3.5000000000000003E-2</c:v>
+                </c:pt>
+                <c:pt idx="36">
+                  <c:v>3.6000000000000004E-2</c:v>
+                </c:pt>
+                <c:pt idx="37">
+                  <c:v>3.6999999999999998E-2</c:v>
+                </c:pt>
+                <c:pt idx="38">
+                  <c:v>3.7999999999999999E-2</c:v>
+                </c:pt>
+                <c:pt idx="39">
+                  <c:v>3.9E-2</c:v>
+                </c:pt>
+                <c:pt idx="40">
+                  <c:v>0.04</c:v>
+                </c:pt>
+                <c:pt idx="41">
+                  <c:v>4.1000000000000002E-2</c:v>
+                </c:pt>
+                <c:pt idx="42">
+                  <c:v>4.2000000000000003E-2</c:v>
+                </c:pt>
+                <c:pt idx="43">
+                  <c:v>4.3000000000000003E-2</c:v>
+                </c:pt>
+                <c:pt idx="44">
+                  <c:v>4.3999999999999997E-2</c:v>
+                </c:pt>
+                <c:pt idx="45">
+                  <c:v>4.4999999999999998E-2</c:v>
+                </c:pt>
+                <c:pt idx="46">
+                  <c:v>4.5999999999999999E-2</c:v>
+                </c:pt>
+                <c:pt idx="47">
+                  <c:v>4.7E-2</c:v>
+                </c:pt>
+                <c:pt idx="48">
+                  <c:v>4.8000000000000001E-2</c:v>
+                </c:pt>
+                <c:pt idx="49">
+                  <c:v>4.9000000000000002E-2</c:v>
+                </c:pt>
+              </c:numCache>
+            </c:numRef>
+          </c:cat>
+          <c:val>
+            <c:numRef>
+              <c:f>ImplicitGridMethodResult!$B$2:$B$51</c:f>
+              <c:numCache>
+                <c:formatCode>General</c:formatCode>
+                <c:ptCount val="50"/>
+                <c:pt idx="0">
+                  <c:v>0</c:v>
+                </c:pt>
+                <c:pt idx="1">
+                  <c:v>1E-3</c:v>
+                </c:pt>
+                <c:pt idx="2">
+                  <c:v>2E-3</c:v>
+                </c:pt>
+                <c:pt idx="3">
+                  <c:v>3.0000000000000001E-3</c:v>
+                </c:pt>
+                <c:pt idx="4">
+                  <c:v>4.0000000000000001E-3</c:v>
+                </c:pt>
+                <c:pt idx="5">
+                  <c:v>5.0000000000000001E-3</c:v>
+                </c:pt>
+                <c:pt idx="6">
+                  <c:v>6.0000000000000001E-3</c:v>
+                </c:pt>
+                <c:pt idx="7">
+                  <c:v>7.0000000000000001E-3</c:v>
+                </c:pt>
+                <c:pt idx="8">
+                  <c:v>8.0000000000000002E-3</c:v>
+                </c:pt>
+                <c:pt idx="9">
+                  <c:v>9.0000000000000011E-3</c:v>
+                </c:pt>
+                <c:pt idx="10">
+                  <c:v>0.01</c:v>
+                </c:pt>
+                <c:pt idx="11">
+                  <c:v>1.0999999999999999E-2</c:v>
+                </c:pt>
+                <c:pt idx="12">
+                  <c:v>1.2E-2</c:v>
+                </c:pt>
+                <c:pt idx="13">
+                  <c:v>1.3000000000000001E-2</c:v>
+                </c:pt>
+                <c:pt idx="14">
+                  <c:v>1.4E-2</c:v>
+                </c:pt>
+                <c:pt idx="15">
+                  <c:v>1.4999999999999999E-2</c:v>
+                </c:pt>
+                <c:pt idx="16">
+                  <c:v>1.6E-2</c:v>
+                </c:pt>
+                <c:pt idx="17">
+                  <c:v>1.7000000000000001E-2</c:v>
+                </c:pt>
+                <c:pt idx="18">
+                  <c:v>1.8000000000000002E-2</c:v>
+                </c:pt>
+                <c:pt idx="19">
+                  <c:v>1.9E-2</c:v>
+                </c:pt>
+                <c:pt idx="20">
+                  <c:v>0.02</c:v>
+                </c:pt>
+                <c:pt idx="21">
+                  <c:v>2.1000000000000001E-2</c:v>
+                </c:pt>
+                <c:pt idx="22">
+                  <c:v>2.1999999999999999E-2</c:v>
+                </c:pt>
+                <c:pt idx="23">
+                  <c:v>2.3E-2</c:v>
+                </c:pt>
+                <c:pt idx="24">
+                  <c:v>2.4E-2</c:v>
+                </c:pt>
+                <c:pt idx="25">
+                  <c:v>2.5000000000000001E-2</c:v>
+                </c:pt>
+                <c:pt idx="26">
+                  <c:v>2.6000000000000002E-2</c:v>
+                </c:pt>
+                <c:pt idx="27">
+                  <c:v>2.7E-2</c:v>
+                </c:pt>
+                <c:pt idx="28">
+                  <c:v>2.8000000000000001E-2</c:v>
+                </c:pt>
+                <c:pt idx="29">
+                  <c:v>2.9000000000000001E-2</c:v>
+                </c:pt>
+                <c:pt idx="30">
+                  <c:v>0.03</c:v>
+                </c:pt>
+                <c:pt idx="31">
+                  <c:v>3.1E-2</c:v>
+                </c:pt>
+                <c:pt idx="32">
+                  <c:v>3.2000000000000001E-2</c:v>
+                </c:pt>
+                <c:pt idx="33">
+                  <c:v>3.3000000000000002E-2</c:v>
+                </c:pt>
+                <c:pt idx="34">
+                  <c:v>3.4000000000000002E-2</c:v>
+                </c:pt>
+                <c:pt idx="35">
+                  <c:v>3.5000000000000003E-2</c:v>
+                </c:pt>
+                <c:pt idx="36">
+                  <c:v>3.6000000000000004E-2</c:v>
+                </c:pt>
+                <c:pt idx="37">
+                  <c:v>3.6999999999999998E-2</c:v>
+                </c:pt>
+                <c:pt idx="38">
+                  <c:v>3.7999999999999999E-2</c:v>
+                </c:pt>
+                <c:pt idx="39">
+                  <c:v>3.9E-2</c:v>
+                </c:pt>
+                <c:pt idx="40">
+                  <c:v>0.04</c:v>
+                </c:pt>
+                <c:pt idx="41">
+                  <c:v>4.1000000000000002E-2</c:v>
+                </c:pt>
+                <c:pt idx="42">
+                  <c:v>4.2000000000000003E-2</c:v>
+                </c:pt>
+                <c:pt idx="43">
+                  <c:v>4.3000000000000003E-2</c:v>
+                </c:pt>
+                <c:pt idx="44">
+                  <c:v>4.3999999999999997E-2</c:v>
+                </c:pt>
+                <c:pt idx="45">
+                  <c:v>4.4999999999999998E-2</c:v>
+                </c:pt>
+                <c:pt idx="46">
+                  <c:v>4.5999999999999999E-2</c:v>
+                </c:pt>
+                <c:pt idx="47">
+                  <c:v>4.7E-2</c:v>
+                </c:pt>
+                <c:pt idx="48">
+                  <c:v>4.8000000000000001E-2</c:v>
+                </c:pt>
+                <c:pt idx="49">
+                  <c:v>4.9000000000000002E-2</c:v>
+                </c:pt>
+              </c:numCache>
+            </c:numRef>
+          </c:val>
+          <c:extLst xmlns:c16r2="http://schemas.microsoft.com/office/drawing/2015/06/chart">
+            <c:ext xmlns:c16="http://schemas.microsoft.com/office/drawing/2014/chart" uri="{C3380CC4-5D6E-409C-BE32-E72D297353CC}">
+              <c16:uniqueId val="{00000000-1DD5-423C-8E4C-162F704BE6DB}"/>
+            </c:ext>
+          </c:extLst>
+        </c:ser>
+        <c:ser>
+          <c:idx val="1"/>
+          <c:order val="1"/>
+          <c:tx>
+            <c:strRef>
+              <c:f>ImplicitGridMethodResult!$C$1</c:f>
+              <c:strCache>
+                <c:ptCount val="1"/>
+                <c:pt idx="0">
+                  <c:v>0,34906585</c:v>
+                </c:pt>
+              </c:strCache>
+            </c:strRef>
+          </c:tx>
+          <c:spPr>
+            <a:solidFill>
+              <a:schemeClr val="accent2">
+                <a:tint val="56000"/>
+              </a:schemeClr>
+            </a:solidFill>
+            <a:ln/>
+            <a:effectLst/>
+            <a:sp3d/>
+          </c:spPr>
+          <c:cat>
+            <c:numRef>
+              <c:f>ImplicitGridMethodResult!$A$2:$A$51</c:f>
+              <c:numCache>
+                <c:formatCode>General</c:formatCode>
+                <c:ptCount val="50"/>
+                <c:pt idx="0">
+                  <c:v>0</c:v>
+                </c:pt>
+                <c:pt idx="1">
+                  <c:v>1E-3</c:v>
+                </c:pt>
+                <c:pt idx="2">
+                  <c:v>2E-3</c:v>
+                </c:pt>
+                <c:pt idx="3">
+                  <c:v>3.0000000000000001E-3</c:v>
+                </c:pt>
+                <c:pt idx="4">
+                  <c:v>4.0000000000000001E-3</c:v>
+                </c:pt>
+                <c:pt idx="5">
+                  <c:v>5.0000000000000001E-3</c:v>
+                </c:pt>
+                <c:pt idx="6">
+                  <c:v>6.0000000000000001E-3</c:v>
+                </c:pt>
+                <c:pt idx="7">
+                  <c:v>7.0000000000000001E-3</c:v>
+                </c:pt>
+                <c:pt idx="8">
+                  <c:v>8.0000000000000002E-3</c:v>
+                </c:pt>
+                <c:pt idx="9">
+                  <c:v>9.0000000000000011E-3</c:v>
+                </c:pt>
+                <c:pt idx="10">
+                  <c:v>0.01</c:v>
+                </c:pt>
+                <c:pt idx="11">
+                  <c:v>1.0999999999999999E-2</c:v>
+                </c:pt>
+                <c:pt idx="12">
+                  <c:v>1.2E-2</c:v>
+                </c:pt>
+                <c:pt idx="13">
+                  <c:v>1.3000000000000001E-2</c:v>
+                </c:pt>
+                <c:pt idx="14">
+                  <c:v>1.4E-2</c:v>
+                </c:pt>
+                <c:pt idx="15">
+                  <c:v>1.4999999999999999E-2</c:v>
+                </c:pt>
+                <c:pt idx="16">
+                  <c:v>1.6E-2</c:v>
+                </c:pt>
+                <c:pt idx="17">
+                  <c:v>1.7000000000000001E-2</c:v>
+                </c:pt>
+                <c:pt idx="18">
+                  <c:v>1.8000000000000002E-2</c:v>
+                </c:pt>
+                <c:pt idx="19">
+                  <c:v>1.9E-2</c:v>
+                </c:pt>
+                <c:pt idx="20">
+                  <c:v>0.02</c:v>
+                </c:pt>
+                <c:pt idx="21">
+                  <c:v>2.1000000000000001E-2</c:v>
+                </c:pt>
+                <c:pt idx="22">
+                  <c:v>2.1999999999999999E-2</c:v>
+                </c:pt>
+                <c:pt idx="23">
+                  <c:v>2.3E-2</c:v>
+                </c:pt>
+                <c:pt idx="24">
+                  <c:v>2.4E-2</c:v>
+                </c:pt>
+                <c:pt idx="25">
+                  <c:v>2.5000000000000001E-2</c:v>
+                </c:pt>
+                <c:pt idx="26">
+                  <c:v>2.6000000000000002E-2</c:v>
+                </c:pt>
+                <c:pt idx="27">
+                  <c:v>2.7E-2</c:v>
+                </c:pt>
+                <c:pt idx="28">
+                  <c:v>2.8000000000000001E-2</c:v>
+                </c:pt>
+                <c:pt idx="29">
+                  <c:v>2.9000000000000001E-2</c:v>
+                </c:pt>
+                <c:pt idx="30">
+                  <c:v>0.03</c:v>
+                </c:pt>
+                <c:pt idx="31">
+                  <c:v>3.1E-2</c:v>
+                </c:pt>
+                <c:pt idx="32">
+                  <c:v>3.2000000000000001E-2</c:v>
+                </c:pt>
+                <c:pt idx="33">
+                  <c:v>3.3000000000000002E-2</c:v>
+                </c:pt>
+                <c:pt idx="34">
+                  <c:v>3.4000000000000002E-2</c:v>
+                </c:pt>
+                <c:pt idx="35">
+                  <c:v>3.5000000000000003E-2</c:v>
+                </c:pt>
+                <c:pt idx="36">
+                  <c:v>3.6000000000000004E-2</c:v>
+                </c:pt>
+                <c:pt idx="37">
+                  <c:v>3.6999999999999998E-2</c:v>
+                </c:pt>
+                <c:pt idx="38">
+                  <c:v>3.7999999999999999E-2</c:v>
+                </c:pt>
+                <c:pt idx="39">
+                  <c:v>3.9E-2</c:v>
+                </c:pt>
+                <c:pt idx="40">
+                  <c:v>0.04</c:v>
+                </c:pt>
+                <c:pt idx="41">
+                  <c:v>4.1000000000000002E-2</c:v>
+                </c:pt>
+                <c:pt idx="42">
+                  <c:v>4.2000000000000003E-2</c:v>
+                </c:pt>
+                <c:pt idx="43">
+                  <c:v>4.3000000000000003E-2</c:v>
+                </c:pt>
+                <c:pt idx="44">
+                  <c:v>4.3999999999999997E-2</c:v>
+                </c:pt>
+                <c:pt idx="45">
+                  <c:v>4.4999999999999998E-2</c:v>
+                </c:pt>
+                <c:pt idx="46">
+                  <c:v>4.5999999999999999E-2</c:v>
+                </c:pt>
+                <c:pt idx="47">
+                  <c:v>4.7E-2</c:v>
+                </c:pt>
+                <c:pt idx="48">
+                  <c:v>4.8000000000000001E-2</c:v>
+                </c:pt>
+                <c:pt idx="49">
+                  <c:v>4.9000000000000002E-2</c:v>
+                </c:pt>
+              </c:numCache>
+            </c:numRef>
+          </c:cat>
+          <c:val>
+            <c:numRef>
+              <c:f>ImplicitGridMethodResult!$C$2:$C$51</c:f>
+              <c:numCache>
+                <c:formatCode>General</c:formatCode>
+                <c:ptCount val="50"/>
+                <c:pt idx="0">
+                  <c:v>0.34202014332566871</c:v>
+                </c:pt>
+                <c:pt idx="1">
+                  <c:v>0.32678233721913391</c:v>
+                </c:pt>
+                <c:pt idx="2">
+                  <c:v>0.31242277525470274</c:v>
+                </c:pt>
+                <c:pt idx="3">
+                  <c:v>0.29885710439294244</c:v>
+                </c:pt>
+                <c:pt idx="4">
+                  <c:v>0.28602322852640366</c:v>
+                </c:pt>
+                <c:pt idx="5">
+                  <c:v>0.27387180168171926</c:v>
+                </c:pt>
+                <c:pt idx="6">
+                  <c:v>0.26236126717917541</c:v>
+                </c:pt>
+                <c:pt idx="7">
+                  <c:v>0.25145518122294991</c:v>
+                </c:pt>
+                <c:pt idx="8">
+                  <c:v>0.24112071459823686</c:v>
+                </c:pt>
+                <c:pt idx="9">
+                  <c:v>0.23132777808915708</c:v>
+                </c:pt>
+                <c:pt idx="10">
+                  <c:v>0.22204848690044049</c:v>
+                </c:pt>
+                <c:pt idx="11">
+                  <c:v>0.21325681430398555</c:v>
+                </c:pt>
+                <c:pt idx="12">
+                  <c:v>0.20492835391273462</c:v>
+                </c:pt>
+                <c:pt idx="13">
+                  <c:v>0.19704014629623776</c:v>
+                </c:pt>
+                <c:pt idx="14">
+                  <c:v>0.18957054512773469</c:v>
+                </c:pt>
+                <c:pt idx="15">
+                  <c:v>0.18249910869770106</c:v>
+                </c:pt>
+                <c:pt idx="16">
+                  <c:v>0.17580650854152249</c:v>
+                </c:pt>
+                <c:pt idx="17">
+                  <c:v>0.16947445025789029</c:v>
+                </c:pt>
+                <c:pt idx="18">
+                  <c:v>0.16348560349130647</c:v>
+                </c:pt>
+                <c:pt idx="19">
+                  <c:v>0.15782353914583733</c:v>
+                </c:pt>
+                <c:pt idx="20">
+                  <c:v>0.15247267253686986</c:v>
+                </c:pt>
+                <c:pt idx="21">
+                  <c:v>0.14741821156880755</c:v>
+                </c:pt>
+                <c:pt idx="22">
+                  <c:v>0.14264610925998281</c:v>
+                </c:pt>
+                <c:pt idx="23">
+                  <c:v>0.13814302008431908</c:v>
+                </c:pt>
+                <c:pt idx="24">
+                  <c:v>0.13389625969811633</c:v>
+                </c:pt>
+                <c:pt idx="25">
+                  <c:v>0.1298937676900157</c:v>
+                </c:pt>
+                <c:pt idx="26">
+                  <c:v>0.12612407304422968</c:v>
+                </c:pt>
+                <c:pt idx="27">
+                  <c:v>0.12257626204802524</c:v>
+                </c:pt>
+                <c:pt idx="28">
+                  <c:v>0.11923994840794759</c:v>
+                </c:pt>
+                <c:pt idx="29">
+                  <c:v>0.11610524536751569</c:v>
+                </c:pt>
+                <c:pt idx="30">
+                  <c:v>0.11316273964338279</c:v>
+                </c:pt>
+                <c:pt idx="31">
+                  <c:v>0.11040346701802693</c:v>
+                </c:pt>
+                <c:pt idx="32">
+                  <c:v>0.10781888944544048</c:v>
+                </c:pt>
+                <c:pt idx="33">
+                  <c:v>0.10540087354240503</c:v>
+                </c:pt>
+                <c:pt idx="34">
+                  <c:v>0.10314167035206047</c:v>
+                </c:pt>
+                <c:pt idx="35">
+                  <c:v>0.10103389627885023</c:v>
+                </c:pt>
+                <c:pt idx="36">
+                  <c:v>9.90705151047611E-2</c:v>
+                </c:pt>
+                <c:pt idx="37">
+                  <c:v>9.724482100625953E-2</c:v>
+                </c:pt>
+                <c:pt idx="38">
+                  <c:v>9.5550422499626753E-2</c:v>
+                </c:pt>
+                <c:pt idx="39">
+                  <c:v>9.3981227249659557E-2</c:v>
+                </c:pt>
+                <c:pt idx="40">
+                  <c:v>9.2531427683064216E-2</c:v>
+                </c:pt>
+                <c:pt idx="41">
+                  <c:v>9.1195487353446902E-2</c:v>
+                </c:pt>
+                <c:pt idx="42">
+                  <c:v>8.9968128009697765E-2</c:v>
+                </c:pt>
+                <c:pt idx="43">
+                  <c:v>8.8844317323867411E-2</c:v>
+                </c:pt>
+                <c:pt idx="44">
+                  <c:v>8.7819257238425513E-2</c:v>
+                </c:pt>
+                <c:pt idx="45">
+                  <c:v>8.6888372896138918E-2</c:v>
+                </c:pt>
+                <c:pt idx="46">
+                  <c:v>8.6047302118770486E-2</c:v>
+                </c:pt>
+                <c:pt idx="47">
+                  <c:v>8.5291885403433673E-2</c:v>
+                </c:pt>
+                <c:pt idx="48">
+                  <c:v>8.4618156407783363E-2</c:v>
+                </c:pt>
+                <c:pt idx="49">
+                  <c:v>8.4022332897320542E-2</c:v>
+                </c:pt>
+              </c:numCache>
+            </c:numRef>
+          </c:val>
+          <c:extLst xmlns:c16r2="http://schemas.microsoft.com/office/drawing/2015/06/chart">
+            <c:ext xmlns:c16="http://schemas.microsoft.com/office/drawing/2014/chart" uri="{C3380CC4-5D6E-409C-BE32-E72D297353CC}">
+              <c16:uniqueId val="{00000001-1DD5-423C-8E4C-162F704BE6DB}"/>
+            </c:ext>
+          </c:extLst>
+        </c:ser>
+        <c:ser>
+          <c:idx val="2"/>
+          <c:order val="2"/>
+          <c:tx>
+            <c:strRef>
+              <c:f>ImplicitGridMethodResult!$D$1</c:f>
+              <c:strCache>
+                <c:ptCount val="1"/>
+                <c:pt idx="0">
+                  <c:v>0,698131701</c:v>
+                </c:pt>
+              </c:strCache>
+            </c:strRef>
+          </c:tx>
+          <c:spPr>
+            <a:solidFill>
+              <a:schemeClr val="accent2">
+                <a:tint val="69000"/>
+              </a:schemeClr>
+            </a:solidFill>
+            <a:ln/>
+            <a:effectLst/>
+            <a:sp3d/>
+          </c:spPr>
+          <c:cat>
+            <c:numRef>
+              <c:f>ImplicitGridMethodResult!$A$2:$A$51</c:f>
+              <c:numCache>
+                <c:formatCode>General</c:formatCode>
+                <c:ptCount val="50"/>
+                <c:pt idx="0">
+                  <c:v>0</c:v>
+                </c:pt>
+                <c:pt idx="1">
+                  <c:v>1E-3</c:v>
+                </c:pt>
+                <c:pt idx="2">
+                  <c:v>2E-3</c:v>
+                </c:pt>
+                <c:pt idx="3">
+                  <c:v>3.0000000000000001E-3</c:v>
+                </c:pt>
+                <c:pt idx="4">
+                  <c:v>4.0000000000000001E-3</c:v>
+                </c:pt>
+                <c:pt idx="5">
+                  <c:v>5.0000000000000001E-3</c:v>
+                </c:pt>
+                <c:pt idx="6">
+                  <c:v>6.0000000000000001E-3</c:v>
+                </c:pt>
+                <c:pt idx="7">
+                  <c:v>7.0000000000000001E-3</c:v>
+                </c:pt>
+                <c:pt idx="8">
+                  <c:v>8.0000000000000002E-3</c:v>
+                </c:pt>
+                <c:pt idx="9">
+                  <c:v>9.0000000000000011E-3</c:v>
+                </c:pt>
+                <c:pt idx="10">
+                  <c:v>0.01</c:v>
+                </c:pt>
+                <c:pt idx="11">
+                  <c:v>1.0999999999999999E-2</c:v>
+                </c:pt>
+                <c:pt idx="12">
+                  <c:v>1.2E-2</c:v>
+                </c:pt>
+                <c:pt idx="13">
+                  <c:v>1.3000000000000001E-2</c:v>
+                </c:pt>
+                <c:pt idx="14">
+                  <c:v>1.4E-2</c:v>
+                </c:pt>
+                <c:pt idx="15">
+                  <c:v>1.4999999999999999E-2</c:v>
+                </c:pt>
+                <c:pt idx="16">
+                  <c:v>1.6E-2</c:v>
+                </c:pt>
+                <c:pt idx="17">
+                  <c:v>1.7000000000000001E-2</c:v>
+                </c:pt>
+                <c:pt idx="18">
+                  <c:v>1.8000000000000002E-2</c:v>
+                </c:pt>
+                <c:pt idx="19">
+                  <c:v>1.9E-2</c:v>
+                </c:pt>
+                <c:pt idx="20">
+                  <c:v>0.02</c:v>
+                </c:pt>
+                <c:pt idx="21">
+                  <c:v>2.1000000000000001E-2</c:v>
+                </c:pt>
+                <c:pt idx="22">
+                  <c:v>2.1999999999999999E-2</c:v>
+                </c:pt>
+                <c:pt idx="23">
+                  <c:v>2.3E-2</c:v>
+                </c:pt>
+                <c:pt idx="24">
+                  <c:v>2.4E-2</c:v>
+                </c:pt>
+                <c:pt idx="25">
+                  <c:v>2.5000000000000001E-2</c:v>
+                </c:pt>
+                <c:pt idx="26">
+                  <c:v>2.6000000000000002E-2</c:v>
+                </c:pt>
+                <c:pt idx="27">
+                  <c:v>2.7E-2</c:v>
+                </c:pt>
+                <c:pt idx="28">
+                  <c:v>2.8000000000000001E-2</c:v>
+                </c:pt>
+                <c:pt idx="29">
+                  <c:v>2.9000000000000001E-2</c:v>
+                </c:pt>
+                <c:pt idx="30">
+                  <c:v>0.03</c:v>
+                </c:pt>
+                <c:pt idx="31">
+                  <c:v>3.1E-2</c:v>
+                </c:pt>
+                <c:pt idx="32">
+                  <c:v>3.2000000000000001E-2</c:v>
+                </c:pt>
+                <c:pt idx="33">
+                  <c:v>3.3000000000000002E-2</c:v>
+                </c:pt>
+                <c:pt idx="34">
+                  <c:v>3.4000000000000002E-2</c:v>
+                </c:pt>
+                <c:pt idx="35">
+                  <c:v>3.5000000000000003E-2</c:v>
+                </c:pt>
+                <c:pt idx="36">
+                  <c:v>3.6000000000000004E-2</c:v>
+                </c:pt>
+                <c:pt idx="37">
+                  <c:v>3.6999999999999998E-2</c:v>
+                </c:pt>
+                <c:pt idx="38">
+                  <c:v>3.7999999999999999E-2</c:v>
+                </c:pt>
+                <c:pt idx="39">
+                  <c:v>3.9E-2</c:v>
+                </c:pt>
+                <c:pt idx="40">
+                  <c:v>0.04</c:v>
+                </c:pt>
+                <c:pt idx="41">
+                  <c:v>4.1000000000000002E-2</c:v>
+                </c:pt>
+                <c:pt idx="42">
+                  <c:v>4.2000000000000003E-2</c:v>
+                </c:pt>
+                <c:pt idx="43">
+                  <c:v>4.3000000000000003E-2</c:v>
+                </c:pt>
+                <c:pt idx="44">
+                  <c:v>4.3999999999999997E-2</c:v>
+                </c:pt>
+                <c:pt idx="45">
+                  <c:v>4.4999999999999998E-2</c:v>
+                </c:pt>
+                <c:pt idx="46">
+                  <c:v>4.5999999999999999E-2</c:v>
+                </c:pt>
+                <c:pt idx="47">
+                  <c:v>4.7E-2</c:v>
+                </c:pt>
+                <c:pt idx="48">
+                  <c:v>4.8000000000000001E-2</c:v>
+                </c:pt>
+                <c:pt idx="49">
+                  <c:v>4.9000000000000002E-2</c:v>
+                </c:pt>
+              </c:numCache>
+            </c:numRef>
+          </c:cat>
+          <c:val>
+            <c:numRef>
+              <c:f>ImplicitGridMethodResult!$D$2:$D$51</c:f>
+              <c:numCache>
+                <c:formatCode>General</c:formatCode>
+                <c:ptCount val="50"/>
+                <c:pt idx="0">
+                  <c:v>0.64278760968653925</c:v>
+                </c:pt>
+                <c:pt idx="1">
+                  <c:v>0.61380522367853785</c:v>
+                </c:pt>
+                <c:pt idx="2">
+                  <c:v>0.58626751890959872</c:v>
+                </c:pt>
+                <c:pt idx="3">
+                  <c:v>0.56010783793601671</c:v>
+                </c:pt>
+                <c:pt idx="4">
+                  <c:v>0.53525733425059152</c:v>
+                </c:pt>
+                <c:pt idx="5">
+                  <c:v>0.51164902131839363</c:v>
+                </c:pt>
+                <c:pt idx="6">
+                  <c:v>0.48921915520476811</c:v>
+                </c:pt>
+                <c:pt idx="7">
+                  <c:v>0.46790756238744835</c:v>
+                </c:pt>
+                <c:pt idx="8">
+                  <c:v>0.44765757271717088</c:v>
+                </c:pt>
+                <c:pt idx="9">
+                  <c:v>0.42841582124302136</c:v>
+                </c:pt>
+                <c:pt idx="10">
+                  <c:v>0.41013202004725968</c:v>
+                </c:pt>
+                <c:pt idx="11">
+                  <c:v>0.39275873607879858</c:v>
+                </c:pt>
+                <c:pt idx="12">
+                  <c:v>0.37625118582154715</c:v>
+                </c:pt>
+                <c:pt idx="13">
+                  <c:v>0.36056704852226557</c:v>
+                </c:pt>
+                <c:pt idx="14">
+                  <c:v>0.34566629678668109</c:v>
+                </c:pt>
+                <c:pt idx="15">
+                  <c:v>0.33151104268467774</c:v>
+                </c:pt>
+                <c:pt idx="16">
+                  <c:v>0.31806539756288021</c:v>
+                </c:pt>
+                <c:pt idx="17">
+                  <c:v>0.3052953439957819</c:v>
+                </c:pt>
+                <c:pt idx="18">
+                  <c:v>0.29316861853889659</c:v>
+                </c:pt>
+                <c:pt idx="19">
+                  <c:v>0.28165460413801396</c:v>
+                </c:pt>
+                <c:pt idx="20">
+                  <c:v>0.27072423119858352</c:v>
+                </c:pt>
+                <c:pt idx="21">
+                  <c:v>0.26034988643897294</c:v>
+                </c:pt>
+                <c:pt idx="22">
+                  <c:v>0.25050532875039772</c:v>
+                </c:pt>
+                <c:pt idx="23">
+                  <c:v>0.24116561137125381</c:v>
+                </c:pt>
+                <c:pt idx="24">
+                  <c:v>0.23230700975838178</c:v>
+                </c:pt>
+                <c:pt idx="25">
+                  <c:v>0.22390695460465537</c:v>
+                </c:pt>
+                <c:pt idx="26">
+                  <c:v>0.21594396951244363</c:v>
+                </c:pt>
+                <c:pt idx="27">
+                  <c:v>0.20839761288663564</c:v>
+                </c:pt>
+                <c:pt idx="28">
+                  <c:v>0.20124842365950296</c:v>
+                </c:pt>
+                <c:pt idx="29">
+                  <c:v>0.1944778705030959</c:v>
+                </c:pt>
+                <c:pt idx="30">
+                  <c:v>0.18806830422349255</c:v>
+                </c:pt>
+                <c:pt idx="31">
+                  <c:v>0.18200291306542729</c:v>
+                </c:pt>
+                <c:pt idx="32">
+                  <c:v>0.17626568068600401</c:v>
+                </c:pt>
+                <c:pt idx="33">
+                  <c:v>0.17084134658274305</c:v>
+                </c:pt>
+                <c:pt idx="34">
+                  <c:v>0.16571536878449827</c:v>
+                </c:pt>
+                <c:pt idx="35">
+                  <c:v>0.16087388863417781</c:v>
+                </c:pt>
+                <c:pt idx="36">
+                  <c:v>0.15630369751004861</c:v>
+                </c:pt>
+                <c:pt idx="37">
+                  <c:v>0.15199220534801419</c:v>
+                </c:pt>
+                <c:pt idx="38">
+                  <c:v>0.1479274108409091</c:v>
+                </c:pt>
+                <c:pt idx="39">
+                  <c:v>0.14409787320280804</c:v>
+                </c:pt>
+                <c:pt idx="40">
+                  <c:v>0.1404926853968223</c:v>
+                </c:pt>
+                <c:pt idx="41">
+                  <c:v>0.1371014487340558</c:v>
+                </c:pt>
+                <c:pt idx="42">
+                  <c:v>0.13391424875948224</c:v>
+                </c:pt>
+                <c:pt idx="43">
+                  <c:v>0.13092163234764034</c:v>
+                </c:pt>
+                <c:pt idx="44">
+                  <c:v>0.128114585937352</c:v>
+                </c:pt>
+                <c:pt idx="45">
+                  <c:v>0.12548451484026185</c:v>
+                </c:pt>
+                <c:pt idx="46">
+                  <c:v>0.12302322356297336</c:v>
+                </c:pt>
+                <c:pt idx="47">
+                  <c:v>0.12072289708699807</c:v>
+                </c:pt>
+                <c:pt idx="48">
+                  <c:v>0.11857608305471273</c:v>
+                </c:pt>
+                <c:pt idx="49">
+                  <c:v>0.11657567481309535</c:v>
+                </c:pt>
+              </c:numCache>
+            </c:numRef>
+          </c:val>
+          <c:extLst xmlns:c16r2="http://schemas.microsoft.com/office/drawing/2015/06/chart">
+            <c:ext xmlns:c16="http://schemas.microsoft.com/office/drawing/2014/chart" uri="{C3380CC4-5D6E-409C-BE32-E72D297353CC}">
+              <c16:uniqueId val="{00000002-1DD5-423C-8E4C-162F704BE6DB}"/>
+            </c:ext>
+          </c:extLst>
+        </c:ser>
+        <c:ser>
+          <c:idx val="3"/>
+          <c:order val="3"/>
+          <c:tx>
+            <c:strRef>
+              <c:f>ImplicitGridMethodResult!$E$1</c:f>
+              <c:strCache>
+                <c:ptCount val="1"/>
+                <c:pt idx="0">
+                  <c:v>1,047197551</c:v>
+                </c:pt>
+              </c:strCache>
+            </c:strRef>
+          </c:tx>
+          <c:spPr>
+            <a:solidFill>
+              <a:schemeClr val="accent2">
+                <a:tint val="81000"/>
+              </a:schemeClr>
+            </a:solidFill>
+            <a:ln/>
+            <a:effectLst/>
+            <a:sp3d/>
+          </c:spPr>
+          <c:cat>
+            <c:numRef>
+              <c:f>ImplicitGridMethodResult!$A$2:$A$51</c:f>
+              <c:numCache>
+                <c:formatCode>General</c:formatCode>
+                <c:ptCount val="50"/>
+                <c:pt idx="0">
+                  <c:v>0</c:v>
+                </c:pt>
+                <c:pt idx="1">
+                  <c:v>1E-3</c:v>
+                </c:pt>
+                <c:pt idx="2">
+                  <c:v>2E-3</c:v>
+                </c:pt>
+                <c:pt idx="3">
+                  <c:v>3.0000000000000001E-3</c:v>
+                </c:pt>
+                <c:pt idx="4">
+                  <c:v>4.0000000000000001E-3</c:v>
+                </c:pt>
+                <c:pt idx="5">
+                  <c:v>5.0000000000000001E-3</c:v>
+                </c:pt>
+                <c:pt idx="6">
+                  <c:v>6.0000000000000001E-3</c:v>
+                </c:pt>
+                <c:pt idx="7">
+                  <c:v>7.0000000000000001E-3</c:v>
+                </c:pt>
+                <c:pt idx="8">
+                  <c:v>8.0000000000000002E-3</c:v>
+                </c:pt>
+                <c:pt idx="9">
+                  <c:v>9.0000000000000011E-3</c:v>
+                </c:pt>
+                <c:pt idx="10">
+                  <c:v>0.01</c:v>
+                </c:pt>
+                <c:pt idx="11">
+                  <c:v>1.0999999999999999E-2</c:v>
+                </c:pt>
+                <c:pt idx="12">
+                  <c:v>1.2E-2</c:v>
+                </c:pt>
+                <c:pt idx="13">
+                  <c:v>1.3000000000000001E-2</c:v>
+                </c:pt>
+                <c:pt idx="14">
+                  <c:v>1.4E-2</c:v>
+                </c:pt>
+                <c:pt idx="15">
+                  <c:v>1.4999999999999999E-2</c:v>
+                </c:pt>
+                <c:pt idx="16">
+                  <c:v>1.6E-2</c:v>
+                </c:pt>
+                <c:pt idx="17">
+                  <c:v>1.7000000000000001E-2</c:v>
+                </c:pt>
+                <c:pt idx="18">
+                  <c:v>1.8000000000000002E-2</c:v>
+                </c:pt>
+                <c:pt idx="19">
+                  <c:v>1.9E-2</c:v>
+                </c:pt>
+                <c:pt idx="20">
+                  <c:v>0.02</c:v>
+                </c:pt>
+                <c:pt idx="21">
+                  <c:v>2.1000000000000001E-2</c:v>
+                </c:pt>
+                <c:pt idx="22">
+                  <c:v>2.1999999999999999E-2</c:v>
+                </c:pt>
+                <c:pt idx="23">
+                  <c:v>2.3E-2</c:v>
+                </c:pt>
+                <c:pt idx="24">
+                  <c:v>2.4E-2</c:v>
+                </c:pt>
+                <c:pt idx="25">
+                  <c:v>2.5000000000000001E-2</c:v>
+                </c:pt>
+                <c:pt idx="26">
+                  <c:v>2.6000000000000002E-2</c:v>
+                </c:pt>
+                <c:pt idx="27">
+                  <c:v>2.7E-2</c:v>
+                </c:pt>
+                <c:pt idx="28">
+                  <c:v>2.8000000000000001E-2</c:v>
+                </c:pt>
+                <c:pt idx="29">
+                  <c:v>2.9000000000000001E-2</c:v>
+                </c:pt>
+                <c:pt idx="30">
+                  <c:v>0.03</c:v>
+                </c:pt>
+                <c:pt idx="31">
+                  <c:v>3.1E-2</c:v>
+                </c:pt>
+                <c:pt idx="32">
+                  <c:v>3.2000000000000001E-2</c:v>
+                </c:pt>
+                <c:pt idx="33">
+                  <c:v>3.3000000000000002E-2</c:v>
+                </c:pt>
+                <c:pt idx="34">
+                  <c:v>3.4000000000000002E-2</c:v>
+                </c:pt>
+                <c:pt idx="35">
+                  <c:v>3.5000000000000003E-2</c:v>
+                </c:pt>
+                <c:pt idx="36">
+                  <c:v>3.6000000000000004E-2</c:v>
+                </c:pt>
+                <c:pt idx="37">
+                  <c:v>3.6999999999999998E-2</c:v>
+                </c:pt>
+                <c:pt idx="38">
+                  <c:v>3.7999999999999999E-2</c:v>
+                </c:pt>
+                <c:pt idx="39">
+                  <c:v>3.9E-2</c:v>
+                </c:pt>
+                <c:pt idx="40">
+                  <c:v>0.04</c:v>
+                </c:pt>
+                <c:pt idx="41">
+                  <c:v>4.1000000000000002E-2</c:v>
+                </c:pt>
+                <c:pt idx="42">
+                  <c:v>4.2000000000000003E-2</c:v>
+                </c:pt>
+                <c:pt idx="43">
+                  <c:v>4.3000000000000003E-2</c:v>
+                </c:pt>
+                <c:pt idx="44">
+                  <c:v>4.3999999999999997E-2</c:v>
+                </c:pt>
+                <c:pt idx="45">
+                  <c:v>4.4999999999999998E-2</c:v>
+                </c:pt>
+                <c:pt idx="46">
+                  <c:v>4.5999999999999999E-2</c:v>
+                </c:pt>
+                <c:pt idx="47">
+                  <c:v>4.7E-2</c:v>
+                </c:pt>
+                <c:pt idx="48">
+                  <c:v>4.8000000000000001E-2</c:v>
+                </c:pt>
+                <c:pt idx="49">
+                  <c:v>4.9000000000000002E-2</c:v>
+                </c:pt>
+              </c:numCache>
+            </c:numRef>
+          </c:cat>
+          <c:val>
+            <c:numRef>
+              <c:f>ImplicitGridMethodResult!$E$2:$E$51</c:f>
+              <c:numCache>
+                <c:formatCode>General</c:formatCode>
+                <c:ptCount val="50"/>
+                <c:pt idx="0">
+                  <c:v>0.8660254037844386</c:v>
+                </c:pt>
+                <c:pt idx="1">
+                  <c:v>0.82702237362865128</c:v>
+                </c:pt>
+                <c:pt idx="2">
+                  <c:v>0.78989648894530695</c:v>
+                </c:pt>
+                <c:pt idx="3">
+                  <c:v>0.7545670054968554</c:v>
+                </c:pt>
+                <c:pt idx="4">
+                  <c:v>0.72095288289166104</c:v>
+                </c:pt>
+                <c:pt idx="5">
+                  <c:v>0.68897411917571461</c:v>
+                </c:pt>
+                <c:pt idx="6">
+                  <c:v>0.6585528464453716</c:v>
+                </c:pt>
+                <c:pt idx="7">
+                  <c:v>0.62961403989934328</c:v>
+                </c:pt>
+                <c:pt idx="8">
+                  <c:v>0.60208590019631536</c:v>
+                </c:pt>
+                <c:pt idx="9">
+                  <c:v>0.57590000559721932</c:v>
+                </c:pt>
+                <c:pt idx="10">
+                  <c:v>0.55099131663658962</c:v>
+                </c:pt>
+                <c:pt idx="11">
+                  <c:v>0.52729809305964748</c:v>
+                </c:pt>
+                <c:pt idx="12">
+                  <c:v>0.50476176274791662</c:v>
+                </c:pt>
+                <c:pt idx="13">
+                  <c:v>0.48332676771079625</c:v>
+                </c:pt>
+                <c:pt idx="14">
+                  <c:v>0.4629404023199003</c:v>
+                </c:pt>
+                <c:pt idx="15">
+                  <c:v>0.44355265257187632</c:v>
+                </c:pt>
+                <c:pt idx="16">
+                  <c:v>0.42511604117170887</c:v>
+                </c:pt>
+                <c:pt idx="17">
+                  <c:v>0.40758548080116391</c:v>
+                </c:pt>
+                <c:pt idx="18">
+                  <c:v>0.39091813650368767</c:v>
+                </c:pt>
+                <c:pt idx="19">
+                  <c:v>0.3750732973007348</c:v>
+                </c:pt>
+                <c:pt idx="20">
+                  <c:v>0.36001225671368453</c:v>
+                </c:pt>
+                <c:pt idx="21">
+                  <c:v>0.34569820164861292</c:v>
+                </c:pt>
+                <c:pt idx="22">
+                  <c:v>0.33209610901453501</c:v>
+                </c:pt>
+                <c:pt idx="23">
+                  <c:v>0.31917264943226592</c:v>
+                </c:pt>
+                <c:pt idx="24">
+                  <c:v>0.30689609741656676</c:v>
+                </c:pt>
+                <c:pt idx="25">
+                  <c:v>0.29523624745858168</c:v>
+                </c:pt>
+                <c:pt idx="26">
+                  <c:v>0.28416433548716735</c:v>
+                </c:pt>
+                <c:pt idx="27">
+                  <c:v>0.27365296524012983</c:v>
+                </c:pt>
+                <c:pt idx="28">
+                  <c:v>0.26367603912625304</c:v>
+                </c:pt>
+                <c:pt idx="29">
+                  <c:v>0.25420869320475092</c:v>
+                </c:pt>
+                <c:pt idx="30">
+                  <c:v>0.24522723594983251</c:v>
+                </c:pt>
+                <c:pt idx="31">
+                  <c:v>0.23670909050442879</c:v>
+                </c:pt>
+                <c:pt idx="32">
+                  <c:v>0.22863274015907067</c:v>
+                </c:pt>
+                <c:pt idx="33">
+                  <c:v>0.22097767681983299</c:v>
+                </c:pt>
+                <c:pt idx="34">
+                  <c:v>0.21372435225361727</c:v>
+                </c:pt>
+                <c:pt idx="35">
+                  <c:v>0.20685413192027891</c:v>
+                </c:pt>
+                <c:pt idx="36">
+                  <c:v>0.2003492512196203</c:v>
+                </c:pt>
+                <c:pt idx="37">
+                  <c:v>0.19419277399744087</c:v>
+                </c:pt>
+                <c:pt idx="38">
+                  <c:v>0.18836855316898374</c:v>
+                </c:pt>
+                <c:pt idx="39">
+                  <c:v>0.18286119333053089</c:v>
+                </c:pt>
+                <c:pt idx="40">
+                  <c:v>0.17765601524081817</c:v>
+                </c:pt>
+                <c:pt idx="41">
+                  <c:v>0.17273902206358066</c:v>
+                </c:pt>
+                <c:pt idx="42">
+                  <c:v>0.16809686727107548</c:v>
+                </c:pt>
+                <c:pt idx="43">
+                  <c:v>0.16371682411601748</c:v>
+                </c:pt>
+                <c:pt idx="44">
+                  <c:v>0.15958675658613389</c:v>
+                </c:pt>
+                <c:pt idx="45">
+                  <c:v>0.15569509176160823</c:v>
+                </c:pt>
+                <c:pt idx="46">
+                  <c:v>0.15203079350113657</c:v>
+                </c:pt>
+                <c:pt idx="47">
+                  <c:v>0.14858333738723889</c:v>
+                </c:pt>
+                <c:pt idx="48">
+                  <c:v>0.14534268686592824</c:v>
+                </c:pt>
+                <c:pt idx="49">
+                  <c:v>0.14229927051989361</c:v>
+                </c:pt>
+              </c:numCache>
+            </c:numRef>
+          </c:val>
+          <c:extLst xmlns:c16r2="http://schemas.microsoft.com/office/drawing/2015/06/chart">
+            <c:ext xmlns:c16="http://schemas.microsoft.com/office/drawing/2014/chart" uri="{C3380CC4-5D6E-409C-BE32-E72D297353CC}">
+              <c16:uniqueId val="{00000003-1DD5-423C-8E4C-162F704BE6DB}"/>
+            </c:ext>
+          </c:extLst>
+        </c:ser>
+        <c:ser>
+          <c:idx val="4"/>
+          <c:order val="4"/>
+          <c:tx>
+            <c:strRef>
+              <c:f>ImplicitGridMethodResult!$F$1</c:f>
+              <c:strCache>
+                <c:ptCount val="1"/>
+                <c:pt idx="0">
+                  <c:v>1,396263402</c:v>
+                </c:pt>
+              </c:strCache>
+            </c:strRef>
+          </c:tx>
+          <c:spPr>
+            <a:solidFill>
+              <a:schemeClr val="accent2">
+                <a:tint val="94000"/>
+              </a:schemeClr>
+            </a:solidFill>
+            <a:ln/>
+            <a:effectLst/>
+            <a:sp3d/>
+          </c:spPr>
+          <c:cat>
+            <c:numRef>
+              <c:f>ImplicitGridMethodResult!$A$2:$A$51</c:f>
+              <c:numCache>
+                <c:formatCode>General</c:formatCode>
+                <c:ptCount val="50"/>
+                <c:pt idx="0">
+                  <c:v>0</c:v>
+                </c:pt>
+                <c:pt idx="1">
+                  <c:v>1E-3</c:v>
+                </c:pt>
+                <c:pt idx="2">
+                  <c:v>2E-3</c:v>
+                </c:pt>
+                <c:pt idx="3">
+                  <c:v>3.0000000000000001E-3</c:v>
+                </c:pt>
+                <c:pt idx="4">
+                  <c:v>4.0000000000000001E-3</c:v>
+                </c:pt>
+                <c:pt idx="5">
+                  <c:v>5.0000000000000001E-3</c:v>
+                </c:pt>
+                <c:pt idx="6">
+                  <c:v>6.0000000000000001E-3</c:v>
+                </c:pt>
+                <c:pt idx="7">
+                  <c:v>7.0000000000000001E-3</c:v>
+                </c:pt>
+                <c:pt idx="8">
+                  <c:v>8.0000000000000002E-3</c:v>
+                </c:pt>
+                <c:pt idx="9">
+                  <c:v>9.0000000000000011E-3</c:v>
+                </c:pt>
+                <c:pt idx="10">
+                  <c:v>0.01</c:v>
+                </c:pt>
+                <c:pt idx="11">
+                  <c:v>1.0999999999999999E-2</c:v>
+                </c:pt>
+                <c:pt idx="12">
+                  <c:v>1.2E-2</c:v>
+                </c:pt>
+                <c:pt idx="13">
+                  <c:v>1.3000000000000001E-2</c:v>
+                </c:pt>
+                <c:pt idx="14">
+                  <c:v>1.4E-2</c:v>
+                </c:pt>
+                <c:pt idx="15">
+                  <c:v>1.4999999999999999E-2</c:v>
+                </c:pt>
+                <c:pt idx="16">
+                  <c:v>1.6E-2</c:v>
+                </c:pt>
+                <c:pt idx="17">
+                  <c:v>1.7000000000000001E-2</c:v>
+                </c:pt>
+                <c:pt idx="18">
+                  <c:v>1.8000000000000002E-2</c:v>
+                </c:pt>
+                <c:pt idx="19">
+                  <c:v>1.9E-2</c:v>
+                </c:pt>
+                <c:pt idx="20">
+                  <c:v>0.02</c:v>
+                </c:pt>
+                <c:pt idx="21">
+                  <c:v>2.1000000000000001E-2</c:v>
+                </c:pt>
+                <c:pt idx="22">
+                  <c:v>2.1999999999999999E-2</c:v>
+                </c:pt>
+                <c:pt idx="23">
+                  <c:v>2.3E-2</c:v>
+                </c:pt>
+                <c:pt idx="24">
+                  <c:v>2.4E-2</c:v>
+                </c:pt>
+                <c:pt idx="25">
+                  <c:v>2.5000000000000001E-2</c:v>
+                </c:pt>
+                <c:pt idx="26">
+                  <c:v>2.6000000000000002E-2</c:v>
+                </c:pt>
+                <c:pt idx="27">
+                  <c:v>2.7E-2</c:v>
+                </c:pt>
+                <c:pt idx="28">
+                  <c:v>2.8000000000000001E-2</c:v>
+                </c:pt>
+                <c:pt idx="29">
+                  <c:v>2.9000000000000001E-2</c:v>
+                </c:pt>
+                <c:pt idx="30">
+                  <c:v>0.03</c:v>
+                </c:pt>
+                <c:pt idx="31">
+                  <c:v>3.1E-2</c:v>
+                </c:pt>
+                <c:pt idx="32">
+                  <c:v>3.2000000000000001E-2</c:v>
+                </c:pt>
+                <c:pt idx="33">
+                  <c:v>3.3000000000000002E-2</c:v>
+                </c:pt>
+                <c:pt idx="34">
+                  <c:v>3.4000000000000002E-2</c:v>
+                </c:pt>
+                <c:pt idx="35">
+                  <c:v>3.5000000000000003E-2</c:v>
+                </c:pt>
+                <c:pt idx="36">
+                  <c:v>3.6000000000000004E-2</c:v>
+                </c:pt>
+                <c:pt idx="37">
+                  <c:v>3.6999999999999998E-2</c:v>
+                </c:pt>
+                <c:pt idx="38">
+                  <c:v>3.7999999999999999E-2</c:v>
+                </c:pt>
+                <c:pt idx="39">
+                  <c:v>3.9E-2</c:v>
+                </c:pt>
+                <c:pt idx="40">
+                  <c:v>0.04</c:v>
+                </c:pt>
+                <c:pt idx="41">
+                  <c:v>4.1000000000000002E-2</c:v>
+                </c:pt>
+                <c:pt idx="42">
+                  <c:v>4.2000000000000003E-2</c:v>
+                </c:pt>
+                <c:pt idx="43">
+                  <c:v>4.3000000000000003E-2</c:v>
+                </c:pt>
+                <c:pt idx="44">
+                  <c:v>4.3999999999999997E-2</c:v>
+                </c:pt>
+                <c:pt idx="45">
+                  <c:v>4.4999999999999998E-2</c:v>
+                </c:pt>
+                <c:pt idx="46">
+                  <c:v>4.5999999999999999E-2</c:v>
+                </c:pt>
+                <c:pt idx="47">
+                  <c:v>4.7E-2</c:v>
+                </c:pt>
+                <c:pt idx="48">
+                  <c:v>4.8000000000000001E-2</c:v>
+                </c:pt>
+                <c:pt idx="49">
+                  <c:v>4.9000000000000002E-2</c:v>
+                </c:pt>
+              </c:numCache>
+            </c:numRef>
+          </c:cat>
+          <c:val>
+            <c:numRef>
+              <c:f>ImplicitGridMethodResult!$F$2:$F$51</c:f>
+              <c:numCache>
+                <c:formatCode>General</c:formatCode>
+                <c:ptCount val="50"/>
+                <c:pt idx="0">
+                  <c:v>0.98480775301220802</c:v>
+                </c:pt>
+                <c:pt idx="1">
+                  <c:v>0.94064771112185397</c:v>
+                </c:pt>
+                <c:pt idx="2">
+                  <c:v>0.89859900646663649</c:v>
+                </c:pt>
+                <c:pt idx="3">
+                  <c:v>0.85856429598539563</c:v>
+                </c:pt>
+                <c:pt idx="4">
+                  <c:v>0.8204496089637493</c:v>
+                </c:pt>
+                <c:pt idx="5">
+                  <c:v>0.78416451028322298</c:v>
+                </c:pt>
+                <c:pt idx="6">
+                  <c:v>0.74962231475621011</c:v>
+                </c:pt>
+                <c:pt idx="7">
+                  <c:v>0.71674021616773576</c:v>
+                </c:pt>
+                <c:pt idx="8">
+                  <c:v>0.6854393066480694</c:v>
+                </c:pt>
+                <c:pt idx="9">
+                  <c:v>0.65564450666166962</c:v>
+                </c:pt>
+                <c:pt idx="10">
+                  <c:v>0.62728443580316684</c:v>
+                </c:pt>
+                <c:pt idx="11">
+                  <c:v>0.60029125067161448</c:v>
+                </c:pt>
+                <c:pt idx="12">
+                  <c:v>0.57460046866456715</c:v>
+                </c:pt>
+                <c:pt idx="13">
+                  <c:v>0.55015078970391151</c:v>
+                </c:pt>
+                <c:pt idx="14">
+                  <c:v>0.52688392281872409</c:v>
+                </c:pt>
+                <c:pt idx="15">
+                  <c:v>0.50474442112321416</c:v>
+                </c:pt>
+                <c:pt idx="16">
+                  <c:v>0.4836795266443869</c:v>
+                </c:pt>
+                <c:pt idx="17">
+                  <c:v>0.4636390252615698</c:v>
+                </c:pt>
+                <c:pt idx="18">
+                  <c:v>0.44457511139270123</c:v>
+                </c:pt>
+                <c:pt idx="19">
+                  <c:v>0.42644226177327277</c:v>
+                </c:pt>
+                <c:pt idx="20">
+                  <c:v>0.40919711757606275</c:v>
+                </c:pt>
+                <c:pt idx="21">
+                  <c:v>0.39279837412310881</c:v>
+                </c:pt>
+                <c:pt idx="22">
+                  <c:v>0.3772066774928714</c:v>
+                </c:pt>
+                <c:pt idx="23">
+                  <c:v>0.36238452739567495</c:v>
+                </c:pt>
+                <c:pt idx="24">
+                  <c:v>0.34829618576367316</c:v>
+                </c:pt>
+                <c:pt idx="25">
+                  <c:v>0.33490759057023123</c:v>
+                </c:pt>
+                <c:pt idx="26">
+                  <c:v>0.3221862744546673</c:v>
+                </c:pt>
+                <c:pt idx="27">
+                  <c:v>0.31010128778103424</c:v>
+                </c:pt>
+                <c:pt idx="28">
+                  <c:v>0.29862312580444406</c:v>
+                </c:pt>
+                <c:pt idx="29">
+                  <c:v>0.28772365965626168</c:v>
+                </c:pt>
+                <c:pt idx="30">
+                  <c:v>0.27737607089132249</c:v>
+                </c:pt>
+                <c:pt idx="31">
+                  <c:v>0.26755478936716209</c:v>
+                </c:pt>
+                <c:pt idx="32">
+                  <c:v>0.25823543424795503</c:v>
+                </c:pt>
+                <c:pt idx="33">
+                  <c:v>0.24939475794518387</c:v>
+                </c:pt>
+                <c:pt idx="34">
+                  <c:v>0.24101059282362131</c:v>
+                </c:pt>
+                <c:pt idx="35">
+                  <c:v>0.23306180051549918</c:v>
+                </c:pt>
+                <c:pt idx="36">
+                  <c:v>0.22552822369817188</c:v>
+                </c:pt>
+                <c:pt idx="37">
+                  <c:v>0.21839064020147392</c:v>
+                </c:pt>
+                <c:pt idx="38">
+                  <c:v>0.2116307193205916</c:v>
+                </c:pt>
+                <c:pt idx="39">
+                  <c:v>0.20523098021881866</c:v>
+                </c:pt>
+                <c:pt idx="40">
+                  <c:v>0.19917475231222026</c:v>
+                </c:pt>
+                <c:pt idx="41">
+                  <c:v>0.19344613753512291</c:v>
+                </c:pt>
+                <c:pt idx="42">
+                  <c:v>0.18802997439159005</c:v>
+                </c:pt>
+                <c:pt idx="43">
+                  <c:v>0.1829118037037277</c:v>
+                </c:pt>
+                <c:pt idx="44">
+                  <c:v>0.17807783597286431</c:v>
+                </c:pt>
+                <c:pt idx="45">
+                  <c:v>0.17351492027442586</c:v>
+                </c:pt>
+                <c:pt idx="46">
+                  <c:v>0.16921051461173514</c:v>
+                </c:pt>
+                <c:pt idx="47">
+                  <c:v>0.16515265765804232</c:v>
+                </c:pt>
+                <c:pt idx="48">
+                  <c:v>0.16132994181988222</c:v>
+                </c:pt>
+                <c:pt idx="49">
+                  <c:v>0.15773148755838176</c:v>
+                </c:pt>
+              </c:numCache>
+            </c:numRef>
+          </c:val>
+          <c:extLst xmlns:c16r2="http://schemas.microsoft.com/office/drawing/2015/06/chart">
+            <c:ext xmlns:c16="http://schemas.microsoft.com/office/drawing/2014/chart" uri="{C3380CC4-5D6E-409C-BE32-E72D297353CC}">
+              <c16:uniqueId val="{00000004-1DD5-423C-8E4C-162F704BE6DB}"/>
+            </c:ext>
+          </c:extLst>
+        </c:ser>
+        <c:ser>
+          <c:idx val="5"/>
+          <c:order val="5"/>
+          <c:tx>
+            <c:strRef>
+              <c:f>ImplicitGridMethodResult!$G$1</c:f>
+              <c:strCache>
+                <c:ptCount val="1"/>
+                <c:pt idx="0">
+                  <c:v>1,745329252</c:v>
+                </c:pt>
+              </c:strCache>
+            </c:strRef>
+          </c:tx>
+          <c:spPr>
+            <a:solidFill>
+              <a:schemeClr val="accent2">
+                <a:shade val="93000"/>
+              </a:schemeClr>
+            </a:solidFill>
+            <a:ln/>
+            <a:effectLst/>
+            <a:sp3d/>
+          </c:spPr>
+          <c:cat>
+            <c:numRef>
+              <c:f>ImplicitGridMethodResult!$A$2:$A$51</c:f>
+              <c:numCache>
+                <c:formatCode>General</c:formatCode>
+                <c:ptCount val="50"/>
+                <c:pt idx="0">
+                  <c:v>0</c:v>
+                </c:pt>
+                <c:pt idx="1">
+                  <c:v>1E-3</c:v>
+                </c:pt>
+                <c:pt idx="2">
+                  <c:v>2E-3</c:v>
+                </c:pt>
+                <c:pt idx="3">
+                  <c:v>3.0000000000000001E-3</c:v>
+                </c:pt>
+                <c:pt idx="4">
+                  <c:v>4.0000000000000001E-3</c:v>
+                </c:pt>
+                <c:pt idx="5">
+                  <c:v>5.0000000000000001E-3</c:v>
+                </c:pt>
+                <c:pt idx="6">
+                  <c:v>6.0000000000000001E-3</c:v>
+                </c:pt>
+                <c:pt idx="7">
+                  <c:v>7.0000000000000001E-3</c:v>
+                </c:pt>
+                <c:pt idx="8">
+                  <c:v>8.0000000000000002E-3</c:v>
+                </c:pt>
+                <c:pt idx="9">
+                  <c:v>9.0000000000000011E-3</c:v>
+                </c:pt>
+                <c:pt idx="10">
+                  <c:v>0.01</c:v>
+                </c:pt>
+                <c:pt idx="11">
+                  <c:v>1.0999999999999999E-2</c:v>
+                </c:pt>
+                <c:pt idx="12">
+                  <c:v>1.2E-2</c:v>
+                </c:pt>
+                <c:pt idx="13">
+                  <c:v>1.3000000000000001E-2</c:v>
+                </c:pt>
+                <c:pt idx="14">
+                  <c:v>1.4E-2</c:v>
+                </c:pt>
+                <c:pt idx="15">
+                  <c:v>1.4999999999999999E-2</c:v>
+                </c:pt>
+                <c:pt idx="16">
+                  <c:v>1.6E-2</c:v>
+                </c:pt>
+                <c:pt idx="17">
+                  <c:v>1.7000000000000001E-2</c:v>
+                </c:pt>
+                <c:pt idx="18">
+                  <c:v>1.8000000000000002E-2</c:v>
+                </c:pt>
+                <c:pt idx="19">
+                  <c:v>1.9E-2</c:v>
+                </c:pt>
+                <c:pt idx="20">
+                  <c:v>0.02</c:v>
+                </c:pt>
+                <c:pt idx="21">
+                  <c:v>2.1000000000000001E-2</c:v>
+                </c:pt>
+                <c:pt idx="22">
+                  <c:v>2.1999999999999999E-2</c:v>
+                </c:pt>
+                <c:pt idx="23">
+                  <c:v>2.3E-2</c:v>
+                </c:pt>
+                <c:pt idx="24">
+                  <c:v>2.4E-2</c:v>
+                </c:pt>
+                <c:pt idx="25">
+                  <c:v>2.5000000000000001E-2</c:v>
+                </c:pt>
+                <c:pt idx="26">
+                  <c:v>2.6000000000000002E-2</c:v>
+                </c:pt>
+                <c:pt idx="27">
+                  <c:v>2.7E-2</c:v>
+                </c:pt>
+                <c:pt idx="28">
+                  <c:v>2.8000000000000001E-2</c:v>
+                </c:pt>
+                <c:pt idx="29">
+                  <c:v>2.9000000000000001E-2</c:v>
+                </c:pt>
+                <c:pt idx="30">
+                  <c:v>0.03</c:v>
+                </c:pt>
+                <c:pt idx="31">
+                  <c:v>3.1E-2</c:v>
+                </c:pt>
+                <c:pt idx="32">
+                  <c:v>3.2000000000000001E-2</c:v>
+                </c:pt>
+                <c:pt idx="33">
+                  <c:v>3.3000000000000002E-2</c:v>
+                </c:pt>
+                <c:pt idx="34">
+                  <c:v>3.4000000000000002E-2</c:v>
+                </c:pt>
+                <c:pt idx="35">
+                  <c:v>3.5000000000000003E-2</c:v>
+                </c:pt>
+                <c:pt idx="36">
+                  <c:v>3.6000000000000004E-2</c:v>
+                </c:pt>
+                <c:pt idx="37">
+                  <c:v>3.6999999999999998E-2</c:v>
+                </c:pt>
+                <c:pt idx="38">
+                  <c:v>3.7999999999999999E-2</c:v>
+                </c:pt>
+                <c:pt idx="39">
+                  <c:v>3.9E-2</c:v>
+                </c:pt>
+                <c:pt idx="40">
+                  <c:v>0.04</c:v>
+                </c:pt>
+                <c:pt idx="41">
+                  <c:v>4.1000000000000002E-2</c:v>
+                </c:pt>
+                <c:pt idx="42">
+                  <c:v>4.2000000000000003E-2</c:v>
+                </c:pt>
+                <c:pt idx="43">
+                  <c:v>4.3000000000000003E-2</c:v>
+                </c:pt>
+                <c:pt idx="44">
+                  <c:v>4.3999999999999997E-2</c:v>
+                </c:pt>
+                <c:pt idx="45">
+                  <c:v>4.4999999999999998E-2</c:v>
+                </c:pt>
+                <c:pt idx="46">
+                  <c:v>4.5999999999999999E-2</c:v>
+                </c:pt>
+                <c:pt idx="47">
+                  <c:v>4.7E-2</c:v>
+                </c:pt>
+                <c:pt idx="48">
+                  <c:v>4.8000000000000001E-2</c:v>
+                </c:pt>
+                <c:pt idx="49">
+                  <c:v>4.9000000000000002E-2</c:v>
+                </c:pt>
+              </c:numCache>
+            </c:numRef>
+          </c:cat>
+          <c:val>
+            <c:numRef>
+              <c:f>ImplicitGridMethodResult!$G$2:$G$51</c:f>
+              <c:numCache>
+                <c:formatCode>General</c:formatCode>
+                <c:ptCount val="50"/>
+                <c:pt idx="0">
+                  <c:v>0.98480775301220802</c:v>
+                </c:pt>
+                <c:pt idx="1">
+                  <c:v>0.9409894227126141</c:v>
+                </c:pt>
+                <c:pt idx="2">
+                  <c:v>0.89926561631774404</c:v>
+                </c:pt>
+                <c:pt idx="3">
+                  <c:v>0.85953133669206128</c:v>
+                </c:pt>
+                <c:pt idx="4">
+                  <c:v>0.82168806872148803</c:v>
+                </c:pt>
+                <c:pt idx="5">
+                  <c:v>0.78564373599331272</c:v>
+                </c:pt>
+                <c:pt idx="6">
+                  <c:v>0.7513121608871125</c:v>
+                </c:pt>
+                <c:pt idx="7">
+                  <c:v>0.7186124015100176</c:v>
+                </c:pt>
+                <c:pt idx="8">
+                  <c:v>0.68746813537302243</c:v>
+                </c:pt>
+                <c:pt idx="9">
+                  <c:v>0.65780714495866621</c:v>
+                </c:pt>
+                <c:pt idx="10">
+                  <c:v>0.62956090744811111</c:v>
+                </c:pt>
+                <c:pt idx="11">
+                  <c:v>0.60266427166698666</c:v>
+                </c:pt>
+                <c:pt idx="12">
+                  <c:v>0.57705520173514568</c:v>
+                </c:pt>
+                <c:pt idx="13">
+                  <c:v>0.55267456938370152</c:v>
+                </c:pt>
+                <c:pt idx="14">
+                  <c:v>0.52946598096423836</c:v>
+                </c:pt>
+                <c:pt idx="15">
+                  <c:v>0.5073756290177085</c:v>
+                </c:pt>
+                <c:pt idx="16">
+                  <c:v>0.486352161339489</c:v>
+                </c:pt>
+                <c:pt idx="17">
+                  <c:v>0.46634656273488262</c:v>
+                </c:pt>
+                <c:pt idx="18">
+                  <c:v>0.44731204624380633</c:v>
+                </c:pt>
+                <c:pt idx="19">
+                  <c:v>0.42920395169280273</c:v>
+                </c:pt>
+                <c:pt idx="20">
+                  <c:v>0.4119796501534092</c:v>
+                </c:pt>
+                <c:pt idx="21">
+                  <c:v>0.39559845336074473</c:v>
+                </c:pt>
+                <c:pt idx="22">
+                  <c:v>0.3800215274556798</c:v>
+                </c:pt>
+                <c:pt idx="23">
+                  <c:v>0.36521181061401253</c:v>
+                </c:pt>
+                <c:pt idx="24">
+                  <c:v>0.3511339342544062</c:v>
+                </c:pt>
+                <c:pt idx="25">
+                  <c:v>0.33775414759856215</c:v>
+                </c:pt>
+                <c:pt idx="26">
+                  <c:v>0.32504024540873522</c:v>
+                </c:pt>
+                <c:pt idx="27">
+                  <c:v>0.31296149876006157</c:v>
+                </c:pt>
+                <c:pt idx="28">
+                  <c:v>0.30148858872529899</c:v>
+                </c:pt>
+                <c:pt idx="29">
+                  <c:v>0.29059354286203753</c:v>
+                </c:pt>
+                <c:pt idx="30">
+                  <c:v>0.28024967440015824</c:v>
+                </c:pt>
+                <c:pt idx="31">
+                  <c:v>0.27043152403219062</c:v>
+                </c:pt>
+                <c:pt idx="32">
+                  <c:v>0.26111480421243988</c:v>
+                </c:pt>
+                <c:pt idx="33">
+                  <c:v>0.25227634587306985</c:v>
+                </c:pt>
+                <c:pt idx="34">
+                  <c:v>0.24389404746721149</c:v>
+                </c:pt>
+                <c:pt idx="35">
+                  <c:v>0.23594682625088303</c:v>
+                </c:pt>
+                <c:pt idx="36">
+                  <c:v>0.22841457171722654</c:v>
+                </c:pt>
+                <c:pt idx="37">
+                  <c:v>0.22127810109836191</c:v>
+                </c:pt>
+                <c:pt idx="38">
+                  <c:v>0.21451911685207387</c:v>
+                </c:pt>
+                <c:pt idx="39">
+                  <c:v>0.20812016605258649</c:v>
+                </c:pt>
+                <c:pt idx="40">
+                  <c:v>0.20206460160683412</c:v>
+                </c:pt>
+                <c:pt idx="41">
+                  <c:v>0.19633654521989374</c:v>
+                </c:pt>
+                <c:pt idx="42">
+                  <c:v>0.19092085203557613</c:v>
+                </c:pt>
+                <c:pt idx="43">
+                  <c:v>0.18580307688056233</c:v>
+                </c:pt>
+                <c:pt idx="44">
+                  <c:v>0.18096944204289858</c:v>
+                </c:pt>
+                <c:pt idx="45">
+                  <c:v>0.17640680651810198</c:v>
+                </c:pt>
+                <c:pt idx="46">
+                  <c:v>0.17210263665856912</c:v>
+                </c:pt>
+                <c:pt idx="47">
+                  <c:v>0.16804497816440275</c:v>
+                </c:pt>
+                <c:pt idx="48">
+                  <c:v>0.1642224293561651</c:v>
+                </c:pt>
+                <c:pt idx="49">
+                  <c:v>0.16062411567241991</c:v>
+                </c:pt>
+              </c:numCache>
+            </c:numRef>
+          </c:val>
+          <c:extLst xmlns:c16r2="http://schemas.microsoft.com/office/drawing/2015/06/chart">
+            <c:ext xmlns:c16="http://schemas.microsoft.com/office/drawing/2014/chart" uri="{C3380CC4-5D6E-409C-BE32-E72D297353CC}">
+              <c16:uniqueId val="{00000005-1DD5-423C-8E4C-162F704BE6DB}"/>
+            </c:ext>
+          </c:extLst>
+        </c:ser>
+        <c:ser>
+          <c:idx val="6"/>
+          <c:order val="6"/>
+          <c:tx>
+            <c:strRef>
+              <c:f>ImplicitGridMethodResult!$H$1</c:f>
+              <c:strCache>
+                <c:ptCount val="1"/>
+                <c:pt idx="0">
+                  <c:v>2,094395102</c:v>
+                </c:pt>
+              </c:strCache>
+            </c:strRef>
+          </c:tx>
+          <c:spPr>
+            <a:solidFill>
+              <a:schemeClr val="accent2">
+                <a:shade val="80000"/>
+              </a:schemeClr>
+            </a:solidFill>
+            <a:ln/>
+            <a:effectLst/>
+            <a:sp3d/>
+          </c:spPr>
+          <c:cat>
+            <c:numRef>
+              <c:f>ImplicitGridMethodResult!$A$2:$A$51</c:f>
+              <c:numCache>
+                <c:formatCode>General</c:formatCode>
+                <c:ptCount val="50"/>
+                <c:pt idx="0">
+                  <c:v>0</c:v>
+                </c:pt>
+                <c:pt idx="1">
+                  <c:v>1E-3</c:v>
+                </c:pt>
+                <c:pt idx="2">
+                  <c:v>2E-3</c:v>
+                </c:pt>
+                <c:pt idx="3">
+                  <c:v>3.0000000000000001E-3</c:v>
+                </c:pt>
+                <c:pt idx="4">
+                  <c:v>4.0000000000000001E-3</c:v>
+                </c:pt>
+                <c:pt idx="5">
+                  <c:v>5.0000000000000001E-3</c:v>
+                </c:pt>
+                <c:pt idx="6">
+                  <c:v>6.0000000000000001E-3</c:v>
+                </c:pt>
+                <c:pt idx="7">
+                  <c:v>7.0000000000000001E-3</c:v>
+                </c:pt>
+                <c:pt idx="8">
+                  <c:v>8.0000000000000002E-3</c:v>
+                </c:pt>
+                <c:pt idx="9">
+                  <c:v>9.0000000000000011E-3</c:v>
+                </c:pt>
+                <c:pt idx="10">
+                  <c:v>0.01</c:v>
+                </c:pt>
+                <c:pt idx="11">
+                  <c:v>1.0999999999999999E-2</c:v>
+                </c:pt>
+                <c:pt idx="12">
+                  <c:v>1.2E-2</c:v>
+                </c:pt>
+                <c:pt idx="13">
+                  <c:v>1.3000000000000001E-2</c:v>
+                </c:pt>
+                <c:pt idx="14">
+                  <c:v>1.4E-2</c:v>
+                </c:pt>
+                <c:pt idx="15">
+                  <c:v>1.4999999999999999E-2</c:v>
+                </c:pt>
+                <c:pt idx="16">
+                  <c:v>1.6E-2</c:v>
+                </c:pt>
+                <c:pt idx="17">
+                  <c:v>1.7000000000000001E-2</c:v>
+                </c:pt>
+                <c:pt idx="18">
+                  <c:v>1.8000000000000002E-2</c:v>
+                </c:pt>
+                <c:pt idx="19">
+                  <c:v>1.9E-2</c:v>
+                </c:pt>
+                <c:pt idx="20">
+                  <c:v>0.02</c:v>
+                </c:pt>
+                <c:pt idx="21">
+                  <c:v>2.1000000000000001E-2</c:v>
+                </c:pt>
+                <c:pt idx="22">
+                  <c:v>2.1999999999999999E-2</c:v>
+                </c:pt>
+                <c:pt idx="23">
+                  <c:v>2.3E-2</c:v>
+                </c:pt>
+                <c:pt idx="24">
+                  <c:v>2.4E-2</c:v>
+                </c:pt>
+                <c:pt idx="25">
+                  <c:v>2.5000000000000001E-2</c:v>
+                </c:pt>
+                <c:pt idx="26">
+                  <c:v>2.6000000000000002E-2</c:v>
+                </c:pt>
+                <c:pt idx="27">
+                  <c:v>2.7E-2</c:v>
+                </c:pt>
+                <c:pt idx="28">
+                  <c:v>2.8000000000000001E-2</c:v>
+                </c:pt>
+                <c:pt idx="29">
+                  <c:v>2.9000000000000001E-2</c:v>
+                </c:pt>
+                <c:pt idx="30">
+                  <c:v>0.03</c:v>
+                </c:pt>
+                <c:pt idx="31">
+                  <c:v>3.1E-2</c:v>
+                </c:pt>
+                <c:pt idx="32">
+                  <c:v>3.2000000000000001E-2</c:v>
+                </c:pt>
+                <c:pt idx="33">
+                  <c:v>3.3000000000000002E-2</c:v>
+                </c:pt>
+                <c:pt idx="34">
+                  <c:v>3.4000000000000002E-2</c:v>
+                </c:pt>
+                <c:pt idx="35">
+                  <c:v>3.5000000000000003E-2</c:v>
+                </c:pt>
+                <c:pt idx="36">
+                  <c:v>3.6000000000000004E-2</c:v>
+                </c:pt>
+                <c:pt idx="37">
+                  <c:v>3.6999999999999998E-2</c:v>
+                </c:pt>
+                <c:pt idx="38">
+                  <c:v>3.7999999999999999E-2</c:v>
+                </c:pt>
+                <c:pt idx="39">
+                  <c:v>3.9E-2</c:v>
+                </c:pt>
+                <c:pt idx="40">
+                  <c:v>0.04</c:v>
+                </c:pt>
+                <c:pt idx="41">
+                  <c:v>4.1000000000000002E-2</c:v>
+                </c:pt>
+                <c:pt idx="42">
+                  <c:v>4.2000000000000003E-2</c:v>
+                </c:pt>
+                <c:pt idx="43">
+                  <c:v>4.3000000000000003E-2</c:v>
+                </c:pt>
+                <c:pt idx="44">
+                  <c:v>4.3999999999999997E-2</c:v>
+                </c:pt>
+                <c:pt idx="45">
+                  <c:v>4.4999999999999998E-2</c:v>
+                </c:pt>
+                <c:pt idx="46">
+                  <c:v>4.5999999999999999E-2</c:v>
+                </c:pt>
+                <c:pt idx="47">
+                  <c:v>4.7E-2</c:v>
+                </c:pt>
+                <c:pt idx="48">
+                  <c:v>4.8000000000000001E-2</c:v>
+                </c:pt>
+                <c:pt idx="49">
+                  <c:v>4.9000000000000002E-2</c:v>
+                </c:pt>
+              </c:numCache>
+            </c:numRef>
+          </c:cat>
+          <c:val>
+            <c:numRef>
+              <c:f>ImplicitGridMethodResult!$H$2:$H$51</c:f>
+              <c:numCache>
+                <c:formatCode>General</c:formatCode>
+                <c:ptCount val="50"/>
+                <c:pt idx="0">
+                  <c:v>0.86602540378443871</c:v>
+                </c:pt>
+                <c:pt idx="1">
+                  <c:v>0.82802922076341634</c:v>
+                </c:pt>
+                <c:pt idx="2">
+                  <c:v>0.79183622160945522</c:v>
+                </c:pt>
+                <c:pt idx="3">
+                  <c:v>0.75734718829734415</c:v>
+                </c:pt>
+                <c:pt idx="4">
+                  <c:v>0.724475179979855</c:v>
+                </c:pt>
+                <c:pt idx="5">
+                  <c:v>0.69314248989368588</c:v>
+                </c:pt>
+                <c:pt idx="6">
+                  <c:v>0.66327811635202305</c:v>
+                </c:pt>
+                <c:pt idx="7">
+                  <c:v>0.63481600132547267</c:v>
+                </c:pt>
+                <c:pt idx="8">
+                  <c:v>0.60769389465176149</c:v>
+                </c:pt>
+                <c:pt idx="9">
+                  <c:v>0.58185264855265428</c:v>
+                </c:pt>
+                <c:pt idx="10">
+                  <c:v>0.55723578530246998</c:v>
+                </c:pt>
+                <c:pt idx="11">
+                  <c:v>0.53378923013005175</c:v>
+                </c:pt>
+                <c:pt idx="12">
+                  <c:v>0.51146114059500414</c:v>
+                </c:pt>
+                <c:pt idx="13">
+                  <c:v>0.49020179051554508</c:v>
+                </c:pt>
+                <c:pt idx="14">
+                  <c:v>0.4699634836721483</c:v>
+                </c:pt>
+                <c:pt idx="15">
+                  <c:v>0.45070048303930482</c:v>
+                </c:pt>
+                <c:pt idx="16">
+                  <c:v>0.4323689475951949</c:v>
+                </c:pt>
+                <c:pt idx="17">
+                  <c:v>0.41492687245014553</c:v>
+                </c:pt>
+                <c:pt idx="18">
+                  <c:v>0.39833403015649238</c:v>
+                </c:pt>
+                <c:pt idx="19">
+                  <c:v>0.38255191225431295</c:v>
+                </c:pt>
+                <c:pt idx="20">
+                  <c:v>0.36754367075561289</c:v>
+                </c:pt>
+                <c:pt idx="21">
+                  <c:v>0.35327405960396224</c:v>
+                </c:pt>
+                <c:pt idx="22">
+                  <c:v>0.33970937630301151</c:v>
+                </c:pt>
+                <c:pt idx="23">
+                  <c:v>0.32681740396511327</c:v>
+                </c:pt>
+                <c:pt idx="24">
+                  <c:v>0.31456735403644148</c:v>
+                </c:pt>
+                <c:pt idx="25">
+                  <c:v>0.30292980993386853</c:v>
+                </c:pt>
+                <c:pt idx="26">
+                  <c:v>0.2918766717962637</c:v>
+                </c:pt>
+                <c:pt idx="27">
+                  <c:v>0.28138110251695386</c:v>
+                </c:pt>
+                <c:pt idx="28">
+                  <c:v>0.27141747518909753</c:v>
+                </c:pt>
+                <c:pt idx="29">
+                  <c:v>0.26196132206373723</c:v>
+                </c:pt>
+                <c:pt idx="30">
+                  <c:v>0.25298928509213381</c:v>
+                </c:pt>
+                <c:pt idx="31">
+                  <c:v>0.24447906809981046</c:v>
+                </c:pt>
+                <c:pt idx="32">
+                  <c:v>0.23640939061935481</c:v>
+                </c:pt>
+                <c:pt idx="33">
+                  <c:v>0.22875994339209743</c:v>
+                </c:pt>
+                <c:pt idx="34">
+                  <c:v>0.22151134553489521</c:v>
+                </c:pt>
+                <c:pt idx="35">
+                  <c:v>0.21464510335699608</c:v>
+                </c:pt>
+                <c:pt idx="36">
+                  <c:v>0.20814357080295487</c:v>
+                </c:pt>
+                <c:pt idx="37">
+                  <c:v>0.20198991149047196</c:v>
+                </c:pt>
+                <c:pt idx="38">
+                  <c:v>0.19616806230652636</c:v>
+                </c:pt>
+                <c:pt idx="39">
+                  <c:v>0.1906626985210105</c:v>
+                </c:pt>
+                <c:pt idx="40">
+                  <c:v>0.185459200374022</c:v>
+                </c:pt>
+                <c:pt idx="41">
+                  <c:v>0.18054362109082966</c:v>
+                </c:pt>
+                <c:pt idx="42">
+                  <c:v>0.17590265627715151</c:v>
+                </c:pt>
+                <c:pt idx="43">
+                  <c:v>0.17152361464661631</c:v>
+                </c:pt>
+                <c:pt idx="44">
+                  <c:v>0.16739439003201972</c:v>
+                </c:pt>
+                <c:pt idx="45">
+                  <c:v>0.16350343463212841</c:v>
+                </c:pt>
+                <c:pt idx="46">
+                  <c:v>0.15983973344625385</c:v>
+                </c:pt>
+                <c:pt idx="47">
+                  <c:v>0.15639277984954258</c:v>
+                </c:pt>
+                <c:pt idx="48">
+                  <c:v>0.15315255226285726</c:v>
+                </c:pt>
+                <c:pt idx="49">
+                  <c:v>0.15010949187220343</c:v>
+                </c:pt>
+              </c:numCache>
+            </c:numRef>
+          </c:val>
+          <c:extLst xmlns:c16r2="http://schemas.microsoft.com/office/drawing/2015/06/chart">
+            <c:ext xmlns:c16="http://schemas.microsoft.com/office/drawing/2014/chart" uri="{C3380CC4-5D6E-409C-BE32-E72D297353CC}">
+              <c16:uniqueId val="{00000006-1DD5-423C-8E4C-162F704BE6DB}"/>
+            </c:ext>
+          </c:extLst>
+        </c:ser>
+        <c:ser>
+          <c:idx val="7"/>
+          <c:order val="7"/>
+          <c:tx>
+            <c:strRef>
+              <c:f>ImplicitGridMethodResult!$I$1</c:f>
+              <c:strCache>
+                <c:ptCount val="1"/>
+                <c:pt idx="0">
+                  <c:v>2,443460953</c:v>
+                </c:pt>
+              </c:strCache>
+            </c:strRef>
+          </c:tx>
+          <c:spPr>
+            <a:solidFill>
+              <a:schemeClr val="accent2">
+                <a:shade val="68000"/>
+              </a:schemeClr>
+            </a:solidFill>
+            <a:ln/>
+            <a:effectLst/>
+            <a:sp3d/>
+          </c:spPr>
+          <c:cat>
+            <c:numRef>
+              <c:f>ImplicitGridMethodResult!$A$2:$A$51</c:f>
+              <c:numCache>
+                <c:formatCode>General</c:formatCode>
+                <c:ptCount val="50"/>
+                <c:pt idx="0">
+                  <c:v>0</c:v>
+                </c:pt>
+                <c:pt idx="1">
+                  <c:v>1E-3</c:v>
+                </c:pt>
+                <c:pt idx="2">
+                  <c:v>2E-3</c:v>
+                </c:pt>
+                <c:pt idx="3">
+                  <c:v>3.0000000000000001E-3</c:v>
+                </c:pt>
+                <c:pt idx="4">
+                  <c:v>4.0000000000000001E-3</c:v>
+                </c:pt>
+                <c:pt idx="5">
+                  <c:v>5.0000000000000001E-3</c:v>
+                </c:pt>
+                <c:pt idx="6">
+                  <c:v>6.0000000000000001E-3</c:v>
+                </c:pt>
+                <c:pt idx="7">
+                  <c:v>7.0000000000000001E-3</c:v>
+                </c:pt>
+                <c:pt idx="8">
+                  <c:v>8.0000000000000002E-3</c:v>
+                </c:pt>
+                <c:pt idx="9">
+                  <c:v>9.0000000000000011E-3</c:v>
+                </c:pt>
+                <c:pt idx="10">
+                  <c:v>0.01</c:v>
+                </c:pt>
+                <c:pt idx="11">
+                  <c:v>1.0999999999999999E-2</c:v>
+                </c:pt>
+                <c:pt idx="12">
+                  <c:v>1.2E-2</c:v>
+                </c:pt>
+                <c:pt idx="13">
+                  <c:v>1.3000000000000001E-2</c:v>
+                </c:pt>
+                <c:pt idx="14">
+                  <c:v>1.4E-2</c:v>
+                </c:pt>
+                <c:pt idx="15">
+                  <c:v>1.4999999999999999E-2</c:v>
+                </c:pt>
+                <c:pt idx="16">
+                  <c:v>1.6E-2</c:v>
+                </c:pt>
+                <c:pt idx="17">
+                  <c:v>1.7000000000000001E-2</c:v>
+                </c:pt>
+                <c:pt idx="18">
+                  <c:v>1.8000000000000002E-2</c:v>
+                </c:pt>
+                <c:pt idx="19">
+                  <c:v>1.9E-2</c:v>
+                </c:pt>
+                <c:pt idx="20">
+                  <c:v>0.02</c:v>
+                </c:pt>
+                <c:pt idx="21">
+                  <c:v>2.1000000000000001E-2</c:v>
+                </c:pt>
+                <c:pt idx="22">
+                  <c:v>2.1999999999999999E-2</c:v>
+                </c:pt>
+                <c:pt idx="23">
+                  <c:v>2.3E-2</c:v>
+                </c:pt>
+                <c:pt idx="24">
+                  <c:v>2.4E-2</c:v>
+                </c:pt>
+                <c:pt idx="25">
+                  <c:v>2.5000000000000001E-2</c:v>
+                </c:pt>
+                <c:pt idx="26">
+                  <c:v>2.6000000000000002E-2</c:v>
+                </c:pt>
+                <c:pt idx="27">
+                  <c:v>2.7E-2</c:v>
+                </c:pt>
+                <c:pt idx="28">
+                  <c:v>2.8000000000000001E-2</c:v>
+                </c:pt>
+                <c:pt idx="29">
+                  <c:v>2.9000000000000001E-2</c:v>
+                </c:pt>
+                <c:pt idx="30">
+                  <c:v>0.03</c:v>
+                </c:pt>
+                <c:pt idx="31">
+                  <c:v>3.1E-2</c:v>
+                </c:pt>
+                <c:pt idx="32">
+                  <c:v>3.2000000000000001E-2</c:v>
+                </c:pt>
+                <c:pt idx="33">
+                  <c:v>3.3000000000000002E-2</c:v>
+                </c:pt>
+                <c:pt idx="34">
+                  <c:v>3.4000000000000002E-2</c:v>
+                </c:pt>
+                <c:pt idx="35">
+                  <c:v>3.5000000000000003E-2</c:v>
+                </c:pt>
+                <c:pt idx="36">
+                  <c:v>3.6000000000000004E-2</c:v>
+                </c:pt>
+                <c:pt idx="37">
+                  <c:v>3.6999999999999998E-2</c:v>
+                </c:pt>
+                <c:pt idx="38">
+                  <c:v>3.7999999999999999E-2</c:v>
+                </c:pt>
+                <c:pt idx="39">
+                  <c:v>3.9E-2</c:v>
+                </c:pt>
+                <c:pt idx="40">
+                  <c:v>0.04</c:v>
+                </c:pt>
+                <c:pt idx="41">
+                  <c:v>4.1000000000000002E-2</c:v>
+                </c:pt>
+                <c:pt idx="42">
+                  <c:v>4.2000000000000003E-2</c:v>
+                </c:pt>
+                <c:pt idx="43">
+                  <c:v>4.3000000000000003E-2</c:v>
+                </c:pt>
+                <c:pt idx="44">
+                  <c:v>4.3999999999999997E-2</c:v>
+                </c:pt>
+                <c:pt idx="45">
+                  <c:v>4.4999999999999998E-2</c:v>
+                </c:pt>
+                <c:pt idx="46">
+                  <c:v>4.5999999999999999E-2</c:v>
+                </c:pt>
+                <c:pt idx="47">
+                  <c:v>4.7E-2</c:v>
+                </c:pt>
+                <c:pt idx="48">
+                  <c:v>4.8000000000000001E-2</c:v>
+                </c:pt>
+                <c:pt idx="49">
+                  <c:v>4.9000000000000002E-2</c:v>
+                </c:pt>
+              </c:numCache>
+            </c:numRef>
+          </c:cat>
+          <c:val>
+            <c:numRef>
+              <c:f>ImplicitGridMethodResult!$I$2:$I$51</c:f>
+              <c:numCache>
+                <c:formatCode>General</c:formatCode>
+                <c:ptCount val="50"/>
+                <c:pt idx="0">
+                  <c:v>0.64278760968653947</c:v>
+                </c:pt>
+                <c:pt idx="1">
+                  <c:v>0.61537686807371017</c:v>
+                </c:pt>
+                <c:pt idx="2">
+                  <c:v>0.58919611778976377</c:v>
+                </c:pt>
+                <c:pt idx="3">
+                  <c:v>0.56418704965432021</c:v>
+                </c:pt>
+                <c:pt idx="4">
+                  <c:v>0.54030482641173228</c:v>
+                </c:pt>
+                <c:pt idx="5">
+                  <c:v>0.51750907309357352</c:v>
+                </c:pt>
+                <c:pt idx="6">
+                  <c:v>0.49576063727806308</c:v>
+                </c:pt>
+                <c:pt idx="7">
+                  <c:v>0.47502063805779365</c:v>
+                </c:pt>
+                <c:pt idx="8">
+                  <c:v>0.45525036651687439</c:v>
+                </c:pt>
+                <c:pt idx="9">
+                  <c:v>0.43641145923034391</c:v>
+                </c:pt>
+                <c:pt idx="10">
+                  <c:v>0.41846612311277692</c:v>
+                </c:pt>
+                <c:pt idx="11">
+                  <c:v>0.40137733515792062</c:v>
+                </c:pt>
+                <c:pt idx="12">
+                  <c:v>0.38510899744134924</c:v>
+                </c:pt>
+                <c:pt idx="13">
+                  <c:v>0.36962604831114754</c:v>
+                </c:pt>
+                <c:pt idx="14">
+                  <c:v>0.35489453682863487</c:v>
+                </c:pt>
+                <c:pt idx="15">
+                  <c:v>0.34088166827634236</c:v>
+                </c:pt>
+                <c:pt idx="16">
+                  <c:v>0.32755582755608348</c:v>
+                </c:pt>
+                <c:pt idx="17">
+                  <c:v>0.31488658594310359</c:v>
+                </c:pt>
+                <c:pt idx="18">
+                  <c:v>0.30284469541887876</c:v>
+                </c:pt>
+                <c:pt idx="19">
+                  <c:v>0.29140207379710847</c:v>
+                </c:pt>
+                <c:pt idx="20">
+                  <c:v>0.28053178308066817</c:v>
+                </c:pt>
+                <c:pt idx="21">
+                  <c:v>0.27020800290125224</c:v>
+                </c:pt>
+                <c:pt idx="22">
+                  <c:v>0.26040600045418072</c:v>
+                </c:pt>
+                <c:pt idx="23">
+                  <c:v>0.25110209801113303</c:v>
+                </c:pt>
+                <c:pt idx="24">
+                  <c:v>0.24227363884467795</c:v>
+                </c:pt>
+                <c:pt idx="25">
+                  <c:v>0.2338989522090964</c:v>
+                </c:pt>
+                <c:pt idx="26">
+                  <c:v>0.22595731787666681</c:v>
+                </c:pt>
+                <c:pt idx="27">
+                  <c:v>0.21842893061608784</c:v>
+                </c:pt>
+                <c:pt idx="28">
+                  <c:v>0.21129486491194016</c:v>
+                </c:pt>
+                <c:pt idx="29">
+                  <c:v>0.20453704015511667</c:v>
+                </c:pt>
+                <c:pt idx="30">
+                  <c:v>0.19813818647962345</c:v>
+                </c:pt>
+                <c:pt idx="31">
+                  <c:v>0.19208181137783778</c:v>
+                </c:pt>
+                <c:pt idx="32">
+                  <c:v>0.18635216719177503</c:v>
+                </c:pt>
+                <c:pt idx="33">
+                  <c:v>0.18093421955031</c:v>
+                </c:pt>
+                <c:pt idx="34">
+                  <c:v>0.17581361680020924</c:v>
+                </c:pt>
+                <c:pt idx="35">
+                  <c:v>0.17097666046115015</c:v>
+                </c:pt>
+                <c:pt idx="36">
+                  <c:v>0.16641027672077474</c:v>
+                </c:pt>
+                <c:pt idx="37">
+                  <c:v>0.16210198897456388</c:v>
+                </c:pt>
+                <c:pt idx="38">
+                  <c:v>0.15803989140638383</c:v>
+                </c:pt>
+                <c:pt idx="39">
+                  <c:v>0.1542126235985134</c:v>
+                </c:pt>
+                <c:pt idx="40">
+                  <c:v>0.15060934615445742</c:v>
+                </c:pt>
+                <c:pt idx="41">
+                  <c:v>0.14721971731360683</c:v>
+                </c:pt>
+                <c:pt idx="42">
+                  <c:v>0.14403387053358627</c:v>
+                </c:pt>
+                <c:pt idx="43">
+                  <c:v>0.14104239301374633</c:v>
+                </c:pt>
+                <c:pt idx="44">
+                  <c:v>0.13823630513155771</c:v>
+                </c:pt>
+                <c:pt idx="45">
+                  <c:v>0.13560704076251742</c:v>
+                </c:pt>
+                <c:pt idx="46">
+                  <c:v>0.1331464284534819</c:v>
+                </c:pt>
+                <c:pt idx="47">
+                  <c:v>0.13084667341901046</c:v>
+                </c:pt>
+                <c:pt idx="48">
+                  <c:v>0.12870034033026206</c:v>
+                </c:pt>
+                <c:pt idx="49">
+                  <c:v>0.12670033686618457</c:v>
+                </c:pt>
+              </c:numCache>
+            </c:numRef>
+          </c:val>
+          <c:extLst xmlns:c16r2="http://schemas.microsoft.com/office/drawing/2015/06/chart">
+            <c:ext xmlns:c16="http://schemas.microsoft.com/office/drawing/2014/chart" uri="{C3380CC4-5D6E-409C-BE32-E72D297353CC}">
+              <c16:uniqueId val="{00000007-1DD5-423C-8E4C-162F704BE6DB}"/>
+            </c:ext>
+          </c:extLst>
+        </c:ser>
+        <c:ser>
+          <c:idx val="8"/>
+          <c:order val="8"/>
+          <c:tx>
+            <c:strRef>
+              <c:f>ImplicitGridMethodResult!$J$1</c:f>
+              <c:strCache>
+                <c:ptCount val="1"/>
+                <c:pt idx="0">
+                  <c:v>2,792526803</c:v>
+                </c:pt>
+              </c:strCache>
+            </c:strRef>
+          </c:tx>
+          <c:spPr>
+            <a:solidFill>
+              <a:schemeClr val="accent2">
+                <a:shade val="55000"/>
+              </a:schemeClr>
+            </a:solidFill>
+            <a:ln/>
+            <a:effectLst/>
+            <a:sp3d/>
+          </c:spPr>
+          <c:cat>
+            <c:numRef>
+              <c:f>ImplicitGridMethodResult!$A$2:$A$51</c:f>
+              <c:numCache>
+                <c:formatCode>General</c:formatCode>
+                <c:ptCount val="50"/>
+                <c:pt idx="0">
+                  <c:v>0</c:v>
+                </c:pt>
+                <c:pt idx="1">
+                  <c:v>1E-3</c:v>
+                </c:pt>
+                <c:pt idx="2">
+                  <c:v>2E-3</c:v>
+                </c:pt>
+                <c:pt idx="3">
+                  <c:v>3.0000000000000001E-3</c:v>
+                </c:pt>
+                <c:pt idx="4">
+                  <c:v>4.0000000000000001E-3</c:v>
+                </c:pt>
+                <c:pt idx="5">
+                  <c:v>5.0000000000000001E-3</c:v>
+                </c:pt>
+                <c:pt idx="6">
+                  <c:v>6.0000000000000001E-3</c:v>
+                </c:pt>
+                <c:pt idx="7">
+                  <c:v>7.0000000000000001E-3</c:v>
+                </c:pt>
+                <c:pt idx="8">
+                  <c:v>8.0000000000000002E-3</c:v>
+                </c:pt>
+                <c:pt idx="9">
+                  <c:v>9.0000000000000011E-3</c:v>
+                </c:pt>
+                <c:pt idx="10">
+                  <c:v>0.01</c:v>
+                </c:pt>
+                <c:pt idx="11">
+                  <c:v>1.0999999999999999E-2</c:v>
+                </c:pt>
+                <c:pt idx="12">
+                  <c:v>1.2E-2</c:v>
+                </c:pt>
+                <c:pt idx="13">
+                  <c:v>1.3000000000000001E-2</c:v>
+                </c:pt>
+                <c:pt idx="14">
+                  <c:v>1.4E-2</c:v>
+                </c:pt>
+                <c:pt idx="15">
+                  <c:v>1.4999999999999999E-2</c:v>
+                </c:pt>
+                <c:pt idx="16">
+                  <c:v>1.6E-2</c:v>
+                </c:pt>
+                <c:pt idx="17">
+                  <c:v>1.7000000000000001E-2</c:v>
+                </c:pt>
+                <c:pt idx="18">
+                  <c:v>1.8000000000000002E-2</c:v>
+                </c:pt>
+                <c:pt idx="19">
+                  <c:v>1.9E-2</c:v>
+                </c:pt>
+                <c:pt idx="20">
+                  <c:v>0.02</c:v>
+                </c:pt>
+                <c:pt idx="21">
+                  <c:v>2.1000000000000001E-2</c:v>
+                </c:pt>
+                <c:pt idx="22">
+                  <c:v>2.1999999999999999E-2</c:v>
+                </c:pt>
+                <c:pt idx="23">
+                  <c:v>2.3E-2</c:v>
+                </c:pt>
+                <c:pt idx="24">
+                  <c:v>2.4E-2</c:v>
+                </c:pt>
+                <c:pt idx="25">
+                  <c:v>2.5000000000000001E-2</c:v>
+                </c:pt>
+                <c:pt idx="26">
+                  <c:v>2.6000000000000002E-2</c:v>
+                </c:pt>
+                <c:pt idx="27">
+                  <c:v>2.7E-2</c:v>
+                </c:pt>
+                <c:pt idx="28">
+                  <c:v>2.8000000000000001E-2</c:v>
+                </c:pt>
+                <c:pt idx="29">
+                  <c:v>2.9000000000000001E-2</c:v>
+                </c:pt>
+                <c:pt idx="30">
+                  <c:v>0.03</c:v>
+                </c:pt>
+                <c:pt idx="31">
+                  <c:v>3.1E-2</c:v>
+                </c:pt>
+                <c:pt idx="32">
+                  <c:v>3.2000000000000001E-2</c:v>
+                </c:pt>
+                <c:pt idx="33">
+                  <c:v>3.3000000000000002E-2</c:v>
+                </c:pt>
+                <c:pt idx="34">
+                  <c:v>3.4000000000000002E-2</c:v>
+                </c:pt>
+                <c:pt idx="35">
+                  <c:v>3.5000000000000003E-2</c:v>
+                </c:pt>
+                <c:pt idx="36">
+                  <c:v>3.6000000000000004E-2</c:v>
+                </c:pt>
+                <c:pt idx="37">
+                  <c:v>3.6999999999999998E-2</c:v>
+                </c:pt>
+                <c:pt idx="38">
+                  <c:v>3.7999999999999999E-2</c:v>
+                </c:pt>
+                <c:pt idx="39">
+                  <c:v>3.9E-2</c:v>
+                </c:pt>
+                <c:pt idx="40">
+                  <c:v>0.04</c:v>
+                </c:pt>
+                <c:pt idx="41">
+                  <c:v>4.1000000000000002E-2</c:v>
+                </c:pt>
+                <c:pt idx="42">
+                  <c:v>4.2000000000000003E-2</c:v>
+                </c:pt>
+                <c:pt idx="43">
+                  <c:v>4.3000000000000003E-2</c:v>
+                </c:pt>
+                <c:pt idx="44">
+                  <c:v>4.3999999999999997E-2</c:v>
+                </c:pt>
+                <c:pt idx="45">
+                  <c:v>4.4999999999999998E-2</c:v>
+                </c:pt>
+                <c:pt idx="46">
+                  <c:v>4.5999999999999999E-2</c:v>
+                </c:pt>
+                <c:pt idx="47">
+                  <c:v>4.7E-2</c:v>
+                </c:pt>
+                <c:pt idx="48">
+                  <c:v>4.8000000000000001E-2</c:v>
+                </c:pt>
+                <c:pt idx="49">
+                  <c:v>4.9000000000000002E-2</c:v>
+                </c:pt>
+              </c:numCache>
+            </c:numRef>
+          </c:cat>
+          <c:val>
+            <c:numRef>
+              <c:f>ImplicitGridMethodResult!$J$2:$J$51</c:f>
+              <c:numCache>
+                <c:formatCode>General</c:formatCode>
+                <c:ptCount val="50"/>
+                <c:pt idx="0">
+                  <c:v>0.34202014332566888</c:v>
+                </c:pt>
+                <c:pt idx="1">
+                  <c:v>0.32848688146294869</c:v>
+                </c:pt>
+                <c:pt idx="2">
+                  <c:v>0.31537447937591134</c:v>
+                </c:pt>
+                <c:pt idx="3">
+                  <c:v>0.30275647989033722</c:v>
+                </c:pt>
+                <c:pt idx="4">
+                  <c:v>0.29066364961115482</c:v>
+                </c:pt>
+                <c:pt idx="5">
+                  <c:v>0.2791040416131344</c:v>
+                </c:pt>
+                <c:pt idx="6">
+                  <c:v>0.26807339281303671</c:v>
+                </c:pt>
+                <c:pt idx="7">
+                  <c:v>0.25756067459285259</c:v>
+                </c:pt>
+                <c:pt idx="8">
+                  <c:v>0.2475511469697016</c:v>
+                </c:pt>
+                <c:pt idx="9">
+                  <c:v>0.23802808999479819</c:v>
+                </c:pt>
+                <c:pt idx="10">
+                  <c:v>0.22897381347079304</c:v>
+                </c:pt>
+                <c:pt idx="11">
+                  <c:v>0.22037026109127972</c:v>
+                </c:pt>
+                <c:pt idx="12">
+                  <c:v>0.21219937982363335</c:v>
+                </c:pt>
+                <c:pt idx="13">
+                  <c:v>0.2044433494164854</c:v>
+                </c:pt>
+                <c:pt idx="14">
+                  <c:v>0.19708472619240669</c:v>
+                </c:pt>
+                <c:pt idx="15">
+                  <c:v>0.19010653288582291</c:v>
+                </c:pt>
+                <c:pt idx="16">
+                  <c:v>0.18349231364938187</c:v>
+                </c:pt>
+                <c:pt idx="17">
+                  <c:v>0.17722616604580871</c:v>
+                </c:pt>
+                <c:pt idx="18">
+                  <c:v>0.17129275751580539</c:v>
+                </c:pt>
+                <c:pt idx="19">
+                  <c:v>0.16567733118998978</c:v>
+                </c:pt>
+                <c:pt idx="20">
+                  <c:v>0.16036570428622574</c:v>
+                </c:pt>
+                <c:pt idx="21">
+                  <c:v>0.15534426130153292</c:v>
+                </c:pt>
+                <c:pt idx="22">
+                  <c:v>0.15059994353780268</c:v>
+                </c:pt>
+                <c:pt idx="23">
+                  <c:v>0.14612023605574215</c:v>
+                </c:pt>
+                <c:pt idx="24">
+                  <c:v>0.14189315284946924</c:v>
+                </c:pt>
+                <c:pt idx="25">
+                  <c:v>0.13790722082459328</c:v>
+                </c:pt>
+                <c:pt idx="26">
+                  <c:v>0.13415146301406602</c:v>
+                </c:pt>
+                <c:pt idx="27">
+                  <c:v>0.1306153813586812</c:v>
+                </c:pt>
+                <c:pt idx="28">
+                  <c:v>0.1272889393000102</c:v>
+                </c:pt>
+                <c:pt idx="29">
+                  <c:v>0.12416254437435396</c:v>
+                </c:pt>
+                <c:pt idx="30">
+                  <c:v>0.12122703095132251</c:v>
+                </c:pt>
+                <c:pt idx="31">
+                  <c:v>0.11847364322607662</c:v>
+                </c:pt>
+                <c:pt idx="32">
+                  <c:v>0.11589401854740483</c:v>
+                </c:pt>
+                <c:pt idx="33">
+                  <c:v>0.113480171142769</c:v>
+                </c:pt>
+                <c:pt idx="34">
+                  <c:v>0.1112244762848664</c:v>
+                </c:pt>
+                <c:pt idx="35">
+                  <c:v>0.10911965493112488</c:v>
+                </c:pt>
+                <c:pt idx="36">
+                  <c:v>0.10715875885711916</c:v>
+                </c:pt>
+                <c:pt idx="37">
+                  <c:v>0.10533515629660804</c:v>
+                </c:pt>
+                <c:pt idx="38">
+                  <c:v>0.10364251809430611</c:v>
+                </c:pt>
+                <c:pt idx="39">
+                  <c:v>0.10207480437228407</c:v>
+                </c:pt>
+                <c:pt idx="40">
+                  <c:v>0.10062625170677246</c:v>
+                </c:pt>
+                <c:pt idx="41">
+                  <c:v>9.9291360808914042E-2</c:v>
+                </c:pt>
+                <c:pt idx="42">
+                  <c:v>9.8064884700502633E-2</c:v>
+                </c:pt>
+                <c:pt idx="43">
+                  <c:v>9.6941817373825692E-2</c:v>
+                </c:pt>
+                <c:pt idx="44">
+                  <c:v>9.5917382923283875E-2</c:v>
+                </c:pt>
+                <c:pt idx="45">
+                  <c:v>9.4987025135405273E-2</c:v>
+                </c:pt>
+                <c:pt idx="46">
+                  <c:v>9.4146397523131961E-2</c:v>
+                </c:pt>
+                <c:pt idx="47">
+                  <c:v>9.3391353789772549E-2</c:v>
+                </c:pt>
+                <c:pt idx="48">
+                  <c:v>9.2717938707736786E-2</c:v>
+                </c:pt>
+                <c:pt idx="49">
+                  <c:v>9.2122379397058585E-2</c:v>
+                </c:pt>
+              </c:numCache>
+            </c:numRef>
+          </c:val>
+          <c:extLst xmlns:c16r2="http://schemas.microsoft.com/office/drawing/2015/06/chart">
+            <c:ext xmlns:c16="http://schemas.microsoft.com/office/drawing/2014/chart" uri="{C3380CC4-5D6E-409C-BE32-E72D297353CC}">
+              <c16:uniqueId val="{00000008-1DD5-423C-8E4C-162F704BE6DB}"/>
+            </c:ext>
+          </c:extLst>
+        </c:ser>
+        <c:ser>
+          <c:idx val="9"/>
+          <c:order val="9"/>
+          <c:tx>
+            <c:strRef>
+              <c:f>ImplicitGridMethodResult!$K$1</c:f>
+              <c:strCache>
+                <c:ptCount val="1"/>
+                <c:pt idx="0">
+                  <c:v>3,141592654</c:v>
+                </c:pt>
+              </c:strCache>
+            </c:strRef>
+          </c:tx>
+          <c:spPr>
+            <a:solidFill>
+              <a:schemeClr val="accent2">
+                <a:shade val="42000"/>
+              </a:schemeClr>
+            </a:solidFill>
+            <a:ln/>
+            <a:effectLst/>
+            <a:sp3d/>
+          </c:spPr>
+          <c:cat>
+            <c:numRef>
+              <c:f>ImplicitGridMethodResult!$A$2:$A$51</c:f>
+              <c:numCache>
+                <c:formatCode>General</c:formatCode>
+                <c:ptCount val="50"/>
+                <c:pt idx="0">
+                  <c:v>0</c:v>
+                </c:pt>
+                <c:pt idx="1">
+                  <c:v>1E-3</c:v>
+                </c:pt>
+                <c:pt idx="2">
+                  <c:v>2E-3</c:v>
+                </c:pt>
+                <c:pt idx="3">
+                  <c:v>3.0000000000000001E-3</c:v>
+                </c:pt>
+                <c:pt idx="4">
+                  <c:v>4.0000000000000001E-3</c:v>
+                </c:pt>
+                <c:pt idx="5">
+                  <c:v>5.0000000000000001E-3</c:v>
+                </c:pt>
+                <c:pt idx="6">
+                  <c:v>6.0000000000000001E-3</c:v>
+                </c:pt>
+                <c:pt idx="7">
+                  <c:v>7.0000000000000001E-3</c:v>
+                </c:pt>
+                <c:pt idx="8">
+                  <c:v>8.0000000000000002E-3</c:v>
+                </c:pt>
+                <c:pt idx="9">
+                  <c:v>9.0000000000000011E-3</c:v>
+                </c:pt>
+                <c:pt idx="10">
+                  <c:v>0.01</c:v>
+                </c:pt>
+                <c:pt idx="11">
+                  <c:v>1.0999999999999999E-2</c:v>
+                </c:pt>
+                <c:pt idx="12">
+                  <c:v>1.2E-2</c:v>
+                </c:pt>
+                <c:pt idx="13">
+                  <c:v>1.3000000000000001E-2</c:v>
+                </c:pt>
+                <c:pt idx="14">
+                  <c:v>1.4E-2</c:v>
+                </c:pt>
+                <c:pt idx="15">
+                  <c:v>1.4999999999999999E-2</c:v>
+                </c:pt>
+                <c:pt idx="16">
+                  <c:v>1.6E-2</c:v>
+                </c:pt>
+                <c:pt idx="17">
+                  <c:v>1.7000000000000001E-2</c:v>
+                </c:pt>
+                <c:pt idx="18">
+                  <c:v>1.8000000000000002E-2</c:v>
+                </c:pt>
+                <c:pt idx="19">
+                  <c:v>1.9E-2</c:v>
+                </c:pt>
+                <c:pt idx="20">
+                  <c:v>0.02</c:v>
+                </c:pt>
+                <c:pt idx="21">
+                  <c:v>2.1000000000000001E-2</c:v>
+                </c:pt>
+                <c:pt idx="22">
+                  <c:v>2.1999999999999999E-2</c:v>
+                </c:pt>
+                <c:pt idx="23">
+                  <c:v>2.3E-2</c:v>
+                </c:pt>
+                <c:pt idx="24">
+                  <c:v>2.4E-2</c:v>
+                </c:pt>
+                <c:pt idx="25">
+                  <c:v>2.5000000000000001E-2</c:v>
+                </c:pt>
+                <c:pt idx="26">
+                  <c:v>2.6000000000000002E-2</c:v>
+                </c:pt>
+                <c:pt idx="27">
+                  <c:v>2.7E-2</c:v>
+                </c:pt>
+                <c:pt idx="28">
+                  <c:v>2.8000000000000001E-2</c:v>
+                </c:pt>
+                <c:pt idx="29">
+                  <c:v>2.9000000000000001E-2</c:v>
+                </c:pt>
+                <c:pt idx="30">
+                  <c:v>0.03</c:v>
+                </c:pt>
+                <c:pt idx="31">
+                  <c:v>3.1E-2</c:v>
+                </c:pt>
+                <c:pt idx="32">
+                  <c:v>3.2000000000000001E-2</c:v>
+                </c:pt>
+                <c:pt idx="33">
+                  <c:v>3.3000000000000002E-2</c:v>
+                </c:pt>
+                <c:pt idx="34">
+                  <c:v>3.4000000000000002E-2</c:v>
+                </c:pt>
+                <c:pt idx="35">
+                  <c:v>3.5000000000000003E-2</c:v>
+                </c:pt>
+                <c:pt idx="36">
+                  <c:v>3.6000000000000004E-2</c:v>
+                </c:pt>
+                <c:pt idx="37">
+                  <c:v>3.6999999999999998E-2</c:v>
+                </c:pt>
+                <c:pt idx="38">
+                  <c:v>3.7999999999999999E-2</c:v>
+                </c:pt>
+                <c:pt idx="39">
+                  <c:v>3.9E-2</c:v>
+                </c:pt>
+                <c:pt idx="40">
+                  <c:v>0.04</c:v>
+                </c:pt>
+                <c:pt idx="41">
+                  <c:v>4.1000000000000002E-2</c:v>
+                </c:pt>
+                <c:pt idx="42">
+                  <c:v>4.2000000000000003E-2</c:v>
+                </c:pt>
+                <c:pt idx="43">
+                  <c:v>4.3000000000000003E-2</c:v>
+                </c:pt>
+                <c:pt idx="44">
+                  <c:v>4.3999999999999997E-2</c:v>
+                </c:pt>
+                <c:pt idx="45">
+                  <c:v>4.4999999999999998E-2</c:v>
+                </c:pt>
+                <c:pt idx="46">
+                  <c:v>4.5999999999999999E-2</c:v>
+                </c:pt>
+                <c:pt idx="47">
+                  <c:v>4.7E-2</c:v>
+                </c:pt>
+                <c:pt idx="48">
+                  <c:v>4.8000000000000001E-2</c:v>
+                </c:pt>
+                <c:pt idx="49">
+                  <c:v>4.9000000000000002E-2</c:v>
+                </c:pt>
+              </c:numCache>
+            </c:numRef>
+          </c:cat>
+          <c:val>
+            <c:numRef>
+              <c:f>ImplicitGridMethodResult!$K$2:$K$51</c:f>
+              <c:numCache>
+                <c:formatCode>General</c:formatCode>
+                <c:ptCount val="50"/>
+                <c:pt idx="0">
+                  <c:v>0</c:v>
+                </c:pt>
+                <c:pt idx="1">
+                  <c:v>1E-3</c:v>
+                </c:pt>
+                <c:pt idx="2">
+                  <c:v>2E-3</c:v>
+                </c:pt>
+                <c:pt idx="3">
+                  <c:v>3.0000000000000001E-3</c:v>
+                </c:pt>
+                <c:pt idx="4">
+                  <c:v>4.0000000000000001E-3</c:v>
+                </c:pt>
+                <c:pt idx="5">
+                  <c:v>5.0000000000000001E-3</c:v>
+                </c:pt>
+                <c:pt idx="6">
+                  <c:v>6.0000000000000001E-3</c:v>
+                </c:pt>
+                <c:pt idx="7">
+                  <c:v>7.0000000000000001E-3</c:v>
+                </c:pt>
+                <c:pt idx="8">
+                  <c:v>8.0000000000000002E-3</c:v>
+                </c:pt>
+                <c:pt idx="9">
+                  <c:v>9.0000000000000011E-3</c:v>
+                </c:pt>
+                <c:pt idx="10">
+                  <c:v>0.01</c:v>
+                </c:pt>
+                <c:pt idx="11">
+                  <c:v>1.0999999999999999E-2</c:v>
+                </c:pt>
+                <c:pt idx="12">
+                  <c:v>1.2E-2</c:v>
+                </c:pt>
+                <c:pt idx="13">
+                  <c:v>1.3000000000000001E-2</c:v>
+                </c:pt>
+                <c:pt idx="14">
+                  <c:v>1.4E-2</c:v>
+                </c:pt>
+                <c:pt idx="15">
+                  <c:v>1.4999999999999999E-2</c:v>
+                </c:pt>
+                <c:pt idx="16">
+                  <c:v>1.6E-2</c:v>
+                </c:pt>
+                <c:pt idx="17">
+                  <c:v>1.7000000000000001E-2</c:v>
+                </c:pt>
+                <c:pt idx="18">
+                  <c:v>1.8000000000000002E-2</c:v>
+                </c:pt>
+                <c:pt idx="19">
+                  <c:v>1.9E-2</c:v>
+                </c:pt>
+                <c:pt idx="20">
+                  <c:v>0.02</c:v>
+                </c:pt>
+                <c:pt idx="21">
+                  <c:v>2.1000000000000001E-2</c:v>
+                </c:pt>
+                <c:pt idx="22">
+                  <c:v>2.1999999999999999E-2</c:v>
+                </c:pt>
+                <c:pt idx="23">
+                  <c:v>2.3E-2</c:v>
+                </c:pt>
+                <c:pt idx="24">
+                  <c:v>2.4E-2</c:v>
+                </c:pt>
+                <c:pt idx="25">
+                  <c:v>2.5000000000000001E-2</c:v>
+                </c:pt>
+                <c:pt idx="26">
+                  <c:v>2.6000000000000002E-2</c:v>
+                </c:pt>
+                <c:pt idx="27">
+                  <c:v>2.7E-2</c:v>
+                </c:pt>
+                <c:pt idx="28">
+                  <c:v>2.8000000000000001E-2</c:v>
+                </c:pt>
+                <c:pt idx="29">
+                  <c:v>2.9000000000000001E-2</c:v>
+                </c:pt>
+                <c:pt idx="30">
+                  <c:v>0.03</c:v>
+                </c:pt>
+                <c:pt idx="31">
+                  <c:v>3.1E-2</c:v>
+                </c:pt>
+                <c:pt idx="32">
+                  <c:v>3.2000000000000001E-2</c:v>
+                </c:pt>
+                <c:pt idx="33">
+                  <c:v>3.3000000000000002E-2</c:v>
+                </c:pt>
+                <c:pt idx="34">
+                  <c:v>3.4000000000000002E-2</c:v>
+                </c:pt>
+                <c:pt idx="35">
+                  <c:v>3.5000000000000003E-2</c:v>
+                </c:pt>
+                <c:pt idx="36">
+                  <c:v>3.6000000000000004E-2</c:v>
+                </c:pt>
+                <c:pt idx="37">
+                  <c:v>3.6999999999999998E-2</c:v>
+                </c:pt>
+                <c:pt idx="38">
+                  <c:v>3.7999999999999999E-2</c:v>
+                </c:pt>
+                <c:pt idx="39">
+                  <c:v>3.9E-2</c:v>
+                </c:pt>
+                <c:pt idx="40">
+                  <c:v>0.04</c:v>
+                </c:pt>
+                <c:pt idx="41">
+                  <c:v>4.1000000000000002E-2</c:v>
+                </c:pt>
+                <c:pt idx="42">
+                  <c:v>4.2000000000000003E-2</c:v>
+                </c:pt>
+                <c:pt idx="43">
+                  <c:v>4.3000000000000003E-2</c:v>
+                </c:pt>
+                <c:pt idx="44">
+                  <c:v>4.3999999999999997E-2</c:v>
+                </c:pt>
+                <c:pt idx="45">
+                  <c:v>4.4999999999999998E-2</c:v>
+                </c:pt>
+                <c:pt idx="46">
+                  <c:v>4.5999999999999999E-2</c:v>
+                </c:pt>
+                <c:pt idx="47">
+                  <c:v>4.7E-2</c:v>
+                </c:pt>
+                <c:pt idx="48">
+                  <c:v>4.8000000000000001E-2</c:v>
+                </c:pt>
+                <c:pt idx="49">
+                  <c:v>4.9000000000000002E-2</c:v>
+                </c:pt>
+              </c:numCache>
+            </c:numRef>
+          </c:val>
+          <c:extLst xmlns:c16r2="http://schemas.microsoft.com/office/drawing/2015/06/chart">
+            <c:ext xmlns:c16="http://schemas.microsoft.com/office/drawing/2014/chart" uri="{C3380CC4-5D6E-409C-BE32-E72D297353CC}">
+              <c16:uniqueId val="{00000009-1DD5-423C-8E4C-162F704BE6DB}"/>
+            </c:ext>
+          </c:extLst>
+        </c:ser>
+        <c:bandFmts>
+          <c:bandFmt>
+            <c:idx val="0"/>
+            <c:spPr>
+              <a:solidFill>
+                <a:schemeClr val="accent2">
+                  <a:tint val="50000"/>
+                </a:schemeClr>
+              </a:solidFill>
+              <a:ln/>
+              <a:effectLst/>
+              <a:sp3d/>
+            </c:spPr>
+          </c:bandFmt>
+          <c:bandFmt>
+            <c:idx val="1"/>
+            <c:spPr>
+              <a:solidFill>
+                <a:schemeClr val="accent2">
+                  <a:tint val="70000"/>
+                </a:schemeClr>
+              </a:solidFill>
+              <a:ln/>
+              <a:effectLst/>
+              <a:sp3d/>
+            </c:spPr>
+          </c:bandFmt>
+          <c:bandFmt>
+            <c:idx val="2"/>
+            <c:spPr>
+              <a:solidFill>
+                <a:schemeClr val="accent2">
+                  <a:tint val="90000"/>
+                </a:schemeClr>
+              </a:solidFill>
+              <a:ln/>
+              <a:effectLst/>
+              <a:sp3d/>
+            </c:spPr>
+          </c:bandFmt>
+          <c:bandFmt>
+            <c:idx val="3"/>
+            <c:spPr>
+              <a:solidFill>
+                <a:schemeClr val="accent2">
+                  <a:shade val="90000"/>
+                </a:schemeClr>
+              </a:solidFill>
+              <a:ln/>
+              <a:effectLst/>
+              <a:sp3d/>
+            </c:spPr>
+          </c:bandFmt>
+          <c:bandFmt>
+            <c:idx val="4"/>
+            <c:spPr>
+              <a:solidFill>
+                <a:schemeClr val="accent2">
+                  <a:shade val="70000"/>
+                </a:schemeClr>
+              </a:solidFill>
+              <a:ln/>
+              <a:effectLst/>
+              <a:sp3d/>
+            </c:spPr>
+          </c:bandFmt>
+          <c:bandFmt>
+            <c:idx val="5"/>
+            <c:spPr>
+              <a:solidFill>
+                <a:schemeClr val="accent2">
+                  <a:shade val="50000"/>
+                </a:schemeClr>
+              </a:solidFill>
+              <a:ln/>
+              <a:effectLst/>
+              <a:sp3d/>
+            </c:spPr>
+          </c:bandFmt>
+          <c:bandFmt>
+            <c:idx val="6"/>
+            <c:spPr>
+              <a:solidFill>
+                <a:schemeClr val="accent2">
+                  <a:shade val="50000"/>
+                </a:schemeClr>
+              </a:solidFill>
+              <a:ln/>
+              <a:effectLst/>
+              <a:sp3d/>
+            </c:spPr>
+          </c:bandFmt>
+          <c:bandFmt>
+            <c:idx val="7"/>
+            <c:spPr>
+              <a:solidFill>
+                <a:schemeClr val="accent2">
+                  <a:shade val="50000"/>
+                </a:schemeClr>
+              </a:solidFill>
+              <a:ln/>
+              <a:effectLst/>
+              <a:sp3d/>
+            </c:spPr>
+          </c:bandFmt>
+          <c:bandFmt>
+            <c:idx val="8"/>
+            <c:spPr>
+              <a:solidFill>
+                <a:schemeClr val="accent2">
+                  <a:shade val="50000"/>
+                </a:schemeClr>
+              </a:solidFill>
+              <a:ln/>
+              <a:effectLst/>
+              <a:sp3d/>
+            </c:spPr>
+          </c:bandFmt>
+          <c:bandFmt>
+            <c:idx val="9"/>
+            <c:spPr>
+              <a:solidFill>
+                <a:schemeClr val="accent2">
+                  <a:shade val="50000"/>
+                </a:schemeClr>
+              </a:solidFill>
+              <a:ln/>
+              <a:effectLst/>
+              <a:sp3d/>
+            </c:spPr>
+          </c:bandFmt>
+          <c:bandFmt>
+            <c:idx val="10"/>
+            <c:spPr>
+              <a:solidFill>
+                <a:schemeClr val="accent2">
+                  <a:shade val="50000"/>
+                </a:schemeClr>
+              </a:solidFill>
+              <a:ln/>
+              <a:effectLst/>
+              <a:sp3d/>
+            </c:spPr>
+          </c:bandFmt>
+          <c:bandFmt>
+            <c:idx val="11"/>
+            <c:spPr>
+              <a:solidFill>
+                <a:schemeClr val="accent2">
+                  <a:shade val="50000"/>
+                </a:schemeClr>
+              </a:solidFill>
+              <a:ln/>
+              <a:effectLst/>
+              <a:sp3d/>
+            </c:spPr>
+          </c:bandFmt>
+          <c:bandFmt>
+            <c:idx val="12"/>
+            <c:spPr>
+              <a:solidFill>
+                <a:schemeClr val="accent2">
+                  <a:shade val="50000"/>
+                </a:schemeClr>
+              </a:solidFill>
+              <a:ln/>
+              <a:effectLst/>
+              <a:sp3d/>
+            </c:spPr>
+          </c:bandFmt>
+          <c:bandFmt>
+            <c:idx val="13"/>
+            <c:spPr>
+              <a:solidFill>
+                <a:schemeClr val="accent2">
+                  <a:shade val="50000"/>
+                </a:schemeClr>
+              </a:solidFill>
+              <a:ln/>
+              <a:effectLst/>
+              <a:sp3d/>
+            </c:spPr>
+          </c:bandFmt>
+          <c:bandFmt>
+            <c:idx val="14"/>
+            <c:spPr>
+              <a:solidFill>
+                <a:schemeClr val="accent2">
+                  <a:shade val="50000"/>
+                </a:schemeClr>
+              </a:solidFill>
+              <a:ln/>
+              <a:effectLst/>
+              <a:sp3d/>
+            </c:spPr>
+          </c:bandFmt>
+        </c:bandFmts>
+        <c:axId val="369687008"/>
+        <c:axId val="369690144"/>
+        <c:axId val="373113488"/>
+      </c:surface3DChart>
+      <c:catAx>
+        <c:axId val="369687008"/>
+        <c:scaling>
+          <c:orientation val="minMax"/>
+        </c:scaling>
+        <c:delete val="0"/>
+        <c:axPos val="b"/>
+        <c:title>
+          <c:tx>
+            <c:rich>
+              <a:bodyPr rot="0" spcFirstLastPara="1" vertOverflow="ellipsis" vert="horz" wrap="square" anchor="ctr" anchorCtr="1"/>
+              <a:lstStyle/>
+              <a:p>
+                <a:pPr>
+                  <a:defRPr sz="2400" b="0" i="0" u="none" strike="noStrike" kern="1200" baseline="0">
+                    <a:solidFill>
+                      <a:schemeClr val="tx1">
+                        <a:lumMod val="65000"/>
+                        <a:lumOff val="35000"/>
+                      </a:schemeClr>
+                    </a:solidFill>
+                    <a:latin typeface="+mn-lt"/>
+                    <a:ea typeface="+mn-ea"/>
+                    <a:cs typeface="+mn-cs"/>
+                  </a:defRPr>
+                </a:pPr>
+                <a:r>
+                  <a:rPr lang="en-US" sz="2400"/>
+                  <a:t>t</a:t>
+                </a:r>
+                <a:endParaRPr lang="ru-RU" sz="2400"/>
+              </a:p>
+            </c:rich>
+          </c:tx>
+          <c:layout>
+            <c:manualLayout>
+              <c:xMode val="edge"/>
+              <c:yMode val="edge"/>
+              <c:x val="0.3492276018619489"/>
+              <c:y val="0.61483172754281568"/>
+            </c:manualLayout>
+          </c:layout>
+          <c:overlay val="0"/>
+          <c:spPr>
+            <a:noFill/>
+            <a:ln>
+              <a:noFill/>
+            </a:ln>
+            <a:effectLst/>
+          </c:spPr>
+        </c:title>
+        <c:numFmt formatCode="General" sourceLinked="1"/>
+        <c:majorTickMark val="out"/>
+        <c:minorTickMark val="none"/>
+        <c:tickLblPos val="nextTo"/>
+        <c:spPr>
+          <a:noFill/>
+          <a:ln w="9525" cap="flat" cmpd="sng" algn="ctr">
+            <a:solidFill>
+              <a:schemeClr val="tx1">
+                <a:lumMod val="15000"/>
+                <a:lumOff val="85000"/>
+              </a:schemeClr>
+            </a:solidFill>
+            <a:prstDash val="solid"/>
+            <a:round/>
+          </a:ln>
+          <a:effectLst/>
+        </c:spPr>
+        <c:txPr>
+          <a:bodyPr rot="-60000000" spcFirstLastPara="1" vertOverflow="ellipsis" vert="horz" wrap="square" anchor="ctr" anchorCtr="1"/>
+          <a:lstStyle/>
+          <a:p>
+            <a:pPr>
+              <a:defRPr sz="900" b="0" i="0" u="none" strike="noStrike" kern="1200" baseline="0">
+                <a:solidFill>
+                  <a:schemeClr val="tx1">
+                    <a:lumMod val="65000"/>
+                    <a:lumOff val="35000"/>
+                  </a:schemeClr>
+                </a:solidFill>
+                <a:latin typeface="+mn-lt"/>
+                <a:ea typeface="+mn-ea"/>
+                <a:cs typeface="+mn-cs"/>
+              </a:defRPr>
+            </a:pPr>
+            <a:endParaRPr lang="ru-RU"/>
+          </a:p>
+        </c:txPr>
+        <c:crossAx val="369690144"/>
+        <c:crosses val="autoZero"/>
+        <c:auto val="1"/>
+        <c:lblAlgn val="ctr"/>
+        <c:lblOffset val="100"/>
+        <c:noMultiLvlLbl val="0"/>
+      </c:catAx>
+      <c:valAx>
+        <c:axId val="369690144"/>
+        <c:scaling>
+          <c:orientation val="minMax"/>
+        </c:scaling>
+        <c:delete val="0"/>
+        <c:axPos val="l"/>
+        <c:majorGridlines>
+          <c:spPr>
+            <a:ln w="9525" cap="flat" cmpd="sng" algn="ctr">
+              <a:solidFill>
+                <a:schemeClr val="tx1">
+                  <a:lumMod val="15000"/>
+                  <a:lumOff val="85000"/>
+                </a:schemeClr>
+              </a:solidFill>
+              <a:prstDash val="solid"/>
+              <a:round/>
+            </a:ln>
+            <a:effectLst/>
+          </c:spPr>
+        </c:majorGridlines>
+        <c:title>
+          <c:tx>
+            <c:rich>
+              <a:bodyPr rot="-5400000" spcFirstLastPara="1" vertOverflow="ellipsis" vert="horz" wrap="square" anchor="ctr" anchorCtr="1"/>
+              <a:lstStyle/>
+              <a:p>
+                <a:pPr>
+                  <a:defRPr sz="1000" b="0" i="0" u="none" strike="noStrike" kern="1200" baseline="0">
+                    <a:solidFill>
+                      <a:schemeClr val="tx1">
+                        <a:lumMod val="65000"/>
+                        <a:lumOff val="35000"/>
+                      </a:schemeClr>
+                    </a:solidFill>
+                    <a:latin typeface="+mn-lt"/>
+                    <a:ea typeface="+mn-ea"/>
+                    <a:cs typeface="+mn-cs"/>
+                  </a:defRPr>
+                </a:pPr>
+                <a:r>
+                  <a:rPr lang="en-US" sz="1800"/>
+                  <a:t>u(x,y)</a:t>
+                </a:r>
+                <a:endParaRPr lang="ru-RU" sz="1800"/>
+              </a:p>
+            </c:rich>
+          </c:tx>
+          <c:layout>
+            <c:manualLayout>
+              <c:xMode val="edge"/>
+              <c:yMode val="edge"/>
+              <c:x val="0.13928543691260567"/>
+              <c:y val="0.18383697855175038"/>
+            </c:manualLayout>
+          </c:layout>
+          <c:overlay val="0"/>
+          <c:spPr>
+            <a:noFill/>
+            <a:ln>
+              <a:noFill/>
+            </a:ln>
+            <a:effectLst/>
+          </c:spPr>
+        </c:title>
+        <c:numFmt formatCode="General" sourceLinked="1"/>
+        <c:majorTickMark val="none"/>
+        <c:minorTickMark val="none"/>
+        <c:tickLblPos val="nextTo"/>
+        <c:spPr>
+          <a:noFill/>
+          <a:ln w="6350" cap="flat" cmpd="sng" algn="ctr">
+            <a:noFill/>
+            <a:prstDash val="solid"/>
+            <a:round/>
+          </a:ln>
+          <a:effectLst/>
+        </c:spPr>
+        <c:txPr>
+          <a:bodyPr rot="-60000000" spcFirstLastPara="1" vertOverflow="ellipsis" vert="horz" wrap="square" anchor="ctr" anchorCtr="1"/>
+          <a:lstStyle/>
+          <a:p>
+            <a:pPr>
+              <a:defRPr sz="900" b="0" i="0" u="none" strike="noStrike" kern="1200" baseline="0">
+                <a:solidFill>
+                  <a:schemeClr val="tx1">
+                    <a:lumMod val="65000"/>
+                    <a:lumOff val="35000"/>
+                  </a:schemeClr>
+                </a:solidFill>
+                <a:latin typeface="+mn-lt"/>
+                <a:ea typeface="+mn-ea"/>
+                <a:cs typeface="+mn-cs"/>
+              </a:defRPr>
+            </a:pPr>
+            <a:endParaRPr lang="ru-RU"/>
+          </a:p>
+        </c:txPr>
+        <c:crossAx val="369687008"/>
+        <c:crosses val="autoZero"/>
+        <c:crossBetween val="midCat"/>
+      </c:valAx>
+      <c:serAx>
+        <c:axId val="373113488"/>
+        <c:scaling>
+          <c:orientation val="minMax"/>
+        </c:scaling>
+        <c:delete val="0"/>
+        <c:axPos val="b"/>
+        <c:title>
+          <c:tx>
+            <c:rich>
+              <a:bodyPr rot="-5400000" spcFirstLastPara="1" vertOverflow="ellipsis" vert="horz" wrap="square" anchor="ctr" anchorCtr="1"/>
+              <a:lstStyle/>
+              <a:p>
+                <a:pPr>
+                  <a:defRPr sz="2000" b="0" i="0" u="none" strike="noStrike" kern="1200" baseline="0">
+                    <a:solidFill>
+                      <a:schemeClr val="tx1">
+                        <a:lumMod val="65000"/>
+                        <a:lumOff val="35000"/>
+                      </a:schemeClr>
+                    </a:solidFill>
+                    <a:latin typeface="+mn-lt"/>
+                    <a:ea typeface="+mn-ea"/>
+                    <a:cs typeface="+mn-cs"/>
+                  </a:defRPr>
+                </a:pPr>
+                <a:r>
+                  <a:rPr lang="en-US" sz="2000"/>
+                  <a:t>X</a:t>
+                </a:r>
+                <a:endParaRPr lang="ru-RU" sz="2000"/>
+              </a:p>
+            </c:rich>
+          </c:tx>
+          <c:layout>
+            <c:manualLayout>
+              <c:xMode val="edge"/>
+              <c:yMode val="edge"/>
+              <c:x val="0.80027287025627925"/>
+              <c:y val="0.74631080634089608"/>
+            </c:manualLayout>
+          </c:layout>
+          <c:overlay val="0"/>
+          <c:spPr>
+            <a:noFill/>
+            <a:ln>
+              <a:noFill/>
+            </a:ln>
+            <a:effectLst/>
+          </c:spPr>
+        </c:title>
+        <c:numFmt formatCode="0.000" sourceLinked="0"/>
+        <c:majorTickMark val="out"/>
+        <c:minorTickMark val="none"/>
+        <c:tickLblPos val="nextTo"/>
+        <c:spPr>
+          <a:noFill/>
+          <a:ln w="9525" cap="flat" cmpd="sng" algn="ctr">
+            <a:solidFill>
+              <a:schemeClr val="tx1">
+                <a:lumMod val="15000"/>
+                <a:lumOff val="85000"/>
+              </a:schemeClr>
+            </a:solidFill>
+            <a:prstDash val="solid"/>
+            <a:round/>
+          </a:ln>
+          <a:effectLst/>
+        </c:spPr>
+        <c:txPr>
+          <a:bodyPr rot="-60000000" spcFirstLastPara="1" vertOverflow="ellipsis" vert="horz" wrap="square" anchor="ctr" anchorCtr="1"/>
+          <a:lstStyle/>
+          <a:p>
+            <a:pPr>
+              <a:defRPr sz="900" b="0" i="0" u="none" strike="noStrike" kern="1200" baseline="0">
+                <a:solidFill>
+                  <a:schemeClr val="tx1">
+                    <a:lumMod val="65000"/>
+                    <a:lumOff val="35000"/>
+                  </a:schemeClr>
+                </a:solidFill>
+                <a:latin typeface="+mn-lt"/>
+                <a:ea typeface="+mn-ea"/>
+                <a:cs typeface="+mn-cs"/>
+              </a:defRPr>
+            </a:pPr>
+            <a:endParaRPr lang="ru-RU"/>
+          </a:p>
+        </c:txPr>
+        <c:crossAx val="369690144"/>
+        <c:crosses val="autoZero"/>
+      </c:serAx>
+      <c:spPr>
+        <a:noFill/>
+        <a:ln>
+          <a:noFill/>
+        </a:ln>
+        <a:effectLst/>
+      </c:spPr>
+    </c:plotArea>
+    <c:plotVisOnly val="1"/>
+    <c:dispBlanksAs val="zero"/>
+    <c:showDLblsOverMax val="0"/>
+  </c:chart>
+  <c:spPr>
+    <a:solidFill>
+      <a:schemeClr val="bg1"/>
+    </a:solidFill>
+    <a:ln w="6350" cap="flat" cmpd="sng" algn="ctr">
+      <a:solidFill>
+        <a:schemeClr val="tx1">
+          <a:tint val="75000"/>
+        </a:schemeClr>
+      </a:solidFill>
+      <a:prstDash val="solid"/>
+      <a:round/>
+    </a:ln>
+    <a:effectLst/>
+  </c:spPr>
+  <c:txPr>
+    <a:bodyPr/>
+    <a:lstStyle/>
+    <a:p>
+      <a:pPr>
+        <a:defRPr/>
+      </a:pPr>
+      <a:endParaRPr lang="ru-RU"/>
+    </a:p>
+  </c:txPr>
+  <c:externalData r:id="rId1">
+    <c:autoUpdate val="0"/>
+  </c:externalData>
+</c:chartSpace>
+</file>
+
 <file path=ppt/notesMasters/notesMaster1.xml><?xml version="1.0" encoding="utf-8"?>
 <p:notesMaster xmlns:a="http://schemas.openxmlformats.org/drawingml/2006/main" xmlns:r="http://schemas.openxmlformats.org/officeDocument/2006/relationships" xmlns:p="http://schemas.openxmlformats.org/presentationml/2006/main">
   <p:cSld>
@@ -204,7 +4315,7 @@
           <a:p>
             <a:fld id="{4682978A-0831-4744-AEC0-4F32A7050A01}" type="datetimeFigureOut">
               <a:rPr lang="ru-RU" smtClean="0"/>
-              <a:t>27.05.2019</a:t>
+              <a:t>28.05.2019</a:t>
             </a:fld>
             <a:endParaRPr lang="ru-RU"/>
           </a:p>
@@ -518,67 +4629,11 @@
           <a:p>
             <a:r>
               <a:rPr lang="uk-UA" dirty="0" smtClean="0"/>
-              <a:t>Нехай</a:t>
+              <a:t>Вітаю! Я студент групи ПС-16-1, хочу</a:t>
             </a:r>
             <a:r>
               <a:rPr lang="uk-UA" baseline="0" dirty="0" smtClean="0"/>
-              <a:t> дано неоднорідне диференціальне рівняння теплопровідності з неоднорідними крайовими на початковими умовами. </a:t>
-            </a:r>
-            <a:r>
-              <a:rPr lang="uk-UA" baseline="0" dirty="0" err="1" smtClean="0"/>
-              <a:t>Необхіодно</a:t>
-            </a:r>
-            <a:r>
-              <a:rPr lang="uk-UA" baseline="0" dirty="0" smtClean="0"/>
-              <a:t> знайти наближений розв’язок даної </a:t>
-            </a:r>
-            <a:r>
-              <a:rPr lang="uk-UA" baseline="0" noProof="0" dirty="0" smtClean="0"/>
-              <a:t>задачі</a:t>
-            </a:r>
-            <a:r>
-              <a:rPr lang="uk-UA" baseline="0" dirty="0" smtClean="0"/>
-              <a:t> явним і неявним методами сіток, тобто знайти наближені значення функції </a:t>
-            </a:r>
-            <a:r>
-              <a:rPr lang="en-US" baseline="0" dirty="0" smtClean="0"/>
-              <a:t>u(</a:t>
-            </a:r>
-            <a:r>
-              <a:rPr lang="en-US" baseline="0" dirty="0" err="1" smtClean="0"/>
-              <a:t>x,t</a:t>
-            </a:r>
-            <a:r>
-              <a:rPr lang="en-US" baseline="0" dirty="0" smtClean="0"/>
-              <a:t>) </a:t>
-            </a:r>
-            <a:r>
-              <a:rPr lang="ru-RU" baseline="0" dirty="0" smtClean="0"/>
-              <a:t>у </a:t>
-            </a:r>
-            <a:r>
-              <a:rPr lang="ru-RU" baseline="0" dirty="0" err="1" smtClean="0"/>
-              <a:t>деяких</a:t>
-            </a:r>
-            <a:r>
-              <a:rPr lang="ru-RU" baseline="0" dirty="0" smtClean="0"/>
-              <a:t> точках, та </a:t>
-            </a:r>
-            <a:r>
-              <a:rPr lang="ru-RU" baseline="0" dirty="0" err="1" smtClean="0"/>
-              <a:t>порівняти</a:t>
-            </a:r>
-            <a:r>
-              <a:rPr lang="ru-RU" baseline="0" dirty="0" smtClean="0"/>
-              <a:t> </a:t>
-            </a:r>
-            <a:r>
-              <a:rPr lang="ru-RU" baseline="0" dirty="0" err="1" smtClean="0"/>
-              <a:t>результати</a:t>
-            </a:r>
-            <a:r>
-              <a:rPr lang="ru-RU" baseline="0" dirty="0" smtClean="0"/>
-              <a:t>. </a:t>
+              <a:t> розповісти вам про свою курсову роботу на дану тему.</a:t>
             </a:r>
             <a:endParaRPr lang="ru-RU" dirty="0"/>
           </a:p>
@@ -601,7 +4656,7 @@
           <a:p>
             <a:fld id="{C2A718B3-7138-48E4-BAC7-15D91B99B257}" type="slidenum">
               <a:rPr lang="ru-RU" smtClean="0"/>
-              <a:t>2</a:t>
+              <a:t>1</a:t>
             </a:fld>
             <a:endParaRPr lang="ru-RU"/>
           </a:p>
@@ -610,7 +4665,7 @@
     </p:spTree>
     <p:extLst>
       <p:ext uri="{BB962C8B-B14F-4D97-AF65-F5344CB8AC3E}">
-        <p14:creationId xmlns:p14="http://schemas.microsoft.com/office/powerpoint/2010/main" val="3544538185"/>
+        <p14:creationId xmlns:p14="http://schemas.microsoft.com/office/powerpoint/2010/main" val="2502255650"/>
       </p:ext>
     </p:extLst>
   </p:cSld>
@@ -722,7 +4777,19 @@
                 <a:ea typeface="+mn-ea"/>
                 <a:cs typeface="+mn-cs"/>
               </a:rPr>
-              <a:t>Надамо</a:t>
+              <a:t>Передамо</a:t>
+            </a:r>
+            <a:r>
+              <a:rPr lang="uk-UA" sz="1200" kern="1200" dirty="0" smtClean="0">
+                <a:solidFill>
+                  <a:schemeClr val="tx1"/>
+                </a:solidFill>
+                <a:effectLst/>
+                <a:latin typeface="+mn-lt"/>
+                <a:ea typeface="+mn-ea"/>
+                <a:cs typeface="+mn-cs"/>
+              </a:rPr>
+              <a:t> </a:t>
             </a:r>
             <a:r>
               <a:rPr lang="uk-UA" sz="1200" kern="1200" baseline="0" dirty="0" smtClean="0">
@@ -734,10 +4801,115 @@
                 <a:ea typeface="+mn-ea"/>
                 <a:cs typeface="+mn-cs"/>
               </a:rPr>
-              <a:t> йому певну кількість тепла. Будемо спостерігати за температурою на кожній точці стержня з плином часу. Такий процес описує така крайова задача:</a:t>
+              <a:t>йому </a:t>
+            </a:r>
+            <a:r>
+              <a:rPr lang="uk-UA" sz="1200" kern="1200" baseline="0" dirty="0" smtClean="0">
+                <a:solidFill>
+                  <a:schemeClr val="tx1"/>
+                </a:solidFill>
+                <a:effectLst/>
+                <a:latin typeface="+mn-lt"/>
+                <a:ea typeface="+mn-ea"/>
+                <a:cs typeface="+mn-cs"/>
+              </a:rPr>
+              <a:t>певну кількість тепла. Будемо спостерігати за температурою на кожній точці стержня з плином часу. Такий процес описує така крайова задача</a:t>
+            </a:r>
+            <a:r>
+              <a:rPr lang="uk-UA" sz="1200" kern="1200" baseline="0" dirty="0" smtClean="0">
+                <a:solidFill>
+                  <a:schemeClr val="tx1"/>
+                </a:solidFill>
+                <a:effectLst/>
+                <a:latin typeface="+mn-lt"/>
+                <a:ea typeface="+mn-ea"/>
+                <a:cs typeface="+mn-cs"/>
+              </a:rPr>
+              <a:t>:</a:t>
             </a:r>
             <a:endParaRPr lang="uk-UA" dirty="0" smtClean="0"/>
           </a:p>
+        </p:txBody>
+      </p:sp>
+      <p:sp>
+        <p:nvSpPr>
+          <p:cNvPr id="4" name="Номер слайда 3"/>
+          <p:cNvSpPr>
+            <a:spLocks noGrp="1"/>
+          </p:cNvSpPr>
+          <p:nvPr>
+            <p:ph type="sldNum" sz="quarter" idx="10"/>
+          </p:nvPr>
+        </p:nvSpPr>
+        <p:spPr/>
+        <p:txBody>
+          <a:bodyPr/>
+          <a:lstStyle/>
+          <a:p>
+            <a:fld id="{C2A718B3-7138-48E4-BAC7-15D91B99B257}" type="slidenum">
+              <a:rPr lang="ru-RU" smtClean="0"/>
+              <a:t>2</a:t>
+            </a:fld>
+            <a:endParaRPr lang="ru-RU"/>
+          </a:p>
+        </p:txBody>
+      </p:sp>
+    </p:spTree>
+    <p:extLst>
+      <p:ext uri="{BB962C8B-B14F-4D97-AF65-F5344CB8AC3E}">
+        <p14:creationId xmlns:p14="http://schemas.microsoft.com/office/powerpoint/2010/main" val="1077964762"/>
+      </p:ext>
+    </p:extLst>
+  </p:cSld>
+  <p:clrMapOvr>
+    <a:masterClrMapping/>
+  </p:clrMapOvr>
+</p:notes>
+</file>
+
+<file path=ppt/notesSlides/notesSlide3.xml><?xml version="1.0" encoding="utf-8"?>
+<p:notes xmlns:a="http://schemas.openxmlformats.org/drawingml/2006/main" xmlns:r="http://schemas.openxmlformats.org/officeDocument/2006/relationships" xmlns:p="http://schemas.openxmlformats.org/presentationml/2006/main">
+  <p:cSld>
+    <p:spTree>
+      <p:nvGrpSpPr>
+        <p:cNvPr id="1" name=""/>
+        <p:cNvGrpSpPr/>
+        <p:nvPr/>
+      </p:nvGrpSpPr>
+      <p:grpSpPr>
+        <a:xfrm>
+          <a:off x="0" y="0"/>
+          <a:ext cx="0" cy="0"/>
+          <a:chOff x="0" y="0"/>
+          <a:chExt cx="0" cy="0"/>
+        </a:xfrm>
+      </p:grpSpPr>
+      <p:sp>
+        <p:nvSpPr>
+          <p:cNvPr id="2" name="Образ слайда 1"/>
+          <p:cNvSpPr>
+            <a:spLocks noGrp="1" noRot="1" noChangeAspect="1"/>
+          </p:cNvSpPr>
+          <p:nvPr>
+            <p:ph type="sldImg"/>
+          </p:nvPr>
+        </p:nvSpPr>
+        <p:spPr/>
+      </p:sp>
+      <p:sp>
+        <p:nvSpPr>
+          <p:cNvPr id="3" name="Заметки 2"/>
+          <p:cNvSpPr>
+            <a:spLocks noGrp="1"/>
+          </p:cNvSpPr>
+          <p:nvPr>
+            <p:ph type="body" idx="1"/>
+          </p:nvPr>
+        </p:nvSpPr>
+        <p:spPr/>
+        <p:txBody>
+          <a:bodyPr/>
+          <a:lstStyle/>
           <a:p>
             <a:r>
               <a:rPr lang="uk-UA" dirty="0" smtClean="0"/>
@@ -745,31 +4917,71 @@
             </a:r>
             <a:r>
               <a:rPr lang="uk-UA" baseline="0" dirty="0" smtClean="0"/>
+              <a:t> дано неоднорідне диференціальне рівняння теплопровідності з неоднорідними крайовими </a:t>
+            </a:r>
+            <a:r>
+              <a:rPr lang="uk-UA" baseline="0" dirty="0" smtClean="0"/>
+              <a:t>та неоднорідними початковими </a:t>
+            </a:r>
+            <a:r>
+              <a:rPr lang="uk-UA" baseline="0" dirty="0" smtClean="0"/>
+              <a:t>умовами. </a:t>
+            </a:r>
+            <a:r>
+              <a:rPr lang="uk-UA" baseline="0" dirty="0" smtClean="0"/>
+              <a:t>Необхідно </a:t>
+            </a:r>
+            <a:r>
+              <a:rPr lang="uk-UA" baseline="0" dirty="0" smtClean="0"/>
+              <a:t>знайти наближений розв’язок даної </a:t>
+            </a:r>
+            <a:r>
+              <a:rPr lang="uk-UA" baseline="0" noProof="0" dirty="0" smtClean="0"/>
+              <a:t>задачі</a:t>
+            </a:r>
+            <a:r>
+              <a:rPr lang="uk-UA" baseline="0" dirty="0" smtClean="0"/>
+              <a:t> явним і неявним методами сіток, тобто знайти наближені значення функції </a:t>
+            </a:r>
+            <a:r>
+              <a:rPr lang="en-US" baseline="0" dirty="0" smtClean="0"/>
+              <a:t>u(</a:t>
+            </a:r>
+            <a:r>
+              <a:rPr lang="en-US" baseline="0" dirty="0" err="1" smtClean="0"/>
+              <a:t>x,t</a:t>
+            </a:r>
+            <a:r>
+              <a:rPr lang="en-US" baseline="0" dirty="0" smtClean="0"/>
+              <a:t>) </a:t>
+            </a:r>
+            <a:r>
+              <a:rPr lang="ru-RU" baseline="0" dirty="0" smtClean="0"/>
+              <a:t>у </a:t>
+            </a:r>
+            <a:r>
+              <a:rPr lang="ru-RU" baseline="0" dirty="0" err="1" smtClean="0"/>
+              <a:t>деяких</a:t>
+            </a:r>
+            <a:r>
+              <a:rPr lang="ru-RU" baseline="0" dirty="0" smtClean="0"/>
+              <a:t> точках, та </a:t>
+            </a:r>
+            <a:r>
+              <a:rPr lang="ru-RU" baseline="0" dirty="0" err="1" smtClean="0"/>
+              <a:t>порівняти</a:t>
+            </a:r>
+            <a:r>
+              <a:rPr lang="ru-RU" baseline="0" dirty="0" smtClean="0"/>
               <a:t> </a:t>
             </a:r>
             <a:r>
-              <a:rPr lang="uk-UA" baseline="0" dirty="0" smtClean="0"/>
-              <a:t>дано неоднорідне диференціальне рівняння теплопровідності з неоднорідними крайовими на початковими умовами. </a:t>
+              <a:rPr lang="ru-RU" baseline="0" dirty="0" err="1" smtClean="0"/>
+              <a:t>результати</a:t>
             </a:r>
             <a:r>
-              <a:rPr lang="uk-UA" baseline="0" dirty="0" err="1" smtClean="0"/>
-              <a:t>Необхіодно</a:t>
-            </a:r>
-            <a:r>
-              <a:rPr lang="uk-UA" baseline="0" dirty="0" smtClean="0"/>
-              <a:t> знайти наближений розв’язок даної </a:t>
-            </a:r>
-            <a:r>
-              <a:rPr lang="uk-UA" baseline="0" noProof="0" dirty="0" smtClean="0"/>
-              <a:t>задачі явним і неявним</a:t>
-            </a:r>
-            <a:r>
-              <a:rPr lang="uk-UA" baseline="0" smtClean="0"/>
-              <a:t> методами </a:t>
-            </a:r>
-            <a:r>
-              <a:rPr lang="uk-UA" baseline="0" dirty="0" smtClean="0"/>
-              <a:t>сіток.</a:t>
+              <a:rPr lang="ru-RU" baseline="0" dirty="0" smtClean="0"/>
+              <a:t>. </a:t>
             </a:r>
             <a:endParaRPr lang="ru-RU" dirty="0"/>
           </a:p>
@@ -801,7 +5013,7 @@
     </p:spTree>
     <p:extLst>
       <p:ext uri="{BB962C8B-B14F-4D97-AF65-F5344CB8AC3E}">
-        <p14:creationId xmlns:p14="http://schemas.microsoft.com/office/powerpoint/2010/main" val="1077964762"/>
+        <p14:creationId xmlns:p14="http://schemas.microsoft.com/office/powerpoint/2010/main" val="3544538185"/>
       </p:ext>
     </p:extLst>
   </p:cSld>
@@ -811,7 +5023,7 @@
 </p:notes>
 </file>
 
-<file path=ppt/notesSlides/notesSlide3.xml><?xml version="1.0" encoding="utf-8"?>
+<file path=ppt/notesSlides/notesSlide4.xml><?xml version="1.0" encoding="utf-8"?>
 <p:notes xmlns:a="http://schemas.openxmlformats.org/drawingml/2006/main" xmlns:r="http://schemas.openxmlformats.org/officeDocument/2006/relationships" xmlns:p="http://schemas.openxmlformats.org/presentationml/2006/main">
   <p:cSld>
     <p:spTree>
@@ -878,7 +5090,31 @@
             </a:r>
             <a:r>
               <a:rPr lang="uk-UA" baseline="0" dirty="0" smtClean="0"/>
-              <a:t> методу сіток, область визначення функції покривається точками з певним кроком по часу та по координатній прямій. Така множина точко називається сітковою областю. Будемо шукати наближені значення невідомої функції у внутрішніх точках сітки. Похідні у рівнянні апроксимуються різницевими аналогами і залежності від обраної різницевої апроксимації можемо отримати 2 так званих різницевих шаблони. </a:t>
+              <a:t> методу сіток, область визначення функції покривається точками з певним кроком по часу та по координатній прямій. Така множина </a:t>
+            </a:r>
+            <a:r>
+              <a:rPr lang="uk-UA" baseline="0" dirty="0" smtClean="0"/>
+              <a:t>точок називається </a:t>
+            </a:r>
+            <a:r>
+              <a:rPr lang="uk-UA" baseline="0" dirty="0" smtClean="0"/>
+              <a:t>сітковою областю. Будемо шукати наближені значення невідомої функції у внутрішніх точках </a:t>
+            </a:r>
+            <a:r>
+              <a:rPr lang="uk-UA" baseline="0" dirty="0" smtClean="0"/>
+              <a:t>сітки. Похідні </a:t>
+            </a:r>
+            <a:r>
+              <a:rPr lang="uk-UA" baseline="0" dirty="0" smtClean="0"/>
+              <a:t>у рівнянні апроксимуються різницевими аналогами </a:t>
+            </a:r>
+            <a:r>
+              <a:rPr lang="uk-UA" baseline="0" dirty="0" smtClean="0"/>
+              <a:t>і в </a:t>
+            </a:r>
+            <a:r>
+              <a:rPr lang="uk-UA" baseline="0" dirty="0" smtClean="0"/>
+              <a:t>залежності від обраної різницевої апроксимації можемо отримати 2 так званих різницевих шаблони. </a:t>
             </a:r>
             <a:endParaRPr lang="ru-RU" dirty="0"/>
           </a:p>
@@ -920,7 +5156,7 @@
 </p:notes>
 </file>
 
-<file path=ppt/notesSlides/notesSlide4.xml><?xml version="1.0" encoding="utf-8"?>
+<file path=ppt/notesSlides/notesSlide5.xml><?xml version="1.0" encoding="utf-8"?>
 <p:notes xmlns:a="http://schemas.openxmlformats.org/drawingml/2006/main" xmlns:r="http://schemas.openxmlformats.org/officeDocument/2006/relationships" xmlns:p="http://schemas.openxmlformats.org/presentationml/2006/main">
   <p:cSld>
     <p:spTree>
@@ -1009,6 +5245,18 @@
               </a:rPr>
               <a:t> чином, ми отримаємо всі невідомі значення у вузлах сітки, знаючи значення на першому часовому шарі та на крайових точка сітки. </a:t>
             </a:r>
+            <a:r>
+              <a:rPr lang="uk-UA" sz="1200" kern="1200" baseline="0" dirty="0" smtClean="0">
+                <a:solidFill>
+                  <a:schemeClr val="tx1"/>
+                </a:solidFill>
+                <a:effectLst/>
+                <a:latin typeface="+mn-lt"/>
+                <a:ea typeface="+mn-ea"/>
+                <a:cs typeface="+mn-cs"/>
+              </a:rPr>
+              <a:t>Не дивлячись на це, ця схема є стійкою лише за такої умови: Стійкість означає, що похибка, при обчислені наступного наближеного значення не буде досить великою, і не буде накопичуватися.</a:t>
+            </a:r>
             <a:endParaRPr lang="ru-RU" sz="1200" kern="1200" dirty="0" smtClean="0">
               <a:solidFill>
                 <a:schemeClr val="tx1"/>
@@ -1057,7 +5305,7 @@
 </p:notes>
 </file>
 
-<file path=ppt/notesSlides/notesSlide5.xml><?xml version="1.0" encoding="utf-8"?>
+<file path=ppt/notesSlides/notesSlide6.xml><?xml version="1.0" encoding="utf-8"?>
 <p:notes xmlns:a="http://schemas.openxmlformats.org/drawingml/2006/main" xmlns:r="http://schemas.openxmlformats.org/officeDocument/2006/relationships" xmlns:p="http://schemas.openxmlformats.org/presentationml/2006/main">
   <p:cSld>
     <p:spTree>
@@ -1245,7 +5493,7 @@
 </p:notes>
 </file>
 
-<file path=ppt/notesSlides/notesSlide6.xml><?xml version="1.0" encoding="utf-8"?>
+<file path=ppt/notesSlides/notesSlide7.xml><?xml version="1.0" encoding="utf-8"?>
 <p:notes xmlns:a="http://schemas.openxmlformats.org/drawingml/2006/main" xmlns:r="http://schemas.openxmlformats.org/officeDocument/2006/relationships" xmlns:p="http://schemas.openxmlformats.org/presentationml/2006/main">
   <p:cSld>
     <p:spTree>
@@ -1311,7 +5559,19 @@
                 <a:ea typeface="+mn-ea"/>
                 <a:cs typeface="+mn-cs"/>
               </a:rPr>
-              <a:t> звичайний метод Гауса. Ми можемо модифікувати його, не беручи до уваги нулі матриці.</a:t>
+              <a:t> звичайний метод Гауса. Ми можемо модифікувати його, не беручи до уваги нулі матриці</a:t>
+            </a:r>
+            <a:r>
+              <a:rPr lang="uk-UA" sz="1200" kern="1200" baseline="0" dirty="0" smtClean="0">
+                <a:solidFill>
+                  <a:schemeClr val="tx1"/>
+                </a:solidFill>
+                <a:effectLst/>
+                <a:latin typeface="+mn-lt"/>
+                <a:ea typeface="+mn-ea"/>
+                <a:cs typeface="+mn-cs"/>
+              </a:rPr>
+              <a:t>. Неявна шаблон не має обмежень за стійкістю.</a:t>
             </a:r>
             <a:endParaRPr lang="ru-RU" sz="1200" kern="1200" dirty="0">
               <a:solidFill>
@@ -1361,7 +5621,7 @@
 </p:notes>
 </file>
 
-<file path=ppt/notesSlides/notesSlide7.xml><?xml version="1.0" encoding="utf-8"?>
+<file path=ppt/notesSlides/notesSlide8.xml><?xml version="1.0" encoding="utf-8"?>
 <p:notes xmlns:a="http://schemas.openxmlformats.org/drawingml/2006/main" xmlns:r="http://schemas.openxmlformats.org/officeDocument/2006/relationships" xmlns:p="http://schemas.openxmlformats.org/presentationml/2006/main">
   <p:cSld>
     <p:spTree>
@@ -1415,7 +5675,7 @@
                 <a:ea typeface="+mn-ea"/>
                 <a:cs typeface="+mn-cs"/>
               </a:rPr>
-              <a:t>Неявний</a:t>
+              <a:t>Я</a:t>
             </a:r>
             <a:r>
               <a:rPr lang="uk-UA" sz="1200" kern="1200" baseline="0" dirty="0" smtClean="0">
@@ -1427,10 +5687,10 @@
                 <a:ea typeface="+mn-ea"/>
                 <a:cs typeface="+mn-cs"/>
               </a:rPr>
-              <a:t> різницевий шаблон: </a:t>
+              <a:t> розробив програму, яка дає результат у </a:t>
             </a:r>
             <a:r>
-              <a:rPr lang="uk-UA" sz="1200" kern="1200" dirty="0" smtClean="0">
+              <a:rPr lang="uk-UA" sz="1200" kern="1200" baseline="0" dirty="0" err="1" smtClean="0">
                 <a:solidFill>
                   <a:schemeClr val="tx1"/>
                 </a:solidFill>
@@ -1439,7 +5699,7 @@
                 <a:ea typeface="+mn-ea"/>
                 <a:cs typeface="+mn-cs"/>
               </a:rPr>
-              <a:t>значення вузла на новому шарі залежить і від сусідніх вузлів на новому шарі, і від значення на попередньому шарі. Всі</a:t>
+              <a:t>візуалізованому</a:t>
             </a:r>
             <a:r>
               <a:rPr lang="uk-UA" sz="1200" kern="1200" baseline="0" dirty="0" smtClean="0">
@@ -1451,7 +5711,7 @@
                 <a:ea typeface="+mn-ea"/>
                 <a:cs typeface="+mn-cs"/>
               </a:rPr>
-              <a:t> значення на </a:t>
+              <a:t> вигляді, який ви зараз побачите, та у вигляді таблиць </a:t>
             </a:r>
             <a:r>
               <a:rPr lang="en-US" sz="1200" kern="1200" baseline="0" dirty="0" smtClean="0">
@@ -1463,7 +5723,19 @@
                 <a:ea typeface="+mn-ea"/>
                 <a:cs typeface="+mn-cs"/>
               </a:rPr>
-              <a:t>(n+1)</a:t>
+              <a:t>EXCEL</a:t>
+            </a:r>
+            <a:r>
+              <a:rPr lang="ru-RU" sz="1200" kern="1200" baseline="0" dirty="0" smtClean="0">
+                <a:solidFill>
+                  <a:schemeClr val="tx1"/>
+                </a:solidFill>
+                <a:effectLst/>
+                <a:latin typeface="+mn-lt"/>
+                <a:ea typeface="+mn-ea"/>
+                <a:cs typeface="+mn-cs"/>
+              </a:rPr>
+              <a:t>, як</a:t>
             </a:r>
             <a:r>
               <a:rPr lang="uk-UA" sz="1200" kern="1200" baseline="0" dirty="0" smtClean="0">
@@ -1475,31 +5747,7 @@
                 <a:ea typeface="+mn-ea"/>
                 <a:cs typeface="+mn-cs"/>
               </a:rPr>
-              <a:t>му часовому шарі можуть бути знайдені як розв’язок такої </a:t>
-            </a:r>
-            <a:r>
-              <a:rPr lang="uk-UA" sz="1200" kern="1200" baseline="0" dirty="0" err="1" smtClean="0">
-                <a:solidFill>
-                  <a:schemeClr val="tx1"/>
-                </a:solidFill>
-                <a:effectLst/>
-                <a:latin typeface="+mn-lt"/>
-                <a:ea typeface="+mn-ea"/>
-                <a:cs typeface="+mn-cs"/>
-              </a:rPr>
-              <a:t>тридіагональної</a:t>
-            </a:r>
-            <a:r>
-              <a:rPr lang="uk-UA" sz="1200" kern="1200" baseline="0" dirty="0" smtClean="0">
-                <a:solidFill>
-                  <a:schemeClr val="tx1"/>
-                </a:solidFill>
-                <a:effectLst/>
-                <a:latin typeface="+mn-lt"/>
-                <a:ea typeface="+mn-ea"/>
-                <a:cs typeface="+mn-cs"/>
-              </a:rPr>
-              <a:t> СЛАР:</a:t>
+              <a:t>і в подальшому можна аналізувати. </a:t>
             </a:r>
             <a:endParaRPr lang="ru-RU" sz="1200" kern="1200" dirty="0">
               <a:solidFill>
@@ -1775,7 +6023,7 @@
           <a:p>
             <a:fld id="{48A87A34-81AB-432B-8DAE-1953F412C126}" type="datetimeFigureOut">
               <a:rPr lang="en-US" smtClean="0"/>
-              <a:t>5/27/2019</a:t>
+              <a:t>5/28/2019</a:t>
             </a:fld>
             <a:endParaRPr lang="en-US" dirty="0"/>
           </a:p>
@@ -1983,7 +6231,7 @@
           <a:p>
             <a:fld id="{48A87A34-81AB-432B-8DAE-1953F412C126}" type="datetimeFigureOut">
               <a:rPr lang="en-US" smtClean="0"/>
-              <a:t>5/27/2019</a:t>
+              <a:t>5/28/2019</a:t>
             </a:fld>
             <a:endParaRPr lang="en-US" dirty="0"/>
           </a:p>
@@ -2239,7 +6487,7 @@
           <a:p>
             <a:fld id="{48A87A34-81AB-432B-8DAE-1953F412C126}" type="datetimeFigureOut">
               <a:rPr lang="en-US" smtClean="0"/>
-              <a:t>5/27/2019</a:t>
+              <a:t>5/28/2019</a:t>
             </a:fld>
             <a:endParaRPr lang="en-US" dirty="0"/>
           </a:p>
@@ -2413,7 +6661,7 @@
           <a:p>
             <a:fld id="{48A87A34-81AB-432B-8DAE-1953F412C126}" type="datetimeFigureOut">
               <a:rPr lang="en-US" smtClean="0"/>
-              <a:t>5/27/2019</a:t>
+              <a:t>5/28/2019</a:t>
             </a:fld>
             <a:endParaRPr lang="en-US" dirty="0"/>
           </a:p>
@@ -2756,7 +7004,7 @@
           <a:p>
             <a:fld id="{48A87A34-81AB-432B-8DAE-1953F412C126}" type="datetimeFigureOut">
               <a:rPr lang="en-US" smtClean="0"/>
-              <a:t>5/27/2019</a:t>
+              <a:t>5/28/2019</a:t>
             </a:fld>
             <a:endParaRPr lang="en-US" dirty="0"/>
           </a:p>
@@ -3031,7 +7279,7 @@
           <a:p>
             <a:fld id="{48A87A34-81AB-432B-8DAE-1953F412C126}" type="datetimeFigureOut">
               <a:rPr lang="en-US" smtClean="0"/>
-              <a:t>5/27/2019</a:t>
+              <a:t>5/28/2019</a:t>
             </a:fld>
             <a:endParaRPr lang="en-US" dirty="0"/>
           </a:p>
@@ -3410,7 +7658,7 @@
           <a:p>
             <a:fld id="{48A87A34-81AB-432B-8DAE-1953F412C126}" type="datetimeFigureOut">
               <a:rPr lang="en-US" smtClean="0"/>
-              <a:t>5/27/2019</a:t>
+              <a:t>5/28/2019</a:t>
             </a:fld>
             <a:endParaRPr lang="en-US" dirty="0"/>
           </a:p>
@@ -3528,7 +7776,7 @@
           <a:p>
             <a:fld id="{48A87A34-81AB-432B-8DAE-1953F412C126}" type="datetimeFigureOut">
               <a:rPr lang="en-US" smtClean="0"/>
-              <a:t>5/27/2019</a:t>
+              <a:t>5/28/2019</a:t>
             </a:fld>
             <a:endParaRPr lang="en-US" dirty="0"/>
           </a:p>
@@ -3699,7 +7947,7 @@
           <a:p>
             <a:fld id="{48A87A34-81AB-432B-8DAE-1953F412C126}" type="datetimeFigureOut">
               <a:rPr lang="en-US" smtClean="0"/>
-              <a:t>5/27/2019</a:t>
+              <a:t>5/28/2019</a:t>
             </a:fld>
             <a:endParaRPr lang="en-US" dirty="0"/>
           </a:p>
@@ -4053,7 +8301,7 @@
           <a:p>
             <a:fld id="{48A87A34-81AB-432B-8DAE-1953F412C126}" type="datetimeFigureOut">
               <a:rPr lang="en-US" smtClean="0"/>
-              <a:t>5/27/2019</a:t>
+              <a:t>5/28/2019</a:t>
             </a:fld>
             <a:endParaRPr lang="en-US" dirty="0"/>
           </a:p>
@@ -4435,7 +8683,7 @@
           <a:p>
             <a:fld id="{48A87A34-81AB-432B-8DAE-1953F412C126}" type="datetimeFigureOut">
               <a:rPr lang="en-US" smtClean="0"/>
-              <a:t>5/27/2019</a:t>
+              <a:t>5/28/2019</a:t>
             </a:fld>
             <a:endParaRPr lang="en-US" dirty="0"/>
           </a:p>
@@ -4723,7 +8971,7 @@
             <a:fld id="{48A87A34-81AB-432B-8DAE-1953F412C126}" type="datetimeFigureOut">
               <a:rPr lang="en-US" smtClean="0"/>
               <a:pPr/>
-              <a:t>5/27/2019</a:t>
+              <a:t>5/28/2019</a:t>
             </a:fld>
             <a:endParaRPr lang="en-US" dirty="0"/>
           </a:p>
@@ -5260,8 +9508,8 @@
         </p:nvSpPr>
         <p:spPr>
           <a:xfrm>
-            <a:off x="1876424" y="799027"/>
-            <a:ext cx="8791575" cy="2969050"/>
+            <a:off x="1876424" y="566670"/>
+            <a:ext cx="8791575" cy="3201407"/>
           </a:xfrm>
         </p:spPr>
         <p:txBody>
@@ -5283,7 +9531,21 @@
                 <a:latin typeface="Times New Roman" panose="02020603050405020304" pitchFamily="18" charset="0"/>
                 <a:cs typeface="Times New Roman" panose="02020603050405020304" pitchFamily="18" charset="0"/>
               </a:rPr>
-              <a:t>Розв’язання диференціального рівняння теплопровідності методом скінченних різниць</a:t>
+              <a:t>Розв’язання </a:t>
+            </a:r>
+            <a:r>
+              <a:rPr lang="uk-UA" sz="4800" dirty="0" smtClean="0">
+                <a:latin typeface="Times New Roman" panose="02020603050405020304" pitchFamily="18" charset="0"/>
+                <a:cs typeface="Times New Roman" panose="02020603050405020304" pitchFamily="18" charset="0"/>
+              </a:rPr>
+              <a:t>одновимірного диференціального </a:t>
+            </a:r>
+            <a:r>
+              <a:rPr lang="uk-UA" sz="4800" dirty="0">
+                <a:latin typeface="Times New Roman" panose="02020603050405020304" pitchFamily="18" charset="0"/>
+                <a:cs typeface="Times New Roman" panose="02020603050405020304" pitchFamily="18" charset="0"/>
+              </a:rPr>
+              <a:t>рівняння теплопровідності методом скінченних різниць</a:t>
             </a:r>
             <a:r>
               <a:rPr lang="uk-UA" sz="4800" dirty="0" smtClean="0">
@@ -5311,13 +9573,13 @@
         </p:nvSpPr>
         <p:spPr>
           <a:xfrm>
-            <a:off x="7199290" y="4419600"/>
-            <a:ext cx="3468709" cy="1866900"/>
+            <a:off x="6851562" y="4419600"/>
+            <a:ext cx="3816438" cy="1866900"/>
           </a:xfrm>
         </p:spPr>
         <p:txBody>
           <a:bodyPr>
-            <a:normAutofit fontScale="77500" lnSpcReduction="20000"/>
+            <a:normAutofit fontScale="62500" lnSpcReduction="20000"/>
           </a:bodyPr>
           <a:lstStyle/>
           <a:p>
@@ -5351,14 +9613,46 @@
             </a:r>
           </a:p>
           <a:p>
-            <a:pPr algn="r"/>
+            <a:pPr lvl="0" algn="r"/>
+            <a:r>
+              <a:rPr lang="ru-RU" dirty="0" err="1" smtClean="0">
+                <a:latin typeface="Times New Roman" panose="02020603050405020304" pitchFamily="18" charset="0"/>
+                <a:cs typeface="Times New Roman" panose="02020603050405020304" pitchFamily="18" charset="0"/>
+              </a:rPr>
+              <a:t>Кер</a:t>
+            </a:r>
+            <a:r>
+              <a:rPr lang="uk-UA" dirty="0" err="1" smtClean="0">
+                <a:latin typeface="Times New Roman" panose="02020603050405020304" pitchFamily="18" charset="0"/>
+                <a:cs typeface="Times New Roman" panose="02020603050405020304" pitchFamily="18" charset="0"/>
+              </a:rPr>
+              <a:t>івник</a:t>
+            </a:r>
             <a:r>
               <a:rPr lang="uk-UA" dirty="0" smtClean="0">
                 <a:latin typeface="Times New Roman" panose="02020603050405020304" pitchFamily="18" charset="0"/>
                 <a:cs typeface="Times New Roman" panose="02020603050405020304" pitchFamily="18" charset="0"/>
               </a:rPr>
-              <a:t>Науковий керівник </a:t>
+              <a:t>: к.ф.-</a:t>
             </a:r>
+            <a:r>
+              <a:rPr lang="uk-UA" dirty="0" err="1" smtClean="0">
+                <a:latin typeface="Times New Roman" panose="02020603050405020304" pitchFamily="18" charset="0"/>
+                <a:cs typeface="Times New Roman" panose="02020603050405020304" pitchFamily="18" charset="0"/>
+              </a:rPr>
+              <a:t>м.н</a:t>
+            </a:r>
+            <a:r>
+              <a:rPr lang="uk-UA" dirty="0" smtClean="0">
+                <a:latin typeface="Times New Roman" panose="02020603050405020304" pitchFamily="18" charset="0"/>
+                <a:cs typeface="Times New Roman" panose="02020603050405020304" pitchFamily="18" charset="0"/>
+              </a:rPr>
+              <a:t>., доцент</a:t>
+            </a:r>
+            <a:endParaRPr lang="ru-RU" dirty="0" smtClean="0">
+              <a:latin typeface="Times New Roman" panose="02020603050405020304" pitchFamily="18" charset="0"/>
+              <a:cs typeface="Times New Roman" panose="02020603050405020304" pitchFamily="18" charset="0"/>
+            </a:endParaRPr>
           </a:p>
           <a:p>
             <a:pPr algn="r"/>
@@ -5367,7 +9661,14 @@
                 <a:latin typeface="Times New Roman" panose="02020603050405020304" pitchFamily="18" charset="0"/>
                 <a:cs typeface="Times New Roman" panose="02020603050405020304" pitchFamily="18" charset="0"/>
               </a:rPr>
-              <a:t>Л. Т. Бойко</a:t>
+              <a:t>Л</a:t>
+            </a:r>
+            <a:r>
+              <a:rPr lang="uk-UA" dirty="0" smtClean="0">
+                <a:latin typeface="Times New Roman" panose="02020603050405020304" pitchFamily="18" charset="0"/>
+                <a:cs typeface="Times New Roman" panose="02020603050405020304" pitchFamily="18" charset="0"/>
+              </a:rPr>
+              <a:t>. Т. Бойко</a:t>
             </a:r>
             <a:endParaRPr lang="ru-RU" dirty="0">
               <a:latin typeface="Times New Roman" panose="02020603050405020304" pitchFamily="18" charset="0"/>
@@ -5376,6 +9677,47 @@
           </a:p>
         </p:txBody>
       </p:sp>
+      <p:pic>
+        <p:nvPicPr>
+          <p:cNvPr id="4" name="Picture 2" descr="C:\Users\user\Downloads\Telegram Desktop\лого.jpg"/>
+          <p:cNvPicPr>
+            <a:picLocks noChangeAspect="1" noChangeArrowheads="1"/>
+          </p:cNvPicPr>
+          <p:nvPr/>
+        </p:nvPicPr>
+        <p:blipFill>
+          <a:blip r:embed="rId3" cstate="print">
+            <a:extLst>
+              <a:ext uri="{28A0092B-C50C-407E-A947-70E740481C1C}">
+                <a14:useLocalDpi xmlns:a14="http://schemas.microsoft.com/office/drawing/2010/main" val="0"/>
+              </a:ext>
+            </a:extLst>
+          </a:blip>
+          <a:srcRect/>
+          <a:stretch>
+            <a:fillRect/>
+          </a:stretch>
+        </p:blipFill>
+        <p:spPr bwMode="auto">
+          <a:xfrm>
+            <a:off x="465828" y="566827"/>
+            <a:ext cx="1721791" cy="1721790"/>
+          </a:xfrm>
+          <a:prstGeom prst="rect">
+            <a:avLst/>
+          </a:prstGeom>
+          <a:noFill/>
+          <a:extLst>
+            <a:ext uri="{909E8E84-426E-40DD-AFC4-6F175D3DCCD1}">
+              <a14:hiddenFill xmlns:a14="http://schemas.microsoft.com/office/drawing/2010/main">
+                <a:solidFill>
+                  <a:srgbClr val="FFFFFF"/>
+                </a:solidFill>
+              </a14:hiddenFill>
+            </a:ext>
+          </a:extLst>
+        </p:spPr>
+      </p:pic>
     </p:spTree>
     <p:extLst>
       <p:ext uri="{BB962C8B-B14F-4D97-AF65-F5344CB8AC3E}">
@@ -5389,7 +9731,132 @@
   <p:timing>
     <p:tnLst>
       <p:par>
-        <p:cTn id="1" dur="indefinite" restart="never" nodeType="tmRoot"/>
+        <p:cTn id="1" dur="indefinite" restart="never" nodeType="tmRoot">
+          <p:childTnLst>
+            <p:seq concurrent="1" nextAc="seek">
+              <p:cTn id="2" dur="indefinite" nodeType="mainSeq">
+                <p:childTnLst>
+                  <p:par>
+                    <p:cTn id="3" fill="hold">
+                      <p:stCondLst>
+                        <p:cond delay="indefinite"/>
+                        <p:cond evt="onBegin" delay="0">
+                          <p:tn val="2"/>
+                        </p:cond>
+                      </p:stCondLst>
+                      <p:childTnLst>
+                        <p:par>
+                          <p:cTn id="4" fill="hold">
+                            <p:stCondLst>
+                              <p:cond delay="0"/>
+                            </p:stCondLst>
+                            <p:childTnLst>
+                              <p:par>
+                                <p:cTn id="5" presetID="45" presetClass="entr" presetSubtype="0" fill="hold" nodeType="withEffect">
+                                  <p:stCondLst>
+                                    <p:cond delay="0"/>
+                                  </p:stCondLst>
+                                  <p:childTnLst>
+                                    <p:set>
+                                      <p:cBhvr>
+                                        <p:cTn id="6" dur="1" fill="hold">
+                                          <p:stCondLst>
+                                            <p:cond delay="0"/>
+                                          </p:stCondLst>
+                                        </p:cTn>
+                                        <p:tgtEl>
+                                          <p:spTgt spid="4"/>
+                                        </p:tgtEl>
+                                        <p:attrNameLst>
+                                          <p:attrName>style.visibility</p:attrName>
+                                        </p:attrNameLst>
+                                      </p:cBhvr>
+                                      <p:to>
+                                        <p:strVal val="visible"/>
+                                      </p:to>
+                                    </p:set>
+                                    <p:animEffect transition="in" filter="fade">
+                                      <p:cBhvr>
+                                        <p:cTn id="7" dur="2000"/>
+                                        <p:tgtEl>
+                                          <p:spTgt spid="4"/>
+                                        </p:tgtEl>
+                                      </p:cBhvr>
+                                    </p:animEffect>
+                                    <p:anim calcmode="lin" valueType="num">
+                                      <p:cBhvr>
+                                        <p:cTn id="8" dur="2000" fill="hold"/>
+                                        <p:tgtEl>
+                                          <p:spTgt spid="4"/>
+                                        </p:tgtEl>
+                                        <p:attrNameLst>
+                                          <p:attrName>ppt_w</p:attrName>
+                                        </p:attrNameLst>
+                                      </p:cBhvr>
+                                      <p:tavLst>
+                                        <p:tav tm="0" fmla="#ppt_w*sin(2.5*pi*$)">
+                                          <p:val>
+                                            <p:fltVal val="0"/>
+                                          </p:val>
+                                        </p:tav>
+                                        <p:tav tm="100000">
+                                          <p:val>
+                                            <p:fltVal val="1"/>
+                                          </p:val>
+                                        </p:tav>
+                                      </p:tavLst>
+                                    </p:anim>
+                                    <p:anim calcmode="lin" valueType="num">
+                                      <p:cBhvr>
+                                        <p:cTn id="9" dur="2000" fill="hold"/>
+                                        <p:tgtEl>
+                                          <p:spTgt spid="4"/>
+                                        </p:tgtEl>
+                                        <p:attrNameLst>
+                                          <p:attrName>ppt_h</p:attrName>
+                                        </p:attrNameLst>
+                                      </p:cBhvr>
+                                      <p:tavLst>
+                                        <p:tav tm="0">
+                                          <p:val>
+                                            <p:strVal val="#ppt_h"/>
+                                          </p:val>
+                                        </p:tav>
+                                        <p:tav tm="100000">
+                                          <p:val>
+                                            <p:strVal val="#ppt_h"/>
+                                          </p:val>
+                                        </p:tav>
+                                      </p:tavLst>
+                                    </p:anim>
+                                  </p:childTnLst>
+                                </p:cTn>
+                              </p:par>
+                            </p:childTnLst>
+                          </p:cTn>
+                        </p:par>
+                      </p:childTnLst>
+                    </p:cTn>
+                  </p:par>
+                </p:childTnLst>
+              </p:cTn>
+              <p:prevCondLst>
+                <p:cond evt="onPrev" delay="0">
+                  <p:tgtEl>
+                    <p:sldTgt/>
+                  </p:tgtEl>
+                </p:cond>
+              </p:prevCondLst>
+              <p:nextCondLst>
+                <p:cond evt="onNext" delay="0">
+                  <p:tgtEl>
+                    <p:sldTgt/>
+                  </p:tgtEl>
+                </p:cond>
+              </p:nextCondLst>
+            </p:seq>
+          </p:childTnLst>
+        </p:cTn>
       </p:par>
     </p:tnLst>
   </p:timing>
@@ -5425,7 +9892,348 @@
         </p:nvSpPr>
         <p:spPr>
           <a:xfrm>
-            <a:off x="1141413" y="618518"/>
+            <a:off x="1200679" y="140474"/>
+            <a:ext cx="9905998" cy="1017099"/>
+          </a:xfrm>
+        </p:spPr>
+        <p:txBody>
+          <a:bodyPr/>
+          <a:lstStyle/>
+          <a:p>
+            <a:pPr algn="ctr"/>
+            <a:r>
+              <a:rPr lang="uk-UA" dirty="0" smtClean="0">
+                <a:latin typeface="Times New Roman" panose="02020603050405020304" pitchFamily="18" charset="0"/>
+                <a:cs typeface="Times New Roman" panose="02020603050405020304" pitchFamily="18" charset="0"/>
+              </a:rPr>
+              <a:t>Об’єкт дослідження</a:t>
+            </a:r>
+            <a:endParaRPr lang="ru-RU" dirty="0">
+              <a:latin typeface="Times New Roman" panose="02020603050405020304" pitchFamily="18" charset="0"/>
+              <a:cs typeface="Times New Roman" panose="02020603050405020304" pitchFamily="18" charset="0"/>
+            </a:endParaRPr>
+          </a:p>
+        </p:txBody>
+      </p:sp>
+      <p:grpSp>
+        <p:nvGrpSpPr>
+          <p:cNvPr id="8" name="Группа 7"/>
+          <p:cNvGrpSpPr/>
+          <p:nvPr/>
+        </p:nvGrpSpPr>
+        <p:grpSpPr>
+          <a:xfrm>
+            <a:off x="1717145" y="4111055"/>
+            <a:ext cx="8754533" cy="1000330"/>
+            <a:chOff x="1657879" y="2643201"/>
+            <a:chExt cx="8754533" cy="1000330"/>
+          </a:xfrm>
+        </p:grpSpPr>
+        <p:sp>
+          <p:nvSpPr>
+            <p:cNvPr id="3" name="Скругленный прямоугольник 2"/>
+            <p:cNvSpPr/>
+            <p:nvPr/>
+          </p:nvSpPr>
+          <p:spPr>
+            <a:xfrm>
+              <a:off x="1776412" y="2643201"/>
+              <a:ext cx="8636000" cy="337066"/>
+            </a:xfrm>
+            <a:prstGeom prst="roundRect">
+              <a:avLst/>
+            </a:prstGeom>
+            <a:gradFill>
+              <a:gsLst>
+                <a:gs pos="0">
+                  <a:schemeClr val="accent1">
+                    <a:lumMod val="5000"/>
+                    <a:lumOff val="95000"/>
+                  </a:schemeClr>
+                </a:gs>
+                <a:gs pos="50000">
+                  <a:srgbClr val="FF0000">
+                    <a:lumMod val="100000"/>
+                  </a:srgbClr>
+                </a:gs>
+                <a:gs pos="100000">
+                  <a:schemeClr val="accent1">
+                    <a:lumMod val="30000"/>
+                    <a:lumOff val="70000"/>
+                  </a:schemeClr>
+                </a:gs>
+              </a:gsLst>
+              <a:lin ang="0" scaled="0"/>
+            </a:gradFill>
+          </p:spPr>
+          <p:style>
+            <a:lnRef idx="2">
+              <a:schemeClr val="accent1">
+                <a:shade val="50000"/>
+              </a:schemeClr>
+            </a:lnRef>
+            <a:fillRef idx="1">
+              <a:schemeClr val="accent1"/>
+            </a:fillRef>
+            <a:effectRef idx="0">
+              <a:schemeClr val="accent1"/>
+            </a:effectRef>
+            <a:fontRef idx="minor">
+              <a:schemeClr val="lt1"/>
+            </a:fontRef>
+          </p:style>
+          <p:txBody>
+            <a:bodyPr rtlCol="0" anchor="ctr"/>
+            <a:lstStyle/>
+            <a:p>
+              <a:pPr algn="ctr"/>
+              <a:endParaRPr lang="ru-RU"/>
+            </a:p>
+          </p:txBody>
+        </p:sp>
+        <p:sp>
+          <p:nvSpPr>
+            <p:cNvPr id="6" name="TextBox 5"/>
+            <p:cNvSpPr txBox="1"/>
+            <p:nvPr/>
+          </p:nvSpPr>
+          <p:spPr>
+            <a:xfrm>
+              <a:off x="1657879" y="2812534"/>
+              <a:ext cx="237066" cy="830997"/>
+            </a:xfrm>
+            <a:prstGeom prst="rect">
+              <a:avLst/>
+            </a:prstGeom>
+            <a:noFill/>
+          </p:spPr>
+          <p:txBody>
+            <a:bodyPr wrap="square" rtlCol="0">
+              <a:spAutoFit/>
+            </a:bodyPr>
+            <a:lstStyle/>
+            <a:p>
+              <a:r>
+                <a:rPr lang="uk-UA" sz="4800" dirty="0" smtClean="0">
+                  <a:latin typeface="Times New Roman" panose="02020603050405020304" pitchFamily="18" charset="0"/>
+                  <a:cs typeface="Times New Roman" panose="02020603050405020304" pitchFamily="18" charset="0"/>
+                </a:rPr>
+                <a:t>0</a:t>
+              </a:r>
+              <a:endParaRPr lang="ru-RU" sz="4800" dirty="0">
+                <a:latin typeface="Times New Roman" panose="02020603050405020304" pitchFamily="18" charset="0"/>
+                <a:cs typeface="Times New Roman" panose="02020603050405020304" pitchFamily="18" charset="0"/>
+              </a:endParaRPr>
+            </a:p>
+          </p:txBody>
+        </p:sp>
+        <p:sp>
+          <p:nvSpPr>
+            <p:cNvPr id="7" name="TextBox 6"/>
+            <p:cNvSpPr txBox="1"/>
+            <p:nvPr/>
+          </p:nvSpPr>
+          <p:spPr>
+            <a:xfrm>
+              <a:off x="10175346" y="2812534"/>
+              <a:ext cx="237066" cy="830997"/>
+            </a:xfrm>
+            <a:prstGeom prst="rect">
+              <a:avLst/>
+            </a:prstGeom>
+            <a:noFill/>
+          </p:spPr>
+          <p:txBody>
+            <a:bodyPr wrap="square" rtlCol="0">
+              <a:spAutoFit/>
+            </a:bodyPr>
+            <a:lstStyle/>
+            <a:p>
+              <a:r>
+                <a:rPr lang="en-US" sz="4800" i="1" dirty="0" smtClean="0">
+                  <a:latin typeface="Times New Roman" panose="02020603050405020304" pitchFamily="18" charset="0"/>
+                  <a:cs typeface="Times New Roman" panose="02020603050405020304" pitchFamily="18" charset="0"/>
+                </a:rPr>
+                <a:t>l</a:t>
+              </a:r>
+              <a:endParaRPr lang="ru-RU" sz="4800" i="1" dirty="0">
+                <a:latin typeface="Times New Roman" panose="02020603050405020304" pitchFamily="18" charset="0"/>
+                <a:cs typeface="Times New Roman" panose="02020603050405020304" pitchFamily="18" charset="0"/>
+              </a:endParaRPr>
+            </a:p>
+          </p:txBody>
+        </p:sp>
+      </p:grpSp>
+      <p:sp>
+        <p:nvSpPr>
+          <p:cNvPr id="9" name="Стрелка вниз 8"/>
+          <p:cNvSpPr/>
+          <p:nvPr/>
+        </p:nvSpPr>
+        <p:spPr>
+          <a:xfrm rot="19653328">
+            <a:off x="5309100" y="2178235"/>
+            <a:ext cx="262053" cy="1930295"/>
+          </a:xfrm>
+          <a:prstGeom prst="downArrow">
+            <a:avLst/>
+          </a:prstGeom>
+        </p:spPr>
+        <p:style>
+          <a:lnRef idx="2">
+            <a:schemeClr val="accent1">
+              <a:shade val="50000"/>
+            </a:schemeClr>
+          </a:lnRef>
+          <a:fillRef idx="1">
+            <a:schemeClr val="accent1"/>
+          </a:fillRef>
+          <a:effectRef idx="0">
+            <a:schemeClr val="accent1"/>
+          </a:effectRef>
+          <a:fontRef idx="minor">
+            <a:schemeClr val="lt1"/>
+          </a:fontRef>
+        </p:style>
+        <p:txBody>
+          <a:bodyPr rtlCol="0" anchor="ctr"/>
+          <a:lstStyle/>
+          <a:p>
+            <a:pPr algn="ctr"/>
+            <a:endParaRPr lang="ru-RU"/>
+          </a:p>
+        </p:txBody>
+      </p:sp>
+      <p:sp>
+        <p:nvSpPr>
+          <p:cNvPr id="10" name="Стрелка вниз 9"/>
+          <p:cNvSpPr/>
+          <p:nvPr/>
+        </p:nvSpPr>
+        <p:spPr>
+          <a:xfrm rot="1636334">
+            <a:off x="6775821" y="2198395"/>
+            <a:ext cx="285625" cy="1920000"/>
+          </a:xfrm>
+          <a:prstGeom prst="downArrow">
+            <a:avLst/>
+          </a:prstGeom>
+        </p:spPr>
+        <p:style>
+          <a:lnRef idx="2">
+            <a:schemeClr val="accent1">
+              <a:shade val="50000"/>
+            </a:schemeClr>
+          </a:lnRef>
+          <a:fillRef idx="1">
+            <a:schemeClr val="accent1"/>
+          </a:fillRef>
+          <a:effectRef idx="0">
+            <a:schemeClr val="accent1"/>
+          </a:effectRef>
+          <a:fontRef idx="minor">
+            <a:schemeClr val="lt1"/>
+          </a:fontRef>
+        </p:style>
+        <p:txBody>
+          <a:bodyPr rtlCol="0" anchor="ctr"/>
+          <a:lstStyle/>
+          <a:p>
+            <a:pPr algn="ctr"/>
+            <a:endParaRPr lang="ru-RU"/>
+          </a:p>
+        </p:txBody>
+      </p:sp>
+      <p:sp>
+        <p:nvSpPr>
+          <p:cNvPr id="11" name="Стрелка вниз 10"/>
+          <p:cNvSpPr/>
+          <p:nvPr/>
+        </p:nvSpPr>
+        <p:spPr>
+          <a:xfrm rot="494287">
+            <a:off x="6209872" y="1962643"/>
+            <a:ext cx="283868" cy="1993901"/>
+          </a:xfrm>
+          <a:prstGeom prst="downArrow">
+            <a:avLst/>
+          </a:prstGeom>
+        </p:spPr>
+        <p:style>
+          <a:lnRef idx="2">
+            <a:schemeClr val="accent1">
+              <a:shade val="50000"/>
+            </a:schemeClr>
+          </a:lnRef>
+          <a:fillRef idx="1">
+            <a:schemeClr val="accent1"/>
+          </a:fillRef>
+          <a:effectRef idx="0">
+            <a:schemeClr val="accent1"/>
+          </a:effectRef>
+          <a:fontRef idx="minor">
+            <a:schemeClr val="lt1"/>
+          </a:fontRef>
+        </p:style>
+        <p:txBody>
+          <a:bodyPr rtlCol="0" anchor="ctr"/>
+          <a:lstStyle/>
+          <a:p>
+            <a:pPr algn="ctr"/>
+            <a:endParaRPr lang="ru-RU"/>
+          </a:p>
+        </p:txBody>
+      </p:sp>
+    </p:spTree>
+    <p:extLst>
+      <p:ext uri="{BB962C8B-B14F-4D97-AF65-F5344CB8AC3E}">
+        <p14:creationId xmlns:p14="http://schemas.microsoft.com/office/powerpoint/2010/main" val="149042755"/>
+      </p:ext>
+    </p:extLst>
+  </p:cSld>
+  <p:clrMapOvr>
+    <a:masterClrMapping/>
+  </p:clrMapOvr>
+  <p:timing>
+    <p:tnLst>
+      <p:par>
+        <p:cTn id="1" dur="indefinite" restart="never" nodeType="tmRoot"/>
+      </p:par>
+    </p:tnLst>
+  </p:timing>
+</p:sld>
+</file>
+
+<file path=ppt/slides/slide3.xml><?xml version="1.0" encoding="utf-8"?>
+<p:sld xmlns:a="http://schemas.openxmlformats.org/drawingml/2006/main" xmlns:r="http://schemas.openxmlformats.org/officeDocument/2006/relationships" xmlns:p="http://schemas.openxmlformats.org/presentationml/2006/main">
+  <p:cSld>
+    <p:spTree>
+      <p:nvGrpSpPr>
+        <p:cNvPr id="1" name=""/>
+        <p:cNvGrpSpPr/>
+        <p:nvPr/>
+      </p:nvGrpSpPr>
+      <p:grpSpPr>
+        <a:xfrm>
+          <a:off x="0" y="0"/>
+          <a:ext cx="0" cy="0"/>
+          <a:chOff x="0" y="0"/>
+          <a:chExt cx="0" cy="0"/>
+        </a:xfrm>
+      </p:grpSpPr>
+      <p:sp>
+        <p:nvSpPr>
+          <p:cNvPr id="2" name="Заголовок 1"/>
+          <p:cNvSpPr>
+            <a:spLocks noGrp="1"/>
+          </p:cNvSpPr>
+          <p:nvPr>
+            <p:ph type="title"/>
+          </p:nvPr>
+        </p:nvSpPr>
+        <p:spPr>
+          <a:xfrm>
+            <a:off x="1141412" y="249550"/>
             <a:ext cx="9905998" cy="1017099"/>
           </a:xfrm>
         </p:spPr>
@@ -6376,986 +11184,6 @@
 </p:sld>
 </file>
 
-<file path=ppt/slides/slide3.xml><?xml version="1.0" encoding="utf-8"?>
-<p:sld xmlns:a="http://schemas.openxmlformats.org/drawingml/2006/main" xmlns:r="http://schemas.openxmlformats.org/officeDocument/2006/relationships" xmlns:p="http://schemas.openxmlformats.org/presentationml/2006/main">
-  <p:cSld>
-    <p:spTree>
-      <p:nvGrpSpPr>
-        <p:cNvPr id="1" name=""/>
-        <p:cNvGrpSpPr/>
-        <p:nvPr/>
-      </p:nvGrpSpPr>
-      <p:grpSpPr>
-        <a:xfrm>
-          <a:off x="0" y="0"/>
-          <a:ext cx="0" cy="0"/>
-          <a:chOff x="0" y="0"/>
-          <a:chExt cx="0" cy="0"/>
-        </a:xfrm>
-      </p:grpSpPr>
-      <p:sp>
-        <p:nvSpPr>
-          <p:cNvPr id="2" name="Заголовок 1"/>
-          <p:cNvSpPr>
-            <a:spLocks noGrp="1"/>
-          </p:cNvSpPr>
-          <p:nvPr>
-            <p:ph type="title"/>
-          </p:nvPr>
-        </p:nvSpPr>
-        <p:spPr>
-          <a:xfrm>
-            <a:off x="1141413" y="618518"/>
-            <a:ext cx="9905998" cy="1017099"/>
-          </a:xfrm>
-        </p:spPr>
-        <p:txBody>
-          <a:bodyPr/>
-          <a:lstStyle/>
-          <a:p>
-            <a:pPr algn="ctr"/>
-            <a:r>
-              <a:rPr lang="uk-UA" dirty="0" smtClean="0">
-                <a:latin typeface="Times New Roman" panose="02020603050405020304" pitchFamily="18" charset="0"/>
-                <a:cs typeface="Times New Roman" panose="02020603050405020304" pitchFamily="18" charset="0"/>
-              </a:rPr>
-              <a:t>Постановка</a:t>
-            </a:r>
-            <a:r>
-              <a:rPr lang="uk-UA" dirty="0" smtClean="0"/>
-              <a:t> </a:t>
-            </a:r>
-            <a:r>
-              <a:rPr lang="uk-UA" dirty="0" smtClean="0">
-                <a:latin typeface="Times New Roman" panose="02020603050405020304" pitchFamily="18" charset="0"/>
-                <a:cs typeface="Times New Roman" panose="02020603050405020304" pitchFamily="18" charset="0"/>
-              </a:rPr>
-              <a:t>задачі</a:t>
-            </a:r>
-            <a:endParaRPr lang="ru-RU" dirty="0">
-              <a:latin typeface="Times New Roman" panose="02020603050405020304" pitchFamily="18" charset="0"/>
-              <a:cs typeface="Times New Roman" panose="02020603050405020304" pitchFamily="18" charset="0"/>
-            </a:endParaRPr>
-          </a:p>
-        </p:txBody>
-      </p:sp>
-      <mc:AlternateContent xmlns:mc="http://schemas.openxmlformats.org/markup-compatibility/2006" xmlns:a14="http://schemas.microsoft.com/office/drawing/2010/main">
-        <mc:Choice Requires="a14">
-          <p:graphicFrame>
-            <p:nvGraphicFramePr>
-              <p:cNvPr id="4" name="Объект 3"/>
-              <p:cNvGraphicFramePr>
-                <a:graphicFrameLocks noGrp="1"/>
-              </p:cNvGraphicFramePr>
-              <p:nvPr>
-                <p:ph idx="1"/>
-                <p:extLst>
-                  <p:ext uri="{D42A27DB-BD31-4B8C-83A1-F6EECF244321}">
-                    <p14:modId xmlns:p14="http://schemas.microsoft.com/office/powerpoint/2010/main" val="3870094039"/>
-                  </p:ext>
-                </p:extLst>
-              </p:nvPr>
-            </p:nvGraphicFramePr>
-            <p:xfrm>
-              <a:off x="3808412" y="1790164"/>
-              <a:ext cx="4571999" cy="4496336"/>
-            </p:xfrm>
-            <a:graphic>
-              <a:graphicData uri="http://schemas.openxmlformats.org/drawingml/2006/table">
-                <a:tbl>
-                  <a:tblPr firstRow="1" firstCol="1" bandRow="1">
-                    <a:tableStyleId>{2D5ABB26-0587-4C30-8999-92F81FD0307C}</a:tableStyleId>
-                  </a:tblPr>
-                  <a:tblGrid>
-                    <a:gridCol w="4571999"/>
-                  </a:tblGrid>
-                  <a:tr h="1379990">
-                    <a:tc>
-                      <a:txBody>
-                        <a:bodyPr/>
-                        <a:lstStyle/>
-                        <a:p>
-                          <a:pPr algn="ctr">
-                            <a:lnSpc>
-                              <a:spcPct val="107000"/>
-                            </a:lnSpc>
-                            <a:spcAft>
-                              <a:spcPts val="600"/>
-                            </a:spcAft>
-                          </a:pPr>
-                          <a14:m>
-                            <m:oMathPara xmlns:m="http://schemas.openxmlformats.org/officeDocument/2006/math">
-                              <m:oMathParaPr>
-                                <m:jc m:val="centerGroup"/>
-                              </m:oMathParaPr>
-                              <m:oMath xmlns:m="http://schemas.openxmlformats.org/officeDocument/2006/math">
-                                <m:f>
-                                  <m:fPr>
-                                    <m:ctrlPr>
-                                      <a:rPr lang="ru-RU" sz="3200" b="1" i="1">
-                                        <a:effectLst/>
-                                        <a:latin typeface="Cambria Math" panose="02040503050406030204" pitchFamily="18" charset="0"/>
-                                      </a:rPr>
-                                    </m:ctrlPr>
-                                  </m:fPr>
-                                  <m:num>
-                                    <m:r>
-                                      <a:rPr lang="uk-UA" sz="3200" b="1" i="1">
-                                        <a:effectLst/>
-                                        <a:latin typeface="Cambria Math" panose="02040503050406030204" pitchFamily="18" charset="0"/>
-                                      </a:rPr>
-                                      <m:t>𝛛</m:t>
-                                    </m:r>
-                                    <m:r>
-                                      <a:rPr lang="uk-UA" sz="3200" b="1" i="1">
-                                        <a:effectLst/>
-                                        <a:latin typeface="Cambria Math" panose="02040503050406030204" pitchFamily="18" charset="0"/>
-                                      </a:rPr>
-                                      <m:t>𝐮</m:t>
-                                    </m:r>
-                                  </m:num>
-                                  <m:den>
-                                    <m:r>
-                                      <a:rPr lang="uk-UA" sz="3200" b="1" i="1">
-                                        <a:effectLst/>
-                                        <a:latin typeface="Cambria Math" panose="02040503050406030204" pitchFamily="18" charset="0"/>
-                                      </a:rPr>
-                                      <m:t>𝛛</m:t>
-                                    </m:r>
-                                    <m:r>
-                                      <a:rPr lang="uk-UA" sz="3200" b="1" i="1">
-                                        <a:effectLst/>
-                                        <a:latin typeface="Cambria Math" panose="02040503050406030204" pitchFamily="18" charset="0"/>
-                                      </a:rPr>
-                                      <m:t>𝐭</m:t>
-                                    </m:r>
-                                  </m:den>
-                                </m:f>
-                                <m:r>
-                                  <a:rPr lang="uk-UA" sz="3200" b="1">
-                                    <a:effectLst/>
-                                    <a:latin typeface="Cambria Math" panose="02040503050406030204" pitchFamily="18" charset="0"/>
-                                  </a:rPr>
-                                  <m:t>=</m:t>
-                                </m:r>
-                                <m:r>
-                                  <a:rPr lang="uk-UA" sz="3200" b="1" i="1">
-                                    <a:effectLst/>
-                                    <a:latin typeface="Cambria Math" panose="02040503050406030204" pitchFamily="18" charset="0"/>
-                                  </a:rPr>
-                                  <m:t>𝛂</m:t>
-                                </m:r>
-                                <m:d>
-                                  <m:dPr>
-                                    <m:ctrlPr>
-                                      <a:rPr lang="ru-RU" sz="3200" b="1" i="1">
-                                        <a:effectLst/>
-                                        <a:latin typeface="Cambria Math" panose="02040503050406030204" pitchFamily="18" charset="0"/>
-                                      </a:rPr>
-                                    </m:ctrlPr>
-                                  </m:dPr>
-                                  <m:e>
-                                    <m:f>
-                                      <m:fPr>
-                                        <m:ctrlPr>
-                                          <a:rPr lang="ru-RU" sz="3200" b="1" i="1">
-                                            <a:effectLst/>
-                                            <a:latin typeface="Cambria Math" panose="02040503050406030204" pitchFamily="18" charset="0"/>
-                                          </a:rPr>
-                                        </m:ctrlPr>
-                                      </m:fPr>
-                                      <m:num>
-                                        <m:sSup>
-                                          <m:sSupPr>
-                                            <m:ctrlPr>
-                                              <a:rPr lang="ru-RU" sz="3200" b="1" i="1">
-                                                <a:effectLst/>
-                                                <a:latin typeface="Cambria Math" panose="02040503050406030204" pitchFamily="18" charset="0"/>
-                                              </a:rPr>
-                                            </m:ctrlPr>
-                                          </m:sSupPr>
-                                          <m:e>
-                                            <m:r>
-                                              <a:rPr lang="uk-UA" sz="3200" b="1" i="1">
-                                                <a:effectLst/>
-                                                <a:latin typeface="Cambria Math" panose="02040503050406030204" pitchFamily="18" charset="0"/>
-                                              </a:rPr>
-                                              <m:t>𝛛</m:t>
-                                            </m:r>
-                                          </m:e>
-                                          <m:sup>
-                                            <m:r>
-                                              <a:rPr lang="uk-UA" sz="3200" b="1" i="1">
-                                                <a:effectLst/>
-                                                <a:latin typeface="Cambria Math" panose="02040503050406030204" pitchFamily="18" charset="0"/>
-                                              </a:rPr>
-                                              <m:t>𝟐</m:t>
-                                            </m:r>
-                                          </m:sup>
-                                        </m:sSup>
-                                        <m:r>
-                                          <a:rPr lang="uk-UA" sz="3200" b="1" i="1">
-                                            <a:effectLst/>
-                                            <a:latin typeface="Cambria Math" panose="02040503050406030204" pitchFamily="18" charset="0"/>
-                                          </a:rPr>
-                                          <m:t>𝐮</m:t>
-                                        </m:r>
-                                      </m:num>
-                                      <m:den>
-                                        <m:r>
-                                          <a:rPr lang="uk-UA" sz="3200" b="1" i="1">
-                                            <a:effectLst/>
-                                            <a:latin typeface="Cambria Math" panose="02040503050406030204" pitchFamily="18" charset="0"/>
-                                          </a:rPr>
-                                          <m:t>𝛛</m:t>
-                                        </m:r>
-                                        <m:sSup>
-                                          <m:sSupPr>
-                                            <m:ctrlPr>
-                                              <a:rPr lang="ru-RU" sz="3200" b="1" i="1">
-                                                <a:effectLst/>
-                                                <a:latin typeface="Cambria Math" panose="02040503050406030204" pitchFamily="18" charset="0"/>
-                                              </a:rPr>
-                                            </m:ctrlPr>
-                                          </m:sSupPr>
-                                          <m:e>
-                                            <m:r>
-                                              <a:rPr lang="uk-UA" sz="3200" b="1" i="1">
-                                                <a:effectLst/>
-                                                <a:latin typeface="Cambria Math" panose="02040503050406030204" pitchFamily="18" charset="0"/>
-                                              </a:rPr>
-                                              <m:t>𝐱</m:t>
-                                            </m:r>
-                                          </m:e>
-                                          <m:sup>
-                                            <m:r>
-                                              <a:rPr lang="uk-UA" sz="3200" b="1" i="1">
-                                                <a:effectLst/>
-                                                <a:latin typeface="Cambria Math" panose="02040503050406030204" pitchFamily="18" charset="0"/>
-                                              </a:rPr>
-                                              <m:t>𝟐</m:t>
-                                            </m:r>
-                                          </m:sup>
-                                        </m:sSup>
-                                      </m:den>
-                                    </m:f>
-                                  </m:e>
-                                </m:d>
-                                <m:r>
-                                  <a:rPr lang="uk-UA" sz="3200" b="1">
-                                    <a:effectLst/>
-                                    <a:latin typeface="Cambria Math" panose="02040503050406030204" pitchFamily="18" charset="0"/>
-                                  </a:rPr>
-                                  <m:t>+</m:t>
-                                </m:r>
-                                <m:r>
-                                  <a:rPr lang="uk-UA" sz="3200" b="1" i="1">
-                                    <a:effectLst/>
-                                    <a:latin typeface="Cambria Math" panose="02040503050406030204" pitchFamily="18" charset="0"/>
-                                  </a:rPr>
-                                  <m:t>𝐟</m:t>
-                                </m:r>
-                                <m:r>
-                                  <a:rPr lang="uk-UA" sz="3200" b="1">
-                                    <a:effectLst/>
-                                    <a:latin typeface="Cambria Math" panose="02040503050406030204" pitchFamily="18" charset="0"/>
-                                  </a:rPr>
-                                  <m:t>(</m:t>
-                                </m:r>
-                                <m:r>
-                                  <a:rPr lang="uk-UA" sz="3200" b="1" i="1">
-                                    <a:effectLst/>
-                                    <a:latin typeface="Cambria Math" panose="02040503050406030204" pitchFamily="18" charset="0"/>
-                                  </a:rPr>
-                                  <m:t>𝐱</m:t>
-                                </m:r>
-                                <m:r>
-                                  <a:rPr lang="uk-UA" sz="3200" b="1">
-                                    <a:effectLst/>
-                                    <a:latin typeface="Cambria Math" panose="02040503050406030204" pitchFamily="18" charset="0"/>
-                                  </a:rPr>
-                                  <m:t>,</m:t>
-                                </m:r>
-                                <m:r>
-                                  <a:rPr lang="uk-UA" sz="3200" b="1" i="1">
-                                    <a:effectLst/>
-                                    <a:latin typeface="Cambria Math" panose="02040503050406030204" pitchFamily="18" charset="0"/>
-                                  </a:rPr>
-                                  <m:t>𝐭</m:t>
-                                </m:r>
-                                <m:r>
-                                  <a:rPr lang="uk-UA" sz="3200" b="1">
-                                    <a:effectLst/>
-                                    <a:latin typeface="Cambria Math" panose="02040503050406030204" pitchFamily="18" charset="0"/>
-                                  </a:rPr>
-                                  <m:t>)</m:t>
-                                </m:r>
-                              </m:oMath>
-                            </m:oMathPara>
-                          </a14:m>
-                          <a:endParaRPr lang="ru-RU" sz="2800" b="1" dirty="0">
-                            <a:effectLst/>
-                          </a:endParaRPr>
-                        </a:p>
-                      </a:txBody>
-                      <a:tcPr marL="68580" marR="68580" marT="0" marB="0">
-                        <a:lnL>
-                          <a:noFill/>
-                        </a:lnL>
-                        <a:lnR>
-                          <a:noFill/>
-                        </a:lnR>
-                        <a:lnT>
-                          <a:noFill/>
-                        </a:lnT>
-                        <a:lnB>
-                          <a:noFill/>
-                        </a:lnB>
-                        <a:lnTlToBr w="12700" cmpd="sng">
-                          <a:noFill/>
-                          <a:prstDash val="solid"/>
-                        </a:lnTlToBr>
-                        <a:lnBlToTr w="12700" cmpd="sng">
-                          <a:noFill/>
-                          <a:prstDash val="solid"/>
-                        </a:lnBlToTr>
-                      </a:tcPr>
-                    </a:tc>
-                  </a:tr>
-                  <a:tr h="3116346">
-                    <a:tc>
-                      <a:txBody>
-                        <a:bodyPr/>
-                        <a:lstStyle/>
-                        <a:p>
-                          <a:pPr algn="ctr">
-                            <a:lnSpc>
-                              <a:spcPct val="107000"/>
-                            </a:lnSpc>
-                            <a:spcAft>
-                              <a:spcPts val="600"/>
-                            </a:spcAft>
-                          </a:pPr>
-                          <a14:m>
-                            <m:oMathPara xmlns:m="http://schemas.openxmlformats.org/officeDocument/2006/math">
-                              <m:oMathParaPr>
-                                <m:jc m:val="center"/>
-                              </m:oMathParaPr>
-                              <m:oMath xmlns:m="http://schemas.openxmlformats.org/officeDocument/2006/math">
-                                <m:d>
-                                  <m:dPr>
-                                    <m:begChr m:val="["/>
-                                    <m:endChr m:val=""/>
-                                    <m:ctrlPr>
-                                      <a:rPr lang="ru-RU" sz="3600" b="1" i="1" smtClean="0">
-                                        <a:effectLst/>
-                                        <a:latin typeface="Cambria Math" panose="02040503050406030204" pitchFamily="18" charset="0"/>
-                                      </a:rPr>
-                                    </m:ctrlPr>
-                                  </m:dPr>
-                                  <m:e>
-                                    <m:eqArr>
-                                      <m:eqArrPr>
-                                        <m:ctrlPr>
-                                          <a:rPr lang="ru-RU" sz="2800" b="1" i="1">
-                                            <a:effectLst/>
-                                            <a:latin typeface="Cambria Math" panose="02040503050406030204" pitchFamily="18" charset="0"/>
-                                          </a:rPr>
-                                        </m:ctrlPr>
-                                      </m:eqArrPr>
-                                      <m:e>
-                                        <m:r>
-                                          <a:rPr lang="uk-UA" sz="2800" b="1" i="1">
-                                            <a:effectLst/>
-                                            <a:latin typeface="Cambria Math" panose="02040503050406030204" pitchFamily="18" charset="0"/>
-                                          </a:rPr>
-                                          <m:t>𝐮</m:t>
-                                        </m:r>
-                                        <m:d>
-                                          <m:dPr>
-                                            <m:ctrlPr>
-                                              <a:rPr lang="ru-RU" sz="2800" b="1" i="1">
-                                                <a:effectLst/>
-                                                <a:latin typeface="Cambria Math" panose="02040503050406030204" pitchFamily="18" charset="0"/>
-                                              </a:rPr>
-                                            </m:ctrlPr>
-                                          </m:dPr>
-                                          <m:e>
-                                            <m:r>
-                                              <a:rPr lang="uk-UA" sz="2800" b="1" i="1">
-                                                <a:effectLst/>
-                                                <a:latin typeface="Cambria Math" panose="02040503050406030204" pitchFamily="18" charset="0"/>
-                                              </a:rPr>
-                                              <m:t>𝐱</m:t>
-                                            </m:r>
-                                            <m:r>
-                                              <a:rPr lang="uk-UA" sz="2800" b="1">
-                                                <a:effectLst/>
-                                                <a:latin typeface="Cambria Math" panose="02040503050406030204" pitchFamily="18" charset="0"/>
-                                              </a:rPr>
-                                              <m:t>,</m:t>
-                                            </m:r>
-                                            <m:r>
-                                              <a:rPr lang="uk-UA" sz="2800" b="1" i="1">
-                                                <a:effectLst/>
-                                                <a:latin typeface="Cambria Math" panose="02040503050406030204" pitchFamily="18" charset="0"/>
-                                              </a:rPr>
-                                              <m:t>𝟎</m:t>
-                                            </m:r>
-                                          </m:e>
-                                        </m:d>
-                                        <m:r>
-                                          <a:rPr lang="uk-UA" sz="2800" b="1">
-                                            <a:effectLst/>
-                                            <a:latin typeface="Cambria Math" panose="02040503050406030204" pitchFamily="18" charset="0"/>
-                                          </a:rPr>
-                                          <m:t>=</m:t>
-                                        </m:r>
-                                        <m:r>
-                                          <a:rPr lang="uk-UA" sz="2800" b="1" i="1">
-                                            <a:effectLst/>
-                                            <a:latin typeface="Cambria Math" panose="02040503050406030204" pitchFamily="18" charset="0"/>
-                                          </a:rPr>
-                                          <m:t>𝛗</m:t>
-                                        </m:r>
-                                        <m:d>
-                                          <m:dPr>
-                                            <m:ctrlPr>
-                                              <a:rPr lang="ru-RU" sz="2800" b="1" i="1">
-                                                <a:effectLst/>
-                                                <a:latin typeface="Cambria Math" panose="02040503050406030204" pitchFamily="18" charset="0"/>
-                                              </a:rPr>
-                                            </m:ctrlPr>
-                                          </m:dPr>
-                                          <m:e>
-                                            <m:r>
-                                              <a:rPr lang="uk-UA" sz="2800" b="1" i="1">
-                                                <a:effectLst/>
-                                                <a:latin typeface="Cambria Math" panose="02040503050406030204" pitchFamily="18" charset="0"/>
-                                              </a:rPr>
-                                              <m:t>𝐱</m:t>
-                                            </m:r>
-                                          </m:e>
-                                        </m:d>
-                                      </m:e>
-                                      <m:e>
-                                        <m:r>
-                                          <a:rPr lang="uk-UA" sz="2800" b="1" i="1">
-                                            <a:effectLst/>
-                                            <a:latin typeface="Cambria Math" panose="02040503050406030204" pitchFamily="18" charset="0"/>
-                                          </a:rPr>
-                                          <m:t>𝐮</m:t>
-                                        </m:r>
-                                        <m:d>
-                                          <m:dPr>
-                                            <m:ctrlPr>
-                                              <a:rPr lang="ru-RU" sz="2800" b="1" i="1">
-                                                <a:effectLst/>
-                                                <a:latin typeface="Cambria Math" panose="02040503050406030204" pitchFamily="18" charset="0"/>
-                                              </a:rPr>
-                                            </m:ctrlPr>
-                                          </m:dPr>
-                                          <m:e>
-                                            <m:r>
-                                              <a:rPr lang="uk-UA" sz="2800" b="1" i="1">
-                                                <a:effectLst/>
-                                                <a:latin typeface="Cambria Math" panose="02040503050406030204" pitchFamily="18" charset="0"/>
-                                              </a:rPr>
-                                              <m:t>𝟎</m:t>
-                                            </m:r>
-                                            <m:r>
-                                              <a:rPr lang="uk-UA" sz="2800" b="1">
-                                                <a:effectLst/>
-                                                <a:latin typeface="Cambria Math" panose="02040503050406030204" pitchFamily="18" charset="0"/>
-                                              </a:rPr>
-                                              <m:t>, </m:t>
-                                            </m:r>
-                                            <m:r>
-                                              <a:rPr lang="uk-UA" sz="2800" b="1" i="1">
-                                                <a:effectLst/>
-                                                <a:latin typeface="Cambria Math" panose="02040503050406030204" pitchFamily="18" charset="0"/>
-                                              </a:rPr>
-                                              <m:t>𝐭</m:t>
-                                            </m:r>
-                                          </m:e>
-                                        </m:d>
-                                        <m:r>
-                                          <a:rPr lang="uk-UA" sz="2800" b="1">
-                                            <a:effectLst/>
-                                            <a:latin typeface="Cambria Math" panose="02040503050406030204" pitchFamily="18" charset="0"/>
-                                          </a:rPr>
-                                          <m:t>=</m:t>
-                                        </m:r>
-                                        <m:sSub>
-                                          <m:sSubPr>
-                                            <m:ctrlPr>
-                                              <a:rPr lang="ru-RU" sz="2800" b="1" i="1">
-                                                <a:effectLst/>
-                                                <a:latin typeface="Cambria Math" panose="02040503050406030204" pitchFamily="18" charset="0"/>
-                                              </a:rPr>
-                                            </m:ctrlPr>
-                                          </m:sSubPr>
-                                          <m:e>
-                                            <m:r>
-                                              <a:rPr lang="uk-UA" sz="2800" b="1" i="1">
-                                                <a:effectLst/>
-                                                <a:latin typeface="Cambria Math" panose="02040503050406030204" pitchFamily="18" charset="0"/>
-                                              </a:rPr>
-                                              <m:t>𝛍</m:t>
-                                            </m:r>
-                                          </m:e>
-                                          <m:sub>
-                                            <m:r>
-                                              <a:rPr lang="uk-UA" sz="2800" b="1" i="1">
-                                                <a:effectLst/>
-                                                <a:latin typeface="Cambria Math" panose="02040503050406030204" pitchFamily="18" charset="0"/>
-                                              </a:rPr>
-                                              <m:t>𝟏</m:t>
-                                            </m:r>
-                                          </m:sub>
-                                        </m:sSub>
-                                        <m:r>
-                                          <a:rPr lang="uk-UA" sz="2800" b="1">
-                                            <a:effectLst/>
-                                            <a:latin typeface="Cambria Math" panose="02040503050406030204" pitchFamily="18" charset="0"/>
-                                          </a:rPr>
-                                          <m:t>(</m:t>
-                                        </m:r>
-                                        <m:r>
-                                          <a:rPr lang="uk-UA" sz="2800" b="1" i="1">
-                                            <a:effectLst/>
-                                            <a:latin typeface="Cambria Math" panose="02040503050406030204" pitchFamily="18" charset="0"/>
-                                          </a:rPr>
-                                          <m:t>𝐭</m:t>
-                                        </m:r>
-                                        <m:r>
-                                          <a:rPr lang="uk-UA" sz="2800" b="1">
-                                            <a:effectLst/>
-                                            <a:latin typeface="Cambria Math" panose="02040503050406030204" pitchFamily="18" charset="0"/>
-                                          </a:rPr>
-                                          <m:t>)</m:t>
-                                        </m:r>
-                                      </m:e>
-                                      <m:e>
-                                        <m:r>
-                                          <a:rPr lang="uk-UA" sz="2800" b="1" i="1">
-                                            <a:effectLst/>
-                                            <a:latin typeface="Cambria Math" panose="02040503050406030204" pitchFamily="18" charset="0"/>
-                                          </a:rPr>
-                                          <m:t>𝐮</m:t>
-                                        </m:r>
-                                        <m:d>
-                                          <m:dPr>
-                                            <m:ctrlPr>
-                                              <a:rPr lang="ru-RU" sz="2800" b="1" i="1">
-                                                <a:effectLst/>
-                                                <a:latin typeface="Cambria Math" panose="02040503050406030204" pitchFamily="18" charset="0"/>
-                                              </a:rPr>
-                                            </m:ctrlPr>
-                                          </m:dPr>
-                                          <m:e>
-                                            <m:r>
-                                              <a:rPr lang="uk-UA" sz="2800" b="1" i="1">
-                                                <a:effectLst/>
-                                                <a:latin typeface="Cambria Math" panose="02040503050406030204" pitchFamily="18" charset="0"/>
-                                              </a:rPr>
-                                              <m:t>𝐥</m:t>
-                                            </m:r>
-                                            <m:r>
-                                              <a:rPr lang="uk-UA" sz="2800" b="1">
-                                                <a:effectLst/>
-                                                <a:latin typeface="Cambria Math" panose="02040503050406030204" pitchFamily="18" charset="0"/>
-                                              </a:rPr>
-                                              <m:t>, </m:t>
-                                            </m:r>
-                                            <m:r>
-                                              <a:rPr lang="uk-UA" sz="2800" b="1" i="1">
-                                                <a:effectLst/>
-                                                <a:latin typeface="Cambria Math" panose="02040503050406030204" pitchFamily="18" charset="0"/>
-                                              </a:rPr>
-                                              <m:t>𝐭</m:t>
-                                            </m:r>
-                                          </m:e>
-                                        </m:d>
-                                        <m:r>
-                                          <a:rPr lang="uk-UA" sz="2800" b="1">
-                                            <a:effectLst/>
-                                            <a:latin typeface="Cambria Math" panose="02040503050406030204" pitchFamily="18" charset="0"/>
-                                          </a:rPr>
-                                          <m:t>=</m:t>
-                                        </m:r>
-                                        <m:sSub>
-                                          <m:sSubPr>
-                                            <m:ctrlPr>
-                                              <a:rPr lang="ru-RU" sz="2800" b="1" i="1">
-                                                <a:effectLst/>
-                                                <a:latin typeface="Cambria Math" panose="02040503050406030204" pitchFamily="18" charset="0"/>
-                                              </a:rPr>
-                                            </m:ctrlPr>
-                                          </m:sSubPr>
-                                          <m:e>
-                                            <m:r>
-                                              <a:rPr lang="uk-UA" sz="2800" b="1" i="1">
-                                                <a:effectLst/>
-                                                <a:latin typeface="Cambria Math" panose="02040503050406030204" pitchFamily="18" charset="0"/>
-                                              </a:rPr>
-                                              <m:t>𝛍</m:t>
-                                            </m:r>
-                                          </m:e>
-                                          <m:sub>
-                                            <m:r>
-                                              <a:rPr lang="uk-UA" sz="2800" b="1" i="1">
-                                                <a:effectLst/>
-                                                <a:latin typeface="Cambria Math" panose="02040503050406030204" pitchFamily="18" charset="0"/>
-                                              </a:rPr>
-                                              <m:t>𝟐</m:t>
-                                            </m:r>
-                                          </m:sub>
-                                        </m:sSub>
-                                        <m:r>
-                                          <a:rPr lang="uk-UA" sz="2800" b="1">
-                                            <a:effectLst/>
-                                            <a:latin typeface="Cambria Math" panose="02040503050406030204" pitchFamily="18" charset="0"/>
-                                          </a:rPr>
-                                          <m:t>(</m:t>
-                                        </m:r>
-                                        <m:r>
-                                          <a:rPr lang="uk-UA" sz="2800" b="1" i="1">
-                                            <a:effectLst/>
-                                            <a:latin typeface="Cambria Math" panose="02040503050406030204" pitchFamily="18" charset="0"/>
-                                          </a:rPr>
-                                          <m:t>𝐭</m:t>
-                                        </m:r>
-                                        <m:r>
-                                          <a:rPr lang="uk-UA" sz="2800" b="1">
-                                            <a:effectLst/>
-                                            <a:latin typeface="Cambria Math" panose="02040503050406030204" pitchFamily="18" charset="0"/>
-                                          </a:rPr>
-                                          <m:t>)</m:t>
-                                        </m:r>
-                                      </m:e>
-                                    </m:eqArr>
-                                  </m:e>
-                                </m:d>
-                              </m:oMath>
-                            </m:oMathPara>
-                          </a14:m>
-                          <a:endParaRPr lang="uk-UA" sz="2800" b="1" dirty="0" smtClean="0">
-                            <a:effectLst/>
-                          </a:endParaRPr>
-                        </a:p>
-                        <a:p>
-                          <a:pPr algn="ctr">
-                            <a:lnSpc>
-                              <a:spcPct val="107000"/>
-                            </a:lnSpc>
-                            <a:spcAft>
-                              <a:spcPts val="600"/>
-                            </a:spcAft>
-                          </a:pPr>
-                          <a14:m>
-                            <m:oMathPara xmlns:m="http://schemas.openxmlformats.org/officeDocument/2006/math">
-                              <m:oMathParaPr>
-                                <m:jc m:val="center"/>
-                              </m:oMathParaPr>
-                              <m:oMath xmlns:m="http://schemas.openxmlformats.org/officeDocument/2006/math">
-                                <m:r>
-                                  <a:rPr lang="uk-UA" sz="2800" b="1" i="1">
-                                    <a:effectLst/>
-                                    <a:latin typeface="Cambria Math" panose="02040503050406030204" pitchFamily="18" charset="0"/>
-                                  </a:rPr>
-                                  <m:t>𝐱</m:t>
-                                </m:r>
-                                <m:r>
-                                  <a:rPr lang="uk-UA" sz="2800" b="1">
-                                    <a:effectLst/>
-                                    <a:latin typeface="Cambria Math" panose="02040503050406030204" pitchFamily="18" charset="0"/>
-                                  </a:rPr>
-                                  <m:t> </m:t>
-                                </m:r>
-                                <m:r>
-                                  <a:rPr lang="uk-UA" sz="2800" b="1" i="1">
-                                    <a:effectLst/>
-                                    <a:latin typeface="Cambria Math" panose="02040503050406030204" pitchFamily="18" charset="0"/>
-                                  </a:rPr>
-                                  <m:t>𝛜</m:t>
-                                </m:r>
-                                <m:r>
-                                  <a:rPr lang="uk-UA" sz="2800" b="1">
-                                    <a:effectLst/>
-                                    <a:latin typeface="Cambria Math" panose="02040503050406030204" pitchFamily="18" charset="0"/>
-                                  </a:rPr>
-                                  <m:t> </m:t>
-                                </m:r>
-                                <m:d>
-                                  <m:dPr>
-                                    <m:begChr m:val="["/>
-                                    <m:endChr m:val="]"/>
-                                    <m:ctrlPr>
-                                      <a:rPr lang="ru-RU" sz="2800" b="1" i="1">
-                                        <a:effectLst/>
-                                        <a:latin typeface="Cambria Math" panose="02040503050406030204" pitchFamily="18" charset="0"/>
-                                      </a:rPr>
-                                    </m:ctrlPr>
-                                  </m:dPr>
-                                  <m:e>
-                                    <m:r>
-                                      <a:rPr lang="uk-UA" sz="2800" b="1" i="1">
-                                        <a:effectLst/>
-                                        <a:latin typeface="Cambria Math" panose="02040503050406030204" pitchFamily="18" charset="0"/>
-                                      </a:rPr>
-                                      <m:t>𝟎</m:t>
-                                    </m:r>
-                                    <m:r>
-                                      <a:rPr lang="uk-UA" sz="2800" b="1">
-                                        <a:effectLst/>
-                                        <a:latin typeface="Cambria Math" panose="02040503050406030204" pitchFamily="18" charset="0"/>
-                                      </a:rPr>
-                                      <m:t>;</m:t>
-                                    </m:r>
-                                    <m:r>
-                                      <a:rPr lang="uk-UA" sz="2800" b="1" i="1">
-                                        <a:effectLst/>
-                                        <a:latin typeface="Cambria Math" panose="02040503050406030204" pitchFamily="18" charset="0"/>
-                                      </a:rPr>
-                                      <m:t>𝐥</m:t>
-                                    </m:r>
-                                  </m:e>
-                                </m:d>
-                              </m:oMath>
-                            </m:oMathPara>
-                          </a14:m>
-                          <a:endParaRPr lang="uk-UA" sz="2800" b="1" dirty="0" smtClean="0">
-                            <a:effectLst/>
-                          </a:endParaRPr>
-                        </a:p>
-                        <a:p>
-                          <a:pPr algn="ctr">
-                            <a:lnSpc>
-                              <a:spcPct val="107000"/>
-                            </a:lnSpc>
-                            <a:spcAft>
-                              <a:spcPts val="600"/>
-                            </a:spcAft>
-                          </a:pPr>
-                          <a14:m>
-                            <m:oMathPara xmlns:m="http://schemas.openxmlformats.org/officeDocument/2006/math">
-                              <m:oMathParaPr>
-                                <m:jc m:val="left"/>
-                              </m:oMathParaPr>
-                              <m:oMath xmlns:m="http://schemas.openxmlformats.org/officeDocument/2006/math">
-                                <m:r>
-                                  <a:rPr lang="uk-UA" sz="2800" b="1" i="1" smtClean="0">
-                                    <a:effectLst/>
-                                    <a:latin typeface="Cambria Math" panose="02040503050406030204" pitchFamily="18" charset="0"/>
-                                  </a:rPr>
-                                  <m:t>                        </m:t>
-                                </m:r>
-                                <m:r>
-                                  <a:rPr lang="uk-UA" sz="2800" b="1" i="1">
-                                    <a:effectLst/>
-                                    <a:latin typeface="Cambria Math" panose="02040503050406030204" pitchFamily="18" charset="0"/>
-                                  </a:rPr>
-                                  <m:t>𝐭</m:t>
-                                </m:r>
-                                <m:r>
-                                  <a:rPr lang="uk-UA" sz="2800" b="1">
-                                    <a:effectLst/>
-                                    <a:latin typeface="Cambria Math" panose="02040503050406030204" pitchFamily="18" charset="0"/>
-                                  </a:rPr>
-                                  <m:t>≥</m:t>
-                                </m:r>
-                                <m:r>
-                                  <a:rPr lang="uk-UA" sz="2800" b="1" i="1">
-                                    <a:effectLst/>
-                                    <a:latin typeface="Cambria Math" panose="02040503050406030204" pitchFamily="18" charset="0"/>
-                                  </a:rPr>
-                                  <m:t>𝟎</m:t>
-                                </m:r>
-                              </m:oMath>
-                            </m:oMathPara>
-                          </a14:m>
-                          <a:r>
-                            <a:rPr lang="uk-UA" sz="2000" b="1" dirty="0">
-                              <a:effectLst/>
-                            </a:rPr>
-                            <a:t/>
-                          </a:r>
-                          <a:br>
-                            <a:rPr lang="uk-UA" sz="2000" b="1" dirty="0">
-                              <a:effectLst/>
-                            </a:rPr>
-                          </a:br>
-                          <a:endParaRPr lang="ru-RU" sz="2800" b="1" dirty="0">
-                            <a:effectLst/>
-                            <a:latin typeface="Times New Roman" panose="02020603050405020304" pitchFamily="18" charset="0"/>
-                            <a:ea typeface="Calibri" panose="020F0502020204030204" pitchFamily="34" charset="0"/>
-                            <a:cs typeface="Times New Roman" panose="02020603050405020304" pitchFamily="18" charset="0"/>
-                          </a:endParaRPr>
-                        </a:p>
-                      </a:txBody>
-                      <a:tcPr marL="68580" marR="68580" marT="0" marB="0">
-                        <a:lnL>
-                          <a:noFill/>
-                        </a:lnL>
-                        <a:lnR>
-                          <a:noFill/>
-                        </a:lnR>
-                        <a:lnT>
-                          <a:noFill/>
-                        </a:lnT>
-                        <a:lnB>
-                          <a:noFill/>
-                        </a:lnB>
-                        <a:lnTlToBr w="12700" cmpd="sng">
-                          <a:noFill/>
-                          <a:prstDash val="solid"/>
-                        </a:lnTlToBr>
-                        <a:lnBlToTr w="12700" cmpd="sng">
-                          <a:noFill/>
-                          <a:prstDash val="solid"/>
-                        </a:lnBlToTr>
-                      </a:tcPr>
-                    </a:tc>
-                  </a:tr>
-                </a:tbl>
-              </a:graphicData>
-            </a:graphic>
-          </p:graphicFrame>
-        </mc:Choice>
-        <mc:Fallback xmlns="">
-          <p:graphicFrame>
-            <p:nvGraphicFramePr>
-              <p:cNvPr id="4" name="Объект 3"/>
-              <p:cNvGraphicFramePr>
-                <a:graphicFrameLocks noGrp="1"/>
-              </p:cNvGraphicFramePr>
-              <p:nvPr>
-                <p:ph idx="1"/>
-                <p:extLst>
-                  <p:ext uri="{D42A27DB-BD31-4B8C-83A1-F6EECF244321}">
-                    <p14:modId xmlns:p14="http://schemas.microsoft.com/office/powerpoint/2010/main" val="3870094039"/>
-                  </p:ext>
-                </p:extLst>
-              </p:nvPr>
-            </p:nvGraphicFramePr>
-            <p:xfrm>
-              <a:off x="3808412" y="1790164"/>
-              <a:ext cx="4571999" cy="4608267"/>
-            </p:xfrm>
-            <a:graphic>
-              <a:graphicData uri="http://schemas.openxmlformats.org/drawingml/2006/table">
-                <a:tbl>
-                  <a:tblPr firstRow="1" firstCol="1" bandRow="1">
-                    <a:tableStyleId>{2D5ABB26-0587-4C30-8999-92F81FD0307C}</a:tableStyleId>
-                  </a:tblPr>
-                  <a:tblGrid>
-                    <a:gridCol w="4571999"/>
-                  </a:tblGrid>
-                  <a:tr h="1379990">
-                    <a:tc>
-                      <a:txBody>
-                        <a:bodyPr/>
-                        <a:lstStyle/>
-                        <a:p>
-                          <a:endParaRPr lang="ru-RU"/>
-                        </a:p>
-                      </a:txBody>
-                      <a:tcPr marL="68580" marR="68580" marT="0" marB="0">
-                        <a:lnL>
-                          <a:noFill/>
-                        </a:lnL>
-                        <a:lnR>
-                          <a:noFill/>
-                        </a:lnR>
-                        <a:lnT>
-                          <a:noFill/>
-                        </a:lnT>
-                        <a:lnB>
-                          <a:noFill/>
-                        </a:lnB>
-                        <a:lnTlToBr w="12700" cmpd="sng">
-                          <a:noFill/>
-                          <a:prstDash val="solid"/>
-                        </a:lnTlToBr>
-                        <a:lnBlToTr w="12700" cmpd="sng">
-                          <a:noFill/>
-                          <a:prstDash val="solid"/>
-                        </a:lnBlToTr>
-                        <a:blipFill rotWithShape="0">
-                          <a:blip r:embed="rId3"/>
-                          <a:stretch>
-                            <a:fillRect b="-233480"/>
-                          </a:stretch>
-                        </a:blipFill>
-                      </a:tcPr>
-                    </a:tc>
-                  </a:tr>
-                  <a:tr h="3228277">
-                    <a:tc>
-                      <a:txBody>
-                        <a:bodyPr/>
-                        <a:lstStyle/>
-                        <a:p>
-                          <a:endParaRPr lang="ru-RU"/>
-                        </a:p>
-                      </a:txBody>
-                      <a:tcPr marL="68580" marR="68580" marT="0" marB="0">
-                        <a:lnL>
-                          <a:noFill/>
-                        </a:lnL>
-                        <a:lnR>
-                          <a:noFill/>
-                        </a:lnR>
-                        <a:lnT>
-                          <a:noFill/>
-                        </a:lnT>
-                        <a:lnB>
-                          <a:noFill/>
-                        </a:lnB>
-                        <a:lnTlToBr w="12700" cmpd="sng">
-                          <a:noFill/>
-                          <a:prstDash val="solid"/>
-                        </a:lnTlToBr>
-                        <a:lnBlToTr w="12700" cmpd="sng">
-                          <a:noFill/>
-                          <a:prstDash val="solid"/>
-                        </a:lnBlToTr>
-                        <a:blipFill rotWithShape="0">
-                          <a:blip r:embed="rId3"/>
-                          <a:stretch>
-                            <a:fillRect t="-42830"/>
-                          </a:stretch>
-                        </a:blipFill>
-                      </a:tcPr>
-                    </a:tc>
-                  </a:tr>
-                </a:tbl>
-              </a:graphicData>
-            </a:graphic>
-          </p:graphicFrame>
-        </mc:Fallback>
-      </mc:AlternateContent>
-    </p:spTree>
-    <p:extLst>
-      <p:ext uri="{BB962C8B-B14F-4D97-AF65-F5344CB8AC3E}">
-        <p14:creationId xmlns:p14="http://schemas.microsoft.com/office/powerpoint/2010/main" val="149042755"/>
-      </p:ext>
-    </p:extLst>
-  </p:cSld>
-  <p:clrMapOvr>
-    <a:masterClrMapping/>
-  </p:clrMapOvr>
-  <p:timing>
-    <p:tnLst>
-      <p:par>
-        <p:cTn id="1" dur="indefinite" restart="never" nodeType="tmRoot"/>
-      </p:par>
-    </p:tnLst>
-  </p:timing>
-</p:sld>
-</file>
-
 <file path=ppt/slides/slide4.xml><?xml version="1.0" encoding="utf-8"?>
 <p:sld xmlns:a="http://schemas.openxmlformats.org/drawingml/2006/main" xmlns:r="http://schemas.openxmlformats.org/officeDocument/2006/relationships" xmlns:p="http://schemas.openxmlformats.org/presentationml/2006/main">
   <p:cSld>
@@ -7408,25 +11236,6 @@
           </a:p>
         </p:txBody>
       </p:sp>
-      <p:sp>
-        <p:nvSpPr>
-          <p:cNvPr id="8" name="Объект 7"/>
-          <p:cNvSpPr>
-            <a:spLocks noGrp="1"/>
-          </p:cNvSpPr>
-          <p:nvPr>
-            <p:ph idx="1"/>
-          </p:nvPr>
-        </p:nvSpPr>
-        <p:spPr/>
-        <p:txBody>
-          <a:bodyPr/>
-          <a:lstStyle/>
-          <a:p>
-            <a:endParaRPr lang="ru-RU" dirty="0"/>
-          </a:p>
-        </p:txBody>
-      </p:sp>
       <p:pic>
         <p:nvPicPr>
           <p:cNvPr id="9" name="Рисунок 8" descr="C:\Users\Стас\Desktop\Безымянный.png"/>
@@ -7446,8 +11255,8 @@
         </p:blipFill>
         <p:spPr bwMode="auto">
           <a:xfrm>
-            <a:off x="4203700" y="1971463"/>
-            <a:ext cx="4799013" cy="3771901"/>
+            <a:off x="614470" y="1971461"/>
+            <a:ext cx="5655079" cy="3771901"/>
           </a:xfrm>
           <a:prstGeom prst="rect">
             <a:avLst/>
@@ -7463,6 +11272,1481 @@
           </a:extLst>
         </p:spPr>
       </p:pic>
+      <mc:AlternateContent xmlns:mc="http://schemas.openxmlformats.org/markup-compatibility/2006">
+        <mc:Choice xmlns:a14="http://schemas.microsoft.com/office/drawing/2010/main" Requires="a14">
+          <p:graphicFrame>
+            <p:nvGraphicFramePr>
+              <p:cNvPr id="3" name="Таблица 2"/>
+              <p:cNvGraphicFramePr>
+                <a:graphicFrameLocks noGrp="1"/>
+              </p:cNvGraphicFramePr>
+              <p:nvPr>
+                <p:extLst>
+                  <p:ext uri="{D42A27DB-BD31-4B8C-83A1-F6EECF244321}">
+                    <p14:modId xmlns:p14="http://schemas.microsoft.com/office/powerpoint/2010/main" val="4151814363"/>
+                  </p:ext>
+                </p:extLst>
+              </p:nvPr>
+            </p:nvGraphicFramePr>
+            <p:xfrm>
+              <a:off x="5944084" y="2079949"/>
+              <a:ext cx="6815676" cy="3257982"/>
+            </p:xfrm>
+            <a:graphic>
+              <a:graphicData uri="http://schemas.openxmlformats.org/drawingml/2006/table">
+                <a:tbl>
+                  <a:tblPr firstRow="1" firstCol="1" bandRow="1">
+                    <a:tableStyleId>{2D5ABB26-0587-4C30-8999-92F81FD0307C}</a:tableStyleId>
+                  </a:tblPr>
+                  <a:tblGrid>
+                    <a:gridCol w="6815676"/>
+                  </a:tblGrid>
+                  <a:tr h="849780">
+                    <a:tc>
+                      <a:txBody>
+                        <a:bodyPr/>
+                        <a:lstStyle/>
+                        <a:p>
+                          <a:pPr algn="l">
+                            <a:lnSpc>
+                              <a:spcPct val="107000"/>
+                            </a:lnSpc>
+                            <a:spcAft>
+                              <a:spcPts val="600"/>
+                            </a:spcAft>
+                          </a:pPr>
+                          <a14:m>
+                            <m:oMathPara xmlns:m="http://schemas.openxmlformats.org/officeDocument/2006/math">
+                              <m:oMathParaPr>
+                                <m:jc m:val="left"/>
+                              </m:oMathParaPr>
+                              <m:oMath xmlns:m="http://schemas.openxmlformats.org/officeDocument/2006/math">
+                                <m:f>
+                                  <m:fPr>
+                                    <m:ctrlPr>
+                                      <a:rPr lang="ru-RU" sz="2200" b="1" smtClean="0">
+                                        <a:effectLst/>
+                                      </a:rPr>
+                                    </m:ctrlPr>
+                                  </m:fPr>
+                                  <m:num>
+                                    <m:r>
+                                      <a:rPr lang="uk-UA" sz="2200" b="1" i="1">
+                                        <a:effectLst/>
+                                      </a:rPr>
+                                      <m:t>𝛛</m:t>
+                                    </m:r>
+                                    <m:r>
+                                      <a:rPr lang="uk-UA" sz="2200" b="1" i="1">
+                                        <a:effectLst/>
+                                      </a:rPr>
+                                      <m:t>𝐮</m:t>
+                                    </m:r>
+                                  </m:num>
+                                  <m:den>
+                                    <m:r>
+                                      <a:rPr lang="uk-UA" sz="2200" b="1" i="1">
+                                        <a:effectLst/>
+                                      </a:rPr>
+                                      <m:t>𝛛</m:t>
+                                    </m:r>
+                                    <m:r>
+                                      <a:rPr lang="uk-UA" sz="2200" b="1" i="1">
+                                        <a:effectLst/>
+                                      </a:rPr>
+                                      <m:t>𝐱</m:t>
+                                    </m:r>
+                                  </m:den>
+                                </m:f>
+                                <m:d>
+                                  <m:dPr>
+                                    <m:ctrlPr>
+                                      <a:rPr lang="ru-RU" sz="2200" b="1">
+                                        <a:effectLst/>
+                                      </a:rPr>
+                                    </m:ctrlPr>
+                                  </m:dPr>
+                                  <m:e>
+                                    <m:sSub>
+                                      <m:sSubPr>
+                                        <m:ctrlPr>
+                                          <a:rPr lang="ru-RU" sz="2200" b="1" smtClean="0">
+                                            <a:effectLst/>
+                                          </a:rPr>
+                                        </m:ctrlPr>
+                                      </m:sSubPr>
+                                      <m:e>
+                                        <m:r>
+                                          <a:rPr lang="uk-UA" sz="2200" b="1" i="1">
+                                            <a:effectLst/>
+                                          </a:rPr>
+                                          <m:t>𝐱</m:t>
+                                        </m:r>
+                                      </m:e>
+                                      <m:sub>
+                                        <m:r>
+                                          <a:rPr lang="uk-UA" sz="2200" b="1" i="1">
+                                            <a:effectLst/>
+                                          </a:rPr>
+                                          <m:t>𝐢</m:t>
+                                        </m:r>
+                                      </m:sub>
+                                    </m:sSub>
+                                    <m:r>
+                                      <a:rPr lang="uk-UA" sz="2200" b="1">
+                                        <a:effectLst/>
+                                      </a:rPr>
+                                      <m:t>, </m:t>
+                                    </m:r>
+                                    <m:sSub>
+                                      <m:sSubPr>
+                                        <m:ctrlPr>
+                                          <a:rPr lang="ru-RU" sz="2200" b="1">
+                                            <a:effectLst/>
+                                          </a:rPr>
+                                        </m:ctrlPr>
+                                      </m:sSubPr>
+                                      <m:e>
+                                        <m:r>
+                                          <a:rPr lang="uk-UA" sz="2200" b="1" i="1">
+                                            <a:effectLst/>
+                                          </a:rPr>
+                                          <m:t>𝐭</m:t>
+                                        </m:r>
+                                      </m:e>
+                                      <m:sub>
+                                        <m:r>
+                                          <a:rPr lang="uk-UA" sz="2200" b="1" i="1">
+                                            <a:effectLst/>
+                                          </a:rPr>
+                                          <m:t>𝐧</m:t>
+                                        </m:r>
+                                      </m:sub>
+                                    </m:sSub>
+                                  </m:e>
+                                </m:d>
+                                <m:r>
+                                  <a:rPr lang="uk-UA" sz="2200" b="1" i="1" smtClean="0">
+                                    <a:effectLst/>
+                                    <a:latin typeface="Cambria Math" panose="02040503050406030204" pitchFamily="18" charset="0"/>
+                                    <a:ea typeface="Cambria Math" panose="02040503050406030204" pitchFamily="18" charset="0"/>
+                                  </a:rPr>
+                                  <m:t>≈</m:t>
+                                </m:r>
+                                <m:r>
+                                  <a:rPr lang="uk-UA" sz="2200" b="1">
+                                    <a:effectLst/>
+                                  </a:rPr>
+                                  <m:t> </m:t>
+                                </m:r>
+                                <m:f>
+                                  <m:fPr>
+                                    <m:ctrlPr>
+                                      <a:rPr lang="ru-RU" sz="2200" b="1">
+                                        <a:effectLst/>
+                                      </a:rPr>
+                                    </m:ctrlPr>
+                                  </m:fPr>
+                                  <m:num>
+                                    <m:r>
+                                      <a:rPr lang="uk-UA" sz="2200" b="1" i="1">
+                                        <a:effectLst/>
+                                      </a:rPr>
+                                      <m:t>𝐮</m:t>
+                                    </m:r>
+                                    <m:d>
+                                      <m:dPr>
+                                        <m:ctrlPr>
+                                          <a:rPr lang="ru-RU" sz="2200" b="1">
+                                            <a:effectLst/>
+                                          </a:rPr>
+                                        </m:ctrlPr>
+                                      </m:dPr>
+                                      <m:e>
+                                        <m:sSub>
+                                          <m:sSubPr>
+                                            <m:ctrlPr>
+                                              <a:rPr lang="ru-RU" sz="2200" b="1">
+                                                <a:effectLst/>
+                                              </a:rPr>
+                                            </m:ctrlPr>
+                                          </m:sSubPr>
+                                          <m:e>
+                                            <m:r>
+                                              <a:rPr lang="uk-UA" sz="2200" b="1" i="1">
+                                                <a:effectLst/>
+                                              </a:rPr>
+                                              <m:t>𝐱</m:t>
+                                            </m:r>
+                                          </m:e>
+                                          <m:sub>
+                                            <m:r>
+                                              <a:rPr lang="uk-UA" sz="2200" b="1" i="1">
+                                                <a:effectLst/>
+                                              </a:rPr>
+                                              <m:t>𝐢</m:t>
+                                            </m:r>
+                                            <m:r>
+                                              <a:rPr lang="uk-UA" sz="2200" b="1">
+                                                <a:effectLst/>
+                                              </a:rPr>
+                                              <m:t>+</m:t>
+                                            </m:r>
+                                            <m:r>
+                                              <a:rPr lang="uk-UA" sz="2200" b="1" i="1">
+                                                <a:effectLst/>
+                                              </a:rPr>
+                                              <m:t>𝟏</m:t>
+                                            </m:r>
+                                          </m:sub>
+                                        </m:sSub>
+                                        <m:r>
+                                          <a:rPr lang="uk-UA" sz="2200" b="1">
+                                            <a:effectLst/>
+                                          </a:rPr>
+                                          <m:t>,</m:t>
+                                        </m:r>
+                                        <m:sSub>
+                                          <m:sSubPr>
+                                            <m:ctrlPr>
+                                              <a:rPr lang="ru-RU" sz="2200" b="1">
+                                                <a:effectLst/>
+                                              </a:rPr>
+                                            </m:ctrlPr>
+                                          </m:sSubPr>
+                                          <m:e>
+                                            <m:r>
+                                              <a:rPr lang="uk-UA" sz="2200" b="1" i="1">
+                                                <a:effectLst/>
+                                              </a:rPr>
+                                              <m:t>𝐭</m:t>
+                                            </m:r>
+                                          </m:e>
+                                          <m:sub>
+                                            <m:r>
+                                              <a:rPr lang="uk-UA" sz="2200" b="1" i="1">
+                                                <a:effectLst/>
+                                              </a:rPr>
+                                              <m:t>𝐧</m:t>
+                                            </m:r>
+                                          </m:sub>
+                                        </m:sSub>
+                                        <m:r>
+                                          <a:rPr lang="uk-UA" sz="2200" b="1">
+                                            <a:effectLst/>
+                                          </a:rPr>
+                                          <m:t> </m:t>
+                                        </m:r>
+                                      </m:e>
+                                    </m:d>
+                                    <m:r>
+                                      <a:rPr lang="uk-UA" sz="2200" b="1">
+                                        <a:effectLst/>
+                                      </a:rPr>
+                                      <m:t>−</m:t>
+                                    </m:r>
+                                    <m:r>
+                                      <a:rPr lang="uk-UA" sz="2200" b="1" i="1">
+                                        <a:effectLst/>
+                                      </a:rPr>
+                                      <m:t>𝐮</m:t>
+                                    </m:r>
+                                    <m:r>
+                                      <a:rPr lang="uk-UA" sz="2200" b="1">
+                                        <a:effectLst/>
+                                      </a:rPr>
+                                      <m:t>(</m:t>
+                                    </m:r>
+                                    <m:sSub>
+                                      <m:sSubPr>
+                                        <m:ctrlPr>
+                                          <a:rPr lang="ru-RU" sz="2200" b="1">
+                                            <a:effectLst/>
+                                          </a:rPr>
+                                        </m:ctrlPr>
+                                      </m:sSubPr>
+                                      <m:e>
+                                        <m:r>
+                                          <a:rPr lang="uk-UA" sz="2200" b="1" i="1">
+                                            <a:effectLst/>
+                                          </a:rPr>
+                                          <m:t>𝐱</m:t>
+                                        </m:r>
+                                      </m:e>
+                                      <m:sub>
+                                        <m:r>
+                                          <a:rPr lang="uk-UA" sz="2200" b="1" i="1">
+                                            <a:effectLst/>
+                                          </a:rPr>
+                                          <m:t>𝐢</m:t>
+                                        </m:r>
+                                        <m:r>
+                                          <a:rPr lang="uk-UA" sz="2200" b="1">
+                                            <a:effectLst/>
+                                          </a:rPr>
+                                          <m:t>−</m:t>
+                                        </m:r>
+                                        <m:r>
+                                          <a:rPr lang="uk-UA" sz="2200" b="1" i="1">
+                                            <a:effectLst/>
+                                          </a:rPr>
+                                          <m:t>𝟏</m:t>
+                                        </m:r>
+                                      </m:sub>
+                                    </m:sSub>
+                                    <m:r>
+                                      <a:rPr lang="uk-UA" sz="2200" b="1">
+                                        <a:effectLst/>
+                                      </a:rPr>
+                                      <m:t>,</m:t>
+                                    </m:r>
+                                    <m:sSub>
+                                      <m:sSubPr>
+                                        <m:ctrlPr>
+                                          <a:rPr lang="ru-RU" sz="2200" b="1">
+                                            <a:effectLst/>
+                                          </a:rPr>
+                                        </m:ctrlPr>
+                                      </m:sSubPr>
+                                      <m:e>
+                                        <m:r>
+                                          <a:rPr lang="uk-UA" sz="2200" b="1" i="1">
+                                            <a:effectLst/>
+                                          </a:rPr>
+                                          <m:t>𝐭</m:t>
+                                        </m:r>
+                                      </m:e>
+                                      <m:sub>
+                                        <m:r>
+                                          <a:rPr lang="uk-UA" sz="2200" b="1" i="1">
+                                            <a:effectLst/>
+                                          </a:rPr>
+                                          <m:t>𝐧</m:t>
+                                        </m:r>
+                                      </m:sub>
+                                    </m:sSub>
+                                    <m:r>
+                                      <a:rPr lang="uk-UA" sz="2200" b="1">
+                                        <a:effectLst/>
+                                      </a:rPr>
+                                      <m:t>)</m:t>
+                                    </m:r>
+                                  </m:num>
+                                  <m:den>
+                                    <m:r>
+                                      <a:rPr lang="uk-UA" sz="2200" b="1" i="1">
+                                        <a:effectLst/>
+                                      </a:rPr>
+                                      <m:t>𝟐</m:t>
+                                    </m:r>
+                                    <m:r>
+                                      <a:rPr lang="uk-UA" sz="2200" b="1">
+                                        <a:effectLst/>
+                                      </a:rPr>
+                                      <m:t>∆</m:t>
+                                    </m:r>
+                                    <m:r>
+                                      <a:rPr lang="uk-UA" sz="2200" b="1" i="1">
+                                        <a:effectLst/>
+                                      </a:rPr>
+                                      <m:t>𝐱</m:t>
+                                    </m:r>
+                                  </m:den>
+                                </m:f>
+                              </m:oMath>
+                            </m:oMathPara>
+                          </a14:m>
+                          <a:endParaRPr lang="ru-RU" sz="2200" b="1" dirty="0">
+                            <a:effectLst/>
+                            <a:latin typeface="Times New Roman" panose="02020603050405020304" pitchFamily="18" charset="0"/>
+                            <a:ea typeface="Calibri" panose="020F0502020204030204" pitchFamily="34" charset="0"/>
+                            <a:cs typeface="Times New Roman" panose="02020603050405020304" pitchFamily="18" charset="0"/>
+                          </a:endParaRPr>
+                        </a:p>
+                      </a:txBody>
+                      <a:tcPr marL="68580" marR="68580" marT="0" marB="0" anchor="ctr"/>
+                    </a:tc>
+                  </a:tr>
+                  <a:tr h="358039">
+                    <a:tc>
+                      <a:txBody>
+                        <a:bodyPr/>
+                        <a:lstStyle/>
+                        <a:p>
+                          <a:pPr algn="l">
+                            <a:lnSpc>
+                              <a:spcPct val="107000"/>
+                            </a:lnSpc>
+                            <a:spcAft>
+                              <a:spcPts val="600"/>
+                            </a:spcAft>
+                          </a:pPr>
+                          <a:r>
+                            <a:rPr lang="uk-UA" sz="2200" b="1">
+                              <a:effectLst/>
+                            </a:rPr>
+                            <a:t> </a:t>
+                          </a:r>
+                          <a:endParaRPr lang="ru-RU" sz="2200" b="1">
+                            <a:effectLst/>
+                            <a:latin typeface="Times New Roman" panose="02020603050405020304" pitchFamily="18" charset="0"/>
+                            <a:ea typeface="Calibri" panose="020F0502020204030204" pitchFamily="34" charset="0"/>
+                            <a:cs typeface="Times New Roman" panose="02020603050405020304" pitchFamily="18" charset="0"/>
+                          </a:endParaRPr>
+                        </a:p>
+                      </a:txBody>
+                      <a:tcPr marL="68580" marR="68580" marT="0" marB="0" anchor="ctr"/>
+                    </a:tc>
+                  </a:tr>
+                  <a:tr h="904315">
+                    <a:tc>
+                      <a:txBody>
+                        <a:bodyPr/>
+                        <a:lstStyle/>
+                        <a:p>
+                          <a:pPr algn="l">
+                            <a:lnSpc>
+                              <a:spcPct val="107000"/>
+                            </a:lnSpc>
+                            <a:spcAft>
+                              <a:spcPts val="600"/>
+                            </a:spcAft>
+                          </a:pPr>
+                          <a14:m>
+                            <m:oMathPara xmlns:m="http://schemas.openxmlformats.org/officeDocument/2006/math">
+                              <m:oMathParaPr>
+                                <m:jc m:val="left"/>
+                              </m:oMathParaPr>
+                              <m:oMath xmlns:m="http://schemas.openxmlformats.org/officeDocument/2006/math">
+                                <m:f>
+                                  <m:fPr>
+                                    <m:ctrlPr>
+                                      <a:rPr lang="ru-RU" sz="2200" b="1" smtClean="0">
+                                        <a:effectLst/>
+                                      </a:rPr>
+                                    </m:ctrlPr>
+                                  </m:fPr>
+                                  <m:num>
+                                    <m:sSup>
+                                      <m:sSupPr>
+                                        <m:ctrlPr>
+                                          <a:rPr lang="ru-RU" sz="2200" b="1">
+                                            <a:effectLst/>
+                                          </a:rPr>
+                                        </m:ctrlPr>
+                                      </m:sSupPr>
+                                      <m:e>
+                                        <m:r>
+                                          <a:rPr lang="uk-UA" sz="2200" b="1" i="1">
+                                            <a:effectLst/>
+                                          </a:rPr>
+                                          <m:t>𝛛</m:t>
+                                        </m:r>
+                                      </m:e>
+                                      <m:sup>
+                                        <m:r>
+                                          <a:rPr lang="uk-UA" sz="2200" b="1" i="1">
+                                            <a:effectLst/>
+                                          </a:rPr>
+                                          <m:t>𝟐</m:t>
+                                        </m:r>
+                                      </m:sup>
+                                    </m:sSup>
+                                    <m:r>
+                                      <a:rPr lang="uk-UA" sz="2200" b="1" i="1">
+                                        <a:effectLst/>
+                                      </a:rPr>
+                                      <m:t>𝐮</m:t>
+                                    </m:r>
+                                  </m:num>
+                                  <m:den>
+                                    <m:r>
+                                      <a:rPr lang="uk-UA" sz="2200" b="1" i="1">
+                                        <a:effectLst/>
+                                      </a:rPr>
+                                      <m:t>𝛛</m:t>
+                                    </m:r>
+                                    <m:sSup>
+                                      <m:sSupPr>
+                                        <m:ctrlPr>
+                                          <a:rPr lang="ru-RU" sz="2200" b="1">
+                                            <a:effectLst/>
+                                          </a:rPr>
+                                        </m:ctrlPr>
+                                      </m:sSupPr>
+                                      <m:e>
+                                        <m:r>
+                                          <a:rPr lang="uk-UA" sz="2200" b="1" i="1">
+                                            <a:effectLst/>
+                                          </a:rPr>
+                                          <m:t>𝐱</m:t>
+                                        </m:r>
+                                      </m:e>
+                                      <m:sup>
+                                        <m:r>
+                                          <a:rPr lang="uk-UA" sz="2200" b="1" i="1">
+                                            <a:effectLst/>
+                                          </a:rPr>
+                                          <m:t>𝟐</m:t>
+                                        </m:r>
+                                      </m:sup>
+                                    </m:sSup>
+                                  </m:den>
+                                </m:f>
+                                <m:d>
+                                  <m:dPr>
+                                    <m:ctrlPr>
+                                      <a:rPr lang="ru-RU" sz="2200" b="1">
+                                        <a:effectLst/>
+                                      </a:rPr>
+                                    </m:ctrlPr>
+                                  </m:dPr>
+                                  <m:e>
+                                    <m:sSub>
+                                      <m:sSubPr>
+                                        <m:ctrlPr>
+                                          <a:rPr lang="ru-RU" sz="2200" b="1" smtClean="0">
+                                            <a:effectLst/>
+                                          </a:rPr>
+                                        </m:ctrlPr>
+                                      </m:sSubPr>
+                                      <m:e>
+                                        <m:r>
+                                          <a:rPr lang="uk-UA" sz="2200" b="1" i="1">
+                                            <a:effectLst/>
+                                          </a:rPr>
+                                          <m:t>𝐱</m:t>
+                                        </m:r>
+                                      </m:e>
+                                      <m:sub>
+                                        <m:r>
+                                          <a:rPr lang="uk-UA" sz="2200" b="1" i="1">
+                                            <a:effectLst/>
+                                          </a:rPr>
+                                          <m:t>𝐢</m:t>
+                                        </m:r>
+                                      </m:sub>
+                                    </m:sSub>
+                                    <m:r>
+                                      <a:rPr lang="uk-UA" sz="2200" b="1">
+                                        <a:effectLst/>
+                                      </a:rPr>
+                                      <m:t>, </m:t>
+                                    </m:r>
+                                    <m:sSub>
+                                      <m:sSubPr>
+                                        <m:ctrlPr>
+                                          <a:rPr lang="ru-RU" sz="2200" b="1">
+                                            <a:effectLst/>
+                                          </a:rPr>
+                                        </m:ctrlPr>
+                                      </m:sSubPr>
+                                      <m:e>
+                                        <m:r>
+                                          <a:rPr lang="uk-UA" sz="2200" b="1" i="1">
+                                            <a:effectLst/>
+                                          </a:rPr>
+                                          <m:t>𝐭</m:t>
+                                        </m:r>
+                                      </m:e>
+                                      <m:sub>
+                                        <m:r>
+                                          <a:rPr lang="uk-UA" sz="2200" b="1" i="1">
+                                            <a:effectLst/>
+                                          </a:rPr>
+                                          <m:t>𝐧</m:t>
+                                        </m:r>
+                                      </m:sub>
+                                    </m:sSub>
+                                  </m:e>
+                                </m:d>
+                                <m:r>
+                                  <a:rPr lang="uk-UA" sz="2200" b="1" i="1" smtClean="0">
+                                    <a:effectLst/>
+                                    <a:latin typeface="Cambria Math" panose="02040503050406030204" pitchFamily="18" charset="0"/>
+                                    <a:ea typeface="Cambria Math" panose="02040503050406030204" pitchFamily="18" charset="0"/>
+                                  </a:rPr>
+                                  <m:t>≈</m:t>
+                                </m:r>
+                                <m:r>
+                                  <a:rPr lang="uk-UA" sz="2200" b="1">
+                                    <a:effectLst/>
+                                  </a:rPr>
+                                  <m:t> </m:t>
+                                </m:r>
+                                <m:f>
+                                  <m:fPr>
+                                    <m:ctrlPr>
+                                      <a:rPr lang="ru-RU" sz="2200" b="1">
+                                        <a:effectLst/>
+                                      </a:rPr>
+                                    </m:ctrlPr>
+                                  </m:fPr>
+                                  <m:num>
+                                    <m:r>
+                                      <a:rPr lang="uk-UA" sz="2200" b="1" i="1">
+                                        <a:effectLst/>
+                                      </a:rPr>
+                                      <m:t>𝐮</m:t>
+                                    </m:r>
+                                    <m:d>
+                                      <m:dPr>
+                                        <m:ctrlPr>
+                                          <a:rPr lang="ru-RU" sz="2200" b="1">
+                                            <a:effectLst/>
+                                          </a:rPr>
+                                        </m:ctrlPr>
+                                      </m:dPr>
+                                      <m:e>
+                                        <m:sSub>
+                                          <m:sSubPr>
+                                            <m:ctrlPr>
+                                              <a:rPr lang="ru-RU" sz="2200" b="1">
+                                                <a:effectLst/>
+                                              </a:rPr>
+                                            </m:ctrlPr>
+                                          </m:sSubPr>
+                                          <m:e>
+                                            <m:r>
+                                              <a:rPr lang="uk-UA" sz="2200" b="1" i="1">
+                                                <a:effectLst/>
+                                              </a:rPr>
+                                              <m:t>𝐱</m:t>
+                                            </m:r>
+                                          </m:e>
+                                          <m:sub>
+                                            <m:r>
+                                              <a:rPr lang="uk-UA" sz="2200" b="1" i="1">
+                                                <a:effectLst/>
+                                              </a:rPr>
+                                              <m:t>𝐢</m:t>
+                                            </m:r>
+                                            <m:r>
+                                              <a:rPr lang="uk-UA" sz="2200" b="1">
+                                                <a:effectLst/>
+                                              </a:rPr>
+                                              <m:t>+</m:t>
+                                            </m:r>
+                                            <m:r>
+                                              <a:rPr lang="uk-UA" sz="2200" b="1" i="1">
+                                                <a:effectLst/>
+                                              </a:rPr>
+                                              <m:t>𝟏</m:t>
+                                            </m:r>
+                                          </m:sub>
+                                        </m:sSub>
+                                        <m:r>
+                                          <a:rPr lang="uk-UA" sz="2200" b="1">
+                                            <a:effectLst/>
+                                          </a:rPr>
+                                          <m:t>,</m:t>
+                                        </m:r>
+                                        <m:sSub>
+                                          <m:sSubPr>
+                                            <m:ctrlPr>
+                                              <a:rPr lang="ru-RU" sz="2200" b="1">
+                                                <a:effectLst/>
+                                              </a:rPr>
+                                            </m:ctrlPr>
+                                          </m:sSubPr>
+                                          <m:e>
+                                            <m:r>
+                                              <a:rPr lang="uk-UA" sz="2200" b="1" i="1">
+                                                <a:effectLst/>
+                                              </a:rPr>
+                                              <m:t>𝐭</m:t>
+                                            </m:r>
+                                          </m:e>
+                                          <m:sub>
+                                            <m:r>
+                                              <a:rPr lang="uk-UA" sz="2200" b="1" i="1">
+                                                <a:effectLst/>
+                                              </a:rPr>
+                                              <m:t>𝐧</m:t>
+                                            </m:r>
+                                          </m:sub>
+                                        </m:sSub>
+                                        <m:r>
+                                          <a:rPr lang="uk-UA" sz="2200" b="1">
+                                            <a:effectLst/>
+                                          </a:rPr>
+                                          <m:t> </m:t>
+                                        </m:r>
+                                      </m:e>
+                                    </m:d>
+                                    <m:r>
+                                      <a:rPr lang="uk-UA" sz="2200" b="1">
+                                        <a:effectLst/>
+                                      </a:rPr>
+                                      <m:t>−</m:t>
+                                    </m:r>
+                                    <m:r>
+                                      <a:rPr lang="uk-UA" sz="2200" b="1" i="1">
+                                        <a:effectLst/>
+                                      </a:rPr>
+                                      <m:t>𝟐𝐮</m:t>
+                                    </m:r>
+                                    <m:d>
+                                      <m:dPr>
+                                        <m:ctrlPr>
+                                          <a:rPr lang="ru-RU" sz="2200" b="1">
+                                            <a:effectLst/>
+                                          </a:rPr>
+                                        </m:ctrlPr>
+                                      </m:dPr>
+                                      <m:e>
+                                        <m:sSub>
+                                          <m:sSubPr>
+                                            <m:ctrlPr>
+                                              <a:rPr lang="ru-RU" sz="2200" b="1">
+                                                <a:effectLst/>
+                                              </a:rPr>
+                                            </m:ctrlPr>
+                                          </m:sSubPr>
+                                          <m:e>
+                                            <m:r>
+                                              <a:rPr lang="uk-UA" sz="2200" b="1" i="1">
+                                                <a:effectLst/>
+                                              </a:rPr>
+                                              <m:t>𝐱</m:t>
+                                            </m:r>
+                                          </m:e>
+                                          <m:sub>
+                                            <m:r>
+                                              <a:rPr lang="uk-UA" sz="2200" b="1" i="1">
+                                                <a:effectLst/>
+                                              </a:rPr>
+                                              <m:t>𝐢</m:t>
+                                            </m:r>
+                                          </m:sub>
+                                        </m:sSub>
+                                        <m:r>
+                                          <a:rPr lang="uk-UA" sz="2200" b="1">
+                                            <a:effectLst/>
+                                          </a:rPr>
+                                          <m:t>,</m:t>
+                                        </m:r>
+                                        <m:sSub>
+                                          <m:sSubPr>
+                                            <m:ctrlPr>
+                                              <a:rPr lang="ru-RU" sz="2200" b="1">
+                                                <a:effectLst/>
+                                              </a:rPr>
+                                            </m:ctrlPr>
+                                          </m:sSubPr>
+                                          <m:e>
+                                            <m:r>
+                                              <a:rPr lang="uk-UA" sz="2200" b="1" i="1">
+                                                <a:effectLst/>
+                                              </a:rPr>
+                                              <m:t>𝐭</m:t>
+                                            </m:r>
+                                          </m:e>
+                                          <m:sub>
+                                            <m:r>
+                                              <a:rPr lang="uk-UA" sz="2200" b="1" i="1">
+                                                <a:effectLst/>
+                                              </a:rPr>
+                                              <m:t>𝐧</m:t>
+                                            </m:r>
+                                          </m:sub>
+                                        </m:sSub>
+                                        <m:r>
+                                          <a:rPr lang="uk-UA" sz="2200" b="1">
+                                            <a:effectLst/>
+                                          </a:rPr>
+                                          <m:t> </m:t>
+                                        </m:r>
+                                      </m:e>
+                                    </m:d>
+                                    <m:r>
+                                      <a:rPr lang="uk-UA" sz="2200" b="1">
+                                        <a:effectLst/>
+                                      </a:rPr>
+                                      <m:t>+</m:t>
+                                    </m:r>
+                                    <m:r>
+                                      <a:rPr lang="uk-UA" sz="2200" b="1" i="1">
+                                        <a:effectLst/>
+                                      </a:rPr>
+                                      <m:t>𝐮</m:t>
+                                    </m:r>
+                                    <m:d>
+                                      <m:dPr>
+                                        <m:ctrlPr>
+                                          <a:rPr lang="ru-RU" sz="2200" b="1">
+                                            <a:effectLst/>
+                                          </a:rPr>
+                                        </m:ctrlPr>
+                                      </m:dPr>
+                                      <m:e>
+                                        <m:sSub>
+                                          <m:sSubPr>
+                                            <m:ctrlPr>
+                                              <a:rPr lang="ru-RU" sz="2200" b="1">
+                                                <a:effectLst/>
+                                              </a:rPr>
+                                            </m:ctrlPr>
+                                          </m:sSubPr>
+                                          <m:e>
+                                            <m:r>
+                                              <a:rPr lang="uk-UA" sz="2200" b="1" i="1">
+                                                <a:effectLst/>
+                                              </a:rPr>
+                                              <m:t>𝐱</m:t>
+                                            </m:r>
+                                          </m:e>
+                                          <m:sub>
+                                            <m:r>
+                                              <a:rPr lang="uk-UA" sz="2200" b="1" i="1">
+                                                <a:effectLst/>
+                                              </a:rPr>
+                                              <m:t>𝐢</m:t>
+                                            </m:r>
+                                            <m:r>
+                                              <a:rPr lang="uk-UA" sz="2200" b="1">
+                                                <a:effectLst/>
+                                              </a:rPr>
+                                              <m:t>−</m:t>
+                                            </m:r>
+                                            <m:r>
+                                              <a:rPr lang="uk-UA" sz="2200" b="1" i="1">
+                                                <a:effectLst/>
+                                              </a:rPr>
+                                              <m:t>𝟏</m:t>
+                                            </m:r>
+                                          </m:sub>
+                                        </m:sSub>
+                                        <m:r>
+                                          <a:rPr lang="uk-UA" sz="2200" b="1">
+                                            <a:effectLst/>
+                                          </a:rPr>
+                                          <m:t>,</m:t>
+                                        </m:r>
+                                        <m:sSub>
+                                          <m:sSubPr>
+                                            <m:ctrlPr>
+                                              <a:rPr lang="ru-RU" sz="2200" b="1">
+                                                <a:effectLst/>
+                                              </a:rPr>
+                                            </m:ctrlPr>
+                                          </m:sSubPr>
+                                          <m:e>
+                                            <m:r>
+                                              <a:rPr lang="uk-UA" sz="2200" b="1" i="1">
+                                                <a:effectLst/>
+                                              </a:rPr>
+                                              <m:t>𝐭</m:t>
+                                            </m:r>
+                                          </m:e>
+                                          <m:sub>
+                                            <m:r>
+                                              <a:rPr lang="uk-UA" sz="2200" b="1" i="1">
+                                                <a:effectLst/>
+                                              </a:rPr>
+                                              <m:t>𝐧</m:t>
+                                            </m:r>
+                                          </m:sub>
+                                        </m:sSub>
+                                      </m:e>
+                                    </m:d>
+                                  </m:num>
+                                  <m:den>
+                                    <m:sSup>
+                                      <m:sSupPr>
+                                        <m:ctrlPr>
+                                          <a:rPr lang="ru-RU" sz="2200" b="1">
+                                            <a:effectLst/>
+                                          </a:rPr>
+                                        </m:ctrlPr>
+                                      </m:sSupPr>
+                                      <m:e>
+                                        <m:d>
+                                          <m:dPr>
+                                            <m:ctrlPr>
+                                              <a:rPr lang="ru-RU" sz="2200" b="1">
+                                                <a:effectLst/>
+                                              </a:rPr>
+                                            </m:ctrlPr>
+                                          </m:dPr>
+                                          <m:e>
+                                            <m:r>
+                                              <a:rPr lang="uk-UA" sz="2200" b="1">
+                                                <a:effectLst/>
+                                              </a:rPr>
+                                              <m:t>∆</m:t>
+                                            </m:r>
+                                            <m:r>
+                                              <a:rPr lang="uk-UA" sz="2200" b="1" i="1">
+                                                <a:effectLst/>
+                                              </a:rPr>
+                                              <m:t>𝐱</m:t>
+                                            </m:r>
+                                          </m:e>
+                                        </m:d>
+                                      </m:e>
+                                      <m:sup>
+                                        <m:r>
+                                          <a:rPr lang="uk-UA" sz="2200" b="1" i="1">
+                                            <a:effectLst/>
+                                          </a:rPr>
+                                          <m:t>𝟐</m:t>
+                                        </m:r>
+                                      </m:sup>
+                                    </m:sSup>
+                                  </m:den>
+                                </m:f>
+                              </m:oMath>
+                            </m:oMathPara>
+                          </a14:m>
+                          <a:endParaRPr lang="ru-RU" sz="2200" b="1" dirty="0">
+                            <a:effectLst/>
+                            <a:latin typeface="Times New Roman" panose="02020603050405020304" pitchFamily="18" charset="0"/>
+                            <a:ea typeface="Calibri" panose="020F0502020204030204" pitchFamily="34" charset="0"/>
+                            <a:cs typeface="Times New Roman" panose="02020603050405020304" pitchFamily="18" charset="0"/>
+                          </a:endParaRPr>
+                        </a:p>
+                      </a:txBody>
+                      <a:tcPr marL="68580" marR="68580" marT="0" marB="0" anchor="ctr"/>
+                    </a:tc>
+                  </a:tr>
+                  <a:tr h="358039">
+                    <a:tc>
+                      <a:txBody>
+                        <a:bodyPr/>
+                        <a:lstStyle/>
+                        <a:p>
+                          <a:pPr algn="l">
+                            <a:lnSpc>
+                              <a:spcPct val="107000"/>
+                            </a:lnSpc>
+                            <a:spcAft>
+                              <a:spcPts val="600"/>
+                            </a:spcAft>
+                          </a:pPr>
+                          <a:r>
+                            <a:rPr lang="uk-UA" sz="2200" b="1">
+                              <a:effectLst/>
+                            </a:rPr>
+                            <a:t> </a:t>
+                          </a:r>
+                          <a:endParaRPr lang="ru-RU" sz="2200" b="1">
+                            <a:effectLst/>
+                            <a:latin typeface="Times New Roman" panose="02020603050405020304" pitchFamily="18" charset="0"/>
+                            <a:ea typeface="Calibri" panose="020F0502020204030204" pitchFamily="34" charset="0"/>
+                            <a:cs typeface="Times New Roman" panose="02020603050405020304" pitchFamily="18" charset="0"/>
+                          </a:endParaRPr>
+                        </a:p>
+                      </a:txBody>
+                      <a:tcPr marL="68580" marR="68580" marT="0" marB="0" anchor="ctr"/>
+                    </a:tc>
+                  </a:tr>
+                  <a:tr h="787809">
+                    <a:tc>
+                      <a:txBody>
+                        <a:bodyPr/>
+                        <a:lstStyle/>
+                        <a:p>
+                          <a:pPr algn="l">
+                            <a:lnSpc>
+                              <a:spcPct val="107000"/>
+                            </a:lnSpc>
+                            <a:spcAft>
+                              <a:spcPts val="600"/>
+                            </a:spcAft>
+                          </a:pPr>
+                          <a14:m>
+                            <m:oMathPara xmlns:m="http://schemas.openxmlformats.org/officeDocument/2006/math">
+                              <m:oMathParaPr>
+                                <m:jc m:val="left"/>
+                              </m:oMathParaPr>
+                              <m:oMath xmlns:m="http://schemas.openxmlformats.org/officeDocument/2006/math">
+                                <m:f>
+                                  <m:fPr>
+                                    <m:ctrlPr>
+                                      <a:rPr lang="ru-RU" sz="2200" b="1">
+                                        <a:effectLst/>
+                                      </a:rPr>
+                                    </m:ctrlPr>
+                                  </m:fPr>
+                                  <m:num>
+                                    <m:r>
+                                      <a:rPr lang="uk-UA" sz="2200" b="1" i="1">
+                                        <a:effectLst/>
+                                      </a:rPr>
+                                      <m:t>𝛛</m:t>
+                                    </m:r>
+                                    <m:r>
+                                      <a:rPr lang="uk-UA" sz="2200" b="1" i="1">
+                                        <a:effectLst/>
+                                      </a:rPr>
+                                      <m:t>𝐮</m:t>
+                                    </m:r>
+                                  </m:num>
+                                  <m:den>
+                                    <m:r>
+                                      <a:rPr lang="uk-UA" sz="2200" b="1" i="1">
+                                        <a:effectLst/>
+                                      </a:rPr>
+                                      <m:t>𝛛</m:t>
+                                    </m:r>
+                                    <m:r>
+                                      <a:rPr lang="uk-UA" sz="2200" b="1" i="1">
+                                        <a:effectLst/>
+                                      </a:rPr>
+                                      <m:t>𝐭</m:t>
+                                    </m:r>
+                                  </m:den>
+                                </m:f>
+                                <m:d>
+                                  <m:dPr>
+                                    <m:ctrlPr>
+                                      <a:rPr lang="ru-RU" sz="2200" b="1">
+                                        <a:effectLst/>
+                                      </a:rPr>
+                                    </m:ctrlPr>
+                                  </m:dPr>
+                                  <m:e>
+                                    <m:sSub>
+                                      <m:sSubPr>
+                                        <m:ctrlPr>
+                                          <a:rPr lang="ru-RU" sz="2200" b="1">
+                                            <a:effectLst/>
+                                          </a:rPr>
+                                        </m:ctrlPr>
+                                      </m:sSubPr>
+                                      <m:e>
+                                        <m:r>
+                                          <a:rPr lang="uk-UA" sz="2200" b="1" i="1">
+                                            <a:effectLst/>
+                                          </a:rPr>
+                                          <m:t>𝐱</m:t>
+                                        </m:r>
+                                      </m:e>
+                                      <m:sub>
+                                        <m:r>
+                                          <a:rPr lang="uk-UA" sz="2200" b="1" i="1">
+                                            <a:effectLst/>
+                                          </a:rPr>
+                                          <m:t>𝐢</m:t>
+                                        </m:r>
+                                      </m:sub>
+                                    </m:sSub>
+                                    <m:r>
+                                      <a:rPr lang="uk-UA" sz="2200" b="1">
+                                        <a:effectLst/>
+                                      </a:rPr>
+                                      <m:t>, </m:t>
+                                    </m:r>
+                                    <m:sSub>
+                                      <m:sSubPr>
+                                        <m:ctrlPr>
+                                          <a:rPr lang="ru-RU" sz="2200" b="1">
+                                            <a:effectLst/>
+                                          </a:rPr>
+                                        </m:ctrlPr>
+                                      </m:sSubPr>
+                                      <m:e>
+                                        <m:r>
+                                          <a:rPr lang="uk-UA" sz="2200" b="1" i="1">
+                                            <a:effectLst/>
+                                          </a:rPr>
+                                          <m:t>𝐭</m:t>
+                                        </m:r>
+                                      </m:e>
+                                      <m:sub>
+                                        <m:r>
+                                          <a:rPr lang="uk-UA" sz="2200" b="1" i="1">
+                                            <a:effectLst/>
+                                          </a:rPr>
+                                          <m:t>𝐧</m:t>
+                                        </m:r>
+                                      </m:sub>
+                                    </m:sSub>
+                                  </m:e>
+                                </m:d>
+                                <m:r>
+                                  <a:rPr lang="uk-UA" sz="2200" b="1" i="1" smtClean="0">
+                                    <a:effectLst/>
+                                    <a:latin typeface="Cambria Math" panose="02040503050406030204" pitchFamily="18" charset="0"/>
+                                    <a:ea typeface="Cambria Math" panose="02040503050406030204" pitchFamily="18" charset="0"/>
+                                  </a:rPr>
+                                  <m:t>≈</m:t>
+                                </m:r>
+                                <m:r>
+                                  <a:rPr lang="uk-UA" sz="2200" b="1">
+                                    <a:effectLst/>
+                                  </a:rPr>
+                                  <m:t> </m:t>
+                                </m:r>
+                                <m:f>
+                                  <m:fPr>
+                                    <m:ctrlPr>
+                                      <a:rPr lang="ru-RU" sz="2200" b="1">
+                                        <a:effectLst/>
+                                      </a:rPr>
+                                    </m:ctrlPr>
+                                  </m:fPr>
+                                  <m:num>
+                                    <m:r>
+                                      <a:rPr lang="uk-UA" sz="2200" b="1" i="1">
+                                        <a:effectLst/>
+                                      </a:rPr>
+                                      <m:t>𝐮</m:t>
+                                    </m:r>
+                                    <m:d>
+                                      <m:dPr>
+                                        <m:ctrlPr>
+                                          <a:rPr lang="ru-RU" sz="2200" b="1">
+                                            <a:effectLst/>
+                                          </a:rPr>
+                                        </m:ctrlPr>
+                                      </m:dPr>
+                                      <m:e>
+                                        <m:sSub>
+                                          <m:sSubPr>
+                                            <m:ctrlPr>
+                                              <a:rPr lang="ru-RU" sz="2200" b="1">
+                                                <a:effectLst/>
+                                              </a:rPr>
+                                            </m:ctrlPr>
+                                          </m:sSubPr>
+                                          <m:e>
+                                            <m:r>
+                                              <a:rPr lang="uk-UA" sz="2200" b="1" i="1">
+                                                <a:effectLst/>
+                                              </a:rPr>
+                                              <m:t>𝐱</m:t>
+                                            </m:r>
+                                          </m:e>
+                                          <m:sub>
+                                            <m:r>
+                                              <a:rPr lang="uk-UA" sz="2200" b="1" i="1">
+                                                <a:effectLst/>
+                                              </a:rPr>
+                                              <m:t>𝐢</m:t>
+                                            </m:r>
+                                          </m:sub>
+                                        </m:sSub>
+                                        <m:r>
+                                          <a:rPr lang="uk-UA" sz="2200" b="1">
+                                            <a:effectLst/>
+                                          </a:rPr>
+                                          <m:t>,</m:t>
+                                        </m:r>
+                                        <m:sSub>
+                                          <m:sSubPr>
+                                            <m:ctrlPr>
+                                              <a:rPr lang="ru-RU" sz="2200" b="1">
+                                                <a:effectLst/>
+                                              </a:rPr>
+                                            </m:ctrlPr>
+                                          </m:sSubPr>
+                                          <m:e>
+                                            <m:r>
+                                              <a:rPr lang="uk-UA" sz="2200" b="1" i="1">
+                                                <a:effectLst/>
+                                              </a:rPr>
+                                              <m:t>𝐭</m:t>
+                                            </m:r>
+                                          </m:e>
+                                          <m:sub>
+                                            <m:r>
+                                              <a:rPr lang="uk-UA" sz="2200" b="1" i="1">
+                                                <a:effectLst/>
+                                              </a:rPr>
+                                              <m:t>𝐧</m:t>
+                                            </m:r>
+                                            <m:r>
+                                              <a:rPr lang="uk-UA" sz="2200" b="1">
+                                                <a:effectLst/>
+                                              </a:rPr>
+                                              <m:t>+</m:t>
+                                            </m:r>
+                                            <m:r>
+                                              <a:rPr lang="uk-UA" sz="2200" b="1" i="1">
+                                                <a:effectLst/>
+                                              </a:rPr>
+                                              <m:t>𝟏</m:t>
+                                            </m:r>
+                                          </m:sub>
+                                        </m:sSub>
+                                        <m:r>
+                                          <a:rPr lang="uk-UA" sz="2200" b="1">
+                                            <a:effectLst/>
+                                          </a:rPr>
+                                          <m:t> </m:t>
+                                        </m:r>
+                                      </m:e>
+                                    </m:d>
+                                    <m:r>
+                                      <a:rPr lang="uk-UA" sz="2200" b="1">
+                                        <a:effectLst/>
+                                      </a:rPr>
+                                      <m:t>−</m:t>
+                                    </m:r>
+                                    <m:r>
+                                      <a:rPr lang="uk-UA" sz="2200" b="1" i="1">
+                                        <a:effectLst/>
+                                      </a:rPr>
+                                      <m:t>𝐮</m:t>
+                                    </m:r>
+                                    <m:r>
+                                      <a:rPr lang="uk-UA" sz="2200" b="1">
+                                        <a:effectLst/>
+                                      </a:rPr>
+                                      <m:t>(</m:t>
+                                    </m:r>
+                                    <m:sSub>
+                                      <m:sSubPr>
+                                        <m:ctrlPr>
+                                          <a:rPr lang="ru-RU" sz="2200" b="1">
+                                            <a:effectLst/>
+                                          </a:rPr>
+                                        </m:ctrlPr>
+                                      </m:sSubPr>
+                                      <m:e>
+                                        <m:r>
+                                          <a:rPr lang="uk-UA" sz="2200" b="1" i="1">
+                                            <a:effectLst/>
+                                          </a:rPr>
+                                          <m:t>𝐱</m:t>
+                                        </m:r>
+                                      </m:e>
+                                      <m:sub>
+                                        <m:r>
+                                          <a:rPr lang="uk-UA" sz="2200" b="1" i="1">
+                                            <a:effectLst/>
+                                          </a:rPr>
+                                          <m:t>𝐢</m:t>
+                                        </m:r>
+                                      </m:sub>
+                                    </m:sSub>
+                                    <m:r>
+                                      <a:rPr lang="uk-UA" sz="2200" b="1">
+                                        <a:effectLst/>
+                                      </a:rPr>
+                                      <m:t>,</m:t>
+                                    </m:r>
+                                    <m:sSub>
+                                      <m:sSubPr>
+                                        <m:ctrlPr>
+                                          <a:rPr lang="ru-RU" sz="2200" b="1">
+                                            <a:effectLst/>
+                                          </a:rPr>
+                                        </m:ctrlPr>
+                                      </m:sSubPr>
+                                      <m:e>
+                                        <m:r>
+                                          <a:rPr lang="uk-UA" sz="2200" b="1" i="1">
+                                            <a:effectLst/>
+                                          </a:rPr>
+                                          <m:t>𝐭</m:t>
+                                        </m:r>
+                                      </m:e>
+                                      <m:sub>
+                                        <m:r>
+                                          <a:rPr lang="uk-UA" sz="2200" b="1" i="1">
+                                            <a:effectLst/>
+                                          </a:rPr>
+                                          <m:t>𝐧</m:t>
+                                        </m:r>
+                                      </m:sub>
+                                    </m:sSub>
+                                    <m:r>
+                                      <a:rPr lang="uk-UA" sz="2200" b="1">
+                                        <a:effectLst/>
+                                      </a:rPr>
+                                      <m:t>)</m:t>
+                                    </m:r>
+                                  </m:num>
+                                  <m:den>
+                                    <m:r>
+                                      <a:rPr lang="uk-UA" sz="2200" b="1">
+                                        <a:effectLst/>
+                                      </a:rPr>
+                                      <m:t>∆</m:t>
+                                    </m:r>
+                                    <m:r>
+                                      <a:rPr lang="uk-UA" sz="2200" b="1" i="1">
+                                        <a:effectLst/>
+                                      </a:rPr>
+                                      <m:t>𝐭</m:t>
+                                    </m:r>
+                                  </m:den>
+                                </m:f>
+                              </m:oMath>
+                            </m:oMathPara>
+                          </a14:m>
+                          <a:endParaRPr lang="ru-RU" sz="2200" b="1" dirty="0">
+                            <a:effectLst/>
+                            <a:latin typeface="Times New Roman" panose="02020603050405020304" pitchFamily="18" charset="0"/>
+                            <a:ea typeface="Calibri" panose="020F0502020204030204" pitchFamily="34" charset="0"/>
+                            <a:cs typeface="Times New Roman" panose="02020603050405020304" pitchFamily="18" charset="0"/>
+                          </a:endParaRPr>
+                        </a:p>
+                      </a:txBody>
+                      <a:tcPr marL="68580" marR="68580" marT="0" marB="0" anchor="ctr"/>
+                    </a:tc>
+                  </a:tr>
+                </a:tbl>
+              </a:graphicData>
+            </a:graphic>
+          </p:graphicFrame>
+        </mc:Choice>
+        <mc:Fallback>
+          <p:graphicFrame>
+            <p:nvGraphicFramePr>
+              <p:cNvPr id="3" name="Таблица 2"/>
+              <p:cNvGraphicFramePr>
+                <a:graphicFrameLocks noGrp="1"/>
+              </p:cNvGraphicFramePr>
+              <p:nvPr>
+                <p:extLst>
+                  <p:ext uri="{D42A27DB-BD31-4B8C-83A1-F6EECF244321}">
+                    <p14:modId xmlns:p14="http://schemas.microsoft.com/office/powerpoint/2010/main" val="4151814363"/>
+                  </p:ext>
+                </p:extLst>
+              </p:nvPr>
+            </p:nvGraphicFramePr>
+            <p:xfrm>
+              <a:off x="5944084" y="2079949"/>
+              <a:ext cx="6815676" cy="3257982"/>
+            </p:xfrm>
+            <a:graphic>
+              <a:graphicData uri="http://schemas.openxmlformats.org/drawingml/2006/table">
+                <a:tbl>
+                  <a:tblPr firstRow="1" firstCol="1" bandRow="1">
+                    <a:tableStyleId>{2D5ABB26-0587-4C30-8999-92F81FD0307C}</a:tableStyleId>
+                  </a:tblPr>
+                  <a:tblGrid>
+                    <a:gridCol w="6815676"/>
+                  </a:tblGrid>
+                  <a:tr h="849780">
+                    <a:tc>
+                      <a:txBody>
+                        <a:bodyPr/>
+                        <a:lstStyle/>
+                        <a:p>
+                          <a:endParaRPr lang="ru-RU"/>
+                        </a:p>
+                      </a:txBody>
+                      <a:tcPr marL="68580" marR="68580" marT="0" marB="0" anchor="ctr">
+                        <a:blipFill rotWithShape="0">
+                          <a:blip r:embed="rId4"/>
+                          <a:stretch>
+                            <a:fillRect b="-282143"/>
+                          </a:stretch>
+                        </a:blipFill>
+                      </a:tcPr>
+                    </a:tc>
+                  </a:tr>
+                  <a:tr h="358039">
+                    <a:tc>
+                      <a:txBody>
+                        <a:bodyPr/>
+                        <a:lstStyle/>
+                        <a:p>
+                          <a:pPr algn="l">
+                            <a:lnSpc>
+                              <a:spcPct val="107000"/>
+                            </a:lnSpc>
+                            <a:spcAft>
+                              <a:spcPts val="600"/>
+                            </a:spcAft>
+                          </a:pPr>
+                          <a:r>
+                            <a:rPr lang="uk-UA" sz="2200" b="1">
+                              <a:effectLst/>
+                            </a:rPr>
+                            <a:t> </a:t>
+                          </a:r>
+                          <a:endParaRPr lang="ru-RU" sz="2200" b="1">
+                            <a:effectLst/>
+                            <a:latin typeface="Times New Roman" panose="02020603050405020304" pitchFamily="18" charset="0"/>
+                            <a:ea typeface="Calibri" panose="020F0502020204030204" pitchFamily="34" charset="0"/>
+                            <a:cs typeface="Times New Roman" panose="02020603050405020304" pitchFamily="18" charset="0"/>
+                          </a:endParaRPr>
+                        </a:p>
+                      </a:txBody>
+                      <a:tcPr marL="68580" marR="68580" marT="0" marB="0" anchor="ctr"/>
+                    </a:tc>
+                  </a:tr>
+                  <a:tr h="904315">
+                    <a:tc>
+                      <a:txBody>
+                        <a:bodyPr/>
+                        <a:lstStyle/>
+                        <a:p>
+                          <a:endParaRPr lang="ru-RU"/>
+                        </a:p>
+                      </a:txBody>
+                      <a:tcPr marL="68580" marR="68580" marT="0" marB="0" anchor="ctr">
+                        <a:blipFill rotWithShape="0">
+                          <a:blip r:embed="rId4"/>
+                          <a:stretch>
+                            <a:fillRect t="-132886" b="-126174"/>
+                          </a:stretch>
+                        </a:blipFill>
+                      </a:tcPr>
+                    </a:tc>
+                  </a:tr>
+                  <a:tr h="358039">
+                    <a:tc>
+                      <a:txBody>
+                        <a:bodyPr/>
+                        <a:lstStyle/>
+                        <a:p>
+                          <a:pPr algn="l">
+                            <a:lnSpc>
+                              <a:spcPct val="107000"/>
+                            </a:lnSpc>
+                            <a:spcAft>
+                              <a:spcPts val="600"/>
+                            </a:spcAft>
+                          </a:pPr>
+                          <a:r>
+                            <a:rPr lang="uk-UA" sz="2200" b="1">
+                              <a:effectLst/>
+                            </a:rPr>
+                            <a:t> </a:t>
+                          </a:r>
+                          <a:endParaRPr lang="ru-RU" sz="2200" b="1">
+                            <a:effectLst/>
+                            <a:latin typeface="Times New Roman" panose="02020603050405020304" pitchFamily="18" charset="0"/>
+                            <a:ea typeface="Calibri" panose="020F0502020204030204" pitchFamily="34" charset="0"/>
+                            <a:cs typeface="Times New Roman" panose="02020603050405020304" pitchFamily="18" charset="0"/>
+                          </a:endParaRPr>
+                        </a:p>
+                      </a:txBody>
+                      <a:tcPr marL="68580" marR="68580" marT="0" marB="0" anchor="ctr"/>
+                    </a:tc>
+                  </a:tr>
+                  <a:tr h="787809">
+                    <a:tc>
+                      <a:txBody>
+                        <a:bodyPr/>
+                        <a:lstStyle/>
+                        <a:p>
+                          <a:endParaRPr lang="ru-RU"/>
+                        </a:p>
+                      </a:txBody>
+                      <a:tcPr marL="68580" marR="68580" marT="0" marB="0" anchor="ctr">
+                        <a:blipFill rotWithShape="0">
+                          <a:blip r:embed="rId4"/>
+                          <a:stretch>
+                            <a:fillRect t="-314729"/>
+                          </a:stretch>
+                        </a:blipFill>
+                      </a:tcPr>
+                    </a:tc>
+                  </a:tr>
+                </a:tbl>
+              </a:graphicData>
+            </a:graphic>
+          </p:graphicFrame>
+        </mc:Fallback>
+      </mc:AlternateContent>
     </p:spTree>
     <p:extLst>
       <p:ext uri="{BB962C8B-B14F-4D97-AF65-F5344CB8AC3E}">
@@ -7560,7 +12844,7 @@
         </p:blipFill>
         <p:spPr bwMode="auto">
           <a:xfrm>
-            <a:off x="3546868" y="2501100"/>
+            <a:off x="6094412" y="2706899"/>
             <a:ext cx="5095084" cy="3644900"/>
           </a:xfrm>
           <a:prstGeom prst="rect">
@@ -7572,8 +12856,8 @@
           </a:ln>
         </p:spPr>
       </p:pic>
-      <mc:AlternateContent xmlns:mc="http://schemas.openxmlformats.org/markup-compatibility/2006" xmlns:a14="http://schemas.microsoft.com/office/drawing/2010/main">
-        <mc:Choice Requires="a14">
+      <mc:AlternateContent xmlns:mc="http://schemas.openxmlformats.org/markup-compatibility/2006">
+        <mc:Choice xmlns:a14="http://schemas.microsoft.com/office/drawing/2010/main" Requires="a14">
           <p:sp>
             <p:nvSpPr>
               <p:cNvPr id="3" name="Прямоугольник 2"/>
@@ -7582,7 +12866,7 @@
             </p:nvSpPr>
             <p:spPr>
               <a:xfrm>
-                <a:off x="2274326" y="1799917"/>
+                <a:off x="1302174" y="1855057"/>
                 <a:ext cx="7640168" cy="922176"/>
               </a:xfrm>
               <a:prstGeom prst="rect">
@@ -7992,7 +13276,7 @@
             </p:txBody>
           </p:sp>
         </mc:Choice>
-        <mc:Fallback xmlns="">
+        <mc:Fallback>
           <p:sp>
             <p:nvSpPr>
               <p:cNvPr id="3" name="Прямоугольник 2"/>
@@ -8003,7 +13287,7 @@
             </p:nvSpPr>
             <p:spPr>
               <a:xfrm>
-                <a:off x="2274326" y="1799917"/>
+                <a:off x="1302174" y="1855057"/>
                 <a:ext cx="7640168" cy="922176"/>
               </a:xfrm>
               <a:prstGeom prst="rect">
@@ -8031,8 +13315,8 @@
           </p:sp>
         </mc:Fallback>
       </mc:AlternateContent>
-      <mc:AlternateContent xmlns:mc="http://schemas.openxmlformats.org/markup-compatibility/2006" xmlns:a14="http://schemas.microsoft.com/office/drawing/2010/main">
-        <mc:Choice Requires="a14">
+      <mc:AlternateContent xmlns:mc="http://schemas.openxmlformats.org/markup-compatibility/2006">
+        <mc:Choice xmlns:a14="http://schemas.microsoft.com/office/drawing/2010/main" Requires="a14">
           <p:sp>
             <p:nvSpPr>
               <p:cNvPr id="7" name="Прямоугольник 6"/>
@@ -8041,7 +13325,7 @@
             </p:nvSpPr>
             <p:spPr>
               <a:xfrm>
-                <a:off x="8641952" y="2701438"/>
+                <a:off x="9242731" y="2131191"/>
                 <a:ext cx="2949269" cy="369909"/>
               </a:xfrm>
               <a:prstGeom prst="rect">
@@ -8197,7 +13481,7 @@
             </p:txBody>
           </p:sp>
         </mc:Choice>
-        <mc:Fallback xmlns="">
+        <mc:Fallback>
           <p:sp>
             <p:nvSpPr>
               <p:cNvPr id="7" name="Прямоугольник 6"/>
@@ -8208,7 +13492,7 @@
             </p:nvSpPr>
             <p:spPr>
               <a:xfrm>
-                <a:off x="8641952" y="2701438"/>
+                <a:off x="9242731" y="2131191"/>
                 <a:ext cx="2949269" cy="369909"/>
               </a:xfrm>
               <a:prstGeom prst="rect">
@@ -8216,6 +13500,186 @@
               </a:prstGeom>
               <a:blipFill rotWithShape="0">
                 <a:blip r:embed="rId5"/>
+                <a:stretch>
+                  <a:fillRect/>
+                </a:stretch>
+              </a:blipFill>
+            </p:spPr>
+            <p:txBody>
+              <a:bodyPr/>
+              <a:lstStyle/>
+              <a:p>
+                <a:r>
+                  <a:rPr lang="ru-RU">
+                    <a:noFill/>
+                  </a:rPr>
+                  <a:t> </a:t>
+                </a:r>
+              </a:p>
+            </p:txBody>
+          </p:sp>
+        </mc:Fallback>
+      </mc:AlternateContent>
+      <mc:AlternateContent xmlns:mc="http://schemas.openxmlformats.org/markup-compatibility/2006">
+        <mc:Choice xmlns:a14="http://schemas.microsoft.com/office/drawing/2010/main" Requires="a14">
+          <p:sp>
+            <p:nvSpPr>
+              <p:cNvPr id="4" name="Прямоугольник 3"/>
+              <p:cNvSpPr/>
+              <p:nvPr/>
+            </p:nvSpPr>
+            <p:spPr>
+              <a:xfrm>
+                <a:off x="2592722" y="3690914"/>
+                <a:ext cx="2529536" cy="838435"/>
+              </a:xfrm>
+              <a:prstGeom prst="rect">
+                <a:avLst/>
+              </a:prstGeom>
+            </p:spPr>
+            <p:txBody>
+              <a:bodyPr wrap="square">
+                <a:spAutoFit/>
+              </a:bodyPr>
+              <a:lstStyle/>
+              <a:p>
+                <a14:m>
+                  <m:oMathPara xmlns:m="http://schemas.openxmlformats.org/officeDocument/2006/math">
+                    <m:oMathParaPr>
+                      <m:jc m:val="centerGroup"/>
+                    </m:oMathParaPr>
+                    <m:oMath xmlns:m="http://schemas.openxmlformats.org/officeDocument/2006/math">
+                      <m:r>
+                        <a:rPr lang="ru-RU" sz="2400" i="1">
+                          <a:latin typeface="Cambria Math" panose="02040503050406030204" pitchFamily="18" charset="0"/>
+                        </a:rPr>
+                        <m:t>𝛼</m:t>
+                      </m:r>
+                      <m:f>
+                        <m:fPr>
+                          <m:ctrlPr>
+                            <a:rPr lang="ru-RU" sz="2400" i="1">
+                              <a:latin typeface="Cambria Math" panose="02040503050406030204" pitchFamily="18" charset="0"/>
+                            </a:rPr>
+                          </m:ctrlPr>
+                        </m:fPr>
+                        <m:num>
+                          <m:r>
+                            <a:rPr lang="ru-RU" sz="2400" i="0">
+                              <a:latin typeface="Cambria Math" panose="02040503050406030204" pitchFamily="18" charset="0"/>
+                            </a:rPr>
+                            <m:t>∆</m:t>
+                          </m:r>
+                          <m:r>
+                            <a:rPr lang="ru-RU" sz="2400" i="1">
+                              <a:latin typeface="Cambria Math" panose="02040503050406030204" pitchFamily="18" charset="0"/>
+                            </a:rPr>
+                            <m:t>𝑡</m:t>
+                          </m:r>
+                        </m:num>
+                        <m:den>
+                          <m:sSup>
+                            <m:sSupPr>
+                              <m:ctrlPr>
+                                <a:rPr lang="ru-RU" sz="2400" i="1">
+                                  <a:latin typeface="Cambria Math" panose="02040503050406030204" pitchFamily="18" charset="0"/>
+                                </a:rPr>
+                              </m:ctrlPr>
+                            </m:sSupPr>
+                            <m:e>
+                              <m:d>
+                                <m:dPr>
+                                  <m:ctrlPr>
+                                    <a:rPr lang="ru-RU" sz="2400" i="1">
+                                      <a:latin typeface="Cambria Math" panose="02040503050406030204" pitchFamily="18" charset="0"/>
+                                    </a:rPr>
+                                  </m:ctrlPr>
+                                </m:dPr>
+                                <m:e>
+                                  <m:r>
+                                    <a:rPr lang="ru-RU" sz="2400" i="0">
+                                      <a:latin typeface="Cambria Math" panose="02040503050406030204" pitchFamily="18" charset="0"/>
+                                    </a:rPr>
+                                    <m:t>∆</m:t>
+                                  </m:r>
+                                  <m:r>
+                                    <a:rPr lang="ru-RU" sz="2400" i="1">
+                                      <a:latin typeface="Cambria Math" panose="02040503050406030204" pitchFamily="18" charset="0"/>
+                                    </a:rPr>
+                                    <m:t>𝑥</m:t>
+                                  </m:r>
+                                </m:e>
+                              </m:d>
+                            </m:e>
+                            <m:sup>
+                              <m:r>
+                                <a:rPr lang="ru-RU" sz="2400" i="0">
+                                  <a:latin typeface="Cambria Math" panose="02040503050406030204" pitchFamily="18" charset="0"/>
+                                </a:rPr>
+                                <m:t>2</m:t>
+                              </m:r>
+                            </m:sup>
+                          </m:sSup>
+                        </m:den>
+                      </m:f>
+                      <m:r>
+                        <a:rPr lang="ru-RU" sz="2400" i="0">
+                          <a:latin typeface="Cambria Math" panose="02040503050406030204" pitchFamily="18" charset="0"/>
+                        </a:rPr>
+                        <m:t>≤</m:t>
+                      </m:r>
+                      <m:f>
+                        <m:fPr>
+                          <m:ctrlPr>
+                            <a:rPr lang="ru-RU" sz="2400" i="1">
+                              <a:latin typeface="Cambria Math" panose="02040503050406030204" pitchFamily="18" charset="0"/>
+                            </a:rPr>
+                          </m:ctrlPr>
+                        </m:fPr>
+                        <m:num>
+                          <m:r>
+                            <a:rPr lang="ru-RU" sz="2400" i="0">
+                              <a:latin typeface="Cambria Math" panose="02040503050406030204" pitchFamily="18" charset="0"/>
+                            </a:rPr>
+                            <m:t>1</m:t>
+                          </m:r>
+                        </m:num>
+                        <m:den>
+                          <m:r>
+                            <a:rPr lang="ru-RU" sz="2400" i="0">
+                              <a:latin typeface="Cambria Math" panose="02040503050406030204" pitchFamily="18" charset="0"/>
+                            </a:rPr>
+                            <m:t>2</m:t>
+                          </m:r>
+                        </m:den>
+                      </m:f>
+                    </m:oMath>
+                  </m:oMathPara>
+                </a14:m>
+                <a:endParaRPr lang="ru-RU" sz="2400" dirty="0"/>
+              </a:p>
+            </p:txBody>
+          </p:sp>
+        </mc:Choice>
+        <mc:Fallback>
+          <p:sp>
+            <p:nvSpPr>
+              <p:cNvPr id="4" name="Прямоугольник 3"/>
+              <p:cNvSpPr>
+                <a:spLocks noRot="1" noChangeAspect="1" noMove="1" noResize="1" noEditPoints="1" noAdjustHandles="1" noChangeArrowheads="1" noChangeShapeType="1" noTextEdit="1"/>
+              </p:cNvSpPr>
+              <p:nvPr/>
+            </p:nvSpPr>
+            <p:spPr>
+              <a:xfrm>
+                <a:off x="2592722" y="3690914"/>
+                <a:ext cx="2529536" cy="838435"/>
+              </a:xfrm>
+              <a:prstGeom prst="rect">
+                <a:avLst/>
+              </a:prstGeom>
+              <a:blipFill rotWithShape="0">
+                <a:blip r:embed="rId6"/>
                 <a:stretch>
                   <a:fillRect/>
                 </a:stretch>
@@ -8308,45 +13772,8 @@
           </a:p>
         </p:txBody>
       </p:sp>
-      <p:pic>
-        <p:nvPicPr>
-          <p:cNvPr id="5" name="Объект 4"/>
-          <p:cNvPicPr>
-            <a:picLocks noGrp="1"/>
-          </p:cNvPicPr>
-          <p:nvPr>
-            <p:ph idx="1"/>
-          </p:nvPr>
-        </p:nvPicPr>
-        <p:blipFill>
-          <a:blip r:embed="rId3" cstate="print">
-            <a:extLst>
-              <a:ext uri="{28A0092B-C50C-407E-A947-70E740481C1C}">
-                <a14:useLocalDpi xmlns:a14="http://schemas.microsoft.com/office/drawing/2010/main" val="0"/>
-              </a:ext>
-            </a:extLst>
-          </a:blip>
-          <a:srcRect/>
-          <a:stretch>
-            <a:fillRect/>
-          </a:stretch>
-        </p:blipFill>
-        <p:spPr bwMode="auto">
-          <a:xfrm>
-            <a:off x="3452016" y="2602700"/>
-            <a:ext cx="5284788" cy="3644900"/>
-          </a:xfrm>
-          <a:prstGeom prst="rect">
-            <a:avLst/>
-          </a:prstGeom>
-          <a:noFill/>
-          <a:ln>
-            <a:noFill/>
-          </a:ln>
-        </p:spPr>
-      </p:pic>
-      <mc:AlternateContent xmlns:mc="http://schemas.openxmlformats.org/markup-compatibility/2006" xmlns:a14="http://schemas.microsoft.com/office/drawing/2010/main">
-        <mc:Choice Requires="a14">
+      <mc:AlternateContent xmlns:mc="http://schemas.openxmlformats.org/markup-compatibility/2006">
+        <mc:Choice xmlns:a14="http://schemas.microsoft.com/office/drawing/2010/main" Requires="a14">
           <p:sp>
             <p:nvSpPr>
               <p:cNvPr id="3" name="Прямоугольник 2"/>
@@ -8355,7 +13782,7 @@
             </p:nvSpPr>
             <p:spPr>
               <a:xfrm>
-                <a:off x="2304077" y="1799917"/>
+                <a:off x="1141413" y="1910595"/>
                 <a:ext cx="7866577" cy="952761"/>
               </a:xfrm>
               <a:prstGeom prst="rect">
@@ -8783,7 +14210,7 @@
             </p:txBody>
           </p:sp>
         </mc:Choice>
-        <mc:Fallback xmlns="">
+        <mc:Fallback>
           <p:sp>
             <p:nvSpPr>
               <p:cNvPr id="3" name="Прямоугольник 2"/>
@@ -8794,14 +14221,14 @@
             </p:nvSpPr>
             <p:spPr>
               <a:xfrm>
-                <a:off x="2304077" y="1799917"/>
+                <a:off x="1141413" y="1910595"/>
                 <a:ext cx="7866577" cy="952761"/>
               </a:xfrm>
               <a:prstGeom prst="rect">
                 <a:avLst/>
               </a:prstGeom>
               <a:blipFill rotWithShape="0">
-                <a:blip r:embed="rId4"/>
+                <a:blip r:embed="rId3"/>
                 <a:stretch>
                   <a:fillRect/>
                 </a:stretch>
@@ -8829,7 +14256,7 @@
           <p:nvPr/>
         </p:nvPicPr>
         <p:blipFill>
-          <a:blip r:embed="rId5" cstate="print">
+          <a:blip r:embed="rId4" cstate="print">
             <a:extLst>
               <a:ext uri="{28A0092B-C50C-407E-A947-70E740481C1C}">
                 <a14:useLocalDpi xmlns:a14="http://schemas.microsoft.com/office/drawing/2010/main" val="0"/>
@@ -8843,8 +14270,8 @@
         </p:blipFill>
         <p:spPr bwMode="auto">
           <a:xfrm>
-            <a:off x="3437409" y="2602700"/>
-            <a:ext cx="5299395" cy="3544100"/>
+            <a:off x="3444714" y="2839103"/>
+            <a:ext cx="5299395" cy="3283444"/>
           </a:xfrm>
           <a:prstGeom prst="rect">
             <a:avLst/>
@@ -8855,8 +14282,8 @@
           </a:ln>
         </p:spPr>
       </p:pic>
-      <mc:AlternateContent xmlns:mc="http://schemas.openxmlformats.org/markup-compatibility/2006" xmlns:a14="http://schemas.microsoft.com/office/drawing/2010/main">
-        <mc:Choice Requires="a14">
+      <mc:AlternateContent xmlns:mc="http://schemas.openxmlformats.org/markup-compatibility/2006">
+        <mc:Choice xmlns:a14="http://schemas.microsoft.com/office/drawing/2010/main" Requires="a14">
           <p:sp>
             <p:nvSpPr>
               <p:cNvPr id="8" name="Прямоугольник 7"/>
@@ -8865,7 +14292,7 @@
             </p:nvSpPr>
             <p:spPr>
               <a:xfrm>
-                <a:off x="8696019" y="2678402"/>
+                <a:off x="9242731" y="2202020"/>
                 <a:ext cx="2949269" cy="369909"/>
               </a:xfrm>
               <a:prstGeom prst="rect">
@@ -9021,7 +14448,7 @@
             </p:txBody>
           </p:sp>
         </mc:Choice>
-        <mc:Fallback xmlns="">
+        <mc:Fallback>
           <p:sp>
             <p:nvSpPr>
               <p:cNvPr id="8" name="Прямоугольник 7"/>
@@ -9032,14 +14459,14 @@
             </p:nvSpPr>
             <p:spPr>
               <a:xfrm>
-                <a:off x="8696019" y="2678402"/>
+                <a:off x="9242731" y="2202020"/>
                 <a:ext cx="2949269" cy="369909"/>
               </a:xfrm>
               <a:prstGeom prst="rect">
                 <a:avLst/>
               </a:prstGeom>
               <a:blipFill rotWithShape="0">
-                <a:blip r:embed="rId6"/>
+                <a:blip r:embed="rId5"/>
                 <a:stretch>
                   <a:fillRect/>
                 </a:stretch>
@@ -12388,8 +17815,8 @@
           </a:graphicData>
         </a:graphic>
       </p:graphicFrame>
-      <mc:AlternateContent xmlns:mc="http://schemas.openxmlformats.org/markup-compatibility/2006">
-        <mc:Choice xmlns:a14="http://schemas.microsoft.com/office/drawing/2010/main" Requires="a14">
+      <mc:AlternateContent xmlns:mc="http://schemas.openxmlformats.org/markup-compatibility/2006" xmlns:a14="http://schemas.microsoft.com/office/drawing/2010/main">
+        <mc:Choice Requires="a14">
           <p:graphicFrame>
             <p:nvGraphicFramePr>
               <p:cNvPr id="11" name="Таблица 10"/>
@@ -12406,7 +17833,7 @@
             </p:nvGraphicFramePr>
             <p:xfrm>
               <a:off x="8686800" y="1751963"/>
-              <a:ext cx="624114" cy="4386261"/>
+              <a:ext cx="624114" cy="4289942"/>
             </p:xfrm>
             <a:graphic>
               <a:graphicData uri="http://schemas.openxmlformats.org/drawingml/2006/table">
@@ -12440,8 +17867,9 @@
                                 <m:sSubSup>
                                   <m:sSubSupPr>
                                     <m:ctrlPr>
-                                      <a:rPr lang="ru-RU" sz="1600">
+                                      <a:rPr lang="ru-RU" sz="1600" i="1">
                                         <a:effectLst/>
+                                        <a:latin typeface="Cambria Math" panose="02040503050406030204" pitchFamily="18" charset="0"/>
                                       </a:rPr>
                                     </m:ctrlPr>
                                   </m:sSubSupPr>
@@ -12449,6 +17877,7 @@
                                     <m:r>
                                       <a:rPr lang="uk-UA" sz="1600">
                                         <a:effectLst/>
+                                        <a:latin typeface="Cambria Math" panose="02040503050406030204" pitchFamily="18" charset="0"/>
                                       </a:rPr>
                                       <m:t>𝑢</m:t>
                                     </m:r>
@@ -12457,6 +17886,7 @@
                                     <m:r>
                                       <a:rPr lang="uk-UA" sz="1600">
                                         <a:effectLst/>
+                                        <a:latin typeface="Cambria Math" panose="02040503050406030204" pitchFamily="18" charset="0"/>
                                       </a:rPr>
                                       <m:t>1</m:t>
                                     </m:r>
@@ -12465,12 +17895,14 @@
                                     <m:r>
                                       <a:rPr lang="uk-UA" sz="1600">
                                         <a:effectLst/>
+                                        <a:latin typeface="Cambria Math" panose="02040503050406030204" pitchFamily="18" charset="0"/>
                                       </a:rPr>
                                       <m:t>𝑛</m:t>
                                     </m:r>
                                     <m:r>
                                       <a:rPr lang="uk-UA" sz="1600">
                                         <a:effectLst/>
+                                        <a:latin typeface="Cambria Math" panose="02040503050406030204" pitchFamily="18" charset="0"/>
                                       </a:rPr>
                                       <m:t>+1</m:t>
                                     </m:r>
@@ -12532,8 +17964,9 @@
                                 <m:sSubSup>
                                   <m:sSubSupPr>
                                     <m:ctrlPr>
-                                      <a:rPr lang="ru-RU" sz="1600">
+                                      <a:rPr lang="ru-RU" sz="1600" i="1">
                                         <a:effectLst/>
+                                        <a:latin typeface="Cambria Math" panose="02040503050406030204" pitchFamily="18" charset="0"/>
                                       </a:rPr>
                                     </m:ctrlPr>
                                   </m:sSubSupPr>
@@ -12541,6 +17974,7 @@
                                     <m:r>
                                       <a:rPr lang="uk-UA" sz="1600">
                                         <a:effectLst/>
+                                        <a:latin typeface="Cambria Math" panose="02040503050406030204" pitchFamily="18" charset="0"/>
                                       </a:rPr>
                                       <m:t>𝑢</m:t>
                                     </m:r>
@@ -12549,6 +17983,7 @@
                                     <m:r>
                                       <a:rPr lang="uk-UA" sz="1600">
                                         <a:effectLst/>
+                                        <a:latin typeface="Cambria Math" panose="02040503050406030204" pitchFamily="18" charset="0"/>
                                       </a:rPr>
                                       <m:t>2</m:t>
                                     </m:r>
@@ -12557,12 +17992,14 @@
                                     <m:r>
                                       <a:rPr lang="uk-UA" sz="1600">
                                         <a:effectLst/>
+                                        <a:latin typeface="Cambria Math" panose="02040503050406030204" pitchFamily="18" charset="0"/>
                                       </a:rPr>
                                       <m:t>𝑛</m:t>
                                     </m:r>
                                     <m:r>
                                       <a:rPr lang="uk-UA" sz="1600">
                                         <a:effectLst/>
+                                        <a:latin typeface="Cambria Math" panose="02040503050406030204" pitchFamily="18" charset="0"/>
                                       </a:rPr>
                                       <m:t>+1</m:t>
                                     </m:r>
@@ -12693,8 +18130,9 @@
                                 <m:sSubSup>
                                   <m:sSubSupPr>
                                     <m:ctrlPr>
-                                      <a:rPr lang="ru-RU" sz="1600">
+                                      <a:rPr lang="ru-RU" sz="1600" i="1">
                                         <a:effectLst/>
+                                        <a:latin typeface="Cambria Math" panose="02040503050406030204" pitchFamily="18" charset="0"/>
                                       </a:rPr>
                                     </m:ctrlPr>
                                   </m:sSubSupPr>
@@ -12702,6 +18140,7 @@
                                     <m:r>
                                       <a:rPr lang="uk-UA" sz="1600">
                                         <a:effectLst/>
+                                        <a:latin typeface="Cambria Math" panose="02040503050406030204" pitchFamily="18" charset="0"/>
                                       </a:rPr>
                                       <m:t>𝑢</m:t>
                                     </m:r>
@@ -12710,6 +18149,7 @@
                                     <m:r>
                                       <a:rPr lang="uk-UA" sz="1600">
                                         <a:effectLst/>
+                                        <a:latin typeface="Cambria Math" panose="02040503050406030204" pitchFamily="18" charset="0"/>
                                       </a:rPr>
                                       <m:t>𝑖</m:t>
                                     </m:r>
@@ -12718,12 +18158,14 @@
                                     <m:r>
                                       <a:rPr lang="uk-UA" sz="1600">
                                         <a:effectLst/>
+                                        <a:latin typeface="Cambria Math" panose="02040503050406030204" pitchFamily="18" charset="0"/>
                                       </a:rPr>
                                       <m:t>𝑛</m:t>
                                     </m:r>
                                     <m:r>
                                       <a:rPr lang="uk-UA" sz="1600">
                                         <a:effectLst/>
+                                        <a:latin typeface="Cambria Math" panose="02040503050406030204" pitchFamily="18" charset="0"/>
                                       </a:rPr>
                                       <m:t>+1</m:t>
                                     </m:r>
@@ -12785,8 +18227,9 @@
                                 <m:sSubSup>
                                   <m:sSubSupPr>
                                     <m:ctrlPr>
-                                      <a:rPr lang="ru-RU" sz="1600">
+                                      <a:rPr lang="ru-RU" sz="1600" i="1">
                                         <a:effectLst/>
+                                        <a:latin typeface="Cambria Math" panose="02040503050406030204" pitchFamily="18" charset="0"/>
                                       </a:rPr>
                                     </m:ctrlPr>
                                   </m:sSubSupPr>
@@ -12794,6 +18237,7 @@
                                     <m:r>
                                       <a:rPr lang="uk-UA" sz="1600">
                                         <a:effectLst/>
+                                        <a:latin typeface="Cambria Math" panose="02040503050406030204" pitchFamily="18" charset="0"/>
                                       </a:rPr>
                                       <m:t>𝑢</m:t>
                                     </m:r>
@@ -12802,12 +18246,14 @@
                                     <m:r>
                                       <a:rPr lang="uk-UA" sz="1600">
                                         <a:effectLst/>
+                                        <a:latin typeface="Cambria Math" panose="02040503050406030204" pitchFamily="18" charset="0"/>
                                       </a:rPr>
                                       <m:t>𝑖</m:t>
                                     </m:r>
                                     <m:r>
                                       <a:rPr lang="uk-UA" sz="1600">
                                         <a:effectLst/>
+                                        <a:latin typeface="Cambria Math" panose="02040503050406030204" pitchFamily="18" charset="0"/>
                                       </a:rPr>
                                       <m:t>+1</m:t>
                                     </m:r>
@@ -12816,12 +18262,14 @@
                                     <m:r>
                                       <a:rPr lang="uk-UA" sz="1600">
                                         <a:effectLst/>
+                                        <a:latin typeface="Cambria Math" panose="02040503050406030204" pitchFamily="18" charset="0"/>
                                       </a:rPr>
                                       <m:t>𝑛</m:t>
                                     </m:r>
                                     <m:r>
                                       <a:rPr lang="uk-UA" sz="1600">
                                         <a:effectLst/>
+                                        <a:latin typeface="Cambria Math" panose="02040503050406030204" pitchFamily="18" charset="0"/>
                                       </a:rPr>
                                       <m:t>+1</m:t>
                                     </m:r>
@@ -12883,8 +18331,9 @@
                                 <m:sSubSup>
                                   <m:sSubSupPr>
                                     <m:ctrlPr>
-                                      <a:rPr lang="ru-RU" sz="1600">
+                                      <a:rPr lang="ru-RU" sz="1600" i="1">
                                         <a:effectLst/>
+                                        <a:latin typeface="Cambria Math" panose="02040503050406030204" pitchFamily="18" charset="0"/>
                                       </a:rPr>
                                     </m:ctrlPr>
                                   </m:sSubSupPr>
@@ -12892,6 +18341,7 @@
                                     <m:r>
                                       <a:rPr lang="uk-UA" sz="1600">
                                         <a:effectLst/>
+                                        <a:latin typeface="Cambria Math" panose="02040503050406030204" pitchFamily="18" charset="0"/>
                                       </a:rPr>
                                       <m:t>𝑢</m:t>
                                     </m:r>
@@ -12900,12 +18350,14 @@
                                     <m:r>
                                       <a:rPr lang="uk-UA" sz="1600">
                                         <a:effectLst/>
+                                        <a:latin typeface="Cambria Math" panose="02040503050406030204" pitchFamily="18" charset="0"/>
                                       </a:rPr>
                                       <m:t>𝑖</m:t>
                                     </m:r>
                                     <m:r>
                                       <a:rPr lang="uk-UA" sz="1600">
                                         <a:effectLst/>
+                                        <a:latin typeface="Cambria Math" panose="02040503050406030204" pitchFamily="18" charset="0"/>
                                       </a:rPr>
                                       <m:t>+2</m:t>
                                     </m:r>
@@ -12914,12 +18366,14 @@
                                     <m:r>
                                       <a:rPr lang="uk-UA" sz="1600">
                                         <a:effectLst/>
+                                        <a:latin typeface="Cambria Math" panose="02040503050406030204" pitchFamily="18" charset="0"/>
                                       </a:rPr>
                                       <m:t>𝑛</m:t>
                                     </m:r>
                                     <m:r>
                                       <a:rPr lang="uk-UA" sz="1600">
                                         <a:effectLst/>
+                                        <a:latin typeface="Cambria Math" panose="02040503050406030204" pitchFamily="18" charset="0"/>
                                       </a:rPr>
                                       <m:t>+1</m:t>
                                     </m:r>
@@ -12981,8 +18435,9 @@
                                 <m:sSubSup>
                                   <m:sSubSupPr>
                                     <m:ctrlPr>
-                                      <a:rPr lang="ru-RU" sz="1600">
+                                      <a:rPr lang="ru-RU" sz="1600" i="1">
                                         <a:effectLst/>
+                                        <a:latin typeface="Cambria Math" panose="02040503050406030204" pitchFamily="18" charset="0"/>
                                       </a:rPr>
                                     </m:ctrlPr>
                                   </m:sSubSupPr>
@@ -12990,6 +18445,7 @@
                                     <m:r>
                                       <a:rPr lang="uk-UA" sz="1600">
                                         <a:effectLst/>
+                                        <a:latin typeface="Cambria Math" panose="02040503050406030204" pitchFamily="18" charset="0"/>
                                       </a:rPr>
                                       <m:t>𝑢</m:t>
                                     </m:r>
@@ -12998,12 +18454,14 @@
                                     <m:r>
                                       <a:rPr lang="uk-UA" sz="1600">
                                         <a:effectLst/>
+                                        <a:latin typeface="Cambria Math" panose="02040503050406030204" pitchFamily="18" charset="0"/>
                                       </a:rPr>
                                       <m:t>𝑖</m:t>
                                     </m:r>
                                     <m:r>
                                       <a:rPr lang="uk-UA" sz="1600">
                                         <a:effectLst/>
+                                        <a:latin typeface="Cambria Math" panose="02040503050406030204" pitchFamily="18" charset="0"/>
                                       </a:rPr>
                                       <m:t>+3</m:t>
                                     </m:r>
@@ -13012,12 +18470,14 @@
                                     <m:r>
                                       <a:rPr lang="uk-UA" sz="1600">
                                         <a:effectLst/>
+                                        <a:latin typeface="Cambria Math" panose="02040503050406030204" pitchFamily="18" charset="0"/>
                                       </a:rPr>
                                       <m:t>𝑛</m:t>
                                     </m:r>
                                     <m:r>
                                       <a:rPr lang="uk-UA" sz="1600">
                                         <a:effectLst/>
+                                        <a:latin typeface="Cambria Math" panose="02040503050406030204" pitchFamily="18" charset="0"/>
                                       </a:rPr>
                                       <m:t>+1</m:t>
                                     </m:r>
@@ -13148,8 +18608,9 @@
                                 <m:sSubSup>
                                   <m:sSubSupPr>
                                     <m:ctrlPr>
-                                      <a:rPr lang="ru-RU" sz="1600">
+                                      <a:rPr lang="ru-RU" sz="1600" i="1">
                                         <a:effectLst/>
+                                        <a:latin typeface="Cambria Math" panose="02040503050406030204" pitchFamily="18" charset="0"/>
                                       </a:rPr>
                                     </m:ctrlPr>
                                   </m:sSubSupPr>
@@ -13157,6 +18618,7 @@
                                     <m:r>
                                       <a:rPr lang="uk-UA" sz="1600">
                                         <a:effectLst/>
+                                        <a:latin typeface="Cambria Math" panose="02040503050406030204" pitchFamily="18" charset="0"/>
                                       </a:rPr>
                                       <m:t>𝑢</m:t>
                                     </m:r>
@@ -13165,8 +18627,9 @@
                                     <m:sSub>
                                       <m:sSubPr>
                                         <m:ctrlPr>
-                                          <a:rPr lang="ru-RU" sz="1600">
+                                          <a:rPr lang="ru-RU" sz="1600" i="1">
                                             <a:effectLst/>
+                                            <a:latin typeface="Cambria Math" panose="02040503050406030204" pitchFamily="18" charset="0"/>
                                           </a:rPr>
                                         </m:ctrlPr>
                                       </m:sSubPr>
@@ -13174,6 +18637,7 @@
                                         <m:r>
                                           <a:rPr lang="uk-UA" sz="1600">
                                             <a:effectLst/>
+                                            <a:latin typeface="Cambria Math" panose="02040503050406030204" pitchFamily="18" charset="0"/>
                                           </a:rPr>
                                           <m:t>𝑁</m:t>
                                         </m:r>
@@ -13182,6 +18646,7 @@
                                         <m:r>
                                           <a:rPr lang="uk-UA" sz="1600">
                                             <a:effectLst/>
+                                            <a:latin typeface="Cambria Math" panose="02040503050406030204" pitchFamily="18" charset="0"/>
                                           </a:rPr>
                                           <m:t>𝑥</m:t>
                                         </m:r>
@@ -13190,6 +18655,7 @@
                                     <m:r>
                                       <a:rPr lang="uk-UA" sz="1600">
                                         <a:effectLst/>
+                                        <a:latin typeface="Cambria Math" panose="02040503050406030204" pitchFamily="18" charset="0"/>
                                       </a:rPr>
                                       <m:t>−2</m:t>
                                     </m:r>
@@ -13198,12 +18664,14 @@
                                     <m:r>
                                       <a:rPr lang="uk-UA" sz="1600">
                                         <a:effectLst/>
+                                        <a:latin typeface="Cambria Math" panose="02040503050406030204" pitchFamily="18" charset="0"/>
                                       </a:rPr>
                                       <m:t>𝑛</m:t>
                                     </m:r>
                                     <m:r>
                                       <a:rPr lang="uk-UA" sz="1600">
                                         <a:effectLst/>
+                                        <a:latin typeface="Cambria Math" panose="02040503050406030204" pitchFamily="18" charset="0"/>
                                       </a:rPr>
                                       <m:t>+1</m:t>
                                     </m:r>
@@ -13265,8 +18733,9 @@
                                 <m:sSubSup>
                                   <m:sSubSupPr>
                                     <m:ctrlPr>
-                                      <a:rPr lang="ru-RU" sz="1600">
+                                      <a:rPr lang="ru-RU" sz="1600" i="1">
                                         <a:effectLst/>
+                                        <a:latin typeface="Cambria Math" panose="02040503050406030204" pitchFamily="18" charset="0"/>
                                       </a:rPr>
                                     </m:ctrlPr>
                                   </m:sSubSupPr>
@@ -13274,6 +18743,7 @@
                                     <m:r>
                                       <a:rPr lang="uk-UA" sz="1600">
                                         <a:effectLst/>
+                                        <a:latin typeface="Cambria Math" panose="02040503050406030204" pitchFamily="18" charset="0"/>
                                       </a:rPr>
                                       <m:t>𝑢</m:t>
                                     </m:r>
@@ -13282,8 +18752,9 @@
                                     <m:sSub>
                                       <m:sSubPr>
                                         <m:ctrlPr>
-                                          <a:rPr lang="ru-RU" sz="1600">
+                                          <a:rPr lang="ru-RU" sz="1600" i="1">
                                             <a:effectLst/>
+                                            <a:latin typeface="Cambria Math" panose="02040503050406030204" pitchFamily="18" charset="0"/>
                                           </a:rPr>
                                         </m:ctrlPr>
                                       </m:sSubPr>
@@ -13291,6 +18762,7 @@
                                         <m:r>
                                           <a:rPr lang="uk-UA" sz="1600">
                                             <a:effectLst/>
+                                            <a:latin typeface="Cambria Math" panose="02040503050406030204" pitchFamily="18" charset="0"/>
                                           </a:rPr>
                                           <m:t>𝑁</m:t>
                                         </m:r>
@@ -13299,6 +18771,7 @@
                                         <m:r>
                                           <a:rPr lang="uk-UA" sz="1600">
                                             <a:effectLst/>
+                                            <a:latin typeface="Cambria Math" panose="02040503050406030204" pitchFamily="18" charset="0"/>
                                           </a:rPr>
                                           <m:t>𝑥</m:t>
                                         </m:r>
@@ -13307,6 +18780,7 @@
                                     <m:r>
                                       <a:rPr lang="uk-UA" sz="1600">
                                         <a:effectLst/>
+                                        <a:latin typeface="Cambria Math" panose="02040503050406030204" pitchFamily="18" charset="0"/>
                                       </a:rPr>
                                       <m:t>−1</m:t>
                                     </m:r>
@@ -13315,12 +18789,14 @@
                                     <m:r>
                                       <a:rPr lang="uk-UA" sz="1600">
                                         <a:effectLst/>
+                                        <a:latin typeface="Cambria Math" panose="02040503050406030204" pitchFamily="18" charset="0"/>
                                       </a:rPr>
                                       <m:t>𝑛</m:t>
                                     </m:r>
                                     <m:r>
                                       <a:rPr lang="uk-UA" sz="1600">
                                         <a:effectLst/>
+                                        <a:latin typeface="Cambria Math" panose="02040503050406030204" pitchFamily="18" charset="0"/>
                                       </a:rPr>
                                       <m:t>+1</m:t>
                                     </m:r>
@@ -13364,7 +18840,7 @@
             </a:graphic>
           </p:graphicFrame>
         </mc:Choice>
-        <mc:Fallback>
+        <mc:Fallback xmlns="">
           <p:graphicFrame>
             <p:nvGraphicFramePr>
               <p:cNvPr id="11" name="Таблица 10"/>
@@ -13832,8 +19308,8 @@
           </p:graphicFrame>
         </mc:Fallback>
       </mc:AlternateContent>
-      <mc:AlternateContent xmlns:mc="http://schemas.openxmlformats.org/markup-compatibility/2006">
-        <mc:Choice xmlns:a14="http://schemas.microsoft.com/office/drawing/2010/main" Requires="a14">
+      <mc:AlternateContent xmlns:mc="http://schemas.openxmlformats.org/markup-compatibility/2006" xmlns:a14="http://schemas.microsoft.com/office/drawing/2010/main">
+        <mc:Choice Requires="a14">
           <p:graphicFrame>
             <p:nvGraphicFramePr>
               <p:cNvPr id="12" name="Таблица 11"/>
@@ -13884,8 +19360,9 @@
                                 <m:sSubSup>
                                   <m:sSubSupPr>
                                     <m:ctrlPr>
-                                      <a:rPr lang="ru-RU" sz="1600">
+                                      <a:rPr lang="ru-RU" sz="1600" i="1">
                                         <a:effectLst/>
+                                        <a:latin typeface="Cambria Math" panose="02040503050406030204" pitchFamily="18" charset="0"/>
                                       </a:rPr>
                                     </m:ctrlPr>
                                   </m:sSubSupPr>
@@ -13893,6 +19370,7 @@
                                     <m:r>
                                       <a:rPr lang="uk-UA" sz="1600">
                                         <a:effectLst/>
+                                        <a:latin typeface="Cambria Math" panose="02040503050406030204" pitchFamily="18" charset="0"/>
                                       </a:rPr>
                                       <m:t>𝑢</m:t>
                                     </m:r>
@@ -13901,6 +19379,7 @@
                                     <m:r>
                                       <a:rPr lang="uk-UA" sz="1600">
                                         <a:effectLst/>
+                                        <a:latin typeface="Cambria Math" panose="02040503050406030204" pitchFamily="18" charset="0"/>
                                       </a:rPr>
                                       <m:t>1</m:t>
                                     </m:r>
@@ -13909,6 +19388,7 @@
                                     <m:r>
                                       <a:rPr lang="uk-UA" sz="1600">
                                         <a:effectLst/>
+                                        <a:latin typeface="Cambria Math" panose="02040503050406030204" pitchFamily="18" charset="0"/>
                                       </a:rPr>
                                       <m:t>𝑛</m:t>
                                     </m:r>
@@ -13970,8 +19450,9 @@
                                 <m:sSubSup>
                                   <m:sSubSupPr>
                                     <m:ctrlPr>
-                                      <a:rPr lang="ru-RU" sz="1600">
+                                      <a:rPr lang="ru-RU" sz="1600" i="1">
                                         <a:effectLst/>
+                                        <a:latin typeface="Cambria Math" panose="02040503050406030204" pitchFamily="18" charset="0"/>
                                       </a:rPr>
                                     </m:ctrlPr>
                                   </m:sSubSupPr>
@@ -13979,6 +19460,7 @@
                                     <m:r>
                                       <a:rPr lang="uk-UA" sz="1600">
                                         <a:effectLst/>
+                                        <a:latin typeface="Cambria Math" panose="02040503050406030204" pitchFamily="18" charset="0"/>
                                       </a:rPr>
                                       <m:t>𝑢</m:t>
                                     </m:r>
@@ -13987,6 +19469,7 @@
                                     <m:r>
                                       <a:rPr lang="uk-UA" sz="1600">
                                         <a:effectLst/>
+                                        <a:latin typeface="Cambria Math" panose="02040503050406030204" pitchFamily="18" charset="0"/>
                                       </a:rPr>
                                       <m:t>2</m:t>
                                     </m:r>
@@ -13995,6 +19478,7 @@
                                     <m:r>
                                       <a:rPr lang="uk-UA" sz="1600">
                                         <a:effectLst/>
+                                        <a:latin typeface="Cambria Math" panose="02040503050406030204" pitchFamily="18" charset="0"/>
                                       </a:rPr>
                                       <m:t>𝑛</m:t>
                                     </m:r>
@@ -14125,8 +19609,9 @@
                                 <m:sSubSup>
                                   <m:sSubSupPr>
                                     <m:ctrlPr>
-                                      <a:rPr lang="ru-RU" sz="1600">
+                                      <a:rPr lang="ru-RU" sz="1600" i="1">
                                         <a:effectLst/>
+                                        <a:latin typeface="Cambria Math" panose="02040503050406030204" pitchFamily="18" charset="0"/>
                                       </a:rPr>
                                     </m:ctrlPr>
                                   </m:sSubSupPr>
@@ -14134,6 +19619,7 @@
                                     <m:r>
                                       <a:rPr lang="uk-UA" sz="1600">
                                         <a:effectLst/>
+                                        <a:latin typeface="Cambria Math" panose="02040503050406030204" pitchFamily="18" charset="0"/>
                                       </a:rPr>
                                       <m:t>𝑢</m:t>
                                     </m:r>
@@ -14142,6 +19628,7 @@
                                     <m:r>
                                       <a:rPr lang="uk-UA" sz="1600">
                                         <a:effectLst/>
+                                        <a:latin typeface="Cambria Math" panose="02040503050406030204" pitchFamily="18" charset="0"/>
                                       </a:rPr>
                                       <m:t>𝑖</m:t>
                                     </m:r>
@@ -14150,6 +19637,7 @@
                                     <m:r>
                                       <a:rPr lang="uk-UA" sz="1600">
                                         <a:effectLst/>
+                                        <a:latin typeface="Cambria Math" panose="02040503050406030204" pitchFamily="18" charset="0"/>
                                       </a:rPr>
                                       <m:t>𝑛</m:t>
                                     </m:r>
@@ -14211,8 +19699,9 @@
                                 <m:sSubSup>
                                   <m:sSubSupPr>
                                     <m:ctrlPr>
-                                      <a:rPr lang="ru-RU" sz="1600">
+                                      <a:rPr lang="ru-RU" sz="1600" i="1">
                                         <a:effectLst/>
+                                        <a:latin typeface="Cambria Math" panose="02040503050406030204" pitchFamily="18" charset="0"/>
                                       </a:rPr>
                                     </m:ctrlPr>
                                   </m:sSubSupPr>
@@ -14220,6 +19709,7 @@
                                     <m:r>
                                       <a:rPr lang="uk-UA" sz="1600">
                                         <a:effectLst/>
+                                        <a:latin typeface="Cambria Math" panose="02040503050406030204" pitchFamily="18" charset="0"/>
                                       </a:rPr>
                                       <m:t>𝑢</m:t>
                                     </m:r>
@@ -14228,12 +19718,14 @@
                                     <m:r>
                                       <a:rPr lang="uk-UA" sz="1600">
                                         <a:effectLst/>
+                                        <a:latin typeface="Cambria Math" panose="02040503050406030204" pitchFamily="18" charset="0"/>
                                       </a:rPr>
                                       <m:t>𝑖</m:t>
                                     </m:r>
                                     <m:r>
                                       <a:rPr lang="uk-UA" sz="1600">
                                         <a:effectLst/>
+                                        <a:latin typeface="Cambria Math" panose="02040503050406030204" pitchFamily="18" charset="0"/>
                                       </a:rPr>
                                       <m:t>+1</m:t>
                                     </m:r>
@@ -14242,6 +19734,7 @@
                                     <m:r>
                                       <a:rPr lang="uk-UA" sz="1600">
                                         <a:effectLst/>
+                                        <a:latin typeface="Cambria Math" panose="02040503050406030204" pitchFamily="18" charset="0"/>
                                       </a:rPr>
                                       <m:t>𝑛</m:t>
                                     </m:r>
@@ -14303,8 +19796,9 @@
                                 <m:sSubSup>
                                   <m:sSubSupPr>
                                     <m:ctrlPr>
-                                      <a:rPr lang="ru-RU" sz="1600">
+                                      <a:rPr lang="ru-RU" sz="1600" i="1">
                                         <a:effectLst/>
+                                        <a:latin typeface="Cambria Math" panose="02040503050406030204" pitchFamily="18" charset="0"/>
                                       </a:rPr>
                                     </m:ctrlPr>
                                   </m:sSubSupPr>
@@ -14312,6 +19806,7 @@
                                     <m:r>
                                       <a:rPr lang="uk-UA" sz="1600">
                                         <a:effectLst/>
+                                        <a:latin typeface="Cambria Math" panose="02040503050406030204" pitchFamily="18" charset="0"/>
                                       </a:rPr>
                                       <m:t>𝑢</m:t>
                                     </m:r>
@@ -14320,12 +19815,14 @@
                                     <m:r>
                                       <a:rPr lang="uk-UA" sz="1600">
                                         <a:effectLst/>
+                                        <a:latin typeface="Cambria Math" panose="02040503050406030204" pitchFamily="18" charset="0"/>
                                       </a:rPr>
                                       <m:t>𝑖</m:t>
                                     </m:r>
                                     <m:r>
                                       <a:rPr lang="uk-UA" sz="1600">
                                         <a:effectLst/>
+                                        <a:latin typeface="Cambria Math" panose="02040503050406030204" pitchFamily="18" charset="0"/>
                                       </a:rPr>
                                       <m:t>+2</m:t>
                                     </m:r>
@@ -14334,6 +19831,7 @@
                                     <m:r>
                                       <a:rPr lang="uk-UA" sz="1600">
                                         <a:effectLst/>
+                                        <a:latin typeface="Cambria Math" panose="02040503050406030204" pitchFamily="18" charset="0"/>
                                       </a:rPr>
                                       <m:t>𝑛</m:t>
                                     </m:r>
@@ -14395,8 +19893,9 @@
                                 <m:sSubSup>
                                   <m:sSubSupPr>
                                     <m:ctrlPr>
-                                      <a:rPr lang="ru-RU" sz="1600">
+                                      <a:rPr lang="ru-RU" sz="1600" i="1">
                                         <a:effectLst/>
+                                        <a:latin typeface="Cambria Math" panose="02040503050406030204" pitchFamily="18" charset="0"/>
                                       </a:rPr>
                                     </m:ctrlPr>
                                   </m:sSubSupPr>
@@ -14404,6 +19903,7 @@
                                     <m:r>
                                       <a:rPr lang="uk-UA" sz="1600">
                                         <a:effectLst/>
+                                        <a:latin typeface="Cambria Math" panose="02040503050406030204" pitchFamily="18" charset="0"/>
                                       </a:rPr>
                                       <m:t>𝑢</m:t>
                                     </m:r>
@@ -14412,12 +19912,14 @@
                                     <m:r>
                                       <a:rPr lang="uk-UA" sz="1600">
                                         <a:effectLst/>
+                                        <a:latin typeface="Cambria Math" panose="02040503050406030204" pitchFamily="18" charset="0"/>
                                       </a:rPr>
                                       <m:t>𝑖</m:t>
                                     </m:r>
                                     <m:r>
                                       <a:rPr lang="uk-UA" sz="1600">
                                         <a:effectLst/>
+                                        <a:latin typeface="Cambria Math" panose="02040503050406030204" pitchFamily="18" charset="0"/>
                                       </a:rPr>
                                       <m:t>+3</m:t>
                                     </m:r>
@@ -14426,6 +19928,7 @@
                                     <m:r>
                                       <a:rPr lang="uk-UA" sz="1600">
                                         <a:effectLst/>
+                                        <a:latin typeface="Cambria Math" panose="02040503050406030204" pitchFamily="18" charset="0"/>
                                       </a:rPr>
                                       <m:t>𝑛</m:t>
                                     </m:r>
@@ -14556,8 +20059,9 @@
                                 <m:sSubSup>
                                   <m:sSubSupPr>
                                     <m:ctrlPr>
-                                      <a:rPr lang="ru-RU" sz="1600">
+                                      <a:rPr lang="ru-RU" sz="1600" i="1">
                                         <a:effectLst/>
+                                        <a:latin typeface="Cambria Math" panose="02040503050406030204" pitchFamily="18" charset="0"/>
                                       </a:rPr>
                                     </m:ctrlPr>
                                   </m:sSubSupPr>
@@ -14565,6 +20069,7 @@
                                     <m:r>
                                       <a:rPr lang="uk-UA" sz="1600">
                                         <a:effectLst/>
+                                        <a:latin typeface="Cambria Math" panose="02040503050406030204" pitchFamily="18" charset="0"/>
                                       </a:rPr>
                                       <m:t>𝑢</m:t>
                                     </m:r>
@@ -14573,8 +20078,9 @@
                                     <m:sSub>
                                       <m:sSubPr>
                                         <m:ctrlPr>
-                                          <a:rPr lang="ru-RU" sz="1600">
+                                          <a:rPr lang="ru-RU" sz="1600" i="1">
                                             <a:effectLst/>
+                                            <a:latin typeface="Cambria Math" panose="02040503050406030204" pitchFamily="18" charset="0"/>
                                           </a:rPr>
                                         </m:ctrlPr>
                                       </m:sSubPr>
@@ -14582,6 +20088,7 @@
                                         <m:r>
                                           <a:rPr lang="uk-UA" sz="1600">
                                             <a:effectLst/>
+                                            <a:latin typeface="Cambria Math" panose="02040503050406030204" pitchFamily="18" charset="0"/>
                                           </a:rPr>
                                           <m:t>𝑁</m:t>
                                         </m:r>
@@ -14590,6 +20097,7 @@
                                         <m:r>
                                           <a:rPr lang="uk-UA" sz="1600">
                                             <a:effectLst/>
+                                            <a:latin typeface="Cambria Math" panose="02040503050406030204" pitchFamily="18" charset="0"/>
                                           </a:rPr>
                                           <m:t>𝑥</m:t>
                                         </m:r>
@@ -14598,6 +20106,7 @@
                                     <m:r>
                                       <a:rPr lang="uk-UA" sz="1600">
                                         <a:effectLst/>
+                                        <a:latin typeface="Cambria Math" panose="02040503050406030204" pitchFamily="18" charset="0"/>
                                       </a:rPr>
                                       <m:t>−2</m:t>
                                     </m:r>
@@ -14606,6 +20115,7 @@
                                     <m:r>
                                       <a:rPr lang="uk-UA" sz="1600">
                                         <a:effectLst/>
+                                        <a:latin typeface="Cambria Math" panose="02040503050406030204" pitchFamily="18" charset="0"/>
                                       </a:rPr>
                                       <m:t>𝑛</m:t>
                                     </m:r>
@@ -14667,8 +20177,9 @@
                                 <m:sSubSup>
                                   <m:sSubSupPr>
                                     <m:ctrlPr>
-                                      <a:rPr lang="ru-RU" sz="1600">
+                                      <a:rPr lang="ru-RU" sz="1600" i="1">
                                         <a:effectLst/>
+                                        <a:latin typeface="Cambria Math" panose="02040503050406030204" pitchFamily="18" charset="0"/>
                                       </a:rPr>
                                     </m:ctrlPr>
                                   </m:sSubSupPr>
@@ -14676,6 +20187,7 @@
                                     <m:r>
                                       <a:rPr lang="uk-UA" sz="1600">
                                         <a:effectLst/>
+                                        <a:latin typeface="Cambria Math" panose="02040503050406030204" pitchFamily="18" charset="0"/>
                                       </a:rPr>
                                       <m:t>𝑢</m:t>
                                     </m:r>
@@ -14684,8 +20196,9 @@
                                     <m:sSub>
                                       <m:sSubPr>
                                         <m:ctrlPr>
-                                          <a:rPr lang="ru-RU" sz="1600">
+                                          <a:rPr lang="ru-RU" sz="1600" i="1">
                                             <a:effectLst/>
+                                            <a:latin typeface="Cambria Math" panose="02040503050406030204" pitchFamily="18" charset="0"/>
                                           </a:rPr>
                                         </m:ctrlPr>
                                       </m:sSubPr>
@@ -14693,6 +20206,7 @@
                                         <m:r>
                                           <a:rPr lang="uk-UA" sz="1600">
                                             <a:effectLst/>
+                                            <a:latin typeface="Cambria Math" panose="02040503050406030204" pitchFamily="18" charset="0"/>
                                           </a:rPr>
                                           <m:t>𝑁</m:t>
                                         </m:r>
@@ -14701,6 +20215,7 @@
                                         <m:r>
                                           <a:rPr lang="uk-UA" sz="1600">
                                             <a:effectLst/>
+                                            <a:latin typeface="Cambria Math" panose="02040503050406030204" pitchFamily="18" charset="0"/>
                                           </a:rPr>
                                           <m:t>𝑥</m:t>
                                         </m:r>
@@ -14709,6 +20224,7 @@
                                     <m:r>
                                       <a:rPr lang="uk-UA" sz="1600">
                                         <a:effectLst/>
+                                        <a:latin typeface="Cambria Math" panose="02040503050406030204" pitchFamily="18" charset="0"/>
                                       </a:rPr>
                                       <m:t>−1</m:t>
                                     </m:r>
@@ -14717,6 +20233,7 @@
                                     <m:r>
                                       <a:rPr lang="uk-UA" sz="1600">
                                         <a:effectLst/>
+                                        <a:latin typeface="Cambria Math" panose="02040503050406030204" pitchFamily="18" charset="0"/>
                                       </a:rPr>
                                       <m:t>𝑛</m:t>
                                     </m:r>
@@ -14760,7 +20277,7 @@
             </a:graphic>
           </p:graphicFrame>
         </mc:Choice>
-        <mc:Fallback>
+        <mc:Fallback xmlns="">
           <p:graphicFrame>
             <p:nvGraphicFramePr>
               <p:cNvPr id="12" name="Таблица 11"/>
@@ -15288,8 +20805,8 @@
           </a:p>
         </p:txBody>
       </p:sp>
-      <mc:AlternateContent xmlns:mc="http://schemas.openxmlformats.org/markup-compatibility/2006">
-        <mc:Choice xmlns:a14="http://schemas.microsoft.com/office/drawing/2010/main" Requires="a14">
+      <mc:AlternateContent xmlns:mc="http://schemas.openxmlformats.org/markup-compatibility/2006" xmlns:a14="http://schemas.microsoft.com/office/drawing/2010/main">
+        <mc:Choice Requires="a14">
           <p:sp>
             <p:nvSpPr>
               <p:cNvPr id="15" name="Прямоугольник 14"/>
@@ -15311,6 +20828,7 @@
               </a:bodyPr>
               <a:lstStyle/>
               <a:p>
+                <a:pPr/>
                 <a14:m>
                   <m:oMathPara xmlns:m="http://schemas.openxmlformats.org/officeDocument/2006/math">
                     <m:oMathParaPr>
@@ -15410,7 +20928,7 @@
             </p:txBody>
           </p:sp>
         </mc:Choice>
-        <mc:Fallback>
+        <mc:Fallback xmlns="">
           <p:sp>
             <p:nvSpPr>
               <p:cNvPr id="15" name="Прямоугольник 14"/>
@@ -15498,7 +21016,7 @@
         </p:nvSpPr>
         <p:spPr>
           <a:xfrm>
-            <a:off x="1141413" y="618518"/>
+            <a:off x="1253708" y="0"/>
             <a:ext cx="9905998" cy="1017099"/>
           </a:xfrm>
         </p:spPr>
@@ -15521,758 +21039,28 @@
           </a:p>
         </p:txBody>
       </p:sp>
-      <p:pic>
-        <p:nvPicPr>
-          <p:cNvPr id="5" name="Объект 4"/>
-          <p:cNvPicPr>
-            <a:picLocks noGrp="1"/>
-          </p:cNvPicPr>
+      <p:graphicFrame>
+        <p:nvGraphicFramePr>
+          <p:cNvPr id="9" name="Диаграмма 8"/>
+          <p:cNvGraphicFramePr/>
           <p:nvPr>
-            <p:ph idx="1"/>
+            <p:extLst>
+              <p:ext uri="{D42A27DB-BD31-4B8C-83A1-F6EECF244321}">
+                <p14:modId xmlns:p14="http://schemas.microsoft.com/office/powerpoint/2010/main" val="803813712"/>
+              </p:ext>
+            </p:extLst>
           </p:nvPr>
-        </p:nvPicPr>
-        <p:blipFill>
-          <a:blip r:embed="rId3" cstate="print">
-            <a:extLst>
-              <a:ext uri="{28A0092B-C50C-407E-A947-70E740481C1C}">
-                <a14:useLocalDpi xmlns:a14="http://schemas.microsoft.com/office/drawing/2010/main" val="0"/>
-              </a:ext>
-            </a:extLst>
-          </a:blip>
-          <a:srcRect/>
-          <a:stretch>
-            <a:fillRect/>
-          </a:stretch>
-        </p:blipFill>
-        <p:spPr bwMode="auto">
-          <a:xfrm>
-            <a:off x="3452016" y="2602700"/>
-            <a:ext cx="5284788" cy="3644900"/>
-          </a:xfrm>
-          <a:prstGeom prst="rect">
-            <a:avLst/>
-          </a:prstGeom>
-          <a:noFill/>
-          <a:ln>
-            <a:noFill/>
-          </a:ln>
-        </p:spPr>
-      </p:pic>
-      <mc:AlternateContent xmlns:mc="http://schemas.openxmlformats.org/markup-compatibility/2006" xmlns:a14="http://schemas.microsoft.com/office/drawing/2010/main">
-        <mc:Choice Requires="a14">
-          <p:sp>
-            <p:nvSpPr>
-              <p:cNvPr id="3" name="Прямоугольник 2"/>
-              <p:cNvSpPr/>
-              <p:nvPr/>
-            </p:nvSpPr>
-            <p:spPr>
-              <a:xfrm>
-                <a:off x="2304077" y="1799917"/>
-                <a:ext cx="7866577" cy="952761"/>
-              </a:xfrm>
-              <a:prstGeom prst="rect">
-                <a:avLst/>
-              </a:prstGeom>
-            </p:spPr>
-            <p:txBody>
-              <a:bodyPr wrap="none">
-                <a:spAutoFit/>
-              </a:bodyPr>
-              <a:lstStyle/>
-              <a:p>
-                <a:pPr/>
-                <a14:m>
-                  <m:oMathPara xmlns:m="http://schemas.openxmlformats.org/officeDocument/2006/math">
-                    <m:oMathParaPr>
-                      <m:jc m:val="centerGroup"/>
-                    </m:oMathParaPr>
-                    <m:oMath xmlns:m="http://schemas.openxmlformats.org/officeDocument/2006/math">
-                      <m:sSubSup>
-                        <m:sSubSupPr>
-                          <m:ctrlPr>
-                            <a:rPr lang="ru-RU" sz="2400" i="1">
-                              <a:latin typeface="Cambria Math" panose="02040503050406030204" pitchFamily="18" charset="0"/>
-                            </a:rPr>
-                          </m:ctrlPr>
-                        </m:sSubSupPr>
-                        <m:e>
-                          <m:r>
-                            <a:rPr lang="uk-UA" sz="2400" i="1">
-                              <a:latin typeface="Cambria Math" panose="02040503050406030204" pitchFamily="18" charset="0"/>
-                            </a:rPr>
-                            <m:t>𝑢</m:t>
-                          </m:r>
-                        </m:e>
-                        <m:sub>
-                          <m:r>
-                            <a:rPr lang="uk-UA" sz="2400" i="1">
-                              <a:latin typeface="Cambria Math" panose="02040503050406030204" pitchFamily="18" charset="0"/>
-                            </a:rPr>
-                            <m:t>𝑖</m:t>
-                          </m:r>
-                        </m:sub>
-                        <m:sup>
-                          <m:r>
-                            <a:rPr lang="uk-UA" sz="2400" i="1">
-                              <a:latin typeface="Cambria Math" panose="02040503050406030204" pitchFamily="18" charset="0"/>
-                            </a:rPr>
-                            <m:t>𝑛</m:t>
-                          </m:r>
-                          <m:r>
-                            <a:rPr lang="uk-UA" sz="2400" i="1">
-                              <a:latin typeface="Cambria Math" panose="02040503050406030204" pitchFamily="18" charset="0"/>
-                            </a:rPr>
-                            <m:t>+1</m:t>
-                          </m:r>
-                        </m:sup>
-                      </m:sSubSup>
-                      <m:r>
-                        <a:rPr lang="uk-UA" sz="2400" i="1">
-                          <a:latin typeface="Cambria Math" panose="02040503050406030204" pitchFamily="18" charset="0"/>
-                        </a:rPr>
-                        <m:t>−</m:t>
-                      </m:r>
-                      <m:r>
-                        <a:rPr lang="uk-UA" sz="2400" i="1">
-                          <a:latin typeface="Cambria Math" panose="02040503050406030204" pitchFamily="18" charset="0"/>
-                        </a:rPr>
-                        <m:t>𝛼</m:t>
-                      </m:r>
-                      <m:r>
-                        <a:rPr lang="uk-UA" sz="2400" i="1">
-                          <a:latin typeface="Cambria Math" panose="02040503050406030204" pitchFamily="18" charset="0"/>
-                        </a:rPr>
-                        <m:t>∗∆</m:t>
-                      </m:r>
-                      <m:r>
-                        <a:rPr lang="uk-UA" sz="2400" i="1">
-                          <a:latin typeface="Cambria Math" panose="02040503050406030204" pitchFamily="18" charset="0"/>
-                        </a:rPr>
-                        <m:t>𝑡</m:t>
-                      </m:r>
-                      <m:d>
-                        <m:dPr>
-                          <m:ctrlPr>
-                            <a:rPr lang="ru-RU" sz="2400" i="1">
-                              <a:latin typeface="Cambria Math" panose="02040503050406030204" pitchFamily="18" charset="0"/>
-                            </a:rPr>
-                          </m:ctrlPr>
-                        </m:dPr>
-                        <m:e>
-                          <m:f>
-                            <m:fPr>
-                              <m:ctrlPr>
-                                <a:rPr lang="ru-RU" sz="2400" i="1">
-                                  <a:latin typeface="Cambria Math" panose="02040503050406030204" pitchFamily="18" charset="0"/>
-                                </a:rPr>
-                              </m:ctrlPr>
-                            </m:fPr>
-                            <m:num>
-                              <m:sSubSup>
-                                <m:sSubSupPr>
-                                  <m:ctrlPr>
-                                    <a:rPr lang="ru-RU" sz="2400" i="1">
-                                      <a:latin typeface="Cambria Math" panose="02040503050406030204" pitchFamily="18" charset="0"/>
-                                    </a:rPr>
-                                  </m:ctrlPr>
-                                </m:sSubSupPr>
-                                <m:e>
-                                  <m:r>
-                                    <a:rPr lang="uk-UA" sz="2400" i="1">
-                                      <a:latin typeface="Cambria Math" panose="02040503050406030204" pitchFamily="18" charset="0"/>
-                                    </a:rPr>
-                                    <m:t>𝑢</m:t>
-                                  </m:r>
-                                </m:e>
-                                <m:sub>
-                                  <m:r>
-                                    <a:rPr lang="uk-UA" sz="2400" i="1">
-                                      <a:latin typeface="Cambria Math" panose="02040503050406030204" pitchFamily="18" charset="0"/>
-                                    </a:rPr>
-                                    <m:t>𝑖</m:t>
-                                  </m:r>
-                                  <m:r>
-                                    <a:rPr lang="uk-UA" sz="2400" i="1">
-                                      <a:latin typeface="Cambria Math" panose="02040503050406030204" pitchFamily="18" charset="0"/>
-                                    </a:rPr>
-                                    <m:t>+1</m:t>
-                                  </m:r>
-                                </m:sub>
-                                <m:sup>
-                                  <m:r>
-                                    <a:rPr lang="uk-UA" sz="2400" i="1">
-                                      <a:latin typeface="Cambria Math" panose="02040503050406030204" pitchFamily="18" charset="0"/>
-                                    </a:rPr>
-                                    <m:t>𝑛</m:t>
-                                  </m:r>
-                                  <m:r>
-                                    <a:rPr lang="uk-UA" sz="2400" i="1">
-                                      <a:latin typeface="Cambria Math" panose="02040503050406030204" pitchFamily="18" charset="0"/>
-                                    </a:rPr>
-                                    <m:t>+1</m:t>
-                                  </m:r>
-                                </m:sup>
-                              </m:sSubSup>
-                              <m:r>
-                                <a:rPr lang="uk-UA" sz="2400" i="1">
-                                  <a:latin typeface="Cambria Math" panose="02040503050406030204" pitchFamily="18" charset="0"/>
-                                </a:rPr>
-                                <m:t>−2</m:t>
-                              </m:r>
-                              <m:sSubSup>
-                                <m:sSubSupPr>
-                                  <m:ctrlPr>
-                                    <a:rPr lang="ru-RU" sz="2400" i="1">
-                                      <a:latin typeface="Cambria Math" panose="02040503050406030204" pitchFamily="18" charset="0"/>
-                                    </a:rPr>
-                                  </m:ctrlPr>
-                                </m:sSubSupPr>
-                                <m:e>
-                                  <m:r>
-                                    <a:rPr lang="uk-UA" sz="2400" i="1">
-                                      <a:latin typeface="Cambria Math" panose="02040503050406030204" pitchFamily="18" charset="0"/>
-                                    </a:rPr>
-                                    <m:t>𝑢</m:t>
-                                  </m:r>
-                                </m:e>
-                                <m:sub>
-                                  <m:r>
-                                    <a:rPr lang="uk-UA" sz="2400" i="1">
-                                      <a:latin typeface="Cambria Math" panose="02040503050406030204" pitchFamily="18" charset="0"/>
-                                    </a:rPr>
-                                    <m:t>𝑖</m:t>
-                                  </m:r>
-                                </m:sub>
-                                <m:sup>
-                                  <m:r>
-                                    <a:rPr lang="uk-UA" sz="2400" i="1">
-                                      <a:latin typeface="Cambria Math" panose="02040503050406030204" pitchFamily="18" charset="0"/>
-                                    </a:rPr>
-                                    <m:t>𝑛</m:t>
-                                  </m:r>
-                                  <m:r>
-                                    <a:rPr lang="uk-UA" sz="2400" i="1">
-                                      <a:latin typeface="Cambria Math" panose="02040503050406030204" pitchFamily="18" charset="0"/>
-                                    </a:rPr>
-                                    <m:t>+1</m:t>
-                                  </m:r>
-                                </m:sup>
-                              </m:sSubSup>
-                              <m:r>
-                                <a:rPr lang="uk-UA" sz="2400" i="1">
-                                  <a:latin typeface="Cambria Math" panose="02040503050406030204" pitchFamily="18" charset="0"/>
-                                </a:rPr>
-                                <m:t>+</m:t>
-                              </m:r>
-                              <m:sSubSup>
-                                <m:sSubSupPr>
-                                  <m:ctrlPr>
-                                    <a:rPr lang="ru-RU" sz="2400" i="1">
-                                      <a:latin typeface="Cambria Math" panose="02040503050406030204" pitchFamily="18" charset="0"/>
-                                    </a:rPr>
-                                  </m:ctrlPr>
-                                </m:sSubSupPr>
-                                <m:e>
-                                  <m:r>
-                                    <a:rPr lang="uk-UA" sz="2400" i="1">
-                                      <a:latin typeface="Cambria Math" panose="02040503050406030204" pitchFamily="18" charset="0"/>
-                                    </a:rPr>
-                                    <m:t>𝑢</m:t>
-                                  </m:r>
-                                </m:e>
-                                <m:sub>
-                                  <m:r>
-                                    <a:rPr lang="uk-UA" sz="2400" i="1">
-                                      <a:latin typeface="Cambria Math" panose="02040503050406030204" pitchFamily="18" charset="0"/>
-                                    </a:rPr>
-                                    <m:t>𝑖</m:t>
-                                  </m:r>
-                                  <m:r>
-                                    <a:rPr lang="uk-UA" sz="2400" i="1">
-                                      <a:latin typeface="Cambria Math" panose="02040503050406030204" pitchFamily="18" charset="0"/>
-                                    </a:rPr>
-                                    <m:t>−1</m:t>
-                                  </m:r>
-                                </m:sub>
-                                <m:sup>
-                                  <m:r>
-                                    <a:rPr lang="uk-UA" sz="2400" i="1">
-                                      <a:latin typeface="Cambria Math" panose="02040503050406030204" pitchFamily="18" charset="0"/>
-                                    </a:rPr>
-                                    <m:t>𝑛</m:t>
-                                  </m:r>
-                                  <m:r>
-                                    <a:rPr lang="uk-UA" sz="2400" i="1">
-                                      <a:latin typeface="Cambria Math" panose="02040503050406030204" pitchFamily="18" charset="0"/>
-                                    </a:rPr>
-                                    <m:t>+1</m:t>
-                                  </m:r>
-                                </m:sup>
-                              </m:sSubSup>
-                            </m:num>
-                            <m:den>
-                              <m:sSup>
-                                <m:sSupPr>
-                                  <m:ctrlPr>
-                                    <a:rPr lang="ru-RU" sz="2400" i="1">
-                                      <a:latin typeface="Cambria Math" panose="02040503050406030204" pitchFamily="18" charset="0"/>
-                                    </a:rPr>
-                                  </m:ctrlPr>
-                                </m:sSupPr>
-                                <m:e>
-                                  <m:d>
-                                    <m:dPr>
-                                      <m:ctrlPr>
-                                        <a:rPr lang="ru-RU" sz="2400" i="1">
-                                          <a:latin typeface="Cambria Math" panose="02040503050406030204" pitchFamily="18" charset="0"/>
-                                        </a:rPr>
-                                      </m:ctrlPr>
-                                    </m:dPr>
-                                    <m:e>
-                                      <m:r>
-                                        <a:rPr lang="uk-UA" sz="2400" i="1">
-                                          <a:latin typeface="Cambria Math" panose="02040503050406030204" pitchFamily="18" charset="0"/>
-                                        </a:rPr>
-                                        <m:t>∆</m:t>
-                                      </m:r>
-                                      <m:r>
-                                        <a:rPr lang="uk-UA" sz="2400" i="1">
-                                          <a:latin typeface="Cambria Math" panose="02040503050406030204" pitchFamily="18" charset="0"/>
-                                        </a:rPr>
-                                        <m:t>𝑥</m:t>
-                                      </m:r>
-                                    </m:e>
-                                  </m:d>
-                                </m:e>
-                                <m:sup>
-                                  <m:r>
-                                    <a:rPr lang="uk-UA" sz="2400" i="1">
-                                      <a:latin typeface="Cambria Math" panose="02040503050406030204" pitchFamily="18" charset="0"/>
-                                    </a:rPr>
-                                    <m:t>2</m:t>
-                                  </m:r>
-                                </m:sup>
-                              </m:sSup>
-                            </m:den>
-                          </m:f>
-                        </m:e>
-                      </m:d>
-                      <m:r>
-                        <a:rPr lang="uk-UA" sz="2400" i="1">
-                          <a:latin typeface="Cambria Math" panose="02040503050406030204" pitchFamily="18" charset="0"/>
-                        </a:rPr>
-                        <m:t>=</m:t>
-                      </m:r>
-                      <m:sSubSup>
-                        <m:sSubSupPr>
-                          <m:ctrlPr>
-                            <a:rPr lang="ru-RU" sz="2400" i="1">
-                              <a:latin typeface="Cambria Math" panose="02040503050406030204" pitchFamily="18" charset="0"/>
-                            </a:rPr>
-                          </m:ctrlPr>
-                        </m:sSubSupPr>
-                        <m:e>
-                          <m:r>
-                            <a:rPr lang="uk-UA" sz="2400" i="1">
-                              <a:latin typeface="Cambria Math" panose="02040503050406030204" pitchFamily="18" charset="0"/>
-                            </a:rPr>
-                            <m:t>𝑢</m:t>
-                          </m:r>
-                        </m:e>
-                        <m:sub>
-                          <m:r>
-                            <a:rPr lang="uk-UA" sz="2400" i="1">
-                              <a:latin typeface="Cambria Math" panose="02040503050406030204" pitchFamily="18" charset="0"/>
-                            </a:rPr>
-                            <m:t>𝑖</m:t>
-                          </m:r>
-                        </m:sub>
-                        <m:sup>
-                          <m:r>
-                            <a:rPr lang="uk-UA" sz="2400" i="1">
-                              <a:latin typeface="Cambria Math" panose="02040503050406030204" pitchFamily="18" charset="0"/>
-                            </a:rPr>
-                            <m:t>𝑛</m:t>
-                          </m:r>
-                        </m:sup>
-                      </m:sSubSup>
-                      <m:r>
-                        <a:rPr lang="uk-UA" sz="2400">
-                          <a:latin typeface="Cambria Math" panose="02040503050406030204" pitchFamily="18" charset="0"/>
-                        </a:rPr>
-                        <m:t>+∆</m:t>
-                      </m:r>
-                      <m:r>
-                        <a:rPr lang="uk-UA" sz="2400" i="1">
-                          <a:latin typeface="Cambria Math" panose="02040503050406030204" pitchFamily="18" charset="0"/>
-                        </a:rPr>
-                        <m:t>𝑡</m:t>
-                      </m:r>
-                      <m:r>
-                        <a:rPr lang="uk-UA" sz="2400" i="1">
-                          <a:latin typeface="Cambria Math" panose="02040503050406030204" pitchFamily="18" charset="0"/>
-                        </a:rPr>
-                        <m:t>∗</m:t>
-                      </m:r>
-                      <m:r>
-                        <a:rPr lang="uk-UA" sz="2400" i="1">
-                          <a:latin typeface="Cambria Math" panose="02040503050406030204" pitchFamily="18" charset="0"/>
-                        </a:rPr>
-                        <m:t>𝑓</m:t>
-                      </m:r>
-                      <m:d>
-                        <m:dPr>
-                          <m:ctrlPr>
-                            <a:rPr lang="ru-RU" sz="2400" i="1">
-                              <a:latin typeface="Cambria Math" panose="02040503050406030204" pitchFamily="18" charset="0"/>
-                            </a:rPr>
-                          </m:ctrlPr>
-                        </m:dPr>
-                        <m:e>
-                          <m:sSub>
-                            <m:sSubPr>
-                              <m:ctrlPr>
-                                <a:rPr lang="ru-RU" sz="2400" i="1">
-                                  <a:latin typeface="Cambria Math" panose="02040503050406030204" pitchFamily="18" charset="0"/>
-                                </a:rPr>
-                              </m:ctrlPr>
-                            </m:sSubPr>
-                            <m:e>
-                              <m:r>
-                                <a:rPr lang="uk-UA" sz="2400" i="1">
-                                  <a:latin typeface="Cambria Math" panose="02040503050406030204" pitchFamily="18" charset="0"/>
-                                </a:rPr>
-                                <m:t>𝑥</m:t>
-                              </m:r>
-                            </m:e>
-                            <m:sub>
-                              <m:r>
-                                <a:rPr lang="uk-UA" sz="2400" i="1">
-                                  <a:latin typeface="Cambria Math" panose="02040503050406030204" pitchFamily="18" charset="0"/>
-                                </a:rPr>
-                                <m:t>𝑖</m:t>
-                              </m:r>
-                            </m:sub>
-                          </m:sSub>
-                          <m:r>
-                            <a:rPr lang="uk-UA" sz="2400">
-                              <a:latin typeface="Cambria Math" panose="02040503050406030204" pitchFamily="18" charset="0"/>
-                            </a:rPr>
-                            <m:t>, </m:t>
-                          </m:r>
-                          <m:sSub>
-                            <m:sSubPr>
-                              <m:ctrlPr>
-                                <a:rPr lang="ru-RU" sz="2400" i="1">
-                                  <a:latin typeface="Cambria Math" panose="02040503050406030204" pitchFamily="18" charset="0"/>
-                                </a:rPr>
-                              </m:ctrlPr>
-                            </m:sSubPr>
-                            <m:e>
-                              <m:r>
-                                <a:rPr lang="uk-UA" sz="2400" i="1">
-                                  <a:latin typeface="Cambria Math" panose="02040503050406030204" pitchFamily="18" charset="0"/>
-                                </a:rPr>
-                                <m:t>𝑡</m:t>
-                              </m:r>
-                            </m:e>
-                            <m:sub>
-                              <m:r>
-                                <a:rPr lang="uk-UA" sz="2400" i="1">
-                                  <a:latin typeface="Cambria Math" panose="02040503050406030204" pitchFamily="18" charset="0"/>
-                                </a:rPr>
-                                <m:t>𝑛</m:t>
-                              </m:r>
-                            </m:sub>
-                          </m:sSub>
-                        </m:e>
-                      </m:d>
-                    </m:oMath>
-                  </m:oMathPara>
-                </a14:m>
-                <a:endParaRPr lang="ru-RU" sz="2400" dirty="0"/>
-              </a:p>
-            </p:txBody>
-          </p:sp>
-        </mc:Choice>
-        <mc:Fallback xmlns="">
-          <p:sp>
-            <p:nvSpPr>
-              <p:cNvPr id="3" name="Прямоугольник 2"/>
-              <p:cNvSpPr>
-                <a:spLocks noRot="1" noChangeAspect="1" noMove="1" noResize="1" noEditPoints="1" noAdjustHandles="1" noChangeArrowheads="1" noChangeShapeType="1" noTextEdit="1"/>
-              </p:cNvSpPr>
-              <p:nvPr/>
-            </p:nvSpPr>
-            <p:spPr>
-              <a:xfrm>
-                <a:off x="2304077" y="1799917"/>
-                <a:ext cx="7866577" cy="952761"/>
-              </a:xfrm>
-              <a:prstGeom prst="rect">
-                <a:avLst/>
-              </a:prstGeom>
-              <a:blipFill rotWithShape="0">
-                <a:blip r:embed="rId4"/>
-                <a:stretch>
-                  <a:fillRect/>
-                </a:stretch>
-              </a:blipFill>
-            </p:spPr>
-            <p:txBody>
-              <a:bodyPr/>
-              <a:lstStyle/>
-              <a:p>
-                <a:r>
-                  <a:rPr lang="ru-RU">
-                    <a:noFill/>
-                  </a:rPr>
-                  <a:t> </a:t>
-                </a:r>
-              </a:p>
-            </p:txBody>
-          </p:sp>
-        </mc:Fallback>
-      </mc:AlternateContent>
-      <p:pic>
-        <p:nvPicPr>
-          <p:cNvPr id="7" name="Рисунок 6"/>
-          <p:cNvPicPr/>
-          <p:nvPr/>
-        </p:nvPicPr>
-        <p:blipFill>
-          <a:blip r:embed="rId5" cstate="print">
-            <a:extLst>
-              <a:ext uri="{28A0092B-C50C-407E-A947-70E740481C1C}">
-                <a14:useLocalDpi xmlns:a14="http://schemas.microsoft.com/office/drawing/2010/main" val="0"/>
-              </a:ext>
-            </a:extLst>
-          </a:blip>
-          <a:srcRect/>
-          <a:stretch>
-            <a:fillRect/>
-          </a:stretch>
-        </p:blipFill>
-        <p:spPr bwMode="auto">
-          <a:xfrm>
-            <a:off x="3437409" y="2602700"/>
-            <a:ext cx="5299395" cy="3544100"/>
-          </a:xfrm>
-          <a:prstGeom prst="rect">
-            <a:avLst/>
-          </a:prstGeom>
-          <a:noFill/>
-          <a:ln>
-            <a:noFill/>
-          </a:ln>
-        </p:spPr>
-      </p:pic>
-      <mc:AlternateContent xmlns:mc="http://schemas.openxmlformats.org/markup-compatibility/2006" xmlns:a14="http://schemas.microsoft.com/office/drawing/2010/main">
-        <mc:Choice Requires="a14">
-          <p:sp>
-            <p:nvSpPr>
-              <p:cNvPr id="8" name="Прямоугольник 7"/>
-              <p:cNvSpPr/>
-              <p:nvPr/>
-            </p:nvSpPr>
-            <p:spPr>
-              <a:xfrm>
-                <a:off x="8696019" y="2678402"/>
-                <a:ext cx="2949269" cy="369909"/>
-              </a:xfrm>
-              <a:prstGeom prst="rect">
-                <a:avLst/>
-              </a:prstGeom>
-            </p:spPr>
-            <p:txBody>
-              <a:bodyPr wrap="none">
-                <a:spAutoFit/>
-              </a:bodyPr>
-              <a:lstStyle/>
-              <a:p>
-                <a:pPr/>
-                <a14:m>
-                  <m:oMathPara xmlns:m="http://schemas.openxmlformats.org/officeDocument/2006/math">
-                    <m:oMathParaPr>
-                      <m:jc m:val="centerGroup"/>
-                    </m:oMathParaPr>
-                    <m:oMath xmlns:m="http://schemas.openxmlformats.org/officeDocument/2006/math">
-                      <m:r>
-                        <a:rPr lang="ru-RU" i="1">
-                          <a:latin typeface="Cambria Math" panose="02040503050406030204" pitchFamily="18" charset="0"/>
-                        </a:rPr>
-                        <m:t>𝑖</m:t>
-                      </m:r>
-                      <m:r>
-                        <a:rPr lang="ru-RU" i="0">
-                          <a:latin typeface="Cambria Math" panose="02040503050406030204" pitchFamily="18" charset="0"/>
-                        </a:rPr>
-                        <m:t>= </m:t>
-                      </m:r>
-                      <m:acc>
-                        <m:accPr>
-                          <m:chr m:val="̅"/>
-                          <m:ctrlPr>
-                            <a:rPr lang="ru-RU" i="1">
-                              <a:latin typeface="Cambria Math" panose="02040503050406030204" pitchFamily="18" charset="0"/>
-                            </a:rPr>
-                          </m:ctrlPr>
-                        </m:accPr>
-                        <m:e>
-                          <m:r>
-                            <a:rPr lang="ru-RU" i="0">
-                              <a:latin typeface="Cambria Math" panose="02040503050406030204" pitchFamily="18" charset="0"/>
-                            </a:rPr>
-                            <m:t>1,</m:t>
-                          </m:r>
-                          <m:sSub>
-                            <m:sSubPr>
-                              <m:ctrlPr>
-                                <a:rPr lang="ru-RU" i="1">
-                                  <a:latin typeface="Cambria Math" panose="02040503050406030204" pitchFamily="18" charset="0"/>
-                                </a:rPr>
-                              </m:ctrlPr>
-                            </m:sSubPr>
-                            <m:e>
-                              <m:r>
-                                <a:rPr lang="ru-RU" i="1">
-                                  <a:latin typeface="Cambria Math" panose="02040503050406030204" pitchFamily="18" charset="0"/>
-                                </a:rPr>
-                                <m:t>𝑁</m:t>
-                              </m:r>
-                            </m:e>
-                            <m:sub>
-                              <m:r>
-                                <a:rPr lang="ru-RU" i="1">
-                                  <a:latin typeface="Cambria Math" panose="02040503050406030204" pitchFamily="18" charset="0"/>
-                                </a:rPr>
-                                <m:t>𝑥</m:t>
-                              </m:r>
-                            </m:sub>
-                          </m:sSub>
-                          <m:r>
-                            <a:rPr lang="ru-RU" i="0">
-                              <a:latin typeface="Cambria Math" panose="02040503050406030204" pitchFamily="18" charset="0"/>
-                            </a:rPr>
-                            <m:t>−1</m:t>
-                          </m:r>
-                        </m:e>
-                      </m:acc>
-                      <m:r>
-                        <a:rPr lang="ru-RU" i="0">
-                          <a:latin typeface="Cambria Math" panose="02040503050406030204" pitchFamily="18" charset="0"/>
-                        </a:rPr>
-                        <m:t>  </m:t>
-                      </m:r>
-                      <m:r>
-                        <a:rPr lang="ru-RU" i="1">
-                          <a:latin typeface="Cambria Math" panose="02040503050406030204" pitchFamily="18" charset="0"/>
-                        </a:rPr>
-                        <m:t>𝑛</m:t>
-                      </m:r>
-                      <m:r>
-                        <a:rPr lang="ru-RU" i="0">
-                          <a:latin typeface="Cambria Math" panose="02040503050406030204" pitchFamily="18" charset="0"/>
-                        </a:rPr>
-                        <m:t>=</m:t>
-                      </m:r>
-                      <m:acc>
-                        <m:accPr>
-                          <m:chr m:val="̅"/>
-                          <m:ctrlPr>
-                            <a:rPr lang="ru-RU" i="1">
-                              <a:latin typeface="Cambria Math" panose="02040503050406030204" pitchFamily="18" charset="0"/>
-                            </a:rPr>
-                          </m:ctrlPr>
-                        </m:accPr>
-                        <m:e>
-                          <m:r>
-                            <a:rPr lang="ru-RU" i="0">
-                              <a:latin typeface="Cambria Math" panose="02040503050406030204" pitchFamily="18" charset="0"/>
-                            </a:rPr>
-                            <m:t>0,</m:t>
-                          </m:r>
-                          <m:sSub>
-                            <m:sSubPr>
-                              <m:ctrlPr>
-                                <a:rPr lang="ru-RU" i="1">
-                                  <a:latin typeface="Cambria Math" panose="02040503050406030204" pitchFamily="18" charset="0"/>
-                                </a:rPr>
-                              </m:ctrlPr>
-                            </m:sSubPr>
-                            <m:e>
-                              <m:r>
-                                <a:rPr lang="ru-RU" i="1">
-                                  <a:latin typeface="Cambria Math" panose="02040503050406030204" pitchFamily="18" charset="0"/>
-                                </a:rPr>
-                                <m:t>𝑁</m:t>
-                              </m:r>
-                            </m:e>
-                            <m:sub>
-                              <m:r>
-                                <a:rPr lang="ru-RU" i="1">
-                                  <a:latin typeface="Cambria Math" panose="02040503050406030204" pitchFamily="18" charset="0"/>
-                                </a:rPr>
-                                <m:t>𝑡</m:t>
-                              </m:r>
-                            </m:sub>
-                          </m:sSub>
-                          <m:r>
-                            <a:rPr lang="ru-RU" i="0">
-                              <a:latin typeface="Cambria Math" panose="02040503050406030204" pitchFamily="18" charset="0"/>
-                            </a:rPr>
-                            <m:t>−1</m:t>
-                          </m:r>
-                        </m:e>
-                      </m:acc>
-                    </m:oMath>
-                  </m:oMathPara>
-                </a14:m>
-                <a:endParaRPr lang="ru-RU" dirty="0"/>
-              </a:p>
-            </p:txBody>
-          </p:sp>
-        </mc:Choice>
-        <mc:Fallback xmlns="">
-          <p:sp>
-            <p:nvSpPr>
-              <p:cNvPr id="8" name="Прямоугольник 7"/>
-              <p:cNvSpPr>
-                <a:spLocks noRot="1" noChangeAspect="1" noMove="1" noResize="1" noEditPoints="1" noAdjustHandles="1" noChangeArrowheads="1" noChangeShapeType="1" noTextEdit="1"/>
-              </p:cNvSpPr>
-              <p:nvPr/>
-            </p:nvSpPr>
-            <p:spPr>
-              <a:xfrm>
-                <a:off x="8696019" y="2678402"/>
-                <a:ext cx="2949269" cy="369909"/>
-              </a:xfrm>
-              <a:prstGeom prst="rect">
-                <a:avLst/>
-              </a:prstGeom>
-              <a:blipFill rotWithShape="0">
-                <a:blip r:embed="rId6"/>
-                <a:stretch>
-                  <a:fillRect/>
-                </a:stretch>
-              </a:blipFill>
-            </p:spPr>
-            <p:txBody>
-              <a:bodyPr/>
-              <a:lstStyle/>
-              <a:p>
-                <a:r>
-                  <a:rPr lang="ru-RU">
-                    <a:noFill/>
-                  </a:rPr>
-                  <a:t> </a:t>
-                </a:r>
-              </a:p>
-            </p:txBody>
-          </p:sp>
-        </mc:Fallback>
-      </mc:AlternateContent>
+        </p:nvGraphicFramePr>
+        <p:xfrm>
+          <a:off x="1803149" y="1155032"/>
+          <a:ext cx="8807116" cy="5204088"/>
+        </p:xfrm>
+        <a:graphic>
+          <a:graphicData uri="http://schemas.openxmlformats.org/drawingml/2006/chart">
+            <c:chart xmlns:c="http://schemas.openxmlformats.org/drawingml/2006/chart" xmlns:r="http://schemas.openxmlformats.org/officeDocument/2006/relationships" r:id="rId3"/>
+          </a:graphicData>
+        </a:graphic>
+      </p:graphicFrame>
     </p:spTree>
     <p:extLst>
       <p:ext uri="{BB962C8B-B14F-4D97-AF65-F5344CB8AC3E}">

--- a/Presentation.pptx
+++ b/Presentation.pptx
@@ -3895,12 +3895,12 @@
             </c:spPr>
           </c:bandFmt>
         </c:bandFmts>
-        <c:axId val="369687008"/>
-        <c:axId val="369690144"/>
-        <c:axId val="373113488"/>
+        <c:axId val="269181928"/>
+        <c:axId val="269183496"/>
+        <c:axId val="270077288"/>
       </c:surface3DChart>
       <c:catAx>
-        <c:axId val="369687008"/>
+        <c:axId val="269181928"/>
         <c:scaling>
           <c:orientation val="minMax"/>
         </c:scaling>
@@ -3988,7 +3988,7 @@
             <a:endParaRPr lang="ru-RU"/>
           </a:p>
         </c:txPr>
-        <c:crossAx val="369690144"/>
+        <c:crossAx val="269183496"/>
         <c:crosses val="autoZero"/>
         <c:auto val="1"/>
         <c:lblAlgn val="ctr"/>
@@ -3996,7 +3996,7 @@
         <c:noMultiLvlLbl val="0"/>
       </c:catAx>
       <c:valAx>
-        <c:axId val="369690144"/>
+        <c:axId val="269183496"/>
         <c:scaling>
           <c:orientation val="minMax"/>
         </c:scaling>
@@ -4094,12 +4094,12 @@
             <a:endParaRPr lang="ru-RU"/>
           </a:p>
         </c:txPr>
-        <c:crossAx val="369687008"/>
+        <c:crossAx val="269181928"/>
         <c:crosses val="autoZero"/>
         <c:crossBetween val="midCat"/>
       </c:valAx>
       <c:serAx>
-        <c:axId val="373113488"/>
+        <c:axId val="270077288"/>
         <c:scaling>
           <c:orientation val="minMax"/>
         </c:scaling>
@@ -4187,7 +4187,7 @@
             <a:endParaRPr lang="ru-RU"/>
           </a:p>
         </c:txPr>
-        <c:crossAx val="369690144"/>
+        <c:crossAx val="269183496"/>
         <c:crosses val="autoZero"/>
       </c:serAx>
       <c:spPr>
@@ -4315,7 +4315,7 @@
           <a:p>
             <a:fld id="{4682978A-0831-4744-AEC0-4F32A7050A01}" type="datetimeFigureOut">
               <a:rPr lang="ru-RU" smtClean="0"/>
-              <a:t>28.05.2019</a:t>
+              <a:t>29.05.2019</a:t>
             </a:fld>
             <a:endParaRPr lang="ru-RU"/>
           </a:p>
@@ -4801,31 +4801,7 @@
                 <a:ea typeface="+mn-ea"/>
                 <a:cs typeface="+mn-cs"/>
               </a:rPr>
-              <a:t>йому </a:t>
-            </a:r>
-            <a:r>
-              <a:rPr lang="uk-UA" sz="1200" kern="1200" baseline="0" dirty="0" smtClean="0">
-                <a:solidFill>
-                  <a:schemeClr val="tx1"/>
-                </a:solidFill>
-                <a:effectLst/>
-                <a:latin typeface="+mn-lt"/>
-                <a:ea typeface="+mn-ea"/>
-                <a:cs typeface="+mn-cs"/>
-              </a:rPr>
-              <a:t>певну кількість тепла. Будемо спостерігати за температурою на кожній точці стержня з плином часу. Такий процес описує така крайова задача</a:t>
-            </a:r>
-            <a:r>
-              <a:rPr lang="uk-UA" sz="1200" kern="1200" baseline="0" dirty="0" smtClean="0">
-                <a:solidFill>
-                  <a:schemeClr val="tx1"/>
-                </a:solidFill>
-                <a:effectLst/>
-                <a:latin typeface="+mn-lt"/>
-                <a:ea typeface="+mn-ea"/>
-                <a:cs typeface="+mn-cs"/>
-              </a:rPr>
-              <a:t>:</a:t>
+              <a:t>йому певну кількість тепла. Будемо спостерігати за температурою на кожній точці стержня з плином часу. Такий процес описує така крайова задача:</a:t>
             </a:r>
             <a:endParaRPr lang="uk-UA" dirty="0" smtClean="0"/>
           </a:p>
@@ -4917,23 +4893,7 @@
             </a:r>
             <a:r>
               <a:rPr lang="uk-UA" baseline="0" dirty="0" smtClean="0"/>
-              <a:t> дано неоднорідне диференціальне рівняння теплопровідності з неоднорідними крайовими </a:t>
-            </a:r>
-            <a:r>
-              <a:rPr lang="uk-UA" baseline="0" dirty="0" smtClean="0"/>
-              <a:t>та неоднорідними початковими </a:t>
-            </a:r>
-            <a:r>
-              <a:rPr lang="uk-UA" baseline="0" dirty="0" smtClean="0"/>
-              <a:t>умовами. </a:t>
-            </a:r>
-            <a:r>
-              <a:rPr lang="uk-UA" baseline="0" dirty="0" smtClean="0"/>
-              <a:t>Необхідно </a:t>
-            </a:r>
-            <a:r>
-              <a:rPr lang="uk-UA" baseline="0" dirty="0" smtClean="0"/>
-              <a:t>знайти наближений розв’язок даної </a:t>
+              <a:t> дано неоднорідне диференціальне рівняння теплопровідності з неоднорідними крайовими та неоднорідними початковими умовами. Необхідно знайти наближений розв’язок даної </a:t>
             </a:r>
             <a:r>
               <a:rPr lang="uk-UA" baseline="0" noProof="0" dirty="0" smtClean="0"/>
@@ -5090,31 +5050,7 @@
             </a:r>
             <a:r>
               <a:rPr lang="uk-UA" baseline="0" dirty="0" smtClean="0"/>
-              <a:t> методу сіток, область визначення функції покривається точками з певним кроком по часу та по координатній прямій. Така множина </a:t>
-            </a:r>
-            <a:r>
-              <a:rPr lang="uk-UA" baseline="0" dirty="0" smtClean="0"/>
-              <a:t>точок називається </a:t>
-            </a:r>
-            <a:r>
-              <a:rPr lang="uk-UA" baseline="0" dirty="0" smtClean="0"/>
-              <a:t>сітковою областю. Будемо шукати наближені значення невідомої функції у внутрішніх точках </a:t>
-            </a:r>
-            <a:r>
-              <a:rPr lang="uk-UA" baseline="0" dirty="0" smtClean="0"/>
-              <a:t>сітки. Похідні </a:t>
-            </a:r>
-            <a:r>
-              <a:rPr lang="uk-UA" baseline="0" dirty="0" smtClean="0"/>
-              <a:t>у рівнянні апроксимуються різницевими аналогами </a:t>
-            </a:r>
-            <a:r>
-              <a:rPr lang="uk-UA" baseline="0" dirty="0" smtClean="0"/>
-              <a:t>і в </a:t>
-            </a:r>
-            <a:r>
-              <a:rPr lang="uk-UA" baseline="0" dirty="0" smtClean="0"/>
-              <a:t>залежності від обраної різницевої апроксимації можемо отримати 2 так званих різницевих шаблони. </a:t>
+              <a:t> методу сіток, область визначення функції покривається точками з певним кроком по часу та по координатній прямій. Така множина точок називається сітковою областю. Будемо шукати наближені значення невідомої функції у внутрішніх точках сітки. Похідні у рівнянні апроксимуються різницевими аналогами і в залежності від обраної різницевої апроксимації можемо отримати 2 так званих різницевих шаблони. </a:t>
             </a:r>
             <a:endParaRPr lang="ru-RU" dirty="0"/>
           </a:p>
@@ -5243,19 +5179,7 @@
                 <a:ea typeface="+mn-ea"/>
                 <a:cs typeface="+mn-cs"/>
               </a:rPr>
-              <a:t> чином, ми отримаємо всі невідомі значення у вузлах сітки, знаючи значення на першому часовому шарі та на крайових точка сітки. </a:t>
-            </a:r>
-            <a:r>
-              <a:rPr lang="uk-UA" sz="1200" kern="1200" baseline="0" dirty="0" smtClean="0">
-                <a:solidFill>
-                  <a:schemeClr val="tx1"/>
-                </a:solidFill>
-                <a:effectLst/>
-                <a:latin typeface="+mn-lt"/>
-                <a:ea typeface="+mn-ea"/>
-                <a:cs typeface="+mn-cs"/>
-              </a:rPr>
-              <a:t>Не дивлячись на це, ця схема є стійкою лише за такої умови: Стійкість означає, що похибка, при обчислені наступного наближеного значення не буде досить великою, і не буде накопичуватися.</a:t>
+              <a:t> чином, ми отримаємо всі невідомі значення у вузлах сітки, знаючи значення на першому часовому шарі та на крайових точка сітки. Не дивлячись на це, ця схема є стійкою лише за такої умови: Стійкість означає, що похибка, при обчислені наступного наближеного значення не буде досить великою, і не буде накопичуватися.</a:t>
             </a:r>
             <a:endParaRPr lang="ru-RU" sz="1200" kern="1200" dirty="0" smtClean="0">
               <a:solidFill>
@@ -5559,19 +5483,7 @@
                 <a:ea typeface="+mn-ea"/>
                 <a:cs typeface="+mn-cs"/>
               </a:rPr>
-              <a:t> звичайний метод Гауса. Ми можемо модифікувати його, не беручи до уваги нулі матриці</a:t>
-            </a:r>
-            <a:r>
-              <a:rPr lang="uk-UA" sz="1200" kern="1200" baseline="0" dirty="0" smtClean="0">
-                <a:solidFill>
-                  <a:schemeClr val="tx1"/>
-                </a:solidFill>
-                <a:effectLst/>
-                <a:latin typeface="+mn-lt"/>
-                <a:ea typeface="+mn-ea"/>
-                <a:cs typeface="+mn-cs"/>
-              </a:rPr>
-              <a:t>. Неявна шаблон не має обмежень за стійкістю.</a:t>
+              <a:t> звичайний метод Гауса. Ми можемо модифікувати його, не беручи до уваги нулі матриці. Неявна шаблон не має обмежень за стійкістю.</a:t>
             </a:r>
             <a:endParaRPr lang="ru-RU" sz="1200" kern="1200" dirty="0">
               <a:solidFill>
@@ -6023,7 +5935,7 @@
           <a:p>
             <a:fld id="{48A87A34-81AB-432B-8DAE-1953F412C126}" type="datetimeFigureOut">
               <a:rPr lang="en-US" smtClean="0"/>
-              <a:t>5/28/2019</a:t>
+              <a:t>5/29/2019</a:t>
             </a:fld>
             <a:endParaRPr lang="en-US" dirty="0"/>
           </a:p>
@@ -6231,7 +6143,7 @@
           <a:p>
             <a:fld id="{48A87A34-81AB-432B-8DAE-1953F412C126}" type="datetimeFigureOut">
               <a:rPr lang="en-US" smtClean="0"/>
-              <a:t>5/28/2019</a:t>
+              <a:t>5/29/2019</a:t>
             </a:fld>
             <a:endParaRPr lang="en-US" dirty="0"/>
           </a:p>
@@ -6487,7 +6399,7 @@
           <a:p>
             <a:fld id="{48A87A34-81AB-432B-8DAE-1953F412C126}" type="datetimeFigureOut">
               <a:rPr lang="en-US" smtClean="0"/>
-              <a:t>5/28/2019</a:t>
+              <a:t>5/29/2019</a:t>
             </a:fld>
             <a:endParaRPr lang="en-US" dirty="0"/>
           </a:p>
@@ -6661,7 +6573,7 @@
           <a:p>
             <a:fld id="{48A87A34-81AB-432B-8DAE-1953F412C126}" type="datetimeFigureOut">
               <a:rPr lang="en-US" smtClean="0"/>
-              <a:t>5/28/2019</a:t>
+              <a:t>5/29/2019</a:t>
             </a:fld>
             <a:endParaRPr lang="en-US" dirty="0"/>
           </a:p>
@@ -7004,7 +6916,7 @@
           <a:p>
             <a:fld id="{48A87A34-81AB-432B-8DAE-1953F412C126}" type="datetimeFigureOut">
               <a:rPr lang="en-US" smtClean="0"/>
-              <a:t>5/28/2019</a:t>
+              <a:t>5/29/2019</a:t>
             </a:fld>
             <a:endParaRPr lang="en-US" dirty="0"/>
           </a:p>
@@ -7279,7 +7191,7 @@
           <a:p>
             <a:fld id="{48A87A34-81AB-432B-8DAE-1953F412C126}" type="datetimeFigureOut">
               <a:rPr lang="en-US" smtClean="0"/>
-              <a:t>5/28/2019</a:t>
+              <a:t>5/29/2019</a:t>
             </a:fld>
             <a:endParaRPr lang="en-US" dirty="0"/>
           </a:p>
@@ -7658,7 +7570,7 @@
           <a:p>
             <a:fld id="{48A87A34-81AB-432B-8DAE-1953F412C126}" type="datetimeFigureOut">
               <a:rPr lang="en-US" smtClean="0"/>
-              <a:t>5/28/2019</a:t>
+              <a:t>5/29/2019</a:t>
             </a:fld>
             <a:endParaRPr lang="en-US" dirty="0"/>
           </a:p>
@@ -7776,7 +7688,7 @@
           <a:p>
             <a:fld id="{48A87A34-81AB-432B-8DAE-1953F412C126}" type="datetimeFigureOut">
               <a:rPr lang="en-US" smtClean="0"/>
-              <a:t>5/28/2019</a:t>
+              <a:t>5/29/2019</a:t>
             </a:fld>
             <a:endParaRPr lang="en-US" dirty="0"/>
           </a:p>
@@ -7947,7 +7859,7 @@
           <a:p>
             <a:fld id="{48A87A34-81AB-432B-8DAE-1953F412C126}" type="datetimeFigureOut">
               <a:rPr lang="en-US" smtClean="0"/>
-              <a:t>5/28/2019</a:t>
+              <a:t>5/29/2019</a:t>
             </a:fld>
             <a:endParaRPr lang="en-US" dirty="0"/>
           </a:p>
@@ -8301,7 +8213,7 @@
           <a:p>
             <a:fld id="{48A87A34-81AB-432B-8DAE-1953F412C126}" type="datetimeFigureOut">
               <a:rPr lang="en-US" smtClean="0"/>
-              <a:t>5/28/2019</a:t>
+              <a:t>5/29/2019</a:t>
             </a:fld>
             <a:endParaRPr lang="en-US" dirty="0"/>
           </a:p>
@@ -8683,7 +8595,7 @@
           <a:p>
             <a:fld id="{48A87A34-81AB-432B-8DAE-1953F412C126}" type="datetimeFigureOut">
               <a:rPr lang="en-US" smtClean="0"/>
-              <a:t>5/28/2019</a:t>
+              <a:t>5/29/2019</a:t>
             </a:fld>
             <a:endParaRPr lang="en-US" dirty="0"/>
           </a:p>
@@ -8971,7 +8883,7 @@
             <a:fld id="{48A87A34-81AB-432B-8DAE-1953F412C126}" type="datetimeFigureOut">
               <a:rPr lang="en-US" smtClean="0"/>
               <a:pPr/>
-              <a:t>5/28/2019</a:t>
+              <a:t>5/29/2019</a:t>
             </a:fld>
             <a:endParaRPr lang="en-US" dirty="0"/>
           </a:p>
@@ -9661,14 +9573,7 @@
                 <a:latin typeface="Times New Roman" panose="02020603050405020304" pitchFamily="18" charset="0"/>
                 <a:cs typeface="Times New Roman" panose="02020603050405020304" pitchFamily="18" charset="0"/>
               </a:rPr>
-              <a:t>Л</a:t>
-            </a:r>
-            <a:r>
-              <a:rPr lang="uk-UA" dirty="0" smtClean="0">
-                <a:latin typeface="Times New Roman" panose="02020603050405020304" pitchFamily="18" charset="0"/>
-                <a:cs typeface="Times New Roman" panose="02020603050405020304" pitchFamily="18" charset="0"/>
-              </a:rPr>
-              <a:t>. Т. Бойко</a:t>
+              <a:t>Л. Т. Бойко</a:t>
             </a:r>
             <a:endParaRPr lang="ru-RU" dirty="0">
               <a:latin typeface="Times New Roman" panose="02020603050405020304" pitchFamily="18" charset="0"/>
@@ -9728,6 +9633,9 @@
   <p:clrMapOvr>
     <a:masterClrMapping/>
   </p:clrMapOvr>
+  <p:transition spd="slow">
+    <p:push dir="u"/>
+  </p:transition>
   <p:timing>
     <p:tnLst>
       <p:par>
@@ -10066,14 +9974,14 @@
       </p:grpSp>
       <p:sp>
         <p:nvSpPr>
-          <p:cNvPr id="9" name="Стрелка вниз 8"/>
+          <p:cNvPr id="4" name="Стрелка вниз 3"/>
           <p:cNvSpPr/>
           <p:nvPr/>
         </p:nvSpPr>
         <p:spPr>
-          <a:xfrm rot="19653328">
-            <a:off x="5309100" y="2178235"/>
-            <a:ext cx="262053" cy="1930295"/>
+          <a:xfrm>
+            <a:off x="1954211" y="2098623"/>
+            <a:ext cx="369264" cy="1813810"/>
           </a:xfrm>
           <a:prstGeom prst="downArrow">
             <a:avLst/>
@@ -10106,14 +10014,14 @@
       </p:sp>
       <p:sp>
         <p:nvSpPr>
-          <p:cNvPr id="10" name="Стрелка вниз 9"/>
+          <p:cNvPr id="12" name="Стрелка вниз 11"/>
           <p:cNvSpPr/>
           <p:nvPr/>
         </p:nvSpPr>
         <p:spPr>
-          <a:xfrm rot="1636334">
-            <a:off x="6775821" y="2198395"/>
-            <a:ext cx="285625" cy="1920000"/>
+          <a:xfrm>
+            <a:off x="10162374" y="2098623"/>
+            <a:ext cx="369264" cy="1813810"/>
           </a:xfrm>
           <a:prstGeom prst="downArrow">
             <a:avLst/>
@@ -10146,14 +10054,14 @@
       </p:sp>
       <p:sp>
         <p:nvSpPr>
-          <p:cNvPr id="11" name="Стрелка вниз 10"/>
+          <p:cNvPr id="13" name="Стрелка вниз 12"/>
           <p:cNvSpPr/>
           <p:nvPr/>
         </p:nvSpPr>
         <p:spPr>
-          <a:xfrm rot="494287">
-            <a:off x="6209872" y="1962643"/>
-            <a:ext cx="283868" cy="1993901"/>
+          <a:xfrm>
+            <a:off x="6058292" y="2059038"/>
+            <a:ext cx="369264" cy="1813810"/>
           </a:xfrm>
           <a:prstGeom prst="downArrow">
             <a:avLst/>
@@ -10194,6 +10102,9 @@
   <p:clrMapOvr>
     <a:masterClrMapping/>
   </p:clrMapOvr>
+  <p:transition spd="slow">
+    <p:push dir="u"/>
+  </p:transition>
   <p:timing>
     <p:tnLst>
       <p:par>
@@ -11174,6 +11085,9 @@
   <p:clrMapOvr>
     <a:masterClrMapping/>
   </p:clrMapOvr>
+  <p:transition spd="slow">
+    <p:push dir="u"/>
+  </p:transition>
   <p:timing>
     <p:tnLst>
       <p:par>
@@ -11272,8 +11186,8 @@
           </a:extLst>
         </p:spPr>
       </p:pic>
-      <mc:AlternateContent xmlns:mc="http://schemas.openxmlformats.org/markup-compatibility/2006">
-        <mc:Choice xmlns:a14="http://schemas.microsoft.com/office/drawing/2010/main" Requires="a14">
+      <mc:AlternateContent xmlns:mc="http://schemas.openxmlformats.org/markup-compatibility/2006" xmlns:a14="http://schemas.microsoft.com/office/drawing/2010/main">
+        <mc:Choice Requires="a14">
           <p:graphicFrame>
             <p:nvGraphicFramePr>
               <p:cNvPr id="3" name="Таблица 2"/>
@@ -11290,7 +11204,7 @@
             </p:nvGraphicFramePr>
             <p:xfrm>
               <a:off x="5944084" y="2079949"/>
-              <a:ext cx="6815676" cy="3257982"/>
+              <a:ext cx="6815676" cy="3259454"/>
             </p:xfrm>
             <a:graphic>
               <a:graphicData uri="http://schemas.openxmlformats.org/drawingml/2006/table">
@@ -11324,8 +11238,9 @@
                                 <m:f>
                                   <m:fPr>
                                     <m:ctrlPr>
-                                      <a:rPr lang="ru-RU" sz="2200" b="1" smtClean="0">
+                                      <a:rPr lang="ru-RU" sz="2200" b="1" i="1" smtClean="0">
                                         <a:effectLst/>
+                                        <a:latin typeface="Cambria Math" panose="02040503050406030204" pitchFamily="18" charset="0"/>
                                       </a:rPr>
                                     </m:ctrlPr>
                                   </m:fPr>
@@ -11333,12 +11248,14 @@
                                     <m:r>
                                       <a:rPr lang="uk-UA" sz="2200" b="1" i="1">
                                         <a:effectLst/>
+                                        <a:latin typeface="Cambria Math" panose="02040503050406030204" pitchFamily="18" charset="0"/>
                                       </a:rPr>
                                       <m:t>𝛛</m:t>
                                     </m:r>
                                     <m:r>
                                       <a:rPr lang="uk-UA" sz="2200" b="1" i="1">
                                         <a:effectLst/>
+                                        <a:latin typeface="Cambria Math" panose="02040503050406030204" pitchFamily="18" charset="0"/>
                                       </a:rPr>
                                       <m:t>𝐮</m:t>
                                     </m:r>
@@ -11347,12 +11264,14 @@
                                     <m:r>
                                       <a:rPr lang="uk-UA" sz="2200" b="1" i="1">
                                         <a:effectLst/>
+                                        <a:latin typeface="Cambria Math" panose="02040503050406030204" pitchFamily="18" charset="0"/>
                                       </a:rPr>
                                       <m:t>𝛛</m:t>
                                     </m:r>
                                     <m:r>
                                       <a:rPr lang="uk-UA" sz="2200" b="1" i="1">
                                         <a:effectLst/>
+                                        <a:latin typeface="Cambria Math" panose="02040503050406030204" pitchFamily="18" charset="0"/>
                                       </a:rPr>
                                       <m:t>𝐱</m:t>
                                     </m:r>
@@ -11361,8 +11280,9 @@
                                 <m:d>
                                   <m:dPr>
                                     <m:ctrlPr>
-                                      <a:rPr lang="ru-RU" sz="2200" b="1">
+                                      <a:rPr lang="ru-RU" sz="2200" b="1" i="1">
                                         <a:effectLst/>
+                                        <a:latin typeface="Cambria Math" panose="02040503050406030204" pitchFamily="18" charset="0"/>
                                       </a:rPr>
                                     </m:ctrlPr>
                                   </m:dPr>
@@ -11370,8 +11290,9 @@
                                     <m:sSub>
                                       <m:sSubPr>
                                         <m:ctrlPr>
-                                          <a:rPr lang="ru-RU" sz="2200" b="1" smtClean="0">
+                                          <a:rPr lang="ru-RU" sz="2200" b="1" i="1" smtClean="0">
                                             <a:effectLst/>
+                                            <a:latin typeface="Cambria Math" panose="02040503050406030204" pitchFamily="18" charset="0"/>
                                           </a:rPr>
                                         </m:ctrlPr>
                                       </m:sSubPr>
@@ -11379,6 +11300,7 @@
                                         <m:r>
                                           <a:rPr lang="uk-UA" sz="2200" b="1" i="1">
                                             <a:effectLst/>
+                                            <a:latin typeface="Cambria Math" panose="02040503050406030204" pitchFamily="18" charset="0"/>
                                           </a:rPr>
                                           <m:t>𝐱</m:t>
                                         </m:r>
@@ -11387,6 +11309,7 @@
                                         <m:r>
                                           <a:rPr lang="uk-UA" sz="2200" b="1" i="1">
                                             <a:effectLst/>
+                                            <a:latin typeface="Cambria Math" panose="02040503050406030204" pitchFamily="18" charset="0"/>
                                           </a:rPr>
                                           <m:t>𝐢</m:t>
                                         </m:r>
@@ -11395,14 +11318,16 @@
                                     <m:r>
                                       <a:rPr lang="uk-UA" sz="2200" b="1">
                                         <a:effectLst/>
+                                        <a:latin typeface="Cambria Math" panose="02040503050406030204" pitchFamily="18" charset="0"/>
                                       </a:rPr>
                                       <m:t>, </m:t>
                                     </m:r>
                                     <m:sSub>
                                       <m:sSubPr>
                                         <m:ctrlPr>
-                                          <a:rPr lang="ru-RU" sz="2200" b="1">
+                                          <a:rPr lang="ru-RU" sz="2200" b="1" i="1">
                                             <a:effectLst/>
+                                            <a:latin typeface="Cambria Math" panose="02040503050406030204" pitchFamily="18" charset="0"/>
                                           </a:rPr>
                                         </m:ctrlPr>
                                       </m:sSubPr>
@@ -11410,6 +11335,7 @@
                                         <m:r>
                                           <a:rPr lang="uk-UA" sz="2200" b="1" i="1">
                                             <a:effectLst/>
+                                            <a:latin typeface="Cambria Math" panose="02040503050406030204" pitchFamily="18" charset="0"/>
                                           </a:rPr>
                                           <m:t>𝐭</m:t>
                                         </m:r>
@@ -11418,6 +11344,7 @@
                                         <m:r>
                                           <a:rPr lang="uk-UA" sz="2200" b="1" i="1">
                                             <a:effectLst/>
+                                            <a:latin typeface="Cambria Math" panose="02040503050406030204" pitchFamily="18" charset="0"/>
                                           </a:rPr>
                                           <m:t>𝐧</m:t>
                                         </m:r>
@@ -11436,14 +11363,16 @@
                                 <m:r>
                                   <a:rPr lang="uk-UA" sz="2200" b="1">
                                     <a:effectLst/>
+                                    <a:latin typeface="Cambria Math" panose="02040503050406030204" pitchFamily="18" charset="0"/>
                                   </a:rPr>
                                   <m:t> </m:t>
                                 </m:r>
                                 <m:f>
                                   <m:fPr>
                                     <m:ctrlPr>
-                                      <a:rPr lang="ru-RU" sz="2200" b="1">
+                                      <a:rPr lang="ru-RU" sz="2200" b="1" i="1">
                                         <a:effectLst/>
+                                        <a:latin typeface="Cambria Math" panose="02040503050406030204" pitchFamily="18" charset="0"/>
                                       </a:rPr>
                                     </m:ctrlPr>
                                   </m:fPr>
@@ -11451,14 +11380,16 @@
                                     <m:r>
                                       <a:rPr lang="uk-UA" sz="2200" b="1" i="1">
                                         <a:effectLst/>
+                                        <a:latin typeface="Cambria Math" panose="02040503050406030204" pitchFamily="18" charset="0"/>
                                       </a:rPr>
                                       <m:t>𝐮</m:t>
                                     </m:r>
                                     <m:d>
                                       <m:dPr>
                                         <m:ctrlPr>
-                                          <a:rPr lang="ru-RU" sz="2200" b="1">
+                                          <a:rPr lang="ru-RU" sz="2200" b="1" i="1">
                                             <a:effectLst/>
+                                            <a:latin typeface="Cambria Math" panose="02040503050406030204" pitchFamily="18" charset="0"/>
                                           </a:rPr>
                                         </m:ctrlPr>
                                       </m:dPr>
@@ -11466,8 +11397,9 @@
                                         <m:sSub>
                                           <m:sSubPr>
                                             <m:ctrlPr>
-                                              <a:rPr lang="ru-RU" sz="2200" b="1">
+                                              <a:rPr lang="ru-RU" sz="2200" b="1" i="1">
                                                 <a:effectLst/>
+                                                <a:latin typeface="Cambria Math" panose="02040503050406030204" pitchFamily="18" charset="0"/>
                                               </a:rPr>
                                             </m:ctrlPr>
                                           </m:sSubPr>
@@ -11475,6 +11407,7 @@
                                             <m:r>
                                               <a:rPr lang="uk-UA" sz="2200" b="1" i="1">
                                                 <a:effectLst/>
+                                                <a:latin typeface="Cambria Math" panose="02040503050406030204" pitchFamily="18" charset="0"/>
                                               </a:rPr>
                                               <m:t>𝐱</m:t>
                                             </m:r>
@@ -11483,18 +11416,21 @@
                                             <m:r>
                                               <a:rPr lang="uk-UA" sz="2200" b="1" i="1">
                                                 <a:effectLst/>
+                                                <a:latin typeface="Cambria Math" panose="02040503050406030204" pitchFamily="18" charset="0"/>
                                               </a:rPr>
                                               <m:t>𝐢</m:t>
                                             </m:r>
                                             <m:r>
                                               <a:rPr lang="uk-UA" sz="2200" b="1">
                                                 <a:effectLst/>
+                                                <a:latin typeface="Cambria Math" panose="02040503050406030204" pitchFamily="18" charset="0"/>
                                               </a:rPr>
                                               <m:t>+</m:t>
                                             </m:r>
                                             <m:r>
                                               <a:rPr lang="uk-UA" sz="2200" b="1" i="1">
                                                 <a:effectLst/>
+                                                <a:latin typeface="Cambria Math" panose="02040503050406030204" pitchFamily="18" charset="0"/>
                                               </a:rPr>
                                               <m:t>𝟏</m:t>
                                             </m:r>
@@ -11503,14 +11439,16 @@
                                         <m:r>
                                           <a:rPr lang="uk-UA" sz="2200" b="1">
                                             <a:effectLst/>
+                                            <a:latin typeface="Cambria Math" panose="02040503050406030204" pitchFamily="18" charset="0"/>
                                           </a:rPr>
                                           <m:t>,</m:t>
                                         </m:r>
                                         <m:sSub>
                                           <m:sSubPr>
                                             <m:ctrlPr>
-                                              <a:rPr lang="ru-RU" sz="2200" b="1">
+                                              <a:rPr lang="ru-RU" sz="2200" b="1" i="1">
                                                 <a:effectLst/>
+                                                <a:latin typeface="Cambria Math" panose="02040503050406030204" pitchFamily="18" charset="0"/>
                                               </a:rPr>
                                             </m:ctrlPr>
                                           </m:sSubPr>
@@ -11518,6 +11456,7 @@
                                             <m:r>
                                               <a:rPr lang="uk-UA" sz="2200" b="1" i="1">
                                                 <a:effectLst/>
+                                                <a:latin typeface="Cambria Math" panose="02040503050406030204" pitchFamily="18" charset="0"/>
                                               </a:rPr>
                                               <m:t>𝐭</m:t>
                                             </m:r>
@@ -11526,6 +11465,7 @@
                                             <m:r>
                                               <a:rPr lang="uk-UA" sz="2200" b="1" i="1">
                                                 <a:effectLst/>
+                                                <a:latin typeface="Cambria Math" panose="02040503050406030204" pitchFamily="18" charset="0"/>
                                               </a:rPr>
                                               <m:t>𝐧</m:t>
                                             </m:r>
@@ -11534,6 +11474,7 @@
                                         <m:r>
                                           <a:rPr lang="uk-UA" sz="2200" b="1">
                                             <a:effectLst/>
+                                            <a:latin typeface="Cambria Math" panose="02040503050406030204" pitchFamily="18" charset="0"/>
                                           </a:rPr>
                                           <m:t> </m:t>
                                         </m:r>
@@ -11542,26 +11483,30 @@
                                     <m:r>
                                       <a:rPr lang="uk-UA" sz="2200" b="1">
                                         <a:effectLst/>
+                                        <a:latin typeface="Cambria Math" panose="02040503050406030204" pitchFamily="18" charset="0"/>
                                       </a:rPr>
                                       <m:t>−</m:t>
                                     </m:r>
                                     <m:r>
                                       <a:rPr lang="uk-UA" sz="2200" b="1" i="1">
                                         <a:effectLst/>
+                                        <a:latin typeface="Cambria Math" panose="02040503050406030204" pitchFamily="18" charset="0"/>
                                       </a:rPr>
                                       <m:t>𝐮</m:t>
                                     </m:r>
                                     <m:r>
                                       <a:rPr lang="uk-UA" sz="2200" b="1">
                                         <a:effectLst/>
+                                        <a:latin typeface="Cambria Math" panose="02040503050406030204" pitchFamily="18" charset="0"/>
                                       </a:rPr>
                                       <m:t>(</m:t>
                                     </m:r>
                                     <m:sSub>
                                       <m:sSubPr>
                                         <m:ctrlPr>
-                                          <a:rPr lang="ru-RU" sz="2200" b="1">
+                                          <a:rPr lang="ru-RU" sz="2200" b="1" i="1">
                                             <a:effectLst/>
+                                            <a:latin typeface="Cambria Math" panose="02040503050406030204" pitchFamily="18" charset="0"/>
                                           </a:rPr>
                                         </m:ctrlPr>
                                       </m:sSubPr>
@@ -11569,6 +11514,7 @@
                                         <m:r>
                                           <a:rPr lang="uk-UA" sz="2200" b="1" i="1">
                                             <a:effectLst/>
+                                            <a:latin typeface="Cambria Math" panose="02040503050406030204" pitchFamily="18" charset="0"/>
                                           </a:rPr>
                                           <m:t>𝐱</m:t>
                                         </m:r>
@@ -11577,18 +11523,21 @@
                                         <m:r>
                                           <a:rPr lang="uk-UA" sz="2200" b="1" i="1">
                                             <a:effectLst/>
+                                            <a:latin typeface="Cambria Math" panose="02040503050406030204" pitchFamily="18" charset="0"/>
                                           </a:rPr>
                                           <m:t>𝐢</m:t>
                                         </m:r>
                                         <m:r>
                                           <a:rPr lang="uk-UA" sz="2200" b="1">
                                             <a:effectLst/>
+                                            <a:latin typeface="Cambria Math" panose="02040503050406030204" pitchFamily="18" charset="0"/>
                                           </a:rPr>
                                           <m:t>−</m:t>
                                         </m:r>
                                         <m:r>
                                           <a:rPr lang="uk-UA" sz="2200" b="1" i="1">
                                             <a:effectLst/>
+                                            <a:latin typeface="Cambria Math" panose="02040503050406030204" pitchFamily="18" charset="0"/>
                                           </a:rPr>
                                           <m:t>𝟏</m:t>
                                         </m:r>
@@ -11597,14 +11546,16 @@
                                     <m:r>
                                       <a:rPr lang="uk-UA" sz="2200" b="1">
                                         <a:effectLst/>
+                                        <a:latin typeface="Cambria Math" panose="02040503050406030204" pitchFamily="18" charset="0"/>
                                       </a:rPr>
                                       <m:t>,</m:t>
                                     </m:r>
                                     <m:sSub>
                                       <m:sSubPr>
                                         <m:ctrlPr>
-                                          <a:rPr lang="ru-RU" sz="2200" b="1">
+                                          <a:rPr lang="ru-RU" sz="2200" b="1" i="1">
                                             <a:effectLst/>
+                                            <a:latin typeface="Cambria Math" panose="02040503050406030204" pitchFamily="18" charset="0"/>
                                           </a:rPr>
                                         </m:ctrlPr>
                                       </m:sSubPr>
@@ -11612,6 +11563,7 @@
                                         <m:r>
                                           <a:rPr lang="uk-UA" sz="2200" b="1" i="1">
                                             <a:effectLst/>
+                                            <a:latin typeface="Cambria Math" panose="02040503050406030204" pitchFamily="18" charset="0"/>
                                           </a:rPr>
                                           <m:t>𝐭</m:t>
                                         </m:r>
@@ -11620,6 +11572,7 @@
                                         <m:r>
                                           <a:rPr lang="uk-UA" sz="2200" b="1" i="1">
                                             <a:effectLst/>
+                                            <a:latin typeface="Cambria Math" panose="02040503050406030204" pitchFamily="18" charset="0"/>
                                           </a:rPr>
                                           <m:t>𝐧</m:t>
                                         </m:r>
@@ -11628,6 +11581,7 @@
                                     <m:r>
                                       <a:rPr lang="uk-UA" sz="2200" b="1">
                                         <a:effectLst/>
+                                        <a:latin typeface="Cambria Math" panose="02040503050406030204" pitchFamily="18" charset="0"/>
                                       </a:rPr>
                                       <m:t>)</m:t>
                                     </m:r>
@@ -11636,18 +11590,21 @@
                                     <m:r>
                                       <a:rPr lang="uk-UA" sz="2200" b="1" i="1">
                                         <a:effectLst/>
+                                        <a:latin typeface="Cambria Math" panose="02040503050406030204" pitchFamily="18" charset="0"/>
                                       </a:rPr>
                                       <m:t>𝟐</m:t>
                                     </m:r>
                                     <m:r>
                                       <a:rPr lang="uk-UA" sz="2200" b="1">
                                         <a:effectLst/>
+                                        <a:latin typeface="Cambria Math" panose="02040503050406030204" pitchFamily="18" charset="0"/>
                                       </a:rPr>
                                       <m:t>∆</m:t>
                                     </m:r>
                                     <m:r>
                                       <a:rPr lang="uk-UA" sz="2200" b="1" i="1">
                                         <a:effectLst/>
+                                        <a:latin typeface="Cambria Math" panose="02040503050406030204" pitchFamily="18" charset="0"/>
                                       </a:rPr>
                                       <m:t>𝐱</m:t>
                                     </m:r>
@@ -11721,8 +11678,9 @@
                                 <m:f>
                                   <m:fPr>
                                     <m:ctrlPr>
-                                      <a:rPr lang="ru-RU" sz="2200" b="1" smtClean="0">
+                                      <a:rPr lang="ru-RU" sz="2200" b="1" i="1" smtClean="0">
                                         <a:effectLst/>
+                                        <a:latin typeface="Cambria Math" panose="02040503050406030204" pitchFamily="18" charset="0"/>
                                       </a:rPr>
                                     </m:ctrlPr>
                                   </m:fPr>
@@ -11730,8 +11688,9 @@
                                     <m:sSup>
                                       <m:sSupPr>
                                         <m:ctrlPr>
-                                          <a:rPr lang="ru-RU" sz="2200" b="1">
+                                          <a:rPr lang="ru-RU" sz="2200" b="1" i="1">
                                             <a:effectLst/>
+                                            <a:latin typeface="Cambria Math" panose="02040503050406030204" pitchFamily="18" charset="0"/>
                                           </a:rPr>
                                         </m:ctrlPr>
                                       </m:sSupPr>
@@ -11739,6 +11698,7 @@
                                         <m:r>
                                           <a:rPr lang="uk-UA" sz="2200" b="1" i="1">
                                             <a:effectLst/>
+                                            <a:latin typeface="Cambria Math" panose="02040503050406030204" pitchFamily="18" charset="0"/>
                                           </a:rPr>
                                           <m:t>𝛛</m:t>
                                         </m:r>
@@ -11747,6 +11707,7 @@
                                         <m:r>
                                           <a:rPr lang="uk-UA" sz="2200" b="1" i="1">
                                             <a:effectLst/>
+                                            <a:latin typeface="Cambria Math" panose="02040503050406030204" pitchFamily="18" charset="0"/>
                                           </a:rPr>
                                           <m:t>𝟐</m:t>
                                         </m:r>
@@ -11755,6 +11716,7 @@
                                     <m:r>
                                       <a:rPr lang="uk-UA" sz="2200" b="1" i="1">
                                         <a:effectLst/>
+                                        <a:latin typeface="Cambria Math" panose="02040503050406030204" pitchFamily="18" charset="0"/>
                                       </a:rPr>
                                       <m:t>𝐮</m:t>
                                     </m:r>
@@ -11763,14 +11725,16 @@
                                     <m:r>
                                       <a:rPr lang="uk-UA" sz="2200" b="1" i="1">
                                         <a:effectLst/>
+                                        <a:latin typeface="Cambria Math" panose="02040503050406030204" pitchFamily="18" charset="0"/>
                                       </a:rPr>
                                       <m:t>𝛛</m:t>
                                     </m:r>
                                     <m:sSup>
                                       <m:sSupPr>
                                         <m:ctrlPr>
-                                          <a:rPr lang="ru-RU" sz="2200" b="1">
+                                          <a:rPr lang="ru-RU" sz="2200" b="1" i="1">
                                             <a:effectLst/>
+                                            <a:latin typeface="Cambria Math" panose="02040503050406030204" pitchFamily="18" charset="0"/>
                                           </a:rPr>
                                         </m:ctrlPr>
                                       </m:sSupPr>
@@ -11778,6 +11742,7 @@
                                         <m:r>
                                           <a:rPr lang="uk-UA" sz="2200" b="1" i="1">
                                             <a:effectLst/>
+                                            <a:latin typeface="Cambria Math" panose="02040503050406030204" pitchFamily="18" charset="0"/>
                                           </a:rPr>
                                           <m:t>𝐱</m:t>
                                         </m:r>
@@ -11786,6 +11751,7 @@
                                         <m:r>
                                           <a:rPr lang="uk-UA" sz="2200" b="1" i="1">
                                             <a:effectLst/>
+                                            <a:latin typeface="Cambria Math" panose="02040503050406030204" pitchFamily="18" charset="0"/>
                                           </a:rPr>
                                           <m:t>𝟐</m:t>
                                         </m:r>
@@ -11796,8 +11762,9 @@
                                 <m:d>
                                   <m:dPr>
                                     <m:ctrlPr>
-                                      <a:rPr lang="ru-RU" sz="2200" b="1">
+                                      <a:rPr lang="ru-RU" sz="2200" b="1" i="1">
                                         <a:effectLst/>
+                                        <a:latin typeface="Cambria Math" panose="02040503050406030204" pitchFamily="18" charset="0"/>
                                       </a:rPr>
                                     </m:ctrlPr>
                                   </m:dPr>
@@ -11805,8 +11772,9 @@
                                     <m:sSub>
                                       <m:sSubPr>
                                         <m:ctrlPr>
-                                          <a:rPr lang="ru-RU" sz="2200" b="1" smtClean="0">
+                                          <a:rPr lang="ru-RU" sz="2200" b="1" i="1" smtClean="0">
                                             <a:effectLst/>
+                                            <a:latin typeface="Cambria Math" panose="02040503050406030204" pitchFamily="18" charset="0"/>
                                           </a:rPr>
                                         </m:ctrlPr>
                                       </m:sSubPr>
@@ -11814,6 +11782,7 @@
                                         <m:r>
                                           <a:rPr lang="uk-UA" sz="2200" b="1" i="1">
                                             <a:effectLst/>
+                                            <a:latin typeface="Cambria Math" panose="02040503050406030204" pitchFamily="18" charset="0"/>
                                           </a:rPr>
                                           <m:t>𝐱</m:t>
                                         </m:r>
@@ -11822,6 +11791,7 @@
                                         <m:r>
                                           <a:rPr lang="uk-UA" sz="2200" b="1" i="1">
                                             <a:effectLst/>
+                                            <a:latin typeface="Cambria Math" panose="02040503050406030204" pitchFamily="18" charset="0"/>
                                           </a:rPr>
                                           <m:t>𝐢</m:t>
                                         </m:r>
@@ -11830,14 +11800,16 @@
                                     <m:r>
                                       <a:rPr lang="uk-UA" sz="2200" b="1">
                                         <a:effectLst/>
+                                        <a:latin typeface="Cambria Math" panose="02040503050406030204" pitchFamily="18" charset="0"/>
                                       </a:rPr>
                                       <m:t>, </m:t>
                                     </m:r>
                                     <m:sSub>
                                       <m:sSubPr>
                                         <m:ctrlPr>
-                                          <a:rPr lang="ru-RU" sz="2200" b="1">
+                                          <a:rPr lang="ru-RU" sz="2200" b="1" i="1">
                                             <a:effectLst/>
+                                            <a:latin typeface="Cambria Math" panose="02040503050406030204" pitchFamily="18" charset="0"/>
                                           </a:rPr>
                                         </m:ctrlPr>
                                       </m:sSubPr>
@@ -11845,6 +11817,7 @@
                                         <m:r>
                                           <a:rPr lang="uk-UA" sz="2200" b="1" i="1">
                                             <a:effectLst/>
+                                            <a:latin typeface="Cambria Math" panose="02040503050406030204" pitchFamily="18" charset="0"/>
                                           </a:rPr>
                                           <m:t>𝐭</m:t>
                                         </m:r>
@@ -11853,6 +11826,7 @@
                                         <m:r>
                                           <a:rPr lang="uk-UA" sz="2200" b="1" i="1">
                                             <a:effectLst/>
+                                            <a:latin typeface="Cambria Math" panose="02040503050406030204" pitchFamily="18" charset="0"/>
                                           </a:rPr>
                                           <m:t>𝐧</m:t>
                                         </m:r>
@@ -11871,14 +11845,16 @@
                                 <m:r>
                                   <a:rPr lang="uk-UA" sz="2200" b="1">
                                     <a:effectLst/>
+                                    <a:latin typeface="Cambria Math" panose="02040503050406030204" pitchFamily="18" charset="0"/>
                                   </a:rPr>
                                   <m:t> </m:t>
                                 </m:r>
                                 <m:f>
                                   <m:fPr>
                                     <m:ctrlPr>
-                                      <a:rPr lang="ru-RU" sz="2200" b="1">
+                                      <a:rPr lang="ru-RU" sz="2200" b="1" i="1">
                                         <a:effectLst/>
+                                        <a:latin typeface="Cambria Math" panose="02040503050406030204" pitchFamily="18" charset="0"/>
                                       </a:rPr>
                                     </m:ctrlPr>
                                   </m:fPr>
@@ -11886,14 +11862,16 @@
                                     <m:r>
                                       <a:rPr lang="uk-UA" sz="2200" b="1" i="1">
                                         <a:effectLst/>
+                                        <a:latin typeface="Cambria Math" panose="02040503050406030204" pitchFamily="18" charset="0"/>
                                       </a:rPr>
                                       <m:t>𝐮</m:t>
                                     </m:r>
                                     <m:d>
                                       <m:dPr>
                                         <m:ctrlPr>
-                                          <a:rPr lang="ru-RU" sz="2200" b="1">
+                                          <a:rPr lang="ru-RU" sz="2200" b="1" i="1">
                                             <a:effectLst/>
+                                            <a:latin typeface="Cambria Math" panose="02040503050406030204" pitchFamily="18" charset="0"/>
                                           </a:rPr>
                                         </m:ctrlPr>
                                       </m:dPr>
@@ -11901,8 +11879,9 @@
                                         <m:sSub>
                                           <m:sSubPr>
                                             <m:ctrlPr>
-                                              <a:rPr lang="ru-RU" sz="2200" b="1">
+                                              <a:rPr lang="ru-RU" sz="2200" b="1" i="1">
                                                 <a:effectLst/>
+                                                <a:latin typeface="Cambria Math" panose="02040503050406030204" pitchFamily="18" charset="0"/>
                                               </a:rPr>
                                             </m:ctrlPr>
                                           </m:sSubPr>
@@ -11910,6 +11889,7 @@
                                             <m:r>
                                               <a:rPr lang="uk-UA" sz="2200" b="1" i="1">
                                                 <a:effectLst/>
+                                                <a:latin typeface="Cambria Math" panose="02040503050406030204" pitchFamily="18" charset="0"/>
                                               </a:rPr>
                                               <m:t>𝐱</m:t>
                                             </m:r>
@@ -11918,18 +11898,21 @@
                                             <m:r>
                                               <a:rPr lang="uk-UA" sz="2200" b="1" i="1">
                                                 <a:effectLst/>
+                                                <a:latin typeface="Cambria Math" panose="02040503050406030204" pitchFamily="18" charset="0"/>
                                               </a:rPr>
                                               <m:t>𝐢</m:t>
                                             </m:r>
                                             <m:r>
                                               <a:rPr lang="uk-UA" sz="2200" b="1">
                                                 <a:effectLst/>
+                                                <a:latin typeface="Cambria Math" panose="02040503050406030204" pitchFamily="18" charset="0"/>
                                               </a:rPr>
                                               <m:t>+</m:t>
                                             </m:r>
                                             <m:r>
                                               <a:rPr lang="uk-UA" sz="2200" b="1" i="1">
                                                 <a:effectLst/>
+                                                <a:latin typeface="Cambria Math" panose="02040503050406030204" pitchFamily="18" charset="0"/>
                                               </a:rPr>
                                               <m:t>𝟏</m:t>
                                             </m:r>
@@ -11938,14 +11921,16 @@
                                         <m:r>
                                           <a:rPr lang="uk-UA" sz="2200" b="1">
                                             <a:effectLst/>
+                                            <a:latin typeface="Cambria Math" panose="02040503050406030204" pitchFamily="18" charset="0"/>
                                           </a:rPr>
                                           <m:t>,</m:t>
                                         </m:r>
                                         <m:sSub>
                                           <m:sSubPr>
                                             <m:ctrlPr>
-                                              <a:rPr lang="ru-RU" sz="2200" b="1">
+                                              <a:rPr lang="ru-RU" sz="2200" b="1" i="1">
                                                 <a:effectLst/>
+                                                <a:latin typeface="Cambria Math" panose="02040503050406030204" pitchFamily="18" charset="0"/>
                                               </a:rPr>
                                             </m:ctrlPr>
                                           </m:sSubPr>
@@ -11953,6 +11938,7 @@
                                             <m:r>
                                               <a:rPr lang="uk-UA" sz="2200" b="1" i="1">
                                                 <a:effectLst/>
+                                                <a:latin typeface="Cambria Math" panose="02040503050406030204" pitchFamily="18" charset="0"/>
                                               </a:rPr>
                                               <m:t>𝐭</m:t>
                                             </m:r>
@@ -11961,6 +11947,7 @@
                                             <m:r>
                                               <a:rPr lang="uk-UA" sz="2200" b="1" i="1">
                                                 <a:effectLst/>
+                                                <a:latin typeface="Cambria Math" panose="02040503050406030204" pitchFamily="18" charset="0"/>
                                               </a:rPr>
                                               <m:t>𝐧</m:t>
                                             </m:r>
@@ -11969,6 +11956,7 @@
                                         <m:r>
                                           <a:rPr lang="uk-UA" sz="2200" b="1">
                                             <a:effectLst/>
+                                            <a:latin typeface="Cambria Math" panose="02040503050406030204" pitchFamily="18" charset="0"/>
                                           </a:rPr>
                                           <m:t> </m:t>
                                         </m:r>
@@ -11977,20 +11965,23 @@
                                     <m:r>
                                       <a:rPr lang="uk-UA" sz="2200" b="1">
                                         <a:effectLst/>
+                                        <a:latin typeface="Cambria Math" panose="02040503050406030204" pitchFamily="18" charset="0"/>
                                       </a:rPr>
                                       <m:t>−</m:t>
                                     </m:r>
                                     <m:r>
                                       <a:rPr lang="uk-UA" sz="2200" b="1" i="1">
                                         <a:effectLst/>
+                                        <a:latin typeface="Cambria Math" panose="02040503050406030204" pitchFamily="18" charset="0"/>
                                       </a:rPr>
                                       <m:t>𝟐𝐮</m:t>
                                     </m:r>
                                     <m:d>
                                       <m:dPr>
                                         <m:ctrlPr>
-                                          <a:rPr lang="ru-RU" sz="2200" b="1">
+                                          <a:rPr lang="ru-RU" sz="2200" b="1" i="1">
                                             <a:effectLst/>
+                                            <a:latin typeface="Cambria Math" panose="02040503050406030204" pitchFamily="18" charset="0"/>
                                           </a:rPr>
                                         </m:ctrlPr>
                                       </m:dPr>
@@ -11998,8 +11989,9 @@
                                         <m:sSub>
                                           <m:sSubPr>
                                             <m:ctrlPr>
-                                              <a:rPr lang="ru-RU" sz="2200" b="1">
+                                              <a:rPr lang="ru-RU" sz="2200" b="1" i="1">
                                                 <a:effectLst/>
+                                                <a:latin typeface="Cambria Math" panose="02040503050406030204" pitchFamily="18" charset="0"/>
                                               </a:rPr>
                                             </m:ctrlPr>
                                           </m:sSubPr>
@@ -12007,6 +11999,7 @@
                                             <m:r>
                                               <a:rPr lang="uk-UA" sz="2200" b="1" i="1">
                                                 <a:effectLst/>
+                                                <a:latin typeface="Cambria Math" panose="02040503050406030204" pitchFamily="18" charset="0"/>
                                               </a:rPr>
                                               <m:t>𝐱</m:t>
                                             </m:r>
@@ -12015,6 +12008,7 @@
                                             <m:r>
                                               <a:rPr lang="uk-UA" sz="2200" b="1" i="1">
                                                 <a:effectLst/>
+                                                <a:latin typeface="Cambria Math" panose="02040503050406030204" pitchFamily="18" charset="0"/>
                                               </a:rPr>
                                               <m:t>𝐢</m:t>
                                             </m:r>
@@ -12023,14 +12017,16 @@
                                         <m:r>
                                           <a:rPr lang="uk-UA" sz="2200" b="1">
                                             <a:effectLst/>
+                                            <a:latin typeface="Cambria Math" panose="02040503050406030204" pitchFamily="18" charset="0"/>
                                           </a:rPr>
                                           <m:t>,</m:t>
                                         </m:r>
                                         <m:sSub>
                                           <m:sSubPr>
                                             <m:ctrlPr>
-                                              <a:rPr lang="ru-RU" sz="2200" b="1">
+                                              <a:rPr lang="ru-RU" sz="2200" b="1" i="1">
                                                 <a:effectLst/>
+                                                <a:latin typeface="Cambria Math" panose="02040503050406030204" pitchFamily="18" charset="0"/>
                                               </a:rPr>
                                             </m:ctrlPr>
                                           </m:sSubPr>
@@ -12038,6 +12034,7 @@
                                             <m:r>
                                               <a:rPr lang="uk-UA" sz="2200" b="1" i="1">
                                                 <a:effectLst/>
+                                                <a:latin typeface="Cambria Math" panose="02040503050406030204" pitchFamily="18" charset="0"/>
                                               </a:rPr>
                                               <m:t>𝐭</m:t>
                                             </m:r>
@@ -12046,6 +12043,7 @@
                                             <m:r>
                                               <a:rPr lang="uk-UA" sz="2200" b="1" i="1">
                                                 <a:effectLst/>
+                                                <a:latin typeface="Cambria Math" panose="02040503050406030204" pitchFamily="18" charset="0"/>
                                               </a:rPr>
                                               <m:t>𝐧</m:t>
                                             </m:r>
@@ -12054,6 +12052,7 @@
                                         <m:r>
                                           <a:rPr lang="uk-UA" sz="2200" b="1">
                                             <a:effectLst/>
+                                            <a:latin typeface="Cambria Math" panose="02040503050406030204" pitchFamily="18" charset="0"/>
                                           </a:rPr>
                                           <m:t> </m:t>
                                         </m:r>
@@ -12062,20 +12061,23 @@
                                     <m:r>
                                       <a:rPr lang="uk-UA" sz="2200" b="1">
                                         <a:effectLst/>
+                                        <a:latin typeface="Cambria Math" panose="02040503050406030204" pitchFamily="18" charset="0"/>
                                       </a:rPr>
                                       <m:t>+</m:t>
                                     </m:r>
                                     <m:r>
                                       <a:rPr lang="uk-UA" sz="2200" b="1" i="1">
                                         <a:effectLst/>
+                                        <a:latin typeface="Cambria Math" panose="02040503050406030204" pitchFamily="18" charset="0"/>
                                       </a:rPr>
                                       <m:t>𝐮</m:t>
                                     </m:r>
                                     <m:d>
                                       <m:dPr>
                                         <m:ctrlPr>
-                                          <a:rPr lang="ru-RU" sz="2200" b="1">
+                                          <a:rPr lang="ru-RU" sz="2200" b="1" i="1">
                                             <a:effectLst/>
+                                            <a:latin typeface="Cambria Math" panose="02040503050406030204" pitchFamily="18" charset="0"/>
                                           </a:rPr>
                                         </m:ctrlPr>
                                       </m:dPr>
@@ -12083,8 +12085,9 @@
                                         <m:sSub>
                                           <m:sSubPr>
                                             <m:ctrlPr>
-                                              <a:rPr lang="ru-RU" sz="2200" b="1">
+                                              <a:rPr lang="ru-RU" sz="2200" b="1" i="1">
                                                 <a:effectLst/>
+                                                <a:latin typeface="Cambria Math" panose="02040503050406030204" pitchFamily="18" charset="0"/>
                                               </a:rPr>
                                             </m:ctrlPr>
                                           </m:sSubPr>
@@ -12092,6 +12095,7 @@
                                             <m:r>
                                               <a:rPr lang="uk-UA" sz="2200" b="1" i="1">
                                                 <a:effectLst/>
+                                                <a:latin typeface="Cambria Math" panose="02040503050406030204" pitchFamily="18" charset="0"/>
                                               </a:rPr>
                                               <m:t>𝐱</m:t>
                                             </m:r>
@@ -12100,18 +12104,21 @@
                                             <m:r>
                                               <a:rPr lang="uk-UA" sz="2200" b="1" i="1">
                                                 <a:effectLst/>
+                                                <a:latin typeface="Cambria Math" panose="02040503050406030204" pitchFamily="18" charset="0"/>
                                               </a:rPr>
                                               <m:t>𝐢</m:t>
                                             </m:r>
                                             <m:r>
                                               <a:rPr lang="uk-UA" sz="2200" b="1">
                                                 <a:effectLst/>
+                                                <a:latin typeface="Cambria Math" panose="02040503050406030204" pitchFamily="18" charset="0"/>
                                               </a:rPr>
                                               <m:t>−</m:t>
                                             </m:r>
                                             <m:r>
                                               <a:rPr lang="uk-UA" sz="2200" b="1" i="1">
                                                 <a:effectLst/>
+                                                <a:latin typeface="Cambria Math" panose="02040503050406030204" pitchFamily="18" charset="0"/>
                                               </a:rPr>
                                               <m:t>𝟏</m:t>
                                             </m:r>
@@ -12120,14 +12127,16 @@
                                         <m:r>
                                           <a:rPr lang="uk-UA" sz="2200" b="1">
                                             <a:effectLst/>
+                                            <a:latin typeface="Cambria Math" panose="02040503050406030204" pitchFamily="18" charset="0"/>
                                           </a:rPr>
                                           <m:t>,</m:t>
                                         </m:r>
                                         <m:sSub>
                                           <m:sSubPr>
                                             <m:ctrlPr>
-                                              <a:rPr lang="ru-RU" sz="2200" b="1">
+                                              <a:rPr lang="ru-RU" sz="2200" b="1" i="1">
                                                 <a:effectLst/>
+                                                <a:latin typeface="Cambria Math" panose="02040503050406030204" pitchFamily="18" charset="0"/>
                                               </a:rPr>
                                             </m:ctrlPr>
                                           </m:sSubPr>
@@ -12135,6 +12144,7 @@
                                             <m:r>
                                               <a:rPr lang="uk-UA" sz="2200" b="1" i="1">
                                                 <a:effectLst/>
+                                                <a:latin typeface="Cambria Math" panose="02040503050406030204" pitchFamily="18" charset="0"/>
                                               </a:rPr>
                                               <m:t>𝐭</m:t>
                                             </m:r>
@@ -12143,6 +12153,7 @@
                                             <m:r>
                                               <a:rPr lang="uk-UA" sz="2200" b="1" i="1">
                                                 <a:effectLst/>
+                                                <a:latin typeface="Cambria Math" panose="02040503050406030204" pitchFamily="18" charset="0"/>
                                               </a:rPr>
                                               <m:t>𝐧</m:t>
                                             </m:r>
@@ -12155,8 +12166,9 @@
                                     <m:sSup>
                                       <m:sSupPr>
                                         <m:ctrlPr>
-                                          <a:rPr lang="ru-RU" sz="2200" b="1">
+                                          <a:rPr lang="ru-RU" sz="2200" b="1" i="1">
                                             <a:effectLst/>
+                                            <a:latin typeface="Cambria Math" panose="02040503050406030204" pitchFamily="18" charset="0"/>
                                           </a:rPr>
                                         </m:ctrlPr>
                                       </m:sSupPr>
@@ -12164,8 +12176,9 @@
                                         <m:d>
                                           <m:dPr>
                                             <m:ctrlPr>
-                                              <a:rPr lang="ru-RU" sz="2200" b="1">
+                                              <a:rPr lang="ru-RU" sz="2200" b="1" i="1">
                                                 <a:effectLst/>
+                                                <a:latin typeface="Cambria Math" panose="02040503050406030204" pitchFamily="18" charset="0"/>
                                               </a:rPr>
                                             </m:ctrlPr>
                                           </m:dPr>
@@ -12173,12 +12186,14 @@
                                             <m:r>
                                               <a:rPr lang="uk-UA" sz="2200" b="1">
                                                 <a:effectLst/>
+                                                <a:latin typeface="Cambria Math" panose="02040503050406030204" pitchFamily="18" charset="0"/>
                                               </a:rPr>
                                               <m:t>∆</m:t>
                                             </m:r>
                                             <m:r>
                                               <a:rPr lang="uk-UA" sz="2200" b="1" i="1">
                                                 <a:effectLst/>
+                                                <a:latin typeface="Cambria Math" panose="02040503050406030204" pitchFamily="18" charset="0"/>
                                               </a:rPr>
                                               <m:t>𝐱</m:t>
                                             </m:r>
@@ -12189,6 +12204,7 @@
                                         <m:r>
                                           <a:rPr lang="uk-UA" sz="2200" b="1" i="1">
                                             <a:effectLst/>
+                                            <a:latin typeface="Cambria Math" panose="02040503050406030204" pitchFamily="18" charset="0"/>
                                           </a:rPr>
                                           <m:t>𝟐</m:t>
                                         </m:r>
@@ -12264,8 +12280,9 @@
                                 <m:f>
                                   <m:fPr>
                                     <m:ctrlPr>
-                                      <a:rPr lang="ru-RU" sz="2200" b="1">
+                                      <a:rPr lang="ru-RU" sz="2200" b="1" i="1">
                                         <a:effectLst/>
+                                        <a:latin typeface="Cambria Math" panose="02040503050406030204" pitchFamily="18" charset="0"/>
                                       </a:rPr>
                                     </m:ctrlPr>
                                   </m:fPr>
@@ -12273,12 +12290,14 @@
                                     <m:r>
                                       <a:rPr lang="uk-UA" sz="2200" b="1" i="1">
                                         <a:effectLst/>
+                                        <a:latin typeface="Cambria Math" panose="02040503050406030204" pitchFamily="18" charset="0"/>
                                       </a:rPr>
                                       <m:t>𝛛</m:t>
                                     </m:r>
                                     <m:r>
                                       <a:rPr lang="uk-UA" sz="2200" b="1" i="1">
                                         <a:effectLst/>
+                                        <a:latin typeface="Cambria Math" panose="02040503050406030204" pitchFamily="18" charset="0"/>
                                       </a:rPr>
                                       <m:t>𝐮</m:t>
                                     </m:r>
@@ -12287,12 +12306,14 @@
                                     <m:r>
                                       <a:rPr lang="uk-UA" sz="2200" b="1" i="1">
                                         <a:effectLst/>
+                                        <a:latin typeface="Cambria Math" panose="02040503050406030204" pitchFamily="18" charset="0"/>
                                       </a:rPr>
                                       <m:t>𝛛</m:t>
                                     </m:r>
                                     <m:r>
                                       <a:rPr lang="uk-UA" sz="2200" b="1" i="1">
                                         <a:effectLst/>
+                                        <a:latin typeface="Cambria Math" panose="02040503050406030204" pitchFamily="18" charset="0"/>
                                       </a:rPr>
                                       <m:t>𝐭</m:t>
                                     </m:r>
@@ -12301,8 +12322,9 @@
                                 <m:d>
                                   <m:dPr>
                                     <m:ctrlPr>
-                                      <a:rPr lang="ru-RU" sz="2200" b="1">
+                                      <a:rPr lang="ru-RU" sz="2200" b="1" i="1">
                                         <a:effectLst/>
+                                        <a:latin typeface="Cambria Math" panose="02040503050406030204" pitchFamily="18" charset="0"/>
                                       </a:rPr>
                                     </m:ctrlPr>
                                   </m:dPr>
@@ -12310,8 +12332,9 @@
                                     <m:sSub>
                                       <m:sSubPr>
                                         <m:ctrlPr>
-                                          <a:rPr lang="ru-RU" sz="2200" b="1">
+                                          <a:rPr lang="ru-RU" sz="2200" b="1" i="1">
                                             <a:effectLst/>
+                                            <a:latin typeface="Cambria Math" panose="02040503050406030204" pitchFamily="18" charset="0"/>
                                           </a:rPr>
                                         </m:ctrlPr>
                                       </m:sSubPr>
@@ -12319,6 +12342,7 @@
                                         <m:r>
                                           <a:rPr lang="uk-UA" sz="2200" b="1" i="1">
                                             <a:effectLst/>
+                                            <a:latin typeface="Cambria Math" panose="02040503050406030204" pitchFamily="18" charset="0"/>
                                           </a:rPr>
                                           <m:t>𝐱</m:t>
                                         </m:r>
@@ -12327,6 +12351,7 @@
                                         <m:r>
                                           <a:rPr lang="uk-UA" sz="2200" b="1" i="1">
                                             <a:effectLst/>
+                                            <a:latin typeface="Cambria Math" panose="02040503050406030204" pitchFamily="18" charset="0"/>
                                           </a:rPr>
                                           <m:t>𝐢</m:t>
                                         </m:r>
@@ -12335,14 +12360,16 @@
                                     <m:r>
                                       <a:rPr lang="uk-UA" sz="2200" b="1">
                                         <a:effectLst/>
+                                        <a:latin typeface="Cambria Math" panose="02040503050406030204" pitchFamily="18" charset="0"/>
                                       </a:rPr>
                                       <m:t>, </m:t>
                                     </m:r>
                                     <m:sSub>
                                       <m:sSubPr>
                                         <m:ctrlPr>
-                                          <a:rPr lang="ru-RU" sz="2200" b="1">
+                                          <a:rPr lang="ru-RU" sz="2200" b="1" i="1">
                                             <a:effectLst/>
+                                            <a:latin typeface="Cambria Math" panose="02040503050406030204" pitchFamily="18" charset="0"/>
                                           </a:rPr>
                                         </m:ctrlPr>
                                       </m:sSubPr>
@@ -12350,6 +12377,7 @@
                                         <m:r>
                                           <a:rPr lang="uk-UA" sz="2200" b="1" i="1">
                                             <a:effectLst/>
+                                            <a:latin typeface="Cambria Math" panose="02040503050406030204" pitchFamily="18" charset="0"/>
                                           </a:rPr>
                                           <m:t>𝐭</m:t>
                                         </m:r>
@@ -12358,6 +12386,7 @@
                                         <m:r>
                                           <a:rPr lang="uk-UA" sz="2200" b="1" i="1">
                                             <a:effectLst/>
+                                            <a:latin typeface="Cambria Math" panose="02040503050406030204" pitchFamily="18" charset="0"/>
                                           </a:rPr>
                                           <m:t>𝐧</m:t>
                                         </m:r>
@@ -12376,14 +12405,16 @@
                                 <m:r>
                                   <a:rPr lang="uk-UA" sz="2200" b="1">
                                     <a:effectLst/>
+                                    <a:latin typeface="Cambria Math" panose="02040503050406030204" pitchFamily="18" charset="0"/>
                                   </a:rPr>
                                   <m:t> </m:t>
                                 </m:r>
                                 <m:f>
                                   <m:fPr>
                                     <m:ctrlPr>
-                                      <a:rPr lang="ru-RU" sz="2200" b="1">
+                                      <a:rPr lang="ru-RU" sz="2200" b="1" i="1">
                                         <a:effectLst/>
+                                        <a:latin typeface="Cambria Math" panose="02040503050406030204" pitchFamily="18" charset="0"/>
                                       </a:rPr>
                                     </m:ctrlPr>
                                   </m:fPr>
@@ -12391,14 +12422,16 @@
                                     <m:r>
                                       <a:rPr lang="uk-UA" sz="2200" b="1" i="1">
                                         <a:effectLst/>
+                                        <a:latin typeface="Cambria Math" panose="02040503050406030204" pitchFamily="18" charset="0"/>
                                       </a:rPr>
                                       <m:t>𝐮</m:t>
                                     </m:r>
                                     <m:d>
                                       <m:dPr>
                                         <m:ctrlPr>
-                                          <a:rPr lang="ru-RU" sz="2200" b="1">
+                                          <a:rPr lang="ru-RU" sz="2200" b="1" i="1">
                                             <a:effectLst/>
+                                            <a:latin typeface="Cambria Math" panose="02040503050406030204" pitchFamily="18" charset="0"/>
                                           </a:rPr>
                                         </m:ctrlPr>
                                       </m:dPr>
@@ -12406,8 +12439,9 @@
                                         <m:sSub>
                                           <m:sSubPr>
                                             <m:ctrlPr>
-                                              <a:rPr lang="ru-RU" sz="2200" b="1">
+                                              <a:rPr lang="ru-RU" sz="2200" b="1" i="1">
                                                 <a:effectLst/>
+                                                <a:latin typeface="Cambria Math" panose="02040503050406030204" pitchFamily="18" charset="0"/>
                                               </a:rPr>
                                             </m:ctrlPr>
                                           </m:sSubPr>
@@ -12415,6 +12449,7 @@
                                             <m:r>
                                               <a:rPr lang="uk-UA" sz="2200" b="1" i="1">
                                                 <a:effectLst/>
+                                                <a:latin typeface="Cambria Math" panose="02040503050406030204" pitchFamily="18" charset="0"/>
                                               </a:rPr>
                                               <m:t>𝐱</m:t>
                                             </m:r>
@@ -12423,6 +12458,7 @@
                                             <m:r>
                                               <a:rPr lang="uk-UA" sz="2200" b="1" i="1">
                                                 <a:effectLst/>
+                                                <a:latin typeface="Cambria Math" panose="02040503050406030204" pitchFamily="18" charset="0"/>
                                               </a:rPr>
                                               <m:t>𝐢</m:t>
                                             </m:r>
@@ -12431,14 +12467,16 @@
                                         <m:r>
                                           <a:rPr lang="uk-UA" sz="2200" b="1">
                                             <a:effectLst/>
+                                            <a:latin typeface="Cambria Math" panose="02040503050406030204" pitchFamily="18" charset="0"/>
                                           </a:rPr>
                                           <m:t>,</m:t>
                                         </m:r>
                                         <m:sSub>
                                           <m:sSubPr>
                                             <m:ctrlPr>
-                                              <a:rPr lang="ru-RU" sz="2200" b="1">
+                                              <a:rPr lang="ru-RU" sz="2200" b="1" i="1">
                                                 <a:effectLst/>
+                                                <a:latin typeface="Cambria Math" panose="02040503050406030204" pitchFamily="18" charset="0"/>
                                               </a:rPr>
                                             </m:ctrlPr>
                                           </m:sSubPr>
@@ -12446,6 +12484,7 @@
                                             <m:r>
                                               <a:rPr lang="uk-UA" sz="2200" b="1" i="1">
                                                 <a:effectLst/>
+                                                <a:latin typeface="Cambria Math" panose="02040503050406030204" pitchFamily="18" charset="0"/>
                                               </a:rPr>
                                               <m:t>𝐭</m:t>
                                             </m:r>
@@ -12454,18 +12493,21 @@
                                             <m:r>
                                               <a:rPr lang="uk-UA" sz="2200" b="1" i="1">
                                                 <a:effectLst/>
+                                                <a:latin typeface="Cambria Math" panose="02040503050406030204" pitchFamily="18" charset="0"/>
                                               </a:rPr>
                                               <m:t>𝐧</m:t>
                                             </m:r>
                                             <m:r>
                                               <a:rPr lang="uk-UA" sz="2200" b="1">
                                                 <a:effectLst/>
+                                                <a:latin typeface="Cambria Math" panose="02040503050406030204" pitchFamily="18" charset="0"/>
                                               </a:rPr>
                                               <m:t>+</m:t>
                                             </m:r>
                                             <m:r>
                                               <a:rPr lang="uk-UA" sz="2200" b="1" i="1">
                                                 <a:effectLst/>
+                                                <a:latin typeface="Cambria Math" panose="02040503050406030204" pitchFamily="18" charset="0"/>
                                               </a:rPr>
                                               <m:t>𝟏</m:t>
                                             </m:r>
@@ -12474,6 +12516,7 @@
                                         <m:r>
                                           <a:rPr lang="uk-UA" sz="2200" b="1">
                                             <a:effectLst/>
+                                            <a:latin typeface="Cambria Math" panose="02040503050406030204" pitchFamily="18" charset="0"/>
                                           </a:rPr>
                                           <m:t> </m:t>
                                         </m:r>
@@ -12482,26 +12525,30 @@
                                     <m:r>
                                       <a:rPr lang="uk-UA" sz="2200" b="1">
                                         <a:effectLst/>
+                                        <a:latin typeface="Cambria Math" panose="02040503050406030204" pitchFamily="18" charset="0"/>
                                       </a:rPr>
                                       <m:t>−</m:t>
                                     </m:r>
                                     <m:r>
                                       <a:rPr lang="uk-UA" sz="2200" b="1" i="1">
                                         <a:effectLst/>
+                                        <a:latin typeface="Cambria Math" panose="02040503050406030204" pitchFamily="18" charset="0"/>
                                       </a:rPr>
                                       <m:t>𝐮</m:t>
                                     </m:r>
                                     <m:r>
                                       <a:rPr lang="uk-UA" sz="2200" b="1">
                                         <a:effectLst/>
+                                        <a:latin typeface="Cambria Math" panose="02040503050406030204" pitchFamily="18" charset="0"/>
                                       </a:rPr>
                                       <m:t>(</m:t>
                                     </m:r>
                                     <m:sSub>
                                       <m:sSubPr>
                                         <m:ctrlPr>
-                                          <a:rPr lang="ru-RU" sz="2200" b="1">
+                                          <a:rPr lang="ru-RU" sz="2200" b="1" i="1">
                                             <a:effectLst/>
+                                            <a:latin typeface="Cambria Math" panose="02040503050406030204" pitchFamily="18" charset="0"/>
                                           </a:rPr>
                                         </m:ctrlPr>
                                       </m:sSubPr>
@@ -12509,6 +12556,7 @@
                                         <m:r>
                                           <a:rPr lang="uk-UA" sz="2200" b="1" i="1">
                                             <a:effectLst/>
+                                            <a:latin typeface="Cambria Math" panose="02040503050406030204" pitchFamily="18" charset="0"/>
                                           </a:rPr>
                                           <m:t>𝐱</m:t>
                                         </m:r>
@@ -12517,6 +12565,7 @@
                                         <m:r>
                                           <a:rPr lang="uk-UA" sz="2200" b="1" i="1">
                                             <a:effectLst/>
+                                            <a:latin typeface="Cambria Math" panose="02040503050406030204" pitchFamily="18" charset="0"/>
                                           </a:rPr>
                                           <m:t>𝐢</m:t>
                                         </m:r>
@@ -12525,14 +12574,16 @@
                                     <m:r>
                                       <a:rPr lang="uk-UA" sz="2200" b="1">
                                         <a:effectLst/>
+                                        <a:latin typeface="Cambria Math" panose="02040503050406030204" pitchFamily="18" charset="0"/>
                                       </a:rPr>
                                       <m:t>,</m:t>
                                     </m:r>
                                     <m:sSub>
                                       <m:sSubPr>
                                         <m:ctrlPr>
-                                          <a:rPr lang="ru-RU" sz="2200" b="1">
+                                          <a:rPr lang="ru-RU" sz="2200" b="1" i="1">
                                             <a:effectLst/>
+                                            <a:latin typeface="Cambria Math" panose="02040503050406030204" pitchFamily="18" charset="0"/>
                                           </a:rPr>
                                         </m:ctrlPr>
                                       </m:sSubPr>
@@ -12540,6 +12591,7 @@
                                         <m:r>
                                           <a:rPr lang="uk-UA" sz="2200" b="1" i="1">
                                             <a:effectLst/>
+                                            <a:latin typeface="Cambria Math" panose="02040503050406030204" pitchFamily="18" charset="0"/>
                                           </a:rPr>
                                           <m:t>𝐭</m:t>
                                         </m:r>
@@ -12548,6 +12600,7 @@
                                         <m:r>
                                           <a:rPr lang="uk-UA" sz="2200" b="1" i="1">
                                             <a:effectLst/>
+                                            <a:latin typeface="Cambria Math" panose="02040503050406030204" pitchFamily="18" charset="0"/>
                                           </a:rPr>
                                           <m:t>𝐧</m:t>
                                         </m:r>
@@ -12556,6 +12609,7 @@
                                     <m:r>
                                       <a:rPr lang="uk-UA" sz="2200" b="1">
                                         <a:effectLst/>
+                                        <a:latin typeface="Cambria Math" panose="02040503050406030204" pitchFamily="18" charset="0"/>
                                       </a:rPr>
                                       <m:t>)</m:t>
                                     </m:r>
@@ -12564,12 +12618,14 @@
                                     <m:r>
                                       <a:rPr lang="uk-UA" sz="2200" b="1">
                                         <a:effectLst/>
+                                        <a:latin typeface="Cambria Math" panose="02040503050406030204" pitchFamily="18" charset="0"/>
                                       </a:rPr>
                                       <m:t>∆</m:t>
                                     </m:r>
                                     <m:r>
                                       <a:rPr lang="uk-UA" sz="2200" b="1" i="1">
                                         <a:effectLst/>
+                                        <a:latin typeface="Cambria Math" panose="02040503050406030204" pitchFamily="18" charset="0"/>
                                       </a:rPr>
                                       <m:t>𝐭</m:t>
                                     </m:r>
@@ -12594,7 +12650,7 @@
             </a:graphic>
           </p:graphicFrame>
         </mc:Choice>
-        <mc:Fallback>
+        <mc:Fallback xmlns="">
           <p:graphicFrame>
             <p:nvGraphicFramePr>
               <p:cNvPr id="3" name="Таблица 2"/>
@@ -12757,6 +12813,9 @@
   <p:clrMapOvr>
     <a:masterClrMapping/>
   </p:clrMapOvr>
+  <p:transition spd="slow">
+    <p:push dir="u"/>
+  </p:transition>
   <p:timing>
     <p:tnLst>
       <p:par>
@@ -12856,8 +12915,8 @@
           </a:ln>
         </p:spPr>
       </p:pic>
-      <mc:AlternateContent xmlns:mc="http://schemas.openxmlformats.org/markup-compatibility/2006">
-        <mc:Choice xmlns:a14="http://schemas.microsoft.com/office/drawing/2010/main" Requires="a14">
+      <mc:AlternateContent xmlns:mc="http://schemas.openxmlformats.org/markup-compatibility/2006" xmlns:a14="http://schemas.microsoft.com/office/drawing/2010/main">
+        <mc:Choice Requires="a14">
           <p:sp>
             <p:nvSpPr>
               <p:cNvPr id="3" name="Прямоугольник 2"/>
@@ -13276,7 +13335,7 @@
             </p:txBody>
           </p:sp>
         </mc:Choice>
-        <mc:Fallback>
+        <mc:Fallback xmlns="">
           <p:sp>
             <p:nvSpPr>
               <p:cNvPr id="3" name="Прямоугольник 2"/>
@@ -13315,8 +13374,8 @@
           </p:sp>
         </mc:Fallback>
       </mc:AlternateContent>
-      <mc:AlternateContent xmlns:mc="http://schemas.openxmlformats.org/markup-compatibility/2006">
-        <mc:Choice xmlns:a14="http://schemas.microsoft.com/office/drawing/2010/main" Requires="a14">
+      <mc:AlternateContent xmlns:mc="http://schemas.openxmlformats.org/markup-compatibility/2006" xmlns:a14="http://schemas.microsoft.com/office/drawing/2010/main">
+        <mc:Choice Requires="a14">
           <p:sp>
             <p:nvSpPr>
               <p:cNvPr id="7" name="Прямоугольник 6"/>
@@ -13481,7 +13540,7 @@
             </p:txBody>
           </p:sp>
         </mc:Choice>
-        <mc:Fallback>
+        <mc:Fallback xmlns="">
           <p:sp>
             <p:nvSpPr>
               <p:cNvPr id="7" name="Прямоугольник 6"/>
@@ -13520,8 +13579,8 @@
           </p:sp>
         </mc:Fallback>
       </mc:AlternateContent>
-      <mc:AlternateContent xmlns:mc="http://schemas.openxmlformats.org/markup-compatibility/2006">
-        <mc:Choice xmlns:a14="http://schemas.microsoft.com/office/drawing/2010/main" Requires="a14">
+      <mc:AlternateContent xmlns:mc="http://schemas.openxmlformats.org/markup-compatibility/2006" xmlns:a14="http://schemas.microsoft.com/office/drawing/2010/main">
+        <mc:Choice Requires="a14">
           <p:sp>
             <p:nvSpPr>
               <p:cNvPr id="4" name="Прямоугольник 3"/>
@@ -13543,6 +13602,7 @@
               </a:bodyPr>
               <a:lstStyle/>
               <a:p>
+                <a:pPr/>
                 <a14:m>
                   <m:oMathPara xmlns:m="http://schemas.openxmlformats.org/officeDocument/2006/math">
                     <m:oMathParaPr>
@@ -13661,7 +13721,7 @@
             </p:txBody>
           </p:sp>
         </mc:Choice>
-        <mc:Fallback>
+        <mc:Fallback xmlns="">
           <p:sp>
             <p:nvSpPr>
               <p:cNvPr id="4" name="Прямоугольник 3"/>
@@ -13710,6 +13770,9 @@
   <p:clrMapOvr>
     <a:masterClrMapping/>
   </p:clrMapOvr>
+  <p:transition spd="slow">
+    <p:push dir="u"/>
+  </p:transition>
   <p:timing>
     <p:tnLst>
       <p:par>
@@ -13772,8 +13835,8 @@
           </a:p>
         </p:txBody>
       </p:sp>
-      <mc:AlternateContent xmlns:mc="http://schemas.openxmlformats.org/markup-compatibility/2006">
-        <mc:Choice xmlns:a14="http://schemas.microsoft.com/office/drawing/2010/main" Requires="a14">
+      <mc:AlternateContent xmlns:mc="http://schemas.openxmlformats.org/markup-compatibility/2006" xmlns:a14="http://schemas.microsoft.com/office/drawing/2010/main">
+        <mc:Choice Requires="a14">
           <p:sp>
             <p:nvSpPr>
               <p:cNvPr id="3" name="Прямоугольник 2"/>
@@ -14210,7 +14273,7 @@
             </p:txBody>
           </p:sp>
         </mc:Choice>
-        <mc:Fallback>
+        <mc:Fallback xmlns="">
           <p:sp>
             <p:nvSpPr>
               <p:cNvPr id="3" name="Прямоугольник 2"/>
@@ -14282,8 +14345,8 @@
           </a:ln>
         </p:spPr>
       </p:pic>
-      <mc:AlternateContent xmlns:mc="http://schemas.openxmlformats.org/markup-compatibility/2006">
-        <mc:Choice xmlns:a14="http://schemas.microsoft.com/office/drawing/2010/main" Requires="a14">
+      <mc:AlternateContent xmlns:mc="http://schemas.openxmlformats.org/markup-compatibility/2006" xmlns:a14="http://schemas.microsoft.com/office/drawing/2010/main">
+        <mc:Choice Requires="a14">
           <p:sp>
             <p:nvSpPr>
               <p:cNvPr id="8" name="Прямоугольник 7"/>
@@ -14448,7 +14511,7 @@
             </p:txBody>
           </p:sp>
         </mc:Choice>
-        <mc:Fallback>
+        <mc:Fallback xmlns="">
           <p:sp>
             <p:nvSpPr>
               <p:cNvPr id="8" name="Прямоугольник 7"/>
@@ -14497,6 +14560,9 @@
   <p:clrMapOvr>
     <a:masterClrMapping/>
   </p:clrMapOvr>
+  <p:transition spd="slow">
+    <p:push dir="u"/>
+  </p:transition>
   <p:timing>
     <p:tnLst>
       <p:par>
@@ -20977,6 +21043,9 @@
   <p:clrMapOvr>
     <a:masterClrMapping/>
   </p:clrMapOvr>
+  <p:transition spd="slow">
+    <p:push dir="u"/>
+  </p:transition>
   <p:timing>
     <p:tnLst>
       <p:par>
@@ -21071,6 +21140,9 @@
   <p:clrMapOvr>
     <a:masterClrMapping/>
   </p:clrMapOvr>
+  <p:transition spd="slow">
+    <p:push dir="u"/>
+  </p:transition>
   <p:timing>
     <p:tnLst>
       <p:par>
